--- a/Presentation.pptx
+++ b/Presentation.pptx
@@ -7,10 +7,10 @@
     <p:sldMasterId id="2147483802" r:id="rId3"/>
   </p:sldMasterIdLst>
   <p:notesMasterIdLst>
-    <p:notesMasterId r:id="rId37"/>
+    <p:notesMasterId r:id="rId38"/>
   </p:notesMasterIdLst>
   <p:handoutMasterIdLst>
-    <p:handoutMasterId r:id="rId38"/>
+    <p:handoutMasterId r:id="rId39"/>
   </p:handoutMasterIdLst>
   <p:sldIdLst>
     <p:sldId id="256" r:id="rId4"/>
@@ -46,28 +46,29 @@
     <p:sldId id="261" r:id="rId34"/>
     <p:sldId id="346" r:id="rId35"/>
     <p:sldId id="281" r:id="rId36"/>
+    <p:sldId id="361" r:id="rId37"/>
   </p:sldIdLst>
   <p:sldSz cx="12188825" cy="6858000"/>
   <p:notesSz cx="6858000" cy="9144000"/>
   <p:embeddedFontLst>
     <p:embeddedFont>
       <p:font typeface="Segoe UI" panose="020B0502040204020203" pitchFamily="34" charset="0"/>
-      <p:regular r:id="rId39"/>
-      <p:bold r:id="rId40"/>
-      <p:italic r:id="rId41"/>
-      <p:boldItalic r:id="rId42"/>
+      <p:regular r:id="rId40"/>
+      <p:bold r:id="rId41"/>
+      <p:italic r:id="rId42"/>
+      <p:boldItalic r:id="rId43"/>
     </p:embeddedFont>
     <p:embeddedFont>
       <p:font typeface="Segoe UI Light" panose="020B0502040204020203" pitchFamily="34" charset="0"/>
-      <p:regular r:id="rId43"/>
-      <p:italic r:id="rId44"/>
+      <p:regular r:id="rId44"/>
+      <p:italic r:id="rId45"/>
     </p:embeddedFont>
     <p:embeddedFont>
       <p:font typeface="Consolas" panose="020B0609020204030204" pitchFamily="49" charset="0"/>
-      <p:regular r:id="rId45"/>
-      <p:bold r:id="rId46"/>
-      <p:italic r:id="rId47"/>
-      <p:boldItalic r:id="rId48"/>
+      <p:regular r:id="rId46"/>
+      <p:bold r:id="rId47"/>
+      <p:italic r:id="rId48"/>
+      <p:boldItalic r:id="rId49"/>
     </p:embeddedFont>
   </p:embeddedFontLst>
   <p:defaultTextStyle>
@@ -362,7 +363,7 @@
                 <a:latin typeface="Segoe UI" pitchFamily="34" charset="0"/>
               </a:rPr>
               <a:pPr/>
-              <a:t>5/4/2013</a:t>
+              <a:t>5/6/2013</a:t>
             </a:fld>
             <a:endParaRPr lang="en-US" dirty="0">
               <a:latin typeface="Segoe UI" pitchFamily="34" charset="0"/>
@@ -578,7 +579,7 @@
             <a:fld id="{7C3FBCD4-166E-446F-AF18-7D4A0CF9AEF6}" type="datetimeFigureOut">
               <a:rPr lang="en-US" smtClean="0"/>
               <a:pPr/>
-              <a:t>5/4/2013</a:t>
+              <a:t>5/6/2013</a:t>
             </a:fld>
             <a:endParaRPr lang="en-US" dirty="0"/>
           </a:p>
@@ -1963,42 +1964,14 @@
                 <a:effectLst/>
                 <a:latin typeface="Segoe UI" panose="020B0502040204020203" pitchFamily="34" charset="0"/>
               </a:rPr>
-              <a:t>hile Windows Azure SQL </a:t>
-            </a:r>
-            <a:r>
-              <a:rPr lang="en-US" baseline="0" dirty="0" smtClean="0">
-                <a:effectLst/>
-                <a:latin typeface="Segoe UI" panose="020B0502040204020203" pitchFamily="34" charset="0"/>
-              </a:rPr>
-              <a:t>Database is </a:t>
-            </a:r>
-            <a:r>
-              <a:rPr lang="en-US" baseline="0" dirty="0" smtClean="0">
-                <a:effectLst/>
-                <a:latin typeface="Segoe UI" panose="020B0502040204020203" pitchFamily="34" charset="0"/>
-              </a:rPr>
-              <a:t>MSSQL, </a:t>
-            </a:r>
-            <a:r>
-              <a:rPr lang="en-US" baseline="0" dirty="0" smtClean="0">
-                <a:effectLst/>
-                <a:latin typeface="Segoe UI" panose="020B0502040204020203" pitchFamily="34" charset="0"/>
-              </a:rPr>
-              <a:t>we do not interact with them in the same physical manner. </a:t>
+              <a:t>hile Windows Azure SQL Database is MSSQL, we do not interact with them in the same physical manner. </a:t>
             </a:r>
             <a:r>
               <a:rPr lang="en-US" dirty="0" smtClean="0">
                 <a:effectLst/>
                 <a:latin typeface="Segoe UI" panose="020B0502040204020203" pitchFamily="34" charset="0"/>
               </a:rPr>
-              <a:t>In </a:t>
-            </a:r>
-            <a:r>
-              <a:rPr lang="en-US" dirty="0" smtClean="0">
-                <a:effectLst/>
-                <a:latin typeface="Segoe UI" panose="020B0502040204020203" pitchFamily="34" charset="0"/>
-              </a:rPr>
-              <a:t>an on-premises</a:t>
+              <a:t>In an on-premises</a:t>
             </a:r>
             <a:r>
               <a:rPr lang="en-US" baseline="0" dirty="0" smtClean="0">
@@ -2040,21 +2013,7 @@
                 <a:effectLst/>
                 <a:latin typeface="Segoe UI" panose="020B0502040204020203" pitchFamily="34" charset="0"/>
               </a:rPr>
-              <a:t> </a:t>
-            </a:r>
-            <a:r>
-              <a:rPr lang="en-US" baseline="0" dirty="0" smtClean="0">
-                <a:effectLst/>
-                <a:latin typeface="Segoe UI" panose="020B0502040204020203" pitchFamily="34" charset="0"/>
-              </a:rPr>
-              <a:t>Windows Azure, we do not have physical access to the actual server</a:t>
-            </a:r>
-            <a:r>
-              <a:rPr lang="en-US" baseline="0" dirty="0" smtClean="0">
-                <a:effectLst/>
-                <a:latin typeface="Segoe UI" panose="020B0502040204020203" pitchFamily="34" charset="0"/>
-              </a:rPr>
-              <a:t>.</a:t>
+              <a:t> Windows Azure, we do not have physical access to the actual server.</a:t>
             </a:r>
           </a:p>
           <a:p>
@@ -2183,7 +2142,7 @@
         <p:spPr/>
         <p:txBody>
           <a:bodyPr>
-            <a:normAutofit fontScale="92500" lnSpcReduction="20000"/>
+            <a:normAutofit/>
           </a:bodyPr>
           <a:lstStyle/>
           <a:p>
@@ -7833,7 +7792,7 @@
             <a:fld id="{D7CE58A2-1EDC-45F0-BACE-E3574D82C834}" type="datetimeFigureOut">
               <a:rPr lang="en-US" smtClean="0"/>
               <a:pPr/>
-              <a:t>5/4/2013</a:t>
+              <a:t>5/6/2013</a:t>
             </a:fld>
             <a:endParaRPr lang="en-US"/>
           </a:p>
@@ -21381,15 +21340,7 @@
           <a:p>
             <a:r>
               <a:rPr lang="en-US" dirty="0" smtClean="0"/>
-              <a:t>Windows </a:t>
-            </a:r>
-            <a:r>
-              <a:rPr lang="en-US" dirty="0" smtClean="0"/>
-              <a:t>Azure SQL </a:t>
-            </a:r>
-            <a:r>
-              <a:rPr lang="en-US" dirty="0" smtClean="0"/>
-              <a:t>Databases</a:t>
+              <a:t>Windows Azure SQL Databases</a:t>
             </a:r>
             <a:endParaRPr lang="en-US" dirty="0"/>
           </a:p>
@@ -21428,11 +21379,7 @@
             </a:r>
             <a:r>
               <a:rPr lang="en-US" sz="2000" dirty="0" err="1" smtClean="0"/>
-              <a:t>R</a:t>
-            </a:r>
-            <a:r>
-              <a:rPr lang="en-US" sz="2000" dirty="0" err="1" smtClean="0"/>
-              <a:t>eadify</a:t>
+              <a:t>Readify</a:t>
             </a:r>
             <a:endParaRPr lang="en-US" sz="2000" dirty="0" smtClean="0"/>
           </a:p>
@@ -23527,15 +23474,7 @@
             </a:pPr>
             <a:r>
               <a:rPr lang="en-US" spc="-51" dirty="0" smtClean="0"/>
-              <a:t>Remember to add your IP address / the IP of your server to the </a:t>
-            </a:r>
-            <a:r>
-              <a:rPr lang="en-US" spc="-51" dirty="0" smtClean="0"/>
-              <a:t>f</a:t>
-            </a:r>
-            <a:r>
-              <a:rPr lang="en-US" spc="-51" dirty="0" smtClean="0"/>
-              <a:t>irewall rules if it’s outside Azure</a:t>
+              <a:t>Remember to add your IP address / the IP of your server to the firewall rules if it’s outside Azure</a:t>
             </a:r>
             <a:endParaRPr lang="en-US" spc="-51" dirty="0"/>
           </a:p>
@@ -24303,7 +24242,6 @@
               <a:rPr lang="en-US" sz="4000" dirty="0" smtClean="0"/>
               <a:t>Live demonstration</a:t>
             </a:r>
-            <a:endParaRPr lang="en-US" sz="4000" dirty="0" smtClean="0"/>
           </a:p>
         </p:txBody>
       </p:sp>
@@ -25620,11 +25558,7 @@
             </a:br>
             <a:r>
               <a:rPr lang="en-US" sz="4800" dirty="0" smtClean="0"/>
-              <a:t>Database </a:t>
-            </a:r>
-            <a:r>
-              <a:rPr lang="en-US" sz="4800" dirty="0" smtClean="0"/>
-              <a:t>Server</a:t>
+              <a:t>Database Server</a:t>
             </a:r>
             <a:endParaRPr lang="en-US" sz="4800" dirty="0"/>
           </a:p>
@@ -25893,6 +25827,115 @@
       </p:par>
     </p:tnLst>
   </p:timing>
+</p:sld>
+</file>
+
+<file path=ppt/slides/slide34.xml><?xml version="1.0" encoding="utf-8"?>
+<p:sld xmlns:a="http://schemas.openxmlformats.org/drawingml/2006/main" xmlns:r="http://schemas.openxmlformats.org/officeDocument/2006/relationships" xmlns:p="http://schemas.openxmlformats.org/presentationml/2006/main">
+  <p:cSld>
+    <p:spTree>
+      <p:nvGrpSpPr>
+        <p:cNvPr id="1" name=""/>
+        <p:cNvGrpSpPr/>
+        <p:nvPr/>
+      </p:nvGrpSpPr>
+      <p:grpSpPr>
+        <a:xfrm>
+          <a:off x="0" y="0"/>
+          <a:ext cx="0" cy="0"/>
+          <a:chOff x="0" y="0"/>
+          <a:chExt cx="0" cy="0"/>
+        </a:xfrm>
+      </p:grpSpPr>
+      <p:sp>
+        <p:nvSpPr>
+          <p:cNvPr id="2" name="Title 1"/>
+          <p:cNvSpPr>
+            <a:spLocks noGrp="1"/>
+          </p:cNvSpPr>
+          <p:nvPr>
+            <p:ph type="title"/>
+          </p:nvPr>
+        </p:nvSpPr>
+        <p:spPr/>
+        <p:txBody>
+          <a:bodyPr/>
+          <a:lstStyle/>
+          <a:p>
+            <a:r>
+              <a:rPr lang="en-AU" dirty="0" smtClean="0"/>
+              <a:t>Further Reading</a:t>
+            </a:r>
+            <a:endParaRPr lang="en-AU" dirty="0"/>
+          </a:p>
+        </p:txBody>
+      </p:sp>
+      <p:sp>
+        <p:nvSpPr>
+          <p:cNvPr id="3" name="Text Placeholder 2"/>
+          <p:cNvSpPr>
+            <a:spLocks noGrp="1"/>
+          </p:cNvSpPr>
+          <p:nvPr>
+            <p:ph type="body" sz="quarter" idx="10"/>
+          </p:nvPr>
+        </p:nvSpPr>
+        <p:spPr>
+          <a:xfrm>
+            <a:off x="519112" y="1447799"/>
+            <a:ext cx="11149013" cy="2885405"/>
+          </a:xfrm>
+        </p:spPr>
+        <p:txBody>
+          <a:bodyPr/>
+          <a:lstStyle/>
+          <a:p>
+            <a:pPr marL="574675" indent="-571500">
+              <a:buFont typeface="Arial" panose="020B0604020202020204" pitchFamily="34" charset="0"/>
+              <a:buChar char="•"/>
+            </a:pPr>
+            <a:r>
+              <a:rPr lang="en-AU" u="sng" dirty="0">
+                <a:hlinkClick r:id="rId2"/>
+              </a:rPr>
+              <a:t>http://</a:t>
+            </a:r>
+            <a:r>
+              <a:rPr lang="en-AU" u="sng" dirty="0" smtClean="0">
+                <a:hlinkClick r:id="rId2"/>
+              </a:rPr>
+              <a:t>social.technet.microsoft.com/wiki/contents/articles/995.windows-azure-sql-database-faq.aspx</a:t>
+            </a:r>
+            <a:endParaRPr lang="en-AU" u="sng" dirty="0" smtClean="0"/>
+          </a:p>
+          <a:p>
+            <a:pPr marL="574675" indent="-571500">
+              <a:buFont typeface="Arial" panose="020B0604020202020204" pitchFamily="34" charset="0"/>
+              <a:buChar char="•"/>
+            </a:pPr>
+            <a:r>
+              <a:rPr lang="en-AU">
+                <a:hlinkClick r:id="rId3"/>
+              </a:rPr>
+              <a:t>http://social.technet.microsoft.com/wiki/contents/articles/3507.windows-azure-sql-database-performance-and-elasticity-guide.aspx</a:t>
+            </a:r>
+            <a:endParaRPr lang="en-AU" dirty="0"/>
+          </a:p>
+        </p:txBody>
+      </p:sp>
+    </p:spTree>
+    <p:extLst>
+      <p:ext uri="{BB962C8B-B14F-4D97-AF65-F5344CB8AC3E}">
+        <p14:creationId xmlns:p14="http://schemas.microsoft.com/office/powerpoint/2010/main" val="2606010623"/>
+      </p:ext>
+    </p:extLst>
+  </p:cSld>
+  <p:clrMapOvr>
+    <a:masterClrMapping/>
+  </p:clrMapOvr>
+  <p:transition>
+    <p:fade/>
+  </p:transition>
 </p:sld>
 </file>
 

--- a/Presentation.pptx
+++ b/Presentation.pptx
@@ -7,68 +7,69 @@
     <p:sldMasterId id="2147483802" r:id="rId3"/>
   </p:sldMasterIdLst>
   <p:notesMasterIdLst>
-    <p:notesMasterId r:id="rId38"/>
+    <p:notesMasterId r:id="rId39"/>
   </p:notesMasterIdLst>
   <p:handoutMasterIdLst>
-    <p:handoutMasterId r:id="rId39"/>
+    <p:handoutMasterId r:id="rId40"/>
   </p:handoutMasterIdLst>
   <p:sldIdLst>
     <p:sldId id="256" r:id="rId4"/>
-    <p:sldId id="306" r:id="rId5"/>
-    <p:sldId id="334" r:id="rId6"/>
-    <p:sldId id="320" r:id="rId7"/>
-    <p:sldId id="336" r:id="rId8"/>
-    <p:sldId id="327" r:id="rId9"/>
-    <p:sldId id="345" r:id="rId10"/>
-    <p:sldId id="305" r:id="rId11"/>
-    <p:sldId id="286" r:id="rId12"/>
-    <p:sldId id="340" r:id="rId13"/>
-    <p:sldId id="344" r:id="rId14"/>
-    <p:sldId id="341" r:id="rId15"/>
-    <p:sldId id="343" r:id="rId16"/>
-    <p:sldId id="342" r:id="rId17"/>
-    <p:sldId id="355" r:id="rId18"/>
-    <p:sldId id="347" r:id="rId19"/>
-    <p:sldId id="352" r:id="rId20"/>
-    <p:sldId id="353" r:id="rId21"/>
-    <p:sldId id="328" r:id="rId22"/>
-    <p:sldId id="350" r:id="rId23"/>
-    <p:sldId id="356" r:id="rId24"/>
-    <p:sldId id="351" r:id="rId25"/>
-    <p:sldId id="354" r:id="rId26"/>
-    <p:sldId id="348" r:id="rId27"/>
-    <p:sldId id="357" r:id="rId28"/>
-    <p:sldId id="358" r:id="rId29"/>
-    <p:sldId id="359" r:id="rId30"/>
-    <p:sldId id="360" r:id="rId31"/>
-    <p:sldId id="292" r:id="rId32"/>
-    <p:sldId id="349" r:id="rId33"/>
-    <p:sldId id="261" r:id="rId34"/>
-    <p:sldId id="346" r:id="rId35"/>
-    <p:sldId id="281" r:id="rId36"/>
-    <p:sldId id="361" r:id="rId37"/>
+    <p:sldId id="362" r:id="rId5"/>
+    <p:sldId id="306" r:id="rId6"/>
+    <p:sldId id="334" r:id="rId7"/>
+    <p:sldId id="320" r:id="rId8"/>
+    <p:sldId id="336" r:id="rId9"/>
+    <p:sldId id="327" r:id="rId10"/>
+    <p:sldId id="345" r:id="rId11"/>
+    <p:sldId id="305" r:id="rId12"/>
+    <p:sldId id="286" r:id="rId13"/>
+    <p:sldId id="340" r:id="rId14"/>
+    <p:sldId id="344" r:id="rId15"/>
+    <p:sldId id="341" r:id="rId16"/>
+    <p:sldId id="343" r:id="rId17"/>
+    <p:sldId id="342" r:id="rId18"/>
+    <p:sldId id="355" r:id="rId19"/>
+    <p:sldId id="347" r:id="rId20"/>
+    <p:sldId id="352" r:id="rId21"/>
+    <p:sldId id="353" r:id="rId22"/>
+    <p:sldId id="328" r:id="rId23"/>
+    <p:sldId id="350" r:id="rId24"/>
+    <p:sldId id="356" r:id="rId25"/>
+    <p:sldId id="351" r:id="rId26"/>
+    <p:sldId id="354" r:id="rId27"/>
+    <p:sldId id="348" r:id="rId28"/>
+    <p:sldId id="357" r:id="rId29"/>
+    <p:sldId id="358" r:id="rId30"/>
+    <p:sldId id="359" r:id="rId31"/>
+    <p:sldId id="360" r:id="rId32"/>
+    <p:sldId id="292" r:id="rId33"/>
+    <p:sldId id="349" r:id="rId34"/>
+    <p:sldId id="261" r:id="rId35"/>
+    <p:sldId id="346" r:id="rId36"/>
+    <p:sldId id="281" r:id="rId37"/>
+    <p:sldId id="361" r:id="rId38"/>
   </p:sldIdLst>
   <p:sldSz cx="12188825" cy="6858000"/>
   <p:notesSz cx="6858000" cy="9144000"/>
   <p:embeddedFontLst>
     <p:embeddedFont>
       <p:font typeface="Segoe UI" panose="020B0502040204020203" pitchFamily="34" charset="0"/>
-      <p:regular r:id="rId40"/>
-      <p:bold r:id="rId41"/>
-      <p:italic r:id="rId42"/>
-      <p:boldItalic r:id="rId43"/>
+      <p:regular r:id="rId41"/>
+      <p:bold r:id="rId42"/>
+      <p:italic r:id="rId43"/>
+      <p:boldItalic r:id="rId44"/>
     </p:embeddedFont>
     <p:embeddedFont>
       <p:font typeface="Segoe UI Light" panose="020B0502040204020203" pitchFamily="34" charset="0"/>
-      <p:regular r:id="rId44"/>
-      <p:italic r:id="rId45"/>
+      <p:regular r:id="rId45"/>
+      <p:italic r:id="rId46"/>
     </p:embeddedFont>
     <p:embeddedFont>
       <p:font typeface="Consolas" panose="020B0609020204030204" pitchFamily="49" charset="0"/>
-      <p:regular r:id="rId46"/>
-      <p:bold r:id="rId47"/>
-      <p:italic r:id="rId48"/>
-      <p:boldItalic r:id="rId49"/>
+      <p:regular r:id="rId47"/>
+      <p:bold r:id="rId48"/>
+      <p:italic r:id="rId49"/>
+      <p:boldItalic r:id="rId50"/>
     </p:embeddedFont>
   </p:embeddedFontLst>
   <p:defaultTextStyle>
@@ -363,7 +364,7 @@
                 <a:latin typeface="Segoe UI" pitchFamily="34" charset="0"/>
               </a:rPr>
               <a:pPr/>
-              <a:t>5/6/2013</a:t>
+              <a:t>5/13/2013</a:t>
             </a:fld>
             <a:endParaRPr lang="en-US" dirty="0">
               <a:latin typeface="Segoe UI" pitchFamily="34" charset="0"/>
@@ -579,7 +580,7 @@
             <a:fld id="{7C3FBCD4-166E-446F-AF18-7D4A0CF9AEF6}" type="datetimeFigureOut">
               <a:rPr lang="en-US" smtClean="0"/>
               <a:pPr/>
-              <a:t>5/6/2013</a:t>
+              <a:t>5/13/2013</a:t>
             </a:fld>
             <a:endParaRPr lang="en-US" dirty="0"/>
           </a:p>
@@ -994,7 +995,7 @@
             <a:fld id="{8B263312-38AA-4E1E-B2B5-0F8F122B24FE}" type="slidenum">
               <a:rPr lang="en-US" smtClean="0"/>
               <a:pPr/>
-              <a:t>2</a:t>
+              <a:t>3</a:t>
             </a:fld>
             <a:endParaRPr lang="en-US" dirty="0"/>
           </a:p>
@@ -1290,7 +1291,7 @@
             <a:fld id="{8B263312-38AA-4E1E-B2B5-0F8F122B24FE}" type="slidenum">
               <a:rPr lang="en-US" smtClean="0"/>
               <a:pPr/>
-              <a:t>19</a:t>
+              <a:t>20</a:t>
             </a:fld>
             <a:endParaRPr lang="en-US" dirty="0"/>
           </a:p>
@@ -1374,7 +1375,7 @@
           <a:p>
             <a:fld id="{1F743D80-E441-4DE6-AD4D-A3326A9B767E}" type="slidenum">
               <a:rPr lang="en-US" smtClean="0"/>
-              <a:t>24</a:t>
+              <a:t>25</a:t>
             </a:fld>
             <a:endParaRPr lang="en-US" dirty="0"/>
           </a:p>
@@ -1458,7 +1459,7 @@
           <a:p>
             <a:fld id="{1F743D80-E441-4DE6-AD4D-A3326A9B767E}" type="slidenum">
               <a:rPr lang="en-US" smtClean="0"/>
-              <a:t>29</a:t>
+              <a:t>30</a:t>
             </a:fld>
             <a:endParaRPr lang="en-US" dirty="0"/>
           </a:p>
@@ -1543,7 +1544,7 @@
             <a:fld id="{8B263312-38AA-4E1E-B2B5-0F8F122B24FE}" type="slidenum">
               <a:rPr lang="en-US" smtClean="0"/>
               <a:pPr/>
-              <a:t>30</a:t>
+              <a:t>31</a:t>
             </a:fld>
             <a:endParaRPr lang="en-US" dirty="0"/>
           </a:p>
@@ -1631,7 +1632,7 @@
           <a:p>
             <a:fld id="{6A737CDB-F497-4071-88DB-C233CAC28117}" type="slidenum">
               <a:rPr lang="en-US" smtClean="0"/>
-              <a:t>31</a:t>
+              <a:t>32</a:t>
             </a:fld>
             <a:endParaRPr lang="en-US" dirty="0"/>
           </a:p>
@@ -1719,7 +1720,7 @@
           <a:p>
             <a:fld id="{6A737CDB-F497-4071-88DB-C233CAC28117}" type="slidenum">
               <a:rPr lang="en-US" smtClean="0"/>
-              <a:t>32</a:t>
+              <a:t>33</a:t>
             </a:fld>
             <a:endParaRPr lang="en-US" dirty="0"/>
           </a:p>
@@ -1803,7 +1804,7 @@
           <a:p>
             <a:fld id="{1F743D80-E441-4DE6-AD4D-A3326A9B767E}" type="slidenum">
               <a:rPr lang="en-US" smtClean="0"/>
-              <a:t>3</a:t>
+              <a:t>4</a:t>
             </a:fld>
             <a:endParaRPr lang="en-US" dirty="0"/>
           </a:p>
@@ -1888,7 +1889,7 @@
             <a:fld id="{8B263312-38AA-4E1E-B2B5-0F8F122B24FE}" type="slidenum">
               <a:rPr lang="en-US" smtClean="0"/>
               <a:pPr/>
-              <a:t>4</a:t>
+              <a:t>5</a:t>
             </a:fld>
             <a:endParaRPr lang="en-US" dirty="0"/>
           </a:p>
@@ -2081,7 +2082,7 @@
             <a:fld id="{8B263312-38AA-4E1E-B2B5-0F8F122B24FE}" type="slidenum">
               <a:rPr lang="en-US" smtClean="0"/>
               <a:pPr/>
-              <a:t>5</a:t>
+              <a:t>6</a:t>
             </a:fld>
             <a:endParaRPr lang="en-US" dirty="0"/>
           </a:p>
@@ -2169,7 +2170,7 @@
             <a:fld id="{8B263312-38AA-4E1E-B2B5-0F8F122B24FE}" type="slidenum">
               <a:rPr lang="en-US" smtClean="0"/>
               <a:pPr/>
-              <a:t>6</a:t>
+              <a:t>7</a:t>
             </a:fld>
             <a:endParaRPr lang="en-US" dirty="0"/>
           </a:p>
@@ -2254,7 +2255,7 @@
             <a:fld id="{8B263312-38AA-4E1E-B2B5-0F8F122B24FE}" type="slidenum">
               <a:rPr lang="en-US" smtClean="0"/>
               <a:pPr/>
-              <a:t>8</a:t>
+              <a:t>9</a:t>
             </a:fld>
             <a:endParaRPr lang="en-US" dirty="0"/>
           </a:p>
@@ -2338,7 +2339,7 @@
           <a:p>
             <a:fld id="{1F743D80-E441-4DE6-AD4D-A3326A9B767E}" type="slidenum">
               <a:rPr lang="en-US" smtClean="0"/>
-              <a:t>9</a:t>
+              <a:t>10</a:t>
             </a:fld>
             <a:endParaRPr lang="en-US" dirty="0"/>
           </a:p>
@@ -2423,7 +2424,7 @@
             <a:fld id="{8B263312-38AA-4E1E-B2B5-0F8F122B24FE}" type="slidenum">
               <a:rPr lang="en-US" smtClean="0"/>
               <a:pPr/>
-              <a:t>11</a:t>
+              <a:t>12</a:t>
             </a:fld>
             <a:endParaRPr lang="en-US" dirty="0"/>
           </a:p>
@@ -2507,7 +2508,7 @@
           <a:p>
             <a:fld id="{1F743D80-E441-4DE6-AD4D-A3326A9B767E}" type="slidenum">
               <a:rPr lang="en-US" smtClean="0"/>
-              <a:t>16</a:t>
+              <a:t>17</a:t>
             </a:fld>
             <a:endParaRPr lang="en-US" dirty="0"/>
           </a:p>
@@ -7792,7 +7793,7 @@
             <a:fld id="{D7CE58A2-1EDC-45F0-BACE-E3574D82C834}" type="datetimeFigureOut">
               <a:rPr lang="en-US" smtClean="0"/>
               <a:pPr/>
-              <a:t>5/6/2013</a:t>
+              <a:t>5/13/2013</a:t>
             </a:fld>
             <a:endParaRPr lang="en-US"/>
           </a:p>
@@ -21991,29 +21992,6 @@
       </p:grpSpPr>
       <p:sp>
         <p:nvSpPr>
-          <p:cNvPr id="2" name="Title 1"/>
-          <p:cNvSpPr>
-            <a:spLocks noGrp="1"/>
-          </p:cNvSpPr>
-          <p:nvPr>
-            <p:ph type="title"/>
-          </p:nvPr>
-        </p:nvSpPr>
-        <p:spPr/>
-        <p:txBody>
-          <a:bodyPr/>
-          <a:lstStyle/>
-          <a:p>
-            <a:r>
-              <a:rPr lang="en-AU" dirty="0" smtClean="0"/>
-              <a:t>Pros</a:t>
-            </a:r>
-            <a:endParaRPr lang="en-AU" dirty="0"/>
-          </a:p>
-        </p:txBody>
-      </p:sp>
-      <p:sp>
-        <p:nvSpPr>
           <p:cNvPr id="3" name="Text Placeholder 2"/>
           <p:cNvSpPr>
             <a:spLocks noGrp="1"/>
@@ -22024,93 +22002,31 @@
         </p:nvSpPr>
         <p:spPr>
           <a:xfrm>
-            <a:off x="519112" y="1447799"/>
-            <a:ext cx="11149013" cy="4570482"/>
+            <a:off x="521208" y="2057400"/>
+            <a:ext cx="10693401" cy="1378644"/>
           </a:xfrm>
         </p:spPr>
         <p:txBody>
           <a:bodyPr/>
           <a:lstStyle/>
           <a:p>
-            <a:pPr marL="574675" indent="-571500">
-              <a:buFont typeface="Arial" panose="020B0604020202020204" pitchFamily="34" charset="0"/>
-              <a:buChar char="•"/>
-            </a:pPr>
-            <a:r>
-              <a:rPr lang="en-AU" dirty="0" smtClean="0"/>
-              <a:t>Latest version of SQL Server</a:t>
-            </a:r>
-          </a:p>
-          <a:p>
-            <a:pPr marL="574675" indent="-571500">
-              <a:buFont typeface="Arial" panose="020B0604020202020204" pitchFamily="34" charset="0"/>
-              <a:buChar char="•"/>
-            </a:pPr>
-            <a:r>
-              <a:rPr lang="en-AU" dirty="0" smtClean="0"/>
-              <a:t>Quick to provision</a:t>
-            </a:r>
-          </a:p>
-          <a:p>
-            <a:pPr marL="574675" indent="-571500">
-              <a:buFont typeface="Arial" panose="020B0604020202020204" pitchFamily="34" charset="0"/>
-              <a:buChar char="•"/>
-            </a:pPr>
-            <a:r>
-              <a:rPr lang="en-AU" dirty="0" smtClean="0"/>
-              <a:t>Managed service – ops taken care of</a:t>
-            </a:r>
-          </a:p>
-          <a:p>
-            <a:pPr marL="574675" indent="-571500">
-              <a:buFont typeface="Arial" panose="020B0604020202020204" pitchFamily="34" charset="0"/>
-              <a:buChar char="•"/>
-            </a:pPr>
-            <a:r>
-              <a:rPr lang="en-AU" dirty="0"/>
-              <a:t>State-of-the-art datacentre and security</a:t>
-            </a:r>
-          </a:p>
-          <a:p>
-            <a:pPr marL="574675" indent="-571500">
-              <a:buFont typeface="Arial" panose="020B0604020202020204" pitchFamily="34" charset="0"/>
-              <a:buChar char="•"/>
-            </a:pPr>
-            <a:r>
-              <a:rPr lang="en-AU" dirty="0" smtClean="0"/>
-              <a:t>Highly available and backed by SLA</a:t>
-            </a:r>
-          </a:p>
-          <a:p>
-            <a:pPr marL="574675" indent="-571500">
-              <a:buFont typeface="Arial" panose="020B0604020202020204" pitchFamily="34" charset="0"/>
-              <a:buChar char="•"/>
-            </a:pPr>
-            <a:r>
-              <a:rPr lang="en-AU" dirty="0" smtClean="0"/>
-              <a:t>Rich programmatic management / provisioning</a:t>
-            </a:r>
-          </a:p>
-          <a:p>
-            <a:pPr marL="574675" indent="-571500">
-              <a:buFont typeface="Arial" panose="020B0604020202020204" pitchFamily="34" charset="0"/>
-              <a:buChar char="•"/>
-            </a:pPr>
-            <a:r>
-              <a:rPr lang="en-AU" dirty="0" err="1" smtClean="0"/>
-              <a:t>DoS</a:t>
-            </a:r>
-            <a:r>
-              <a:rPr lang="en-AU" dirty="0" smtClean="0"/>
-              <a:t> protection</a:t>
-            </a:r>
+            <a:pPr indent="3175"/>
+            <a:r>
+              <a:rPr lang="en-US" dirty="0"/>
+              <a:t>What are the pros / </a:t>
+            </a:r>
+            <a:r>
+              <a:rPr lang="en-US" dirty="0" smtClean="0"/>
+              <a:t>cons / differences?</a:t>
+            </a:r>
+            <a:endParaRPr lang="en-US" dirty="0"/>
           </a:p>
         </p:txBody>
       </p:sp>
     </p:spTree>
     <p:extLst>
       <p:ext uri="{BB962C8B-B14F-4D97-AF65-F5344CB8AC3E}">
-        <p14:creationId xmlns:p14="http://schemas.microsoft.com/office/powerpoint/2010/main" val="1836865421"/>
+        <p14:creationId xmlns:p14="http://schemas.microsoft.com/office/powerpoint/2010/main" val="2331921382"/>
       </p:ext>
     </p:extLst>
   </p:cSld>
@@ -22120,6 +22036,13 @@
   <p:transition>
     <p:fade/>
   </p:transition>
+  <p:timing>
+    <p:tnLst>
+      <p:par>
+        <p:cTn id="1" dur="indefinite" restart="never" nodeType="tmRoot"/>
+      </p:par>
+    </p:tnLst>
+  </p:timing>
 </p:sld>
 </file>
 
@@ -22176,7 +22099,7 @@
         <p:spPr>
           <a:xfrm>
             <a:off x="519112" y="1447799"/>
-            <a:ext cx="11149013" cy="5009064"/>
+            <a:ext cx="11149013" cy="4570482"/>
           </a:xfrm>
         </p:spPr>
         <p:txBody>
@@ -22188,14 +22111,9 @@
               <a:buChar char="•"/>
             </a:pPr>
             <a:r>
-              <a:rPr lang="en-AU" dirty="0"/>
-              <a:t>Pay for </a:t>
-            </a:r>
-            <a:r>
               <a:rPr lang="en-AU" dirty="0" smtClean="0"/>
-              <a:t>use (don’t need to buy a license)</a:t>
-            </a:r>
-            <a:endParaRPr lang="en-AU" dirty="0"/>
+              <a:t>Latest version of SQL Server</a:t>
+            </a:r>
           </a:p>
           <a:p>
             <a:pPr marL="574675" indent="-571500">
@@ -22203,8 +22121,8 @@
               <a:buChar char="•"/>
             </a:pPr>
             <a:r>
-              <a:rPr lang="en-AU" dirty="0"/>
-              <a:t>Ability to scale data use over time</a:t>
+              <a:rPr lang="en-AU" dirty="0" smtClean="0"/>
+              <a:t>Quick to provision</a:t>
             </a:r>
           </a:p>
           <a:p>
@@ -22214,7 +22132,7 @@
             </a:pPr>
             <a:r>
               <a:rPr lang="en-AU" dirty="0" smtClean="0"/>
-              <a:t>Federations for easy horizontal scaling</a:t>
+              <a:t>Managed service – ops taken care of</a:t>
             </a:r>
           </a:p>
           <a:p>
@@ -22223,14 +22141,9 @@
               <a:buChar char="•"/>
             </a:pPr>
             <a:r>
-              <a:rPr lang="en-AU" dirty="0" smtClean="0"/>
-              <a:t>SQL Azure Data Sync provides easy way of syncing data to/from </a:t>
-            </a:r>
-            <a:r>
-              <a:rPr lang="en-AU" dirty="0" err="1" smtClean="0"/>
-              <a:t>on-premise</a:t>
-            </a:r>
-            <a:endParaRPr lang="en-AU" dirty="0" smtClean="0"/>
+              <a:rPr lang="en-AU" dirty="0"/>
+              <a:t>State-of-the-art datacentre and security</a:t>
+            </a:r>
           </a:p>
           <a:p>
             <a:pPr marL="574675" indent="-571500">
@@ -22239,7 +22152,7 @@
             </a:pPr>
             <a:r>
               <a:rPr lang="en-AU" dirty="0" smtClean="0"/>
-              <a:t>You can store backups in Blob storage on the other side of the world easily</a:t>
+              <a:t>Highly available and backed by SLA</a:t>
             </a:r>
           </a:p>
           <a:p>
@@ -22249,16 +22162,29 @@
             </a:pPr>
             <a:r>
               <a:rPr lang="en-AU" dirty="0" smtClean="0"/>
-              <a:t>Existing tools / libs can connect to it</a:t>
-            </a:r>
-            <a:endParaRPr lang="en-AU" dirty="0"/>
+              <a:t>Rich programmatic management / provisioning</a:t>
+            </a:r>
+          </a:p>
+          <a:p>
+            <a:pPr marL="574675" indent="-571500">
+              <a:buFont typeface="Arial" panose="020B0604020202020204" pitchFamily="34" charset="0"/>
+              <a:buChar char="•"/>
+            </a:pPr>
+            <a:r>
+              <a:rPr lang="en-AU" dirty="0" err="1" smtClean="0"/>
+              <a:t>DoS</a:t>
+            </a:r>
+            <a:r>
+              <a:rPr lang="en-AU" dirty="0" smtClean="0"/>
+              <a:t> protection</a:t>
+            </a:r>
           </a:p>
         </p:txBody>
       </p:sp>
     </p:spTree>
     <p:extLst>
       <p:ext uri="{BB962C8B-B14F-4D97-AF65-F5344CB8AC3E}">
-        <p14:creationId xmlns:p14="http://schemas.microsoft.com/office/powerpoint/2010/main" val="3616795275"/>
+        <p14:creationId xmlns:p14="http://schemas.microsoft.com/office/powerpoint/2010/main" val="1836865421"/>
       </p:ext>
     </p:extLst>
   </p:cSld>
@@ -22305,7 +22231,7 @@
           <a:p>
             <a:r>
               <a:rPr lang="en-AU" dirty="0" smtClean="0"/>
-              <a:t>Differences</a:t>
+              <a:t>Pros</a:t>
             </a:r>
             <a:endParaRPr lang="en-AU" dirty="0"/>
           </a:p>
@@ -22324,7 +22250,7 @@
         <p:spPr>
           <a:xfrm>
             <a:off x="519112" y="1447799"/>
-            <a:ext cx="11149013" cy="4570482"/>
+            <a:ext cx="11149013" cy="5009064"/>
           </a:xfrm>
         </p:spPr>
         <p:txBody>
@@ -22336,9 +22262,14 @@
               <a:buChar char="•"/>
             </a:pPr>
             <a:r>
+              <a:rPr lang="en-AU" dirty="0"/>
+              <a:t>Pay for </a:t>
+            </a:r>
+            <a:r>
               <a:rPr lang="en-AU" dirty="0" smtClean="0"/>
-              <a:t>No use command – one database per connection</a:t>
-            </a:r>
+              <a:t>use (don’t need to buy a license)</a:t>
+            </a:r>
+            <a:endParaRPr lang="en-AU" dirty="0"/>
           </a:p>
           <a:p>
             <a:pPr marL="574675" indent="-571500">
@@ -22346,8 +22277,8 @@
               <a:buChar char="•"/>
             </a:pPr>
             <a:r>
-              <a:rPr lang="en-AU" dirty="0" smtClean="0"/>
-              <a:t>No distributed transactions</a:t>
+              <a:rPr lang="en-AU" dirty="0"/>
+              <a:t>Ability to scale data use over time</a:t>
             </a:r>
           </a:p>
           <a:p>
@@ -22357,11 +22288,7 @@
             </a:pPr>
             <a:r>
               <a:rPr lang="en-AU" dirty="0" smtClean="0"/>
-              <a:t>No distributed </a:t>
-            </a:r>
-            <a:r>
-              <a:rPr lang="en-AU" dirty="0"/>
-              <a:t>views</a:t>
+              <a:t>Federations for easy horizontal scaling</a:t>
             </a:r>
           </a:p>
           <a:p>
@@ -22371,12 +22298,13 @@
             </a:pPr>
             <a:r>
               <a:rPr lang="en-AU" dirty="0" smtClean="0"/>
-              <a:t>No service </a:t>
-            </a:r>
-            <a:r>
-              <a:rPr lang="en-AU" dirty="0"/>
-              <a:t>Broker</a:t>
-            </a:r>
+              <a:t>SQL Azure Data Sync provides easy way of syncing data to/from </a:t>
+            </a:r>
+            <a:r>
+              <a:rPr lang="en-AU" dirty="0" err="1" smtClean="0"/>
+              <a:t>on-premise</a:t>
+            </a:r>
+            <a:endParaRPr lang="en-AU" dirty="0" smtClean="0"/>
           </a:p>
           <a:p>
             <a:pPr marL="574675" indent="-571500">
@@ -22385,17 +22313,8 @@
             </a:pPr>
             <a:r>
               <a:rPr lang="en-AU" dirty="0" smtClean="0"/>
-              <a:t>No Common </a:t>
-            </a:r>
-            <a:r>
-              <a:rPr lang="en-AU" dirty="0"/>
-              <a:t>Language Runtime (CLR</a:t>
-            </a:r>
-            <a:r>
-              <a:rPr lang="en-AU" dirty="0" smtClean="0"/>
-              <a:t>)</a:t>
-            </a:r>
-            <a:endParaRPr lang="en-AU" dirty="0"/>
+              <a:t>You can store backups in Blob storage on the other side of the world easily</a:t>
+            </a:r>
           </a:p>
           <a:p>
             <a:pPr marL="574675" indent="-571500">
@@ -22404,21 +22323,7 @@
             </a:pPr>
             <a:r>
               <a:rPr lang="en-AU" dirty="0" smtClean="0"/>
-              <a:t>No SQL </a:t>
-            </a:r>
-            <a:r>
-              <a:rPr lang="en-AU" dirty="0"/>
-              <a:t>Agent</a:t>
-            </a:r>
-          </a:p>
-          <a:p>
-            <a:pPr marL="574675" indent="-571500">
-              <a:buFont typeface="Arial" panose="020B0604020202020204" pitchFamily="34" charset="0"/>
-              <a:buChar char="•"/>
-            </a:pPr>
-            <a:r>
-              <a:rPr lang="en-AU" dirty="0" smtClean="0"/>
-              <a:t>No Native Encryption (TDE)</a:t>
+              <a:t>Existing tools / libs can connect to it</a:t>
             </a:r>
             <a:endParaRPr lang="en-AU" dirty="0"/>
           </a:p>
@@ -22427,7 +22332,7 @@
     </p:spTree>
     <p:extLst>
       <p:ext uri="{BB962C8B-B14F-4D97-AF65-F5344CB8AC3E}">
-        <p14:creationId xmlns:p14="http://schemas.microsoft.com/office/powerpoint/2010/main" val="3196573837"/>
+        <p14:creationId xmlns:p14="http://schemas.microsoft.com/office/powerpoint/2010/main" val="3616795275"/>
       </p:ext>
     </p:extLst>
   </p:cSld>
@@ -22493,7 +22398,7 @@
         <p:spPr>
           <a:xfrm>
             <a:off x="519112" y="1447799"/>
-            <a:ext cx="11149013" cy="5239896"/>
+            <a:ext cx="11149013" cy="4570482"/>
           </a:xfrm>
         </p:spPr>
         <p:txBody>
@@ -22505,8 +22410,8 @@
               <a:buChar char="•"/>
             </a:pPr>
             <a:r>
-              <a:rPr lang="en-AU" dirty="0"/>
-              <a:t>Different backup / restore</a:t>
+              <a:rPr lang="en-AU" dirty="0" smtClean="0"/>
+              <a:t>No use command – one database per connection</a:t>
             </a:r>
           </a:p>
           <a:p>
@@ -22515,8 +22420,8 @@
               <a:buChar char="•"/>
             </a:pPr>
             <a:r>
-              <a:rPr lang="en-AU" dirty="0"/>
-              <a:t>No transactional replication or log shipping</a:t>
+              <a:rPr lang="en-AU" dirty="0" smtClean="0"/>
+              <a:t>No distributed transactions</a:t>
             </a:r>
           </a:p>
           <a:p>
@@ -22525,8 +22430,12 @@
               <a:buChar char="•"/>
             </a:pPr>
             <a:r>
+              <a:rPr lang="en-AU" dirty="0" smtClean="0"/>
+              <a:t>No distributed </a:t>
+            </a:r>
+            <a:r>
               <a:rPr lang="en-AU" dirty="0"/>
-              <a:t>Must have single clustered index on all tables</a:t>
+              <a:t>views</a:t>
             </a:r>
           </a:p>
           <a:p>
@@ -22535,8 +22444,12 @@
               <a:buChar char="•"/>
             </a:pPr>
             <a:r>
+              <a:rPr lang="en-AU" dirty="0" smtClean="0"/>
+              <a:t>No service </a:t>
+            </a:r>
+            <a:r>
               <a:rPr lang="en-AU" dirty="0"/>
-              <a:t>Subset of system views available</a:t>
+              <a:t>Broker</a:t>
             </a:r>
           </a:p>
           <a:p>
@@ -22545,9 +22458,18 @@
               <a:buChar char="•"/>
             </a:pPr>
             <a:r>
+              <a:rPr lang="en-AU" dirty="0" smtClean="0"/>
+              <a:t>No Common </a:t>
+            </a:r>
+            <a:r>
               <a:rPr lang="en-AU" dirty="0"/>
-              <a:t>Connections will be automatically closed</a:t>
-            </a:r>
+              <a:t>Language Runtime (CLR</a:t>
+            </a:r>
+            <a:r>
+              <a:rPr lang="en-AU" dirty="0" smtClean="0"/>
+              <a:t>)</a:t>
+            </a:r>
+            <a:endParaRPr lang="en-AU" dirty="0"/>
           </a:p>
           <a:p>
             <a:pPr marL="574675" indent="-571500">
@@ -22555,12 +22477,12 @@
               <a:buChar char="•"/>
             </a:pPr>
             <a:r>
+              <a:rPr lang="en-AU" dirty="0" smtClean="0"/>
+              <a:t>No SQL </a:t>
+            </a:r>
+            <a:r>
               <a:rPr lang="en-AU" dirty="0"/>
-              <a:t>No </a:t>
-            </a:r>
-            <a:r>
-              <a:rPr lang="en-AU" dirty="0" smtClean="0"/>
-              <a:t>SSIS</a:t>
+              <a:t>Agent</a:t>
             </a:r>
           </a:p>
           <a:p>
@@ -22570,11 +22492,8 @@
             </a:pPr>
             <a:r>
               <a:rPr lang="en-AU" dirty="0" smtClean="0"/>
-              <a:t>No integrated security</a:t>
-            </a:r>
-            <a:endParaRPr lang="en-AU" dirty="0"/>
-          </a:p>
-          <a:p>
+              <a:t>No Native Encryption (TDE)</a:t>
+            </a:r>
             <a:endParaRPr lang="en-AU" dirty="0"/>
           </a:p>
         </p:txBody>
@@ -22582,7 +22501,7 @@
     </p:spTree>
     <p:extLst>
       <p:ext uri="{BB962C8B-B14F-4D97-AF65-F5344CB8AC3E}">
-        <p14:creationId xmlns:p14="http://schemas.microsoft.com/office/powerpoint/2010/main" val="3436458688"/>
+        <p14:creationId xmlns:p14="http://schemas.microsoft.com/office/powerpoint/2010/main" val="3196573837"/>
       </p:ext>
     </p:extLst>
   </p:cSld>
@@ -22629,7 +22548,7 @@
           <a:p>
             <a:r>
               <a:rPr lang="en-AU" dirty="0" smtClean="0"/>
-              <a:t>Cons</a:t>
+              <a:t>Differences</a:t>
             </a:r>
             <a:endParaRPr lang="en-AU" dirty="0"/>
           </a:p>
@@ -22648,7 +22567,7 @@
         <p:spPr>
           <a:xfrm>
             <a:off x="519112" y="1447799"/>
-            <a:ext cx="11149013" cy="4339650"/>
+            <a:ext cx="11149013" cy="5239896"/>
           </a:xfrm>
         </p:spPr>
         <p:txBody>
@@ -22661,7 +22580,7 @@
             </a:pPr>
             <a:r>
               <a:rPr lang="en-AU" dirty="0"/>
-              <a:t>Max 150 GB</a:t>
+              <a:t>Different backup / restore</a:t>
             </a:r>
           </a:p>
           <a:p>
@@ -22670,8 +22589,8 @@
               <a:buChar char="•"/>
             </a:pPr>
             <a:r>
-              <a:rPr lang="en-AU" dirty="0" smtClean="0"/>
-              <a:t>Pay for data not computation – no guarantee of resources</a:t>
+              <a:rPr lang="en-AU" dirty="0"/>
+              <a:t>No transactional replication or log shipping</a:t>
             </a:r>
           </a:p>
           <a:p>
@@ -22680,10 +22599,9 @@
               <a:buChar char="•"/>
             </a:pPr>
             <a:r>
-              <a:rPr lang="en-AU" dirty="0" smtClean="0"/>
-              <a:t>Upper limit for vertical scaling of throughput</a:t>
-            </a:r>
-            <a:endParaRPr lang="en-AU" dirty="0"/>
+              <a:rPr lang="en-AU" dirty="0"/>
+              <a:t>Must have single clustered index on all tables</a:t>
+            </a:r>
           </a:p>
           <a:p>
             <a:pPr marL="574675" indent="-571500">
@@ -22691,8 +22609,8 @@
               <a:buChar char="•"/>
             </a:pPr>
             <a:r>
-              <a:rPr lang="en-AU" dirty="0" smtClean="0"/>
-              <a:t>Need to deal with transient errors</a:t>
+              <a:rPr lang="en-AU" dirty="0"/>
+              <a:t>Subset of system views available</a:t>
             </a:r>
           </a:p>
           <a:p>
@@ -22701,16 +22619,44 @@
               <a:buChar char="•"/>
             </a:pPr>
             <a:r>
+              <a:rPr lang="en-AU" dirty="0"/>
+              <a:t>Connections will be automatically closed</a:t>
+            </a:r>
+          </a:p>
+          <a:p>
+            <a:pPr marL="574675" indent="-571500">
+              <a:buFont typeface="Arial" panose="020B0604020202020204" pitchFamily="34" charset="0"/>
+              <a:buChar char="•"/>
+            </a:pPr>
+            <a:r>
+              <a:rPr lang="en-AU" dirty="0"/>
+              <a:t>No </a:t>
+            </a:r>
+            <a:r>
               <a:rPr lang="en-AU" dirty="0" smtClean="0"/>
-              <a:t>More advanced use cases not supported (broker, agent, TDE, DTC etc.)</a:t>
-            </a:r>
+              <a:t>SSIS</a:t>
+            </a:r>
+          </a:p>
+          <a:p>
+            <a:pPr marL="574675" indent="-571500">
+              <a:buFont typeface="Arial" panose="020B0604020202020204" pitchFamily="34" charset="0"/>
+              <a:buChar char="•"/>
+            </a:pPr>
+            <a:r>
+              <a:rPr lang="en-AU" dirty="0" smtClean="0"/>
+              <a:t>No integrated security</a:t>
+            </a:r>
+            <a:endParaRPr lang="en-AU" dirty="0"/>
+          </a:p>
+          <a:p>
+            <a:endParaRPr lang="en-AU" dirty="0"/>
           </a:p>
         </p:txBody>
       </p:sp>
     </p:spTree>
     <p:extLst>
       <p:ext uri="{BB962C8B-B14F-4D97-AF65-F5344CB8AC3E}">
-        <p14:creationId xmlns:p14="http://schemas.microsoft.com/office/powerpoint/2010/main" val="2470106224"/>
+        <p14:creationId xmlns:p14="http://schemas.microsoft.com/office/powerpoint/2010/main" val="3436458688"/>
       </p:ext>
     </p:extLst>
   </p:cSld>
@@ -22776,6 +22722,134 @@
         <p:spPr>
           <a:xfrm>
             <a:off x="519112" y="1447799"/>
+            <a:ext cx="11149013" cy="4339650"/>
+          </a:xfrm>
+        </p:spPr>
+        <p:txBody>
+          <a:bodyPr/>
+          <a:lstStyle/>
+          <a:p>
+            <a:pPr marL="574675" indent="-571500">
+              <a:buFont typeface="Arial" panose="020B0604020202020204" pitchFamily="34" charset="0"/>
+              <a:buChar char="•"/>
+            </a:pPr>
+            <a:r>
+              <a:rPr lang="en-AU" dirty="0"/>
+              <a:t>Max 150 GB</a:t>
+            </a:r>
+          </a:p>
+          <a:p>
+            <a:pPr marL="574675" indent="-571500">
+              <a:buFont typeface="Arial" panose="020B0604020202020204" pitchFamily="34" charset="0"/>
+              <a:buChar char="•"/>
+            </a:pPr>
+            <a:r>
+              <a:rPr lang="en-AU" dirty="0" smtClean="0"/>
+              <a:t>Pay for data not computation – no guarantee of resources</a:t>
+            </a:r>
+          </a:p>
+          <a:p>
+            <a:pPr marL="574675" indent="-571500">
+              <a:buFont typeface="Arial" panose="020B0604020202020204" pitchFamily="34" charset="0"/>
+              <a:buChar char="•"/>
+            </a:pPr>
+            <a:r>
+              <a:rPr lang="en-AU" dirty="0" smtClean="0"/>
+              <a:t>Upper limit for vertical scaling of throughput</a:t>
+            </a:r>
+            <a:endParaRPr lang="en-AU" dirty="0"/>
+          </a:p>
+          <a:p>
+            <a:pPr marL="574675" indent="-571500">
+              <a:buFont typeface="Arial" panose="020B0604020202020204" pitchFamily="34" charset="0"/>
+              <a:buChar char="•"/>
+            </a:pPr>
+            <a:r>
+              <a:rPr lang="en-AU" dirty="0" smtClean="0"/>
+              <a:t>Need to deal with transient errors</a:t>
+            </a:r>
+          </a:p>
+          <a:p>
+            <a:pPr marL="574675" indent="-571500">
+              <a:buFont typeface="Arial" panose="020B0604020202020204" pitchFamily="34" charset="0"/>
+              <a:buChar char="•"/>
+            </a:pPr>
+            <a:r>
+              <a:rPr lang="en-AU" dirty="0" smtClean="0"/>
+              <a:t>More advanced use cases not supported (broker, agent, TDE, DTC etc.)</a:t>
+            </a:r>
+          </a:p>
+        </p:txBody>
+      </p:sp>
+    </p:spTree>
+    <p:extLst>
+      <p:ext uri="{BB962C8B-B14F-4D97-AF65-F5344CB8AC3E}">
+        <p14:creationId xmlns:p14="http://schemas.microsoft.com/office/powerpoint/2010/main" val="2470106224"/>
+      </p:ext>
+    </p:extLst>
+  </p:cSld>
+  <p:clrMapOvr>
+    <a:masterClrMapping/>
+  </p:clrMapOvr>
+  <p:transition>
+    <p:fade/>
+  </p:transition>
+</p:sld>
+</file>
+
+<file path=ppt/slides/slide16.xml><?xml version="1.0" encoding="utf-8"?>
+<p:sld xmlns:a="http://schemas.openxmlformats.org/drawingml/2006/main" xmlns:r="http://schemas.openxmlformats.org/officeDocument/2006/relationships" xmlns:p="http://schemas.openxmlformats.org/presentationml/2006/main">
+  <p:cSld>
+    <p:spTree>
+      <p:nvGrpSpPr>
+        <p:cNvPr id="1" name=""/>
+        <p:cNvGrpSpPr/>
+        <p:nvPr/>
+      </p:nvGrpSpPr>
+      <p:grpSpPr>
+        <a:xfrm>
+          <a:off x="0" y="0"/>
+          <a:ext cx="0" cy="0"/>
+          <a:chOff x="0" y="0"/>
+          <a:chExt cx="0" cy="0"/>
+        </a:xfrm>
+      </p:grpSpPr>
+      <p:sp>
+        <p:nvSpPr>
+          <p:cNvPr id="2" name="Title 1"/>
+          <p:cNvSpPr>
+            <a:spLocks noGrp="1"/>
+          </p:cNvSpPr>
+          <p:nvPr>
+            <p:ph type="title"/>
+          </p:nvPr>
+        </p:nvSpPr>
+        <p:spPr/>
+        <p:txBody>
+          <a:bodyPr/>
+          <a:lstStyle/>
+          <a:p>
+            <a:r>
+              <a:rPr lang="en-AU" dirty="0" smtClean="0"/>
+              <a:t>Cons</a:t>
+            </a:r>
+            <a:endParaRPr lang="en-AU" dirty="0"/>
+          </a:p>
+        </p:txBody>
+      </p:sp>
+      <p:sp>
+        <p:nvSpPr>
+          <p:cNvPr id="3" name="Text Placeholder 2"/>
+          <p:cNvSpPr>
+            <a:spLocks noGrp="1"/>
+          </p:cNvSpPr>
+          <p:nvPr>
+            <p:ph type="body" sz="quarter" idx="10"/>
+          </p:nvPr>
+        </p:nvSpPr>
+        <p:spPr>
+          <a:xfrm>
+            <a:off x="519112" y="1447799"/>
             <a:ext cx="11149013" cy="2446824"/>
           </a:xfrm>
         </p:spPr>
@@ -22835,7 +22909,7 @@
 </p:sld>
 </file>
 
-<file path=ppt/slides/slide16.xml><?xml version="1.0" encoding="utf-8"?>
+<file path=ppt/slides/slide17.xml><?xml version="1.0" encoding="utf-8"?>
 <p:sld xmlns:a="http://schemas.openxmlformats.org/drawingml/2006/main" xmlns:r="http://schemas.openxmlformats.org/officeDocument/2006/relationships" xmlns:p="http://schemas.openxmlformats.org/presentationml/2006/main">
   <p:cSld>
     <p:spTree>
@@ -22903,114 +22977,6 @@
 </p:sld>
 </file>
 
-<file path=ppt/slides/slide17.xml><?xml version="1.0" encoding="utf-8"?>
-<p:sld xmlns:a="http://schemas.openxmlformats.org/drawingml/2006/main" xmlns:r="http://schemas.openxmlformats.org/officeDocument/2006/relationships" xmlns:p="http://schemas.openxmlformats.org/presentationml/2006/main">
-  <p:cSld>
-    <p:spTree>
-      <p:nvGrpSpPr>
-        <p:cNvPr id="1" name=""/>
-        <p:cNvGrpSpPr/>
-        <p:nvPr/>
-      </p:nvGrpSpPr>
-      <p:grpSpPr>
-        <a:xfrm>
-          <a:off x="0" y="0"/>
-          <a:ext cx="0" cy="0"/>
-          <a:chOff x="0" y="0"/>
-          <a:chExt cx="0" cy="0"/>
-        </a:xfrm>
-      </p:grpSpPr>
-      <p:sp>
-        <p:nvSpPr>
-          <p:cNvPr id="2" name="Title 1"/>
-          <p:cNvSpPr>
-            <a:spLocks noGrp="1"/>
-          </p:cNvSpPr>
-          <p:nvPr>
-            <p:ph type="title"/>
-          </p:nvPr>
-        </p:nvSpPr>
-        <p:spPr/>
-        <p:txBody>
-          <a:bodyPr/>
-          <a:lstStyle/>
-          <a:p>
-            <a:r>
-              <a:rPr lang="en-AU" dirty="0" smtClean="0"/>
-              <a:t>When to provision new servers / DBs</a:t>
-            </a:r>
-            <a:endParaRPr lang="en-AU" dirty="0"/>
-          </a:p>
-        </p:txBody>
-      </p:sp>
-      <p:sp>
-        <p:nvSpPr>
-          <p:cNvPr id="3" name="Text Placeholder 2"/>
-          <p:cNvSpPr>
-            <a:spLocks noGrp="1"/>
-          </p:cNvSpPr>
-          <p:nvPr>
-            <p:ph type="body" sz="quarter" idx="10"/>
-          </p:nvPr>
-        </p:nvSpPr>
-        <p:spPr>
-          <a:xfrm>
-            <a:off x="519112" y="1447799"/>
-            <a:ext cx="11149013" cy="3670236"/>
-          </a:xfrm>
-        </p:spPr>
-        <p:txBody>
-          <a:bodyPr/>
-          <a:lstStyle/>
-          <a:p>
-            <a:r>
-              <a:rPr lang="en-AU" dirty="0" err="1" smtClean="0"/>
-              <a:t>Todo</a:t>
-            </a:r>
-            <a:endParaRPr lang="en-AU" dirty="0" smtClean="0"/>
-          </a:p>
-          <a:p>
-            <a:r>
-              <a:rPr lang="en-AU" dirty="0" smtClean="0"/>
-              <a:t>Server: single set of firewall rules, single set of user accounts, single data centre</a:t>
-            </a:r>
-          </a:p>
-          <a:p>
-            <a:endParaRPr lang="en-AU" dirty="0"/>
-          </a:p>
-          <a:p>
-            <a:r>
-              <a:rPr lang="en-AU" dirty="0" smtClean="0"/>
-              <a:t>Use single </a:t>
-            </a:r>
-            <a:r>
-              <a:rPr lang="en-AU" dirty="0" err="1" smtClean="0"/>
-              <a:t>db</a:t>
-            </a:r>
-            <a:r>
-              <a:rPr lang="en-AU" dirty="0" smtClean="0"/>
-              <a:t> if you are multi-tenanting or you use schemas to separate between applications</a:t>
-            </a:r>
-            <a:endParaRPr lang="en-AU" dirty="0"/>
-          </a:p>
-        </p:txBody>
-      </p:sp>
-    </p:spTree>
-    <p:extLst>
-      <p:ext uri="{BB962C8B-B14F-4D97-AF65-F5344CB8AC3E}">
-        <p14:creationId xmlns:p14="http://schemas.microsoft.com/office/powerpoint/2010/main" val="3704911158"/>
-      </p:ext>
-    </p:extLst>
-  </p:cSld>
-  <p:clrMapOvr>
-    <a:masterClrMapping/>
-  </p:clrMapOvr>
-  <p:transition>
-    <p:fade/>
-  </p:transition>
-</p:sld>
-</file>
-
 <file path=ppt/slides/slide18.xml><?xml version="1.0" encoding="utf-8"?>
 <p:sld xmlns:a="http://schemas.openxmlformats.org/drawingml/2006/main" xmlns:r="http://schemas.openxmlformats.org/officeDocument/2006/relationships" xmlns:p="http://schemas.openxmlformats.org/presentationml/2006/main">
   <p:cSld>
@@ -23045,6 +23011,114 @@
           <a:p>
             <a:r>
               <a:rPr lang="en-AU" dirty="0" smtClean="0"/>
+              <a:t>When to provision new servers / DBs</a:t>
+            </a:r>
+            <a:endParaRPr lang="en-AU" dirty="0"/>
+          </a:p>
+        </p:txBody>
+      </p:sp>
+      <p:sp>
+        <p:nvSpPr>
+          <p:cNvPr id="3" name="Text Placeholder 2"/>
+          <p:cNvSpPr>
+            <a:spLocks noGrp="1"/>
+          </p:cNvSpPr>
+          <p:nvPr>
+            <p:ph type="body" sz="quarter" idx="10"/>
+          </p:nvPr>
+        </p:nvSpPr>
+        <p:spPr>
+          <a:xfrm>
+            <a:off x="519112" y="1447799"/>
+            <a:ext cx="11149013" cy="3670236"/>
+          </a:xfrm>
+        </p:spPr>
+        <p:txBody>
+          <a:bodyPr/>
+          <a:lstStyle/>
+          <a:p>
+            <a:r>
+              <a:rPr lang="en-AU" dirty="0" err="1" smtClean="0"/>
+              <a:t>Todo</a:t>
+            </a:r>
+            <a:endParaRPr lang="en-AU" dirty="0" smtClean="0"/>
+          </a:p>
+          <a:p>
+            <a:r>
+              <a:rPr lang="en-AU" dirty="0" smtClean="0"/>
+              <a:t>Server: single set of firewall rules, single set of user accounts, single data centre</a:t>
+            </a:r>
+          </a:p>
+          <a:p>
+            <a:endParaRPr lang="en-AU" dirty="0"/>
+          </a:p>
+          <a:p>
+            <a:r>
+              <a:rPr lang="en-AU" dirty="0" smtClean="0"/>
+              <a:t>Use single </a:t>
+            </a:r>
+            <a:r>
+              <a:rPr lang="en-AU" dirty="0" err="1" smtClean="0"/>
+              <a:t>db</a:t>
+            </a:r>
+            <a:r>
+              <a:rPr lang="en-AU" dirty="0" smtClean="0"/>
+              <a:t> if you are multi-tenanting or you use schemas to separate between applications</a:t>
+            </a:r>
+            <a:endParaRPr lang="en-AU" dirty="0"/>
+          </a:p>
+        </p:txBody>
+      </p:sp>
+    </p:spTree>
+    <p:extLst>
+      <p:ext uri="{BB962C8B-B14F-4D97-AF65-F5344CB8AC3E}">
+        <p14:creationId xmlns:p14="http://schemas.microsoft.com/office/powerpoint/2010/main" val="3704911158"/>
+      </p:ext>
+    </p:extLst>
+  </p:cSld>
+  <p:clrMapOvr>
+    <a:masterClrMapping/>
+  </p:clrMapOvr>
+  <p:transition>
+    <p:fade/>
+  </p:transition>
+</p:sld>
+</file>
+
+<file path=ppt/slides/slide19.xml><?xml version="1.0" encoding="utf-8"?>
+<p:sld xmlns:a="http://schemas.openxmlformats.org/drawingml/2006/main" xmlns:r="http://schemas.openxmlformats.org/officeDocument/2006/relationships" xmlns:p="http://schemas.openxmlformats.org/presentationml/2006/main">
+  <p:cSld>
+    <p:spTree>
+      <p:nvGrpSpPr>
+        <p:cNvPr id="1" name=""/>
+        <p:cNvGrpSpPr/>
+        <p:nvPr/>
+      </p:nvGrpSpPr>
+      <p:grpSpPr>
+        <a:xfrm>
+          <a:off x="0" y="0"/>
+          <a:ext cx="0" cy="0"/>
+          <a:chOff x="0" y="0"/>
+          <a:chExt cx="0" cy="0"/>
+        </a:xfrm>
+      </p:grpSpPr>
+      <p:sp>
+        <p:nvSpPr>
+          <p:cNvPr id="2" name="Title 1"/>
+          <p:cNvSpPr>
+            <a:spLocks noGrp="1"/>
+          </p:cNvSpPr>
+          <p:nvPr>
+            <p:ph type="title"/>
+          </p:nvPr>
+        </p:nvSpPr>
+        <p:spPr/>
+        <p:txBody>
+          <a:bodyPr/>
+          <a:lstStyle/>
+          <a:p>
+            <a:r>
+              <a:rPr lang="en-AU" dirty="0" smtClean="0"/>
               <a:t>Which DB edition to use?</a:t>
             </a:r>
             <a:endParaRPr lang="en-AU" dirty="0"/>
@@ -23102,7 +23176,178 @@
 </p:sld>
 </file>
 
-<file path=ppt/slides/slide19.xml><?xml version="1.0" encoding="utf-8"?>
+<file path=ppt/slides/slide2.xml><?xml version="1.0" encoding="utf-8"?>
+<p:sld xmlns:a="http://schemas.openxmlformats.org/drawingml/2006/main" xmlns:r="http://schemas.openxmlformats.org/officeDocument/2006/relationships" xmlns:p="http://schemas.openxmlformats.org/presentationml/2006/main">
+  <p:cSld>
+    <p:spTree>
+      <p:nvGrpSpPr>
+        <p:cNvPr id="1" name=""/>
+        <p:cNvGrpSpPr/>
+        <p:nvPr/>
+      </p:nvGrpSpPr>
+      <p:grpSpPr>
+        <a:xfrm>
+          <a:off x="0" y="0"/>
+          <a:ext cx="0" cy="0"/>
+          <a:chOff x="0" y="0"/>
+          <a:chExt cx="0" cy="0"/>
+        </a:xfrm>
+      </p:grpSpPr>
+      <p:sp>
+        <p:nvSpPr>
+          <p:cNvPr id="2" name="Title 1"/>
+          <p:cNvSpPr>
+            <a:spLocks noGrp="1"/>
+          </p:cNvSpPr>
+          <p:nvPr>
+            <p:ph type="title"/>
+          </p:nvPr>
+        </p:nvSpPr>
+        <p:spPr/>
+        <p:txBody>
+          <a:bodyPr/>
+          <a:lstStyle/>
+          <a:p>
+            <a:r>
+              <a:rPr lang="en-AU" dirty="0" smtClean="0"/>
+              <a:t>Tonight’s event sponsored by:</a:t>
+            </a:r>
+            <a:endParaRPr lang="en-AU" dirty="0"/>
+          </a:p>
+        </p:txBody>
+      </p:sp>
+      <p:sp>
+        <p:nvSpPr>
+          <p:cNvPr id="4" name="AutoShape 2" descr="https://sp.readifycloud.com/Marketing/Marketing%20Logos%20and%20Images/Readify%20Logo/Legacy%20Readify%20Logos/logo_796x474px.png"/>
+          <p:cNvSpPr>
+            <a:spLocks noChangeAspect="1" noChangeArrowheads="1"/>
+          </p:cNvSpPr>
+          <p:nvPr/>
+        </p:nvSpPr>
+        <p:spPr bwMode="auto">
+          <a:xfrm>
+            <a:off x="155575" y="-144463"/>
+            <a:ext cx="304800" cy="304801"/>
+          </a:xfrm>
+          <a:prstGeom prst="rect">
+            <a:avLst/>
+          </a:prstGeom>
+          <a:noFill/>
+          <a:extLst>
+            <a:ext uri="{909E8E84-426E-40DD-AFC4-6F175D3DCCD1}">
+              <a14:hiddenFill xmlns:a14="http://schemas.microsoft.com/office/drawing/2010/main">
+                <a:solidFill>
+                  <a:srgbClr val="FFFFFF"/>
+                </a:solidFill>
+              </a14:hiddenFill>
+            </a:ext>
+          </a:extLst>
+        </p:spPr>
+        <p:txBody>
+          <a:bodyPr vert="horz" wrap="square" lIns="91440" tIns="45720" rIns="91440" bIns="45720" numCol="1" anchor="t" anchorCtr="0" compatLnSpc="1">
+            <a:prstTxWarp prst="textNoShape">
+              <a:avLst/>
+            </a:prstTxWarp>
+          </a:bodyPr>
+          <a:lstStyle/>
+          <a:p>
+            <a:endParaRPr lang="en-AU"/>
+          </a:p>
+        </p:txBody>
+      </p:sp>
+      <p:pic>
+        <p:nvPicPr>
+          <p:cNvPr id="5" name="Picture 4"/>
+          <p:cNvPicPr>
+            <a:picLocks noChangeAspect="1"/>
+          </p:cNvPicPr>
+          <p:nvPr/>
+        </p:nvPicPr>
+        <p:blipFill>
+          <a:blip r:embed="rId2">
+            <a:extLst>
+              <a:ext uri="{28A0092B-C50C-407E-A947-70E740481C1C}">
+                <a14:useLocalDpi xmlns:a14="http://schemas.microsoft.com/office/drawing/2010/main" val="0"/>
+              </a:ext>
+            </a:extLst>
+          </a:blip>
+          <a:stretch>
+            <a:fillRect/>
+          </a:stretch>
+        </p:blipFill>
+        <p:spPr>
+          <a:xfrm>
+            <a:off x="3548603" y="1496795"/>
+            <a:ext cx="4797729" cy="2856939"/>
+          </a:xfrm>
+          <a:prstGeom prst="rect">
+            <a:avLst/>
+          </a:prstGeom>
+        </p:spPr>
+      </p:pic>
+      <p:sp>
+        <p:nvSpPr>
+          <p:cNvPr id="7" name="TextBox 6"/>
+          <p:cNvSpPr txBox="1"/>
+          <p:nvPr/>
+        </p:nvSpPr>
+        <p:spPr>
+          <a:xfrm>
+            <a:off x="2878410" y="4923145"/>
+            <a:ext cx="6430415" cy="443198"/>
+          </a:xfrm>
+          <a:prstGeom prst="rect">
+            <a:avLst/>
+          </a:prstGeom>
+          <a:noFill/>
+        </p:spPr>
+        <p:txBody>
+          <a:bodyPr wrap="none" lIns="0" tIns="0" rIns="0" bIns="0" rtlCol="0">
+            <a:spAutoFit/>
+          </a:bodyPr>
+          <a:lstStyle/>
+          <a:p>
+            <a:pPr>
+              <a:lnSpc>
+                <a:spcPct val="90000"/>
+              </a:lnSpc>
+              <a:spcBef>
+                <a:spcPct val="20000"/>
+              </a:spcBef>
+              <a:buSzPct val="80000"/>
+            </a:pPr>
+            <a:r>
+              <a:rPr lang="en-AU" sz="3200" dirty="0" smtClean="0"/>
+              <a:t>application development specialists</a:t>
+            </a:r>
+            <a:endParaRPr lang="en-AU" sz="3200" dirty="0"/>
+          </a:p>
+        </p:txBody>
+      </p:sp>
+    </p:spTree>
+    <p:extLst>
+      <p:ext uri="{BB962C8B-B14F-4D97-AF65-F5344CB8AC3E}">
+        <p14:creationId xmlns:p14="http://schemas.microsoft.com/office/powerpoint/2010/main" val="3122680781"/>
+      </p:ext>
+    </p:extLst>
+  </p:cSld>
+  <p:clrMapOvr>
+    <a:masterClrMapping/>
+  </p:clrMapOvr>
+  <p:transition>
+    <p:fade/>
+  </p:transition>
+  <p:timing>
+    <p:tnLst>
+      <p:par>
+        <p:cTn id="1" dur="indefinite" restart="never" nodeType="tmRoot"/>
+      </p:par>
+    </p:tnLst>
+  </p:timing>
+</p:sld>
+</file>
+
+<file path=ppt/slides/slide20.xml><?xml version="1.0" encoding="utf-8"?>
 <p:sld xmlns:a="http://schemas.openxmlformats.org/drawingml/2006/main" xmlns:r="http://schemas.openxmlformats.org/officeDocument/2006/relationships" xmlns:p="http://schemas.openxmlformats.org/presentationml/2006/main">
   <p:cSld>
     <p:spTree>
@@ -24142,7 +24387,908 @@
 </p:sld>
 </file>
 
-<file path=ppt/slides/slide2.xml><?xml version="1.0" encoding="utf-8"?>
+<file path=ppt/slides/slide21.xml><?xml version="1.0" encoding="utf-8"?>
+<p:sld xmlns:a="http://schemas.openxmlformats.org/drawingml/2006/main" xmlns:r="http://schemas.openxmlformats.org/officeDocument/2006/relationships" xmlns:p="http://schemas.openxmlformats.org/presentationml/2006/main">
+  <p:cSld>
+    <p:spTree>
+      <p:nvGrpSpPr>
+        <p:cNvPr id="1" name=""/>
+        <p:cNvGrpSpPr/>
+        <p:nvPr/>
+      </p:nvGrpSpPr>
+      <p:grpSpPr>
+        <a:xfrm>
+          <a:off x="0" y="0"/>
+          <a:ext cx="0" cy="0"/>
+          <a:chOff x="0" y="0"/>
+          <a:chExt cx="0" cy="0"/>
+        </a:xfrm>
+      </p:grpSpPr>
+      <p:sp>
+        <p:nvSpPr>
+          <p:cNvPr id="2" name="Title 1"/>
+          <p:cNvSpPr>
+            <a:spLocks noGrp="1"/>
+          </p:cNvSpPr>
+          <p:nvPr>
+            <p:ph type="title"/>
+          </p:nvPr>
+        </p:nvSpPr>
+        <p:spPr/>
+        <p:txBody>
+          <a:bodyPr/>
+          <a:lstStyle/>
+          <a:p>
+            <a:r>
+              <a:rPr lang="en-AU" dirty="0" smtClean="0"/>
+              <a:t>Backups</a:t>
+            </a:r>
+            <a:endParaRPr lang="en-AU" dirty="0"/>
+          </a:p>
+        </p:txBody>
+      </p:sp>
+      <p:sp>
+        <p:nvSpPr>
+          <p:cNvPr id="3" name="Text Placeholder 2"/>
+          <p:cNvSpPr>
+            <a:spLocks noGrp="1"/>
+          </p:cNvSpPr>
+          <p:nvPr>
+            <p:ph type="body" sz="quarter" idx="10"/>
+          </p:nvPr>
+        </p:nvSpPr>
+        <p:spPr>
+          <a:xfrm>
+            <a:off x="519112" y="1447799"/>
+            <a:ext cx="11149013" cy="2562240"/>
+          </a:xfrm>
+        </p:spPr>
+        <p:txBody>
+          <a:bodyPr/>
+          <a:lstStyle/>
+          <a:p>
+            <a:r>
+              <a:rPr lang="en-AU" dirty="0" err="1" smtClean="0"/>
+              <a:t>Todo</a:t>
+            </a:r>
+            <a:endParaRPr lang="en-AU" dirty="0" smtClean="0"/>
+          </a:p>
+          <a:p>
+            <a:r>
+              <a:rPr lang="en-AU" dirty="0"/>
+              <a:t>	</a:t>
+            </a:r>
+            <a:r>
+              <a:rPr lang="en-AU" dirty="0" smtClean="0"/>
+              <a:t>third party tools</a:t>
+            </a:r>
+          </a:p>
+          <a:p>
+            <a:r>
+              <a:rPr lang="en-AU" dirty="0"/>
+              <a:t>	</a:t>
+            </a:r>
+            <a:r>
+              <a:rPr lang="en-AU" dirty="0" err="1" smtClean="0"/>
+              <a:t>bcp</a:t>
+            </a:r>
+            <a:r>
+              <a:rPr lang="en-AU" dirty="0" smtClean="0"/>
+              <a:t> (not transactionally consistent)</a:t>
+            </a:r>
+          </a:p>
+          <a:p>
+            <a:r>
+              <a:rPr lang="en-AU" dirty="0"/>
+              <a:t>	</a:t>
+            </a:r>
+            <a:r>
+              <a:rPr lang="en-AU" dirty="0" smtClean="0"/>
+              <a:t>create </a:t>
+            </a:r>
+            <a:r>
+              <a:rPr lang="en-AU" dirty="0" err="1" smtClean="0"/>
+              <a:t>gatabase</a:t>
+            </a:r>
+            <a:r>
+              <a:rPr lang="en-AU" dirty="0" smtClean="0"/>
+              <a:t> as copy (charges a whole day)</a:t>
+            </a:r>
+          </a:p>
+        </p:txBody>
+      </p:sp>
+    </p:spTree>
+    <p:extLst>
+      <p:ext uri="{BB962C8B-B14F-4D97-AF65-F5344CB8AC3E}">
+        <p14:creationId xmlns:p14="http://schemas.microsoft.com/office/powerpoint/2010/main" val="1164452152"/>
+      </p:ext>
+    </p:extLst>
+  </p:cSld>
+  <p:clrMapOvr>
+    <a:masterClrMapping/>
+  </p:clrMapOvr>
+  <p:transition>
+    <p:fade/>
+  </p:transition>
+</p:sld>
+</file>
+
+<file path=ppt/slides/slide22.xml><?xml version="1.0" encoding="utf-8"?>
+<p:sld xmlns:a="http://schemas.openxmlformats.org/drawingml/2006/main" xmlns:r="http://schemas.openxmlformats.org/officeDocument/2006/relationships" xmlns:p="http://schemas.openxmlformats.org/presentationml/2006/main">
+  <p:cSld>
+    <p:spTree>
+      <p:nvGrpSpPr>
+        <p:cNvPr id="1" name=""/>
+        <p:cNvGrpSpPr/>
+        <p:nvPr/>
+      </p:nvGrpSpPr>
+      <p:grpSpPr>
+        <a:xfrm>
+          <a:off x="0" y="0"/>
+          <a:ext cx="0" cy="0"/>
+          <a:chOff x="0" y="0"/>
+          <a:chExt cx="0" cy="0"/>
+        </a:xfrm>
+      </p:grpSpPr>
+      <p:sp>
+        <p:nvSpPr>
+          <p:cNvPr id="2" name="Title 1"/>
+          <p:cNvSpPr>
+            <a:spLocks noGrp="1"/>
+          </p:cNvSpPr>
+          <p:nvPr>
+            <p:ph type="title"/>
+          </p:nvPr>
+        </p:nvSpPr>
+        <p:spPr/>
+        <p:txBody>
+          <a:bodyPr/>
+          <a:lstStyle/>
+          <a:p>
+            <a:r>
+              <a:rPr lang="en-AU" dirty="0" smtClean="0"/>
+              <a:t>Schema Management</a:t>
+            </a:r>
+            <a:endParaRPr lang="en-AU" dirty="0"/>
+          </a:p>
+        </p:txBody>
+      </p:sp>
+      <p:sp>
+        <p:nvSpPr>
+          <p:cNvPr id="3" name="Text Placeholder 2"/>
+          <p:cNvSpPr>
+            <a:spLocks noGrp="1"/>
+          </p:cNvSpPr>
+          <p:nvPr>
+            <p:ph type="body" sz="quarter" idx="10"/>
+          </p:nvPr>
+        </p:nvSpPr>
+        <p:spPr>
+          <a:xfrm>
+            <a:off x="519112" y="1447799"/>
+            <a:ext cx="11149013" cy="2885405"/>
+          </a:xfrm>
+        </p:spPr>
+        <p:txBody>
+          <a:bodyPr/>
+          <a:lstStyle/>
+          <a:p>
+            <a:r>
+              <a:rPr lang="en-AU" dirty="0" err="1" smtClean="0"/>
+              <a:t>todo</a:t>
+            </a:r>
+            <a:endParaRPr lang="en-AU" dirty="0" smtClean="0"/>
+          </a:p>
+          <a:p>
+            <a:r>
+              <a:rPr lang="en-AU" dirty="0" smtClean="0"/>
+              <a:t>Use migrations so you get the usual benefits of that, but also helps avoid connecting directly to the database (helps with risk of having less regular </a:t>
+            </a:r>
+            <a:r>
+              <a:rPr lang="en-AU" dirty="0" err="1" smtClean="0"/>
+              <a:t>db</a:t>
+            </a:r>
+            <a:r>
+              <a:rPr lang="en-AU" dirty="0" smtClean="0"/>
+              <a:t> backups and no transaction logs)</a:t>
+            </a:r>
+            <a:endParaRPr lang="en-AU" dirty="0"/>
+          </a:p>
+        </p:txBody>
+      </p:sp>
+    </p:spTree>
+    <p:extLst>
+      <p:ext uri="{BB962C8B-B14F-4D97-AF65-F5344CB8AC3E}">
+        <p14:creationId xmlns:p14="http://schemas.microsoft.com/office/powerpoint/2010/main" val="981396761"/>
+      </p:ext>
+    </p:extLst>
+  </p:cSld>
+  <p:clrMapOvr>
+    <a:masterClrMapping/>
+  </p:clrMapOvr>
+  <p:transition>
+    <p:fade/>
+  </p:transition>
+</p:sld>
+</file>
+
+<file path=ppt/slides/slide23.xml><?xml version="1.0" encoding="utf-8"?>
+<p:sld xmlns:a="http://schemas.openxmlformats.org/drawingml/2006/main" xmlns:r="http://schemas.openxmlformats.org/officeDocument/2006/relationships" xmlns:p="http://schemas.openxmlformats.org/presentationml/2006/main">
+  <p:cSld>
+    <p:spTree>
+      <p:nvGrpSpPr>
+        <p:cNvPr id="1" name=""/>
+        <p:cNvGrpSpPr/>
+        <p:nvPr/>
+      </p:nvGrpSpPr>
+      <p:grpSpPr>
+        <a:xfrm>
+          <a:off x="0" y="0"/>
+          <a:ext cx="0" cy="0"/>
+          <a:chOff x="0" y="0"/>
+          <a:chExt cx="0" cy="0"/>
+        </a:xfrm>
+      </p:grpSpPr>
+      <p:sp>
+        <p:nvSpPr>
+          <p:cNvPr id="2" name="Title 1"/>
+          <p:cNvSpPr>
+            <a:spLocks noGrp="1"/>
+          </p:cNvSpPr>
+          <p:nvPr>
+            <p:ph type="title"/>
+          </p:nvPr>
+        </p:nvSpPr>
+        <p:spPr/>
+        <p:txBody>
+          <a:bodyPr/>
+          <a:lstStyle/>
+          <a:p>
+            <a:r>
+              <a:rPr lang="en-AU" dirty="0" smtClean="0"/>
+              <a:t>Security</a:t>
+            </a:r>
+            <a:endParaRPr lang="en-AU" dirty="0"/>
+          </a:p>
+        </p:txBody>
+      </p:sp>
+      <p:sp>
+        <p:nvSpPr>
+          <p:cNvPr id="3" name="Text Placeholder 2"/>
+          <p:cNvSpPr>
+            <a:spLocks noGrp="1"/>
+          </p:cNvSpPr>
+          <p:nvPr>
+            <p:ph type="body" sz="quarter" idx="10"/>
+          </p:nvPr>
+        </p:nvSpPr>
+        <p:spPr>
+          <a:xfrm>
+            <a:off x="519112" y="1447799"/>
+            <a:ext cx="11149013" cy="4455066"/>
+          </a:xfrm>
+        </p:spPr>
+        <p:txBody>
+          <a:bodyPr/>
+          <a:lstStyle/>
+          <a:p>
+            <a:r>
+              <a:rPr lang="en-AU" dirty="0" err="1" smtClean="0"/>
+              <a:t>Todo</a:t>
+            </a:r>
+            <a:endParaRPr lang="en-AU" dirty="0" smtClean="0"/>
+          </a:p>
+          <a:p>
+            <a:r>
+              <a:rPr lang="en-AU" dirty="0" smtClean="0"/>
+              <a:t>Firewall</a:t>
+            </a:r>
+          </a:p>
+          <a:p>
+            <a:r>
+              <a:rPr lang="en-AU" dirty="0" smtClean="0"/>
+              <a:t>User accounts with privileges</a:t>
+            </a:r>
+          </a:p>
+          <a:p>
+            <a:r>
+              <a:rPr lang="en-AU" dirty="0"/>
+              <a:t>	</a:t>
+            </a:r>
+            <a:r>
+              <a:rPr lang="en-AU" dirty="0" smtClean="0"/>
+              <a:t>server admin </a:t>
+            </a:r>
+            <a:r>
+              <a:rPr lang="en-AU" dirty="0" err="1" smtClean="0"/>
+              <a:t>vs</a:t>
+            </a:r>
+            <a:r>
+              <a:rPr lang="en-AU" dirty="0" smtClean="0"/>
+              <a:t> other</a:t>
+            </a:r>
+          </a:p>
+          <a:p>
+            <a:r>
+              <a:rPr lang="en-AU" dirty="0" smtClean="0"/>
+              <a:t>Encrypt on connection string</a:t>
+            </a:r>
+          </a:p>
+          <a:p>
+            <a:r>
+              <a:rPr lang="en-AU" dirty="0" smtClean="0"/>
+              <a:t>Encrypted </a:t>
+            </a:r>
+            <a:r>
+              <a:rPr lang="en-AU" dirty="0" err="1" smtClean="0"/>
+              <a:t>config</a:t>
+            </a:r>
+            <a:r>
+              <a:rPr lang="en-AU" dirty="0" smtClean="0"/>
+              <a:t> when deploying / password safe for password</a:t>
+            </a:r>
+          </a:p>
+        </p:txBody>
+      </p:sp>
+    </p:spTree>
+    <p:extLst>
+      <p:ext uri="{BB962C8B-B14F-4D97-AF65-F5344CB8AC3E}">
+        <p14:creationId xmlns:p14="http://schemas.microsoft.com/office/powerpoint/2010/main" val="3484700856"/>
+      </p:ext>
+    </p:extLst>
+  </p:cSld>
+  <p:clrMapOvr>
+    <a:masterClrMapping/>
+  </p:clrMapOvr>
+  <p:transition>
+    <p:fade/>
+  </p:transition>
+</p:sld>
+</file>
+
+<file path=ppt/slides/slide24.xml><?xml version="1.0" encoding="utf-8"?>
+<p:sld xmlns:a="http://schemas.openxmlformats.org/drawingml/2006/main" xmlns:r="http://schemas.openxmlformats.org/officeDocument/2006/relationships" xmlns:p="http://schemas.openxmlformats.org/presentationml/2006/main">
+  <p:cSld>
+    <p:spTree>
+      <p:nvGrpSpPr>
+        <p:cNvPr id="1" name=""/>
+        <p:cNvGrpSpPr/>
+        <p:nvPr/>
+      </p:nvGrpSpPr>
+      <p:grpSpPr>
+        <a:xfrm>
+          <a:off x="0" y="0"/>
+          <a:ext cx="0" cy="0"/>
+          <a:chOff x="0" y="0"/>
+          <a:chExt cx="0" cy="0"/>
+        </a:xfrm>
+      </p:grpSpPr>
+      <p:sp>
+        <p:nvSpPr>
+          <p:cNvPr id="2" name="Title 1"/>
+          <p:cNvSpPr>
+            <a:spLocks noGrp="1"/>
+          </p:cNvSpPr>
+          <p:nvPr>
+            <p:ph type="title"/>
+          </p:nvPr>
+        </p:nvSpPr>
+        <p:spPr/>
+        <p:txBody>
+          <a:bodyPr/>
+          <a:lstStyle/>
+          <a:p>
+            <a:r>
+              <a:rPr lang="en-AU" dirty="0" smtClean="0"/>
+              <a:t>Scaling</a:t>
+            </a:r>
+            <a:endParaRPr lang="en-AU" dirty="0"/>
+          </a:p>
+        </p:txBody>
+      </p:sp>
+      <p:sp>
+        <p:nvSpPr>
+          <p:cNvPr id="3" name="Text Placeholder 2"/>
+          <p:cNvSpPr>
+            <a:spLocks noGrp="1"/>
+          </p:cNvSpPr>
+          <p:nvPr>
+            <p:ph type="body" sz="quarter" idx="10"/>
+          </p:nvPr>
+        </p:nvSpPr>
+        <p:spPr>
+          <a:xfrm>
+            <a:off x="519112" y="1447799"/>
+            <a:ext cx="11149013" cy="5678478"/>
+          </a:xfrm>
+        </p:spPr>
+        <p:txBody>
+          <a:bodyPr/>
+          <a:lstStyle/>
+          <a:p>
+            <a:r>
+              <a:rPr lang="en-AU" dirty="0" err="1" smtClean="0"/>
+              <a:t>todo</a:t>
+            </a:r>
+            <a:endParaRPr lang="en-AU" dirty="0" smtClean="0"/>
+          </a:p>
+          <a:p>
+            <a:r>
+              <a:rPr lang="en-AU" dirty="0" smtClean="0"/>
+              <a:t>Vertical (size) =&gt; multi-tenancy for cost cutting</a:t>
+            </a:r>
+          </a:p>
+          <a:p>
+            <a:r>
+              <a:rPr lang="en-AU" dirty="0" smtClean="0"/>
+              <a:t>Horizontal (size and throughput) =&gt; federations or manual</a:t>
+            </a:r>
+          </a:p>
+          <a:p>
+            <a:r>
+              <a:rPr lang="en-AU" dirty="0" smtClean="0"/>
+              <a:t>If you need more size or throughput than SQL Database can handle:</a:t>
+            </a:r>
+          </a:p>
+          <a:p>
+            <a:pPr marL="574675" indent="-571500">
+              <a:buFont typeface="Arial" panose="020B0604020202020204" pitchFamily="34" charset="0"/>
+              <a:buChar char="•"/>
+            </a:pPr>
+            <a:r>
+              <a:rPr lang="en-AU" dirty="0" smtClean="0"/>
+              <a:t>Azure Table Storage (or hybrid between two)</a:t>
+            </a:r>
+          </a:p>
+          <a:p>
+            <a:pPr marL="574675" indent="-571500">
+              <a:buFont typeface="Arial" panose="020B0604020202020204" pitchFamily="34" charset="0"/>
+              <a:buChar char="•"/>
+            </a:pPr>
+            <a:r>
+              <a:rPr lang="en-AU" dirty="0" err="1" smtClean="0"/>
+              <a:t>IaaS</a:t>
+            </a:r>
+            <a:r>
+              <a:rPr lang="en-AU" dirty="0" smtClean="0"/>
+              <a:t> VM with SQL server</a:t>
+            </a:r>
+          </a:p>
+          <a:p>
+            <a:endParaRPr lang="en-AU" dirty="0" smtClean="0"/>
+          </a:p>
+        </p:txBody>
+      </p:sp>
+    </p:spTree>
+    <p:extLst>
+      <p:ext uri="{BB962C8B-B14F-4D97-AF65-F5344CB8AC3E}">
+        <p14:creationId xmlns:p14="http://schemas.microsoft.com/office/powerpoint/2010/main" val="2631833830"/>
+      </p:ext>
+    </p:extLst>
+  </p:cSld>
+  <p:clrMapOvr>
+    <a:masterClrMapping/>
+  </p:clrMapOvr>
+  <p:transition>
+    <p:fade/>
+  </p:transition>
+</p:sld>
+</file>
+
+<file path=ppt/slides/slide25.xml><?xml version="1.0" encoding="utf-8"?>
+<p:sld xmlns:a="http://schemas.openxmlformats.org/drawingml/2006/main" xmlns:r="http://schemas.openxmlformats.org/officeDocument/2006/relationships" xmlns:p="http://schemas.openxmlformats.org/presentationml/2006/main">
+  <p:cSld>
+    <p:spTree>
+      <p:nvGrpSpPr>
+        <p:cNvPr id="1" name=""/>
+        <p:cNvGrpSpPr/>
+        <p:nvPr/>
+      </p:nvGrpSpPr>
+      <p:grpSpPr>
+        <a:xfrm>
+          <a:off x="0" y="0"/>
+          <a:ext cx="0" cy="0"/>
+          <a:chOff x="0" y="0"/>
+          <a:chExt cx="0" cy="0"/>
+        </a:xfrm>
+      </p:grpSpPr>
+      <p:sp>
+        <p:nvSpPr>
+          <p:cNvPr id="3" name="Text Placeholder 2"/>
+          <p:cNvSpPr>
+            <a:spLocks noGrp="1"/>
+          </p:cNvSpPr>
+          <p:nvPr>
+            <p:ph type="body" sz="quarter" idx="10"/>
+          </p:nvPr>
+        </p:nvSpPr>
+        <p:spPr>
+          <a:xfrm>
+            <a:off x="521208" y="2397746"/>
+            <a:ext cx="10693401" cy="1378644"/>
+          </a:xfrm>
+        </p:spPr>
+        <p:txBody>
+          <a:bodyPr/>
+          <a:lstStyle/>
+          <a:p>
+            <a:r>
+              <a:rPr lang="en-US" dirty="0" smtClean="0"/>
+              <a:t>Transient Fault Handling</a:t>
+            </a:r>
+            <a:endParaRPr lang="en-US" dirty="0"/>
+          </a:p>
+        </p:txBody>
+      </p:sp>
+    </p:spTree>
+    <p:extLst>
+      <p:ext uri="{BB962C8B-B14F-4D97-AF65-F5344CB8AC3E}">
+        <p14:creationId xmlns:p14="http://schemas.microsoft.com/office/powerpoint/2010/main" val="3715508783"/>
+      </p:ext>
+    </p:extLst>
+  </p:cSld>
+  <p:clrMapOvr>
+    <a:masterClrMapping/>
+  </p:clrMapOvr>
+  <p:transition>
+    <p:fade/>
+  </p:transition>
+  <p:timing>
+    <p:tnLst>
+      <p:par>
+        <p:cTn id="1" dur="indefinite" restart="never" nodeType="tmRoot"/>
+      </p:par>
+    </p:tnLst>
+  </p:timing>
+</p:sld>
+</file>
+
+<file path=ppt/slides/slide26.xml><?xml version="1.0" encoding="utf-8"?>
+<p:sld xmlns:a="http://schemas.openxmlformats.org/drawingml/2006/main" xmlns:r="http://schemas.openxmlformats.org/officeDocument/2006/relationships" xmlns:p="http://schemas.openxmlformats.org/presentationml/2006/main">
+  <p:cSld>
+    <p:spTree>
+      <p:nvGrpSpPr>
+        <p:cNvPr id="1" name=""/>
+        <p:cNvGrpSpPr/>
+        <p:nvPr/>
+      </p:nvGrpSpPr>
+      <p:grpSpPr>
+        <a:xfrm>
+          <a:off x="0" y="0"/>
+          <a:ext cx="0" cy="0"/>
+          <a:chOff x="0" y="0"/>
+          <a:chExt cx="0" cy="0"/>
+        </a:xfrm>
+      </p:grpSpPr>
+      <p:sp>
+        <p:nvSpPr>
+          <p:cNvPr id="2" name="Title 1"/>
+          <p:cNvSpPr>
+            <a:spLocks noGrp="1"/>
+          </p:cNvSpPr>
+          <p:nvPr>
+            <p:ph type="title"/>
+          </p:nvPr>
+        </p:nvSpPr>
+        <p:spPr/>
+        <p:txBody>
+          <a:bodyPr/>
+          <a:lstStyle/>
+          <a:p>
+            <a:r>
+              <a:rPr lang="en-AU" dirty="0" smtClean="0"/>
+              <a:t>What are transient faults?</a:t>
+            </a:r>
+            <a:endParaRPr lang="en-AU" dirty="0"/>
+          </a:p>
+        </p:txBody>
+      </p:sp>
+      <p:sp>
+        <p:nvSpPr>
+          <p:cNvPr id="3" name="Text Placeholder 2"/>
+          <p:cNvSpPr>
+            <a:spLocks noGrp="1"/>
+          </p:cNvSpPr>
+          <p:nvPr>
+            <p:ph type="body" sz="quarter" idx="10"/>
+          </p:nvPr>
+        </p:nvSpPr>
+        <p:spPr>
+          <a:xfrm>
+            <a:off x="519112" y="1447799"/>
+            <a:ext cx="11149013" cy="553998"/>
+          </a:xfrm>
+        </p:spPr>
+        <p:txBody>
+          <a:bodyPr/>
+          <a:lstStyle/>
+          <a:p>
+            <a:r>
+              <a:rPr lang="en-AU" dirty="0" err="1" smtClean="0"/>
+              <a:t>todo</a:t>
+            </a:r>
+            <a:endParaRPr lang="en-AU" dirty="0"/>
+          </a:p>
+        </p:txBody>
+      </p:sp>
+    </p:spTree>
+    <p:extLst>
+      <p:ext uri="{BB962C8B-B14F-4D97-AF65-F5344CB8AC3E}">
+        <p14:creationId xmlns:p14="http://schemas.microsoft.com/office/powerpoint/2010/main" val="650531519"/>
+      </p:ext>
+    </p:extLst>
+  </p:cSld>
+  <p:clrMapOvr>
+    <a:masterClrMapping/>
+  </p:clrMapOvr>
+  <p:transition>
+    <p:fade/>
+  </p:transition>
+</p:sld>
+</file>
+
+<file path=ppt/slides/slide27.xml><?xml version="1.0" encoding="utf-8"?>
+<p:sld xmlns:a="http://schemas.openxmlformats.org/drawingml/2006/main" xmlns:r="http://schemas.openxmlformats.org/officeDocument/2006/relationships" xmlns:p="http://schemas.openxmlformats.org/presentationml/2006/main">
+  <p:cSld>
+    <p:spTree>
+      <p:nvGrpSpPr>
+        <p:cNvPr id="1" name=""/>
+        <p:cNvGrpSpPr/>
+        <p:nvPr/>
+      </p:nvGrpSpPr>
+      <p:grpSpPr>
+        <a:xfrm>
+          <a:off x="0" y="0"/>
+          <a:ext cx="0" cy="0"/>
+          <a:chOff x="0" y="0"/>
+          <a:chExt cx="0" cy="0"/>
+        </a:xfrm>
+      </p:grpSpPr>
+      <p:sp>
+        <p:nvSpPr>
+          <p:cNvPr id="2" name="Title 1"/>
+          <p:cNvSpPr>
+            <a:spLocks noGrp="1"/>
+          </p:cNvSpPr>
+          <p:nvPr>
+            <p:ph type="title"/>
+          </p:nvPr>
+        </p:nvSpPr>
+        <p:spPr>
+          <a:xfrm>
+            <a:off x="519112" y="228600"/>
+            <a:ext cx="11149013" cy="747897"/>
+          </a:xfrm>
+        </p:spPr>
+        <p:txBody>
+          <a:bodyPr/>
+          <a:lstStyle/>
+          <a:p>
+            <a:r>
+              <a:rPr lang="en-AU" dirty="0" smtClean="0"/>
+              <a:t>Why does it give transient faults?</a:t>
+            </a:r>
+            <a:endParaRPr lang="en-AU" dirty="0"/>
+          </a:p>
+        </p:txBody>
+      </p:sp>
+      <p:sp>
+        <p:nvSpPr>
+          <p:cNvPr id="3" name="Text Placeholder 2"/>
+          <p:cNvSpPr>
+            <a:spLocks noGrp="1"/>
+          </p:cNvSpPr>
+          <p:nvPr>
+            <p:ph type="body" sz="quarter" idx="10"/>
+          </p:nvPr>
+        </p:nvSpPr>
+        <p:spPr>
+          <a:xfrm>
+            <a:off x="519112" y="1447799"/>
+            <a:ext cx="11149013" cy="553998"/>
+          </a:xfrm>
+        </p:spPr>
+        <p:txBody>
+          <a:bodyPr/>
+          <a:lstStyle/>
+          <a:p>
+            <a:r>
+              <a:rPr lang="en-AU" dirty="0" err="1" smtClean="0"/>
+              <a:t>todo</a:t>
+            </a:r>
+            <a:endParaRPr lang="en-AU" dirty="0"/>
+          </a:p>
+        </p:txBody>
+      </p:sp>
+    </p:spTree>
+    <p:extLst>
+      <p:ext uri="{BB962C8B-B14F-4D97-AF65-F5344CB8AC3E}">
+        <p14:creationId xmlns:p14="http://schemas.microsoft.com/office/powerpoint/2010/main" val="437241435"/>
+      </p:ext>
+    </p:extLst>
+  </p:cSld>
+  <p:clrMapOvr>
+    <a:masterClrMapping/>
+  </p:clrMapOvr>
+  <p:transition>
+    <p:fade/>
+  </p:transition>
+</p:sld>
+</file>
+
+<file path=ppt/slides/slide28.xml><?xml version="1.0" encoding="utf-8"?>
+<p:sld xmlns:a="http://schemas.openxmlformats.org/drawingml/2006/main" xmlns:r="http://schemas.openxmlformats.org/officeDocument/2006/relationships" xmlns:p="http://schemas.openxmlformats.org/presentationml/2006/main">
+  <p:cSld>
+    <p:spTree>
+      <p:nvGrpSpPr>
+        <p:cNvPr id="1" name=""/>
+        <p:cNvGrpSpPr/>
+        <p:nvPr/>
+      </p:nvGrpSpPr>
+      <p:grpSpPr>
+        <a:xfrm>
+          <a:off x="0" y="0"/>
+          <a:ext cx="0" cy="0"/>
+          <a:chOff x="0" y="0"/>
+          <a:chExt cx="0" cy="0"/>
+        </a:xfrm>
+      </p:grpSpPr>
+      <p:sp>
+        <p:nvSpPr>
+          <p:cNvPr id="2" name="Title 1"/>
+          <p:cNvSpPr>
+            <a:spLocks noGrp="1"/>
+          </p:cNvSpPr>
+          <p:nvPr>
+            <p:ph type="title"/>
+          </p:nvPr>
+        </p:nvSpPr>
+        <p:spPr/>
+        <p:txBody>
+          <a:bodyPr/>
+          <a:lstStyle/>
+          <a:p>
+            <a:r>
+              <a:rPr lang="en-AU" dirty="0" smtClean="0"/>
+              <a:t>Transient Fault Handling library</a:t>
+            </a:r>
+            <a:endParaRPr lang="en-AU" dirty="0"/>
+          </a:p>
+        </p:txBody>
+      </p:sp>
+      <p:sp>
+        <p:nvSpPr>
+          <p:cNvPr id="3" name="Text Placeholder 2"/>
+          <p:cNvSpPr>
+            <a:spLocks noGrp="1"/>
+          </p:cNvSpPr>
+          <p:nvPr>
+            <p:ph type="body" sz="quarter" idx="10"/>
+          </p:nvPr>
+        </p:nvSpPr>
+        <p:spPr>
+          <a:xfrm>
+            <a:off x="519112" y="1447799"/>
+            <a:ext cx="11149013" cy="553998"/>
+          </a:xfrm>
+        </p:spPr>
+        <p:txBody>
+          <a:bodyPr/>
+          <a:lstStyle/>
+          <a:p>
+            <a:r>
+              <a:rPr lang="en-AU" dirty="0" err="1" smtClean="0"/>
+              <a:t>todo</a:t>
+            </a:r>
+            <a:endParaRPr lang="en-AU" dirty="0"/>
+          </a:p>
+        </p:txBody>
+      </p:sp>
+    </p:spTree>
+    <p:extLst>
+      <p:ext uri="{BB962C8B-B14F-4D97-AF65-F5344CB8AC3E}">
+        <p14:creationId xmlns:p14="http://schemas.microsoft.com/office/powerpoint/2010/main" val="1818265585"/>
+      </p:ext>
+    </p:extLst>
+  </p:cSld>
+  <p:clrMapOvr>
+    <a:masterClrMapping/>
+  </p:clrMapOvr>
+  <p:transition>
+    <p:fade/>
+  </p:transition>
+</p:sld>
+</file>
+
+<file path=ppt/slides/slide29.xml><?xml version="1.0" encoding="utf-8"?>
+<p:sld xmlns:a="http://schemas.openxmlformats.org/drawingml/2006/main" xmlns:r="http://schemas.openxmlformats.org/officeDocument/2006/relationships" xmlns:p="http://schemas.openxmlformats.org/presentationml/2006/main">
+  <p:cSld>
+    <p:spTree>
+      <p:nvGrpSpPr>
+        <p:cNvPr id="1" name=""/>
+        <p:cNvGrpSpPr/>
+        <p:nvPr/>
+      </p:nvGrpSpPr>
+      <p:grpSpPr>
+        <a:xfrm>
+          <a:off x="0" y="0"/>
+          <a:ext cx="0" cy="0"/>
+          <a:chOff x="0" y="0"/>
+          <a:chExt cx="0" cy="0"/>
+        </a:xfrm>
+      </p:grpSpPr>
+      <p:sp>
+        <p:nvSpPr>
+          <p:cNvPr id="2" name="Title 1"/>
+          <p:cNvSpPr>
+            <a:spLocks noGrp="1"/>
+          </p:cNvSpPr>
+          <p:nvPr>
+            <p:ph type="title"/>
+          </p:nvPr>
+        </p:nvSpPr>
+        <p:spPr/>
+        <p:txBody>
+          <a:bodyPr/>
+          <a:lstStyle/>
+          <a:p>
+            <a:r>
+              <a:rPr lang="en-AU" dirty="0" err="1" smtClean="0"/>
+              <a:t>NHibernate.SqlAzure</a:t>
+            </a:r>
+            <a:r>
+              <a:rPr lang="en-AU" dirty="0" smtClean="0"/>
+              <a:t> library</a:t>
+            </a:r>
+            <a:endParaRPr lang="en-AU" dirty="0"/>
+          </a:p>
+        </p:txBody>
+      </p:sp>
+      <p:sp>
+        <p:nvSpPr>
+          <p:cNvPr id="3" name="Text Placeholder 2"/>
+          <p:cNvSpPr>
+            <a:spLocks noGrp="1"/>
+          </p:cNvSpPr>
+          <p:nvPr>
+            <p:ph type="body" sz="quarter" idx="10"/>
+          </p:nvPr>
+        </p:nvSpPr>
+        <p:spPr>
+          <a:xfrm>
+            <a:off x="519112" y="1447799"/>
+            <a:ext cx="11149013" cy="553998"/>
+          </a:xfrm>
+        </p:spPr>
+        <p:txBody>
+          <a:bodyPr/>
+          <a:lstStyle/>
+          <a:p>
+            <a:r>
+              <a:rPr lang="en-AU" dirty="0" err="1" smtClean="0"/>
+              <a:t>todo</a:t>
+            </a:r>
+            <a:endParaRPr lang="en-AU" dirty="0"/>
+          </a:p>
+        </p:txBody>
+      </p:sp>
+    </p:spTree>
+    <p:extLst>
+      <p:ext uri="{BB962C8B-B14F-4D97-AF65-F5344CB8AC3E}">
+        <p14:creationId xmlns:p14="http://schemas.microsoft.com/office/powerpoint/2010/main" val="2969714386"/>
+      </p:ext>
+    </p:extLst>
+  </p:cSld>
+  <p:clrMapOvr>
+    <a:masterClrMapping/>
+  </p:clrMapOvr>
+  <p:transition>
+    <p:fade/>
+  </p:transition>
+</p:sld>
+</file>
+
+<file path=ppt/slides/slide3.xml><?xml version="1.0" encoding="utf-8"?>
 <p:sld xmlns:a="http://schemas.openxmlformats.org/drawingml/2006/main" xmlns:r="http://schemas.openxmlformats.org/officeDocument/2006/relationships" xmlns:p="http://schemas.openxmlformats.org/presentationml/2006/main">
   <p:cSld>
     <p:spTree>
@@ -24314,495 +25460,7 @@
 </p:sld>
 </file>
 
-<file path=ppt/slides/slide20.xml><?xml version="1.0" encoding="utf-8"?>
-<p:sld xmlns:a="http://schemas.openxmlformats.org/drawingml/2006/main" xmlns:r="http://schemas.openxmlformats.org/officeDocument/2006/relationships" xmlns:p="http://schemas.openxmlformats.org/presentationml/2006/main">
-  <p:cSld>
-    <p:spTree>
-      <p:nvGrpSpPr>
-        <p:cNvPr id="1" name=""/>
-        <p:cNvGrpSpPr/>
-        <p:nvPr/>
-      </p:nvGrpSpPr>
-      <p:grpSpPr>
-        <a:xfrm>
-          <a:off x="0" y="0"/>
-          <a:ext cx="0" cy="0"/>
-          <a:chOff x="0" y="0"/>
-          <a:chExt cx="0" cy="0"/>
-        </a:xfrm>
-      </p:grpSpPr>
-      <p:sp>
-        <p:nvSpPr>
-          <p:cNvPr id="2" name="Title 1"/>
-          <p:cNvSpPr>
-            <a:spLocks noGrp="1"/>
-          </p:cNvSpPr>
-          <p:nvPr>
-            <p:ph type="title"/>
-          </p:nvPr>
-        </p:nvSpPr>
-        <p:spPr/>
-        <p:txBody>
-          <a:bodyPr/>
-          <a:lstStyle/>
-          <a:p>
-            <a:r>
-              <a:rPr lang="en-AU" dirty="0" smtClean="0"/>
-              <a:t>Backups</a:t>
-            </a:r>
-            <a:endParaRPr lang="en-AU" dirty="0"/>
-          </a:p>
-        </p:txBody>
-      </p:sp>
-      <p:sp>
-        <p:nvSpPr>
-          <p:cNvPr id="3" name="Text Placeholder 2"/>
-          <p:cNvSpPr>
-            <a:spLocks noGrp="1"/>
-          </p:cNvSpPr>
-          <p:nvPr>
-            <p:ph type="body" sz="quarter" idx="10"/>
-          </p:nvPr>
-        </p:nvSpPr>
-        <p:spPr>
-          <a:xfrm>
-            <a:off x="519112" y="1447799"/>
-            <a:ext cx="11149013" cy="2562240"/>
-          </a:xfrm>
-        </p:spPr>
-        <p:txBody>
-          <a:bodyPr/>
-          <a:lstStyle/>
-          <a:p>
-            <a:r>
-              <a:rPr lang="en-AU" dirty="0" err="1" smtClean="0"/>
-              <a:t>Todo</a:t>
-            </a:r>
-            <a:endParaRPr lang="en-AU" dirty="0" smtClean="0"/>
-          </a:p>
-          <a:p>
-            <a:r>
-              <a:rPr lang="en-AU" dirty="0"/>
-              <a:t>	</a:t>
-            </a:r>
-            <a:r>
-              <a:rPr lang="en-AU" dirty="0" smtClean="0"/>
-              <a:t>third party tools</a:t>
-            </a:r>
-          </a:p>
-          <a:p>
-            <a:r>
-              <a:rPr lang="en-AU" dirty="0"/>
-              <a:t>	</a:t>
-            </a:r>
-            <a:r>
-              <a:rPr lang="en-AU" dirty="0" err="1" smtClean="0"/>
-              <a:t>bcp</a:t>
-            </a:r>
-            <a:r>
-              <a:rPr lang="en-AU" dirty="0" smtClean="0"/>
-              <a:t> (not transactionally consistent)</a:t>
-            </a:r>
-          </a:p>
-          <a:p>
-            <a:r>
-              <a:rPr lang="en-AU" dirty="0"/>
-              <a:t>	</a:t>
-            </a:r>
-            <a:r>
-              <a:rPr lang="en-AU" dirty="0" smtClean="0"/>
-              <a:t>create </a:t>
-            </a:r>
-            <a:r>
-              <a:rPr lang="en-AU" dirty="0" err="1" smtClean="0"/>
-              <a:t>gatabase</a:t>
-            </a:r>
-            <a:r>
-              <a:rPr lang="en-AU" dirty="0" smtClean="0"/>
-              <a:t> as copy (charges a whole day)</a:t>
-            </a:r>
-          </a:p>
-        </p:txBody>
-      </p:sp>
-    </p:spTree>
-    <p:extLst>
-      <p:ext uri="{BB962C8B-B14F-4D97-AF65-F5344CB8AC3E}">
-        <p14:creationId xmlns:p14="http://schemas.microsoft.com/office/powerpoint/2010/main" val="1164452152"/>
-      </p:ext>
-    </p:extLst>
-  </p:cSld>
-  <p:clrMapOvr>
-    <a:masterClrMapping/>
-  </p:clrMapOvr>
-  <p:transition>
-    <p:fade/>
-  </p:transition>
-</p:sld>
-</file>
-
-<file path=ppt/slides/slide21.xml><?xml version="1.0" encoding="utf-8"?>
-<p:sld xmlns:a="http://schemas.openxmlformats.org/drawingml/2006/main" xmlns:r="http://schemas.openxmlformats.org/officeDocument/2006/relationships" xmlns:p="http://schemas.openxmlformats.org/presentationml/2006/main">
-  <p:cSld>
-    <p:spTree>
-      <p:nvGrpSpPr>
-        <p:cNvPr id="1" name=""/>
-        <p:cNvGrpSpPr/>
-        <p:nvPr/>
-      </p:nvGrpSpPr>
-      <p:grpSpPr>
-        <a:xfrm>
-          <a:off x="0" y="0"/>
-          <a:ext cx="0" cy="0"/>
-          <a:chOff x="0" y="0"/>
-          <a:chExt cx="0" cy="0"/>
-        </a:xfrm>
-      </p:grpSpPr>
-      <p:sp>
-        <p:nvSpPr>
-          <p:cNvPr id="2" name="Title 1"/>
-          <p:cNvSpPr>
-            <a:spLocks noGrp="1"/>
-          </p:cNvSpPr>
-          <p:nvPr>
-            <p:ph type="title"/>
-          </p:nvPr>
-        </p:nvSpPr>
-        <p:spPr/>
-        <p:txBody>
-          <a:bodyPr/>
-          <a:lstStyle/>
-          <a:p>
-            <a:r>
-              <a:rPr lang="en-AU" dirty="0" smtClean="0"/>
-              <a:t>Schema Management</a:t>
-            </a:r>
-            <a:endParaRPr lang="en-AU" dirty="0"/>
-          </a:p>
-        </p:txBody>
-      </p:sp>
-      <p:sp>
-        <p:nvSpPr>
-          <p:cNvPr id="3" name="Text Placeholder 2"/>
-          <p:cNvSpPr>
-            <a:spLocks noGrp="1"/>
-          </p:cNvSpPr>
-          <p:nvPr>
-            <p:ph type="body" sz="quarter" idx="10"/>
-          </p:nvPr>
-        </p:nvSpPr>
-        <p:spPr>
-          <a:xfrm>
-            <a:off x="519112" y="1447799"/>
-            <a:ext cx="11149013" cy="2885405"/>
-          </a:xfrm>
-        </p:spPr>
-        <p:txBody>
-          <a:bodyPr/>
-          <a:lstStyle/>
-          <a:p>
-            <a:r>
-              <a:rPr lang="en-AU" dirty="0" err="1" smtClean="0"/>
-              <a:t>todo</a:t>
-            </a:r>
-            <a:endParaRPr lang="en-AU" dirty="0" smtClean="0"/>
-          </a:p>
-          <a:p>
-            <a:r>
-              <a:rPr lang="en-AU" dirty="0" smtClean="0"/>
-              <a:t>Use migrations so you get the usual benefits of that, but also helps avoid connecting directly to the database (helps with risk of having less regular </a:t>
-            </a:r>
-            <a:r>
-              <a:rPr lang="en-AU" dirty="0" err="1" smtClean="0"/>
-              <a:t>db</a:t>
-            </a:r>
-            <a:r>
-              <a:rPr lang="en-AU" dirty="0" smtClean="0"/>
-              <a:t> backups and no transaction logs)</a:t>
-            </a:r>
-            <a:endParaRPr lang="en-AU" dirty="0"/>
-          </a:p>
-        </p:txBody>
-      </p:sp>
-    </p:spTree>
-    <p:extLst>
-      <p:ext uri="{BB962C8B-B14F-4D97-AF65-F5344CB8AC3E}">
-        <p14:creationId xmlns:p14="http://schemas.microsoft.com/office/powerpoint/2010/main" val="981396761"/>
-      </p:ext>
-    </p:extLst>
-  </p:cSld>
-  <p:clrMapOvr>
-    <a:masterClrMapping/>
-  </p:clrMapOvr>
-  <p:transition>
-    <p:fade/>
-  </p:transition>
-</p:sld>
-</file>
-
-<file path=ppt/slides/slide22.xml><?xml version="1.0" encoding="utf-8"?>
-<p:sld xmlns:a="http://schemas.openxmlformats.org/drawingml/2006/main" xmlns:r="http://schemas.openxmlformats.org/officeDocument/2006/relationships" xmlns:p="http://schemas.openxmlformats.org/presentationml/2006/main">
-  <p:cSld>
-    <p:spTree>
-      <p:nvGrpSpPr>
-        <p:cNvPr id="1" name=""/>
-        <p:cNvGrpSpPr/>
-        <p:nvPr/>
-      </p:nvGrpSpPr>
-      <p:grpSpPr>
-        <a:xfrm>
-          <a:off x="0" y="0"/>
-          <a:ext cx="0" cy="0"/>
-          <a:chOff x="0" y="0"/>
-          <a:chExt cx="0" cy="0"/>
-        </a:xfrm>
-      </p:grpSpPr>
-      <p:sp>
-        <p:nvSpPr>
-          <p:cNvPr id="2" name="Title 1"/>
-          <p:cNvSpPr>
-            <a:spLocks noGrp="1"/>
-          </p:cNvSpPr>
-          <p:nvPr>
-            <p:ph type="title"/>
-          </p:nvPr>
-        </p:nvSpPr>
-        <p:spPr/>
-        <p:txBody>
-          <a:bodyPr/>
-          <a:lstStyle/>
-          <a:p>
-            <a:r>
-              <a:rPr lang="en-AU" dirty="0" smtClean="0"/>
-              <a:t>Security</a:t>
-            </a:r>
-            <a:endParaRPr lang="en-AU" dirty="0"/>
-          </a:p>
-        </p:txBody>
-      </p:sp>
-      <p:sp>
-        <p:nvSpPr>
-          <p:cNvPr id="3" name="Text Placeholder 2"/>
-          <p:cNvSpPr>
-            <a:spLocks noGrp="1"/>
-          </p:cNvSpPr>
-          <p:nvPr>
-            <p:ph type="body" sz="quarter" idx="10"/>
-          </p:nvPr>
-        </p:nvSpPr>
-        <p:spPr>
-          <a:xfrm>
-            <a:off x="519112" y="1447799"/>
-            <a:ext cx="11149013" cy="4455066"/>
-          </a:xfrm>
-        </p:spPr>
-        <p:txBody>
-          <a:bodyPr/>
-          <a:lstStyle/>
-          <a:p>
-            <a:r>
-              <a:rPr lang="en-AU" dirty="0" err="1" smtClean="0"/>
-              <a:t>Todo</a:t>
-            </a:r>
-            <a:endParaRPr lang="en-AU" dirty="0" smtClean="0"/>
-          </a:p>
-          <a:p>
-            <a:r>
-              <a:rPr lang="en-AU" dirty="0" smtClean="0"/>
-              <a:t>Firewall</a:t>
-            </a:r>
-          </a:p>
-          <a:p>
-            <a:r>
-              <a:rPr lang="en-AU" dirty="0" smtClean="0"/>
-              <a:t>User accounts with privileges</a:t>
-            </a:r>
-          </a:p>
-          <a:p>
-            <a:r>
-              <a:rPr lang="en-AU" dirty="0"/>
-              <a:t>	</a:t>
-            </a:r>
-            <a:r>
-              <a:rPr lang="en-AU" dirty="0" smtClean="0"/>
-              <a:t>server admin </a:t>
-            </a:r>
-            <a:r>
-              <a:rPr lang="en-AU" dirty="0" err="1" smtClean="0"/>
-              <a:t>vs</a:t>
-            </a:r>
-            <a:r>
-              <a:rPr lang="en-AU" dirty="0" smtClean="0"/>
-              <a:t> other</a:t>
-            </a:r>
-          </a:p>
-          <a:p>
-            <a:r>
-              <a:rPr lang="en-AU" dirty="0" smtClean="0"/>
-              <a:t>Encrypt on connection string</a:t>
-            </a:r>
-          </a:p>
-          <a:p>
-            <a:r>
-              <a:rPr lang="en-AU" dirty="0" smtClean="0"/>
-              <a:t>Encrypted </a:t>
-            </a:r>
-            <a:r>
-              <a:rPr lang="en-AU" dirty="0" err="1" smtClean="0"/>
-              <a:t>config</a:t>
-            </a:r>
-            <a:r>
-              <a:rPr lang="en-AU" dirty="0" smtClean="0"/>
-              <a:t> when deploying / password safe for password</a:t>
-            </a:r>
-          </a:p>
-        </p:txBody>
-      </p:sp>
-    </p:spTree>
-    <p:extLst>
-      <p:ext uri="{BB962C8B-B14F-4D97-AF65-F5344CB8AC3E}">
-        <p14:creationId xmlns:p14="http://schemas.microsoft.com/office/powerpoint/2010/main" val="3484700856"/>
-      </p:ext>
-    </p:extLst>
-  </p:cSld>
-  <p:clrMapOvr>
-    <a:masterClrMapping/>
-  </p:clrMapOvr>
-  <p:transition>
-    <p:fade/>
-  </p:transition>
-</p:sld>
-</file>
-
-<file path=ppt/slides/slide23.xml><?xml version="1.0" encoding="utf-8"?>
-<p:sld xmlns:a="http://schemas.openxmlformats.org/drawingml/2006/main" xmlns:r="http://schemas.openxmlformats.org/officeDocument/2006/relationships" xmlns:p="http://schemas.openxmlformats.org/presentationml/2006/main">
-  <p:cSld>
-    <p:spTree>
-      <p:nvGrpSpPr>
-        <p:cNvPr id="1" name=""/>
-        <p:cNvGrpSpPr/>
-        <p:nvPr/>
-      </p:nvGrpSpPr>
-      <p:grpSpPr>
-        <a:xfrm>
-          <a:off x="0" y="0"/>
-          <a:ext cx="0" cy="0"/>
-          <a:chOff x="0" y="0"/>
-          <a:chExt cx="0" cy="0"/>
-        </a:xfrm>
-      </p:grpSpPr>
-      <p:sp>
-        <p:nvSpPr>
-          <p:cNvPr id="2" name="Title 1"/>
-          <p:cNvSpPr>
-            <a:spLocks noGrp="1"/>
-          </p:cNvSpPr>
-          <p:nvPr>
-            <p:ph type="title"/>
-          </p:nvPr>
-        </p:nvSpPr>
-        <p:spPr/>
-        <p:txBody>
-          <a:bodyPr/>
-          <a:lstStyle/>
-          <a:p>
-            <a:r>
-              <a:rPr lang="en-AU" dirty="0" smtClean="0"/>
-              <a:t>Scaling</a:t>
-            </a:r>
-            <a:endParaRPr lang="en-AU" dirty="0"/>
-          </a:p>
-        </p:txBody>
-      </p:sp>
-      <p:sp>
-        <p:nvSpPr>
-          <p:cNvPr id="3" name="Text Placeholder 2"/>
-          <p:cNvSpPr>
-            <a:spLocks noGrp="1"/>
-          </p:cNvSpPr>
-          <p:nvPr>
-            <p:ph type="body" sz="quarter" idx="10"/>
-          </p:nvPr>
-        </p:nvSpPr>
-        <p:spPr>
-          <a:xfrm>
-            <a:off x="519112" y="1447799"/>
-            <a:ext cx="11149013" cy="5678478"/>
-          </a:xfrm>
-        </p:spPr>
-        <p:txBody>
-          <a:bodyPr/>
-          <a:lstStyle/>
-          <a:p>
-            <a:r>
-              <a:rPr lang="en-AU" dirty="0" err="1" smtClean="0"/>
-              <a:t>todo</a:t>
-            </a:r>
-            <a:endParaRPr lang="en-AU" dirty="0" smtClean="0"/>
-          </a:p>
-          <a:p>
-            <a:r>
-              <a:rPr lang="en-AU" dirty="0" smtClean="0"/>
-              <a:t>Vertical (size) =&gt; multi-tenancy for cost cutting</a:t>
-            </a:r>
-          </a:p>
-          <a:p>
-            <a:r>
-              <a:rPr lang="en-AU" dirty="0" smtClean="0"/>
-              <a:t>Horizontal (size and throughput) =&gt; federations or manual</a:t>
-            </a:r>
-          </a:p>
-          <a:p>
-            <a:r>
-              <a:rPr lang="en-AU" dirty="0" smtClean="0"/>
-              <a:t>If you need more size or throughput than SQL Database can handle:</a:t>
-            </a:r>
-          </a:p>
-          <a:p>
-            <a:pPr marL="574675" indent="-571500">
-              <a:buFont typeface="Arial" panose="020B0604020202020204" pitchFamily="34" charset="0"/>
-              <a:buChar char="•"/>
-            </a:pPr>
-            <a:r>
-              <a:rPr lang="en-AU" dirty="0" smtClean="0"/>
-              <a:t>Azure Table Storage (or hybrid between two)</a:t>
-            </a:r>
-          </a:p>
-          <a:p>
-            <a:pPr marL="574675" indent="-571500">
-              <a:buFont typeface="Arial" panose="020B0604020202020204" pitchFamily="34" charset="0"/>
-              <a:buChar char="•"/>
-            </a:pPr>
-            <a:r>
-              <a:rPr lang="en-AU" dirty="0" err="1" smtClean="0"/>
-              <a:t>IaaS</a:t>
-            </a:r>
-            <a:r>
-              <a:rPr lang="en-AU" dirty="0" smtClean="0"/>
-              <a:t> VM with SQL server</a:t>
-            </a:r>
-          </a:p>
-          <a:p>
-            <a:endParaRPr lang="en-AU" dirty="0" smtClean="0"/>
-          </a:p>
-        </p:txBody>
-      </p:sp>
-    </p:spTree>
-    <p:extLst>
-      <p:ext uri="{BB962C8B-B14F-4D97-AF65-F5344CB8AC3E}">
-        <p14:creationId xmlns:p14="http://schemas.microsoft.com/office/powerpoint/2010/main" val="2631833830"/>
-      </p:ext>
-    </p:extLst>
-  </p:cSld>
-  <p:clrMapOvr>
-    <a:masterClrMapping/>
-  </p:clrMapOvr>
-  <p:transition>
-    <p:fade/>
-  </p:transition>
-</p:sld>
-</file>
-
-<file path=ppt/slides/slide24.xml><?xml version="1.0" encoding="utf-8"?>
+<file path=ppt/slides/slide30.xml><?xml version="1.0" encoding="utf-8"?>
 <p:sld xmlns:a="http://schemas.openxmlformats.org/drawingml/2006/main" xmlns:r="http://schemas.openxmlformats.org/officeDocument/2006/relationships" xmlns:p="http://schemas.openxmlformats.org/presentationml/2006/main">
   <p:cSld>
     <p:spTree>
@@ -24841,7 +25499,7 @@
           <a:p>
             <a:r>
               <a:rPr lang="en-US" dirty="0" smtClean="0"/>
-              <a:t>Transient Fault Handling</a:t>
+              <a:t>When should I use it?</a:t>
             </a:r>
             <a:endParaRPr lang="en-US" dirty="0"/>
           </a:p>
@@ -24850,7 +25508,7 @@
     </p:spTree>
     <p:extLst>
       <p:ext uri="{BB962C8B-B14F-4D97-AF65-F5344CB8AC3E}">
-        <p14:creationId xmlns:p14="http://schemas.microsoft.com/office/powerpoint/2010/main" val="3715508783"/>
+        <p14:creationId xmlns:p14="http://schemas.microsoft.com/office/powerpoint/2010/main" val="2989498135"/>
       </p:ext>
     </p:extLst>
   </p:cSld>
@@ -24870,7 +25528,7 @@
 </p:sld>
 </file>
 
-<file path=ppt/slides/slide25.xml><?xml version="1.0" encoding="utf-8"?>
+<file path=ppt/slides/slide31.xml><?xml version="1.0" encoding="utf-8"?>
 <p:sld xmlns:a="http://schemas.openxmlformats.org/drawingml/2006/main" xmlns:r="http://schemas.openxmlformats.org/officeDocument/2006/relationships" xmlns:p="http://schemas.openxmlformats.org/presentationml/2006/main">
   <p:cSld>
     <p:spTree>
@@ -24904,487 +25562,6 @@
           <a:p>
             <a:r>
               <a:rPr lang="en-AU" dirty="0" smtClean="0"/>
-              <a:t>What are transient faults?</a:t>
-            </a:r>
-            <a:endParaRPr lang="en-AU" dirty="0"/>
-          </a:p>
-        </p:txBody>
-      </p:sp>
-      <p:sp>
-        <p:nvSpPr>
-          <p:cNvPr id="3" name="Text Placeholder 2"/>
-          <p:cNvSpPr>
-            <a:spLocks noGrp="1"/>
-          </p:cNvSpPr>
-          <p:nvPr>
-            <p:ph type="body" sz="quarter" idx="10"/>
-          </p:nvPr>
-        </p:nvSpPr>
-        <p:spPr>
-          <a:xfrm>
-            <a:off x="519112" y="1447799"/>
-            <a:ext cx="11149013" cy="553998"/>
-          </a:xfrm>
-        </p:spPr>
-        <p:txBody>
-          <a:bodyPr/>
-          <a:lstStyle/>
-          <a:p>
-            <a:r>
-              <a:rPr lang="en-AU" dirty="0" err="1" smtClean="0"/>
-              <a:t>todo</a:t>
-            </a:r>
-            <a:endParaRPr lang="en-AU" dirty="0"/>
-          </a:p>
-        </p:txBody>
-      </p:sp>
-    </p:spTree>
-    <p:extLst>
-      <p:ext uri="{BB962C8B-B14F-4D97-AF65-F5344CB8AC3E}">
-        <p14:creationId xmlns:p14="http://schemas.microsoft.com/office/powerpoint/2010/main" val="650531519"/>
-      </p:ext>
-    </p:extLst>
-  </p:cSld>
-  <p:clrMapOvr>
-    <a:masterClrMapping/>
-  </p:clrMapOvr>
-  <p:transition>
-    <p:fade/>
-  </p:transition>
-</p:sld>
-</file>
-
-<file path=ppt/slides/slide26.xml><?xml version="1.0" encoding="utf-8"?>
-<p:sld xmlns:a="http://schemas.openxmlformats.org/drawingml/2006/main" xmlns:r="http://schemas.openxmlformats.org/officeDocument/2006/relationships" xmlns:p="http://schemas.openxmlformats.org/presentationml/2006/main">
-  <p:cSld>
-    <p:spTree>
-      <p:nvGrpSpPr>
-        <p:cNvPr id="1" name=""/>
-        <p:cNvGrpSpPr/>
-        <p:nvPr/>
-      </p:nvGrpSpPr>
-      <p:grpSpPr>
-        <a:xfrm>
-          <a:off x="0" y="0"/>
-          <a:ext cx="0" cy="0"/>
-          <a:chOff x="0" y="0"/>
-          <a:chExt cx="0" cy="0"/>
-        </a:xfrm>
-      </p:grpSpPr>
-      <p:sp>
-        <p:nvSpPr>
-          <p:cNvPr id="2" name="Title 1"/>
-          <p:cNvSpPr>
-            <a:spLocks noGrp="1"/>
-          </p:cNvSpPr>
-          <p:nvPr>
-            <p:ph type="title"/>
-          </p:nvPr>
-        </p:nvSpPr>
-        <p:spPr>
-          <a:xfrm>
-            <a:off x="519112" y="228600"/>
-            <a:ext cx="11149013" cy="747897"/>
-          </a:xfrm>
-        </p:spPr>
-        <p:txBody>
-          <a:bodyPr/>
-          <a:lstStyle/>
-          <a:p>
-            <a:r>
-              <a:rPr lang="en-AU" dirty="0" smtClean="0"/>
-              <a:t>Why does it give transient faults?</a:t>
-            </a:r>
-            <a:endParaRPr lang="en-AU" dirty="0"/>
-          </a:p>
-        </p:txBody>
-      </p:sp>
-      <p:sp>
-        <p:nvSpPr>
-          <p:cNvPr id="3" name="Text Placeholder 2"/>
-          <p:cNvSpPr>
-            <a:spLocks noGrp="1"/>
-          </p:cNvSpPr>
-          <p:nvPr>
-            <p:ph type="body" sz="quarter" idx="10"/>
-          </p:nvPr>
-        </p:nvSpPr>
-        <p:spPr>
-          <a:xfrm>
-            <a:off x="519112" y="1447799"/>
-            <a:ext cx="11149013" cy="553998"/>
-          </a:xfrm>
-        </p:spPr>
-        <p:txBody>
-          <a:bodyPr/>
-          <a:lstStyle/>
-          <a:p>
-            <a:r>
-              <a:rPr lang="en-AU" dirty="0" err="1" smtClean="0"/>
-              <a:t>todo</a:t>
-            </a:r>
-            <a:endParaRPr lang="en-AU" dirty="0"/>
-          </a:p>
-        </p:txBody>
-      </p:sp>
-    </p:spTree>
-    <p:extLst>
-      <p:ext uri="{BB962C8B-B14F-4D97-AF65-F5344CB8AC3E}">
-        <p14:creationId xmlns:p14="http://schemas.microsoft.com/office/powerpoint/2010/main" val="437241435"/>
-      </p:ext>
-    </p:extLst>
-  </p:cSld>
-  <p:clrMapOvr>
-    <a:masterClrMapping/>
-  </p:clrMapOvr>
-  <p:transition>
-    <p:fade/>
-  </p:transition>
-</p:sld>
-</file>
-
-<file path=ppt/slides/slide27.xml><?xml version="1.0" encoding="utf-8"?>
-<p:sld xmlns:a="http://schemas.openxmlformats.org/drawingml/2006/main" xmlns:r="http://schemas.openxmlformats.org/officeDocument/2006/relationships" xmlns:p="http://schemas.openxmlformats.org/presentationml/2006/main">
-  <p:cSld>
-    <p:spTree>
-      <p:nvGrpSpPr>
-        <p:cNvPr id="1" name=""/>
-        <p:cNvGrpSpPr/>
-        <p:nvPr/>
-      </p:nvGrpSpPr>
-      <p:grpSpPr>
-        <a:xfrm>
-          <a:off x="0" y="0"/>
-          <a:ext cx="0" cy="0"/>
-          <a:chOff x="0" y="0"/>
-          <a:chExt cx="0" cy="0"/>
-        </a:xfrm>
-      </p:grpSpPr>
-      <p:sp>
-        <p:nvSpPr>
-          <p:cNvPr id="2" name="Title 1"/>
-          <p:cNvSpPr>
-            <a:spLocks noGrp="1"/>
-          </p:cNvSpPr>
-          <p:nvPr>
-            <p:ph type="title"/>
-          </p:nvPr>
-        </p:nvSpPr>
-        <p:spPr/>
-        <p:txBody>
-          <a:bodyPr/>
-          <a:lstStyle/>
-          <a:p>
-            <a:r>
-              <a:rPr lang="en-AU" dirty="0" smtClean="0"/>
-              <a:t>Transient Fault Handling library</a:t>
-            </a:r>
-            <a:endParaRPr lang="en-AU" dirty="0"/>
-          </a:p>
-        </p:txBody>
-      </p:sp>
-      <p:sp>
-        <p:nvSpPr>
-          <p:cNvPr id="3" name="Text Placeholder 2"/>
-          <p:cNvSpPr>
-            <a:spLocks noGrp="1"/>
-          </p:cNvSpPr>
-          <p:nvPr>
-            <p:ph type="body" sz="quarter" idx="10"/>
-          </p:nvPr>
-        </p:nvSpPr>
-        <p:spPr>
-          <a:xfrm>
-            <a:off x="519112" y="1447799"/>
-            <a:ext cx="11149013" cy="553998"/>
-          </a:xfrm>
-        </p:spPr>
-        <p:txBody>
-          <a:bodyPr/>
-          <a:lstStyle/>
-          <a:p>
-            <a:r>
-              <a:rPr lang="en-AU" dirty="0" err="1" smtClean="0"/>
-              <a:t>todo</a:t>
-            </a:r>
-            <a:endParaRPr lang="en-AU" dirty="0"/>
-          </a:p>
-        </p:txBody>
-      </p:sp>
-    </p:spTree>
-    <p:extLst>
-      <p:ext uri="{BB962C8B-B14F-4D97-AF65-F5344CB8AC3E}">
-        <p14:creationId xmlns:p14="http://schemas.microsoft.com/office/powerpoint/2010/main" val="1818265585"/>
-      </p:ext>
-    </p:extLst>
-  </p:cSld>
-  <p:clrMapOvr>
-    <a:masterClrMapping/>
-  </p:clrMapOvr>
-  <p:transition>
-    <p:fade/>
-  </p:transition>
-</p:sld>
-</file>
-
-<file path=ppt/slides/slide28.xml><?xml version="1.0" encoding="utf-8"?>
-<p:sld xmlns:a="http://schemas.openxmlformats.org/drawingml/2006/main" xmlns:r="http://schemas.openxmlformats.org/officeDocument/2006/relationships" xmlns:p="http://schemas.openxmlformats.org/presentationml/2006/main">
-  <p:cSld>
-    <p:spTree>
-      <p:nvGrpSpPr>
-        <p:cNvPr id="1" name=""/>
-        <p:cNvGrpSpPr/>
-        <p:nvPr/>
-      </p:nvGrpSpPr>
-      <p:grpSpPr>
-        <a:xfrm>
-          <a:off x="0" y="0"/>
-          <a:ext cx="0" cy="0"/>
-          <a:chOff x="0" y="0"/>
-          <a:chExt cx="0" cy="0"/>
-        </a:xfrm>
-      </p:grpSpPr>
-      <p:sp>
-        <p:nvSpPr>
-          <p:cNvPr id="2" name="Title 1"/>
-          <p:cNvSpPr>
-            <a:spLocks noGrp="1"/>
-          </p:cNvSpPr>
-          <p:nvPr>
-            <p:ph type="title"/>
-          </p:nvPr>
-        </p:nvSpPr>
-        <p:spPr/>
-        <p:txBody>
-          <a:bodyPr/>
-          <a:lstStyle/>
-          <a:p>
-            <a:r>
-              <a:rPr lang="en-AU" dirty="0" err="1" smtClean="0"/>
-              <a:t>NHibernate.SqlAzure</a:t>
-            </a:r>
-            <a:r>
-              <a:rPr lang="en-AU" dirty="0" smtClean="0"/>
-              <a:t> library</a:t>
-            </a:r>
-            <a:endParaRPr lang="en-AU" dirty="0"/>
-          </a:p>
-        </p:txBody>
-      </p:sp>
-      <p:sp>
-        <p:nvSpPr>
-          <p:cNvPr id="3" name="Text Placeholder 2"/>
-          <p:cNvSpPr>
-            <a:spLocks noGrp="1"/>
-          </p:cNvSpPr>
-          <p:nvPr>
-            <p:ph type="body" sz="quarter" idx="10"/>
-          </p:nvPr>
-        </p:nvSpPr>
-        <p:spPr>
-          <a:xfrm>
-            <a:off x="519112" y="1447799"/>
-            <a:ext cx="11149013" cy="553998"/>
-          </a:xfrm>
-        </p:spPr>
-        <p:txBody>
-          <a:bodyPr/>
-          <a:lstStyle/>
-          <a:p>
-            <a:r>
-              <a:rPr lang="en-AU" dirty="0" err="1" smtClean="0"/>
-              <a:t>todo</a:t>
-            </a:r>
-            <a:endParaRPr lang="en-AU" dirty="0"/>
-          </a:p>
-        </p:txBody>
-      </p:sp>
-    </p:spTree>
-    <p:extLst>
-      <p:ext uri="{BB962C8B-B14F-4D97-AF65-F5344CB8AC3E}">
-        <p14:creationId xmlns:p14="http://schemas.microsoft.com/office/powerpoint/2010/main" val="2969714386"/>
-      </p:ext>
-    </p:extLst>
-  </p:cSld>
-  <p:clrMapOvr>
-    <a:masterClrMapping/>
-  </p:clrMapOvr>
-  <p:transition>
-    <p:fade/>
-  </p:transition>
-</p:sld>
-</file>
-
-<file path=ppt/slides/slide29.xml><?xml version="1.0" encoding="utf-8"?>
-<p:sld xmlns:a="http://schemas.openxmlformats.org/drawingml/2006/main" xmlns:r="http://schemas.openxmlformats.org/officeDocument/2006/relationships" xmlns:p="http://schemas.openxmlformats.org/presentationml/2006/main">
-  <p:cSld>
-    <p:spTree>
-      <p:nvGrpSpPr>
-        <p:cNvPr id="1" name=""/>
-        <p:cNvGrpSpPr/>
-        <p:nvPr/>
-      </p:nvGrpSpPr>
-      <p:grpSpPr>
-        <a:xfrm>
-          <a:off x="0" y="0"/>
-          <a:ext cx="0" cy="0"/>
-          <a:chOff x="0" y="0"/>
-          <a:chExt cx="0" cy="0"/>
-        </a:xfrm>
-      </p:grpSpPr>
-      <p:sp>
-        <p:nvSpPr>
-          <p:cNvPr id="3" name="Text Placeholder 2"/>
-          <p:cNvSpPr>
-            <a:spLocks noGrp="1"/>
-          </p:cNvSpPr>
-          <p:nvPr>
-            <p:ph type="body" sz="quarter" idx="10"/>
-          </p:nvPr>
-        </p:nvSpPr>
-        <p:spPr>
-          <a:xfrm>
-            <a:off x="521208" y="2397746"/>
-            <a:ext cx="10693401" cy="1378644"/>
-          </a:xfrm>
-        </p:spPr>
-        <p:txBody>
-          <a:bodyPr/>
-          <a:lstStyle/>
-          <a:p>
-            <a:r>
-              <a:rPr lang="en-US" dirty="0" smtClean="0"/>
-              <a:t>When should I use it?</a:t>
-            </a:r>
-            <a:endParaRPr lang="en-US" dirty="0"/>
-          </a:p>
-        </p:txBody>
-      </p:sp>
-    </p:spTree>
-    <p:extLst>
-      <p:ext uri="{BB962C8B-B14F-4D97-AF65-F5344CB8AC3E}">
-        <p14:creationId xmlns:p14="http://schemas.microsoft.com/office/powerpoint/2010/main" val="2989498135"/>
-      </p:ext>
-    </p:extLst>
-  </p:cSld>
-  <p:clrMapOvr>
-    <a:masterClrMapping/>
-  </p:clrMapOvr>
-  <p:transition>
-    <p:fade/>
-  </p:transition>
-  <p:timing>
-    <p:tnLst>
-      <p:par>
-        <p:cTn id="1" dur="indefinite" restart="never" nodeType="tmRoot"/>
-      </p:par>
-    </p:tnLst>
-  </p:timing>
-</p:sld>
-</file>
-
-<file path=ppt/slides/slide3.xml><?xml version="1.0" encoding="utf-8"?>
-<p:sld xmlns:a="http://schemas.openxmlformats.org/drawingml/2006/main" xmlns:r="http://schemas.openxmlformats.org/officeDocument/2006/relationships" xmlns:p="http://schemas.openxmlformats.org/presentationml/2006/main">
-  <p:cSld>
-    <p:spTree>
-      <p:nvGrpSpPr>
-        <p:cNvPr id="1" name=""/>
-        <p:cNvGrpSpPr/>
-        <p:nvPr/>
-      </p:nvGrpSpPr>
-      <p:grpSpPr>
-        <a:xfrm>
-          <a:off x="0" y="0"/>
-          <a:ext cx="0" cy="0"/>
-          <a:chOff x="0" y="0"/>
-          <a:chExt cx="0" cy="0"/>
-        </a:xfrm>
-      </p:grpSpPr>
-      <p:sp>
-        <p:nvSpPr>
-          <p:cNvPr id="2" name="Text Placeholder 1"/>
-          <p:cNvSpPr>
-            <a:spLocks noGrp="1"/>
-          </p:cNvSpPr>
-          <p:nvPr>
-            <p:ph type="body" sz="quarter" idx="10"/>
-          </p:nvPr>
-        </p:nvSpPr>
-        <p:spPr>
-          <a:xfrm>
-            <a:off x="521208" y="2396469"/>
-            <a:ext cx="10693401" cy="1378644"/>
-          </a:xfrm>
-        </p:spPr>
-        <p:txBody>
-          <a:bodyPr/>
-          <a:lstStyle/>
-          <a:p>
-            <a:r>
-              <a:rPr lang="en-US" dirty="0" smtClean="0"/>
-              <a:t>What is it?</a:t>
-            </a:r>
-            <a:endParaRPr lang="en-US" dirty="0"/>
-          </a:p>
-        </p:txBody>
-      </p:sp>
-    </p:spTree>
-    <p:extLst>
-      <p:ext uri="{BB962C8B-B14F-4D97-AF65-F5344CB8AC3E}">
-        <p14:creationId xmlns:p14="http://schemas.microsoft.com/office/powerpoint/2010/main" val="1150072444"/>
-      </p:ext>
-    </p:extLst>
-  </p:cSld>
-  <p:clrMapOvr>
-    <a:masterClrMapping/>
-  </p:clrMapOvr>
-  <p:transition>
-    <p:fade/>
-  </p:transition>
-  <p:timing>
-    <p:tnLst>
-      <p:par>
-        <p:cTn id="1" dur="indefinite" restart="never" nodeType="tmRoot"/>
-      </p:par>
-    </p:tnLst>
-  </p:timing>
-</p:sld>
-</file>
-
-<file path=ppt/slides/slide30.xml><?xml version="1.0" encoding="utf-8"?>
-<p:sld xmlns:a="http://schemas.openxmlformats.org/drawingml/2006/main" xmlns:r="http://schemas.openxmlformats.org/officeDocument/2006/relationships" xmlns:p="http://schemas.openxmlformats.org/presentationml/2006/main">
-  <p:cSld>
-    <p:spTree>
-      <p:nvGrpSpPr>
-        <p:cNvPr id="1" name=""/>
-        <p:cNvGrpSpPr/>
-        <p:nvPr/>
-      </p:nvGrpSpPr>
-      <p:grpSpPr>
-        <a:xfrm>
-          <a:off x="0" y="0"/>
-          <a:ext cx="0" cy="0"/>
-          <a:chOff x="0" y="0"/>
-          <a:chExt cx="0" cy="0"/>
-        </a:xfrm>
-      </p:grpSpPr>
-      <p:sp>
-        <p:nvSpPr>
-          <p:cNvPr id="2" name="Title 1"/>
-          <p:cNvSpPr>
-            <a:spLocks noGrp="1"/>
-          </p:cNvSpPr>
-          <p:nvPr>
-            <p:ph type="title"/>
-          </p:nvPr>
-        </p:nvSpPr>
-        <p:spPr/>
-        <p:txBody>
-          <a:bodyPr/>
-          <a:lstStyle/>
-          <a:p>
-            <a:r>
-              <a:rPr lang="en-AU" dirty="0" smtClean="0"/>
               <a:t>When should I use it?</a:t>
             </a:r>
             <a:endParaRPr lang="en-AU" dirty="0"/>
@@ -25494,7 +25671,7 @@
 </p:sld>
 </file>
 
-<file path=ppt/slides/slide31.xml><?xml version="1.0" encoding="utf-8"?>
+<file path=ppt/slides/slide32.xml><?xml version="1.0" encoding="utf-8"?>
 <p:sld xmlns:a="http://schemas.openxmlformats.org/drawingml/2006/main" xmlns:r="http://schemas.openxmlformats.org/officeDocument/2006/relationships" xmlns:p="http://schemas.openxmlformats.org/presentationml/2006/main">
   <p:cSld>
     <p:bg>
@@ -25632,7 +25809,7 @@
 </p:sld>
 </file>
 
-<file path=ppt/slides/slide32.xml><?xml version="1.0" encoding="utf-8"?>
+<file path=ppt/slides/slide33.xml><?xml version="1.0" encoding="utf-8"?>
 <p:sld xmlns:a="http://schemas.openxmlformats.org/drawingml/2006/main" xmlns:r="http://schemas.openxmlformats.org/officeDocument/2006/relationships" xmlns:p="http://schemas.openxmlformats.org/presentationml/2006/main">
   <p:cSld>
     <p:spTree>
@@ -25733,84 +25910,6 @@
     <p:extLst>
       <p:ext uri="{BB962C8B-B14F-4D97-AF65-F5344CB8AC3E}">
         <p14:creationId xmlns:p14="http://schemas.microsoft.com/office/powerpoint/2010/main" val="767953662"/>
-      </p:ext>
-    </p:extLst>
-  </p:cSld>
-  <p:clrMapOvr>
-    <a:masterClrMapping/>
-  </p:clrMapOvr>
-  <p:transition>
-    <p:fade/>
-  </p:transition>
-  <p:timing>
-    <p:tnLst>
-      <p:par>
-        <p:cTn id="1" dur="indefinite" restart="never" nodeType="tmRoot"/>
-      </p:par>
-    </p:tnLst>
-  </p:timing>
-</p:sld>
-</file>
-
-<file path=ppt/slides/slide33.xml><?xml version="1.0" encoding="utf-8"?>
-<p:sld xmlns:a="http://schemas.openxmlformats.org/drawingml/2006/main" xmlns:r="http://schemas.openxmlformats.org/officeDocument/2006/relationships" xmlns:p="http://schemas.openxmlformats.org/presentationml/2006/main">
-  <p:cSld>
-    <p:spTree>
-      <p:nvGrpSpPr>
-        <p:cNvPr id="1" name=""/>
-        <p:cNvGrpSpPr/>
-        <p:nvPr/>
-      </p:nvGrpSpPr>
-      <p:grpSpPr>
-        <a:xfrm>
-          <a:off x="0" y="0"/>
-          <a:ext cx="0" cy="0"/>
-          <a:chOff x="0" y="0"/>
-          <a:chExt cx="0" cy="0"/>
-        </a:xfrm>
-      </p:grpSpPr>
-      <p:sp>
-        <p:nvSpPr>
-          <p:cNvPr id="2" name="Text Placeholder 1"/>
-          <p:cNvSpPr>
-            <a:spLocks noGrp="1"/>
-          </p:cNvSpPr>
-          <p:nvPr>
-            <p:ph type="body" sz="quarter" idx="10"/>
-          </p:nvPr>
-        </p:nvSpPr>
-        <p:spPr>
-          <a:xfrm>
-            <a:off x="521208" y="3139430"/>
-            <a:ext cx="10693401" cy="1378644"/>
-          </a:xfrm>
-        </p:spPr>
-        <p:txBody>
-          <a:bodyPr/>
-          <a:lstStyle/>
-          <a:p>
-            <a:r>
-              <a:rPr lang="en-US" dirty="0"/>
-              <a:t>Thank </a:t>
-            </a:r>
-            <a:r>
-              <a:rPr lang="en-US" dirty="0" smtClean="0"/>
-              <a:t>You…</a:t>
-            </a:r>
-          </a:p>
-          <a:p>
-            <a:r>
-              <a:rPr lang="en-US" dirty="0" smtClean="0"/>
-              <a:t>		Questions?</a:t>
-            </a:r>
-            <a:endParaRPr lang="en-US" dirty="0"/>
-          </a:p>
-        </p:txBody>
-      </p:sp>
-    </p:spTree>
-    <p:extLst>
-      <p:ext uri="{BB962C8B-B14F-4D97-AF65-F5344CB8AC3E}">
-        <p14:creationId xmlns:p14="http://schemas.microsoft.com/office/powerpoint/2010/main" val="3364595793"/>
       </p:ext>
     </p:extLst>
   </p:cSld>
@@ -25849,6 +25948,84 @@
       </p:grpSpPr>
       <p:sp>
         <p:nvSpPr>
+          <p:cNvPr id="2" name="Text Placeholder 1"/>
+          <p:cNvSpPr>
+            <a:spLocks noGrp="1"/>
+          </p:cNvSpPr>
+          <p:nvPr>
+            <p:ph type="body" sz="quarter" idx="10"/>
+          </p:nvPr>
+        </p:nvSpPr>
+        <p:spPr>
+          <a:xfrm>
+            <a:off x="521208" y="3139430"/>
+            <a:ext cx="10693401" cy="1378644"/>
+          </a:xfrm>
+        </p:spPr>
+        <p:txBody>
+          <a:bodyPr/>
+          <a:lstStyle/>
+          <a:p>
+            <a:r>
+              <a:rPr lang="en-US" dirty="0"/>
+              <a:t>Thank </a:t>
+            </a:r>
+            <a:r>
+              <a:rPr lang="en-US" dirty="0" smtClean="0"/>
+              <a:t>You…</a:t>
+            </a:r>
+          </a:p>
+          <a:p>
+            <a:r>
+              <a:rPr lang="en-US" dirty="0" smtClean="0"/>
+              <a:t>		Questions?</a:t>
+            </a:r>
+            <a:endParaRPr lang="en-US" dirty="0"/>
+          </a:p>
+        </p:txBody>
+      </p:sp>
+    </p:spTree>
+    <p:extLst>
+      <p:ext uri="{BB962C8B-B14F-4D97-AF65-F5344CB8AC3E}">
+        <p14:creationId xmlns:p14="http://schemas.microsoft.com/office/powerpoint/2010/main" val="3364595793"/>
+      </p:ext>
+    </p:extLst>
+  </p:cSld>
+  <p:clrMapOvr>
+    <a:masterClrMapping/>
+  </p:clrMapOvr>
+  <p:transition>
+    <p:fade/>
+  </p:transition>
+  <p:timing>
+    <p:tnLst>
+      <p:par>
+        <p:cTn id="1" dur="indefinite" restart="never" nodeType="tmRoot"/>
+      </p:par>
+    </p:tnLst>
+  </p:timing>
+</p:sld>
+</file>
+
+<file path=ppt/slides/slide35.xml><?xml version="1.0" encoding="utf-8"?>
+<p:sld xmlns:a="http://schemas.openxmlformats.org/drawingml/2006/main" xmlns:r="http://schemas.openxmlformats.org/officeDocument/2006/relationships" xmlns:p="http://schemas.openxmlformats.org/presentationml/2006/main">
+  <p:cSld>
+    <p:spTree>
+      <p:nvGrpSpPr>
+        <p:cNvPr id="1" name=""/>
+        <p:cNvGrpSpPr/>
+        <p:nvPr/>
+      </p:nvGrpSpPr>
+      <p:grpSpPr>
+        <a:xfrm>
+          <a:off x="0" y="0"/>
+          <a:ext cx="0" cy="0"/>
+          <a:chOff x="0" y="0"/>
+          <a:chExt cx="0" cy="0"/>
+        </a:xfrm>
+      </p:grpSpPr>
+      <p:sp>
+        <p:nvSpPr>
           <p:cNvPr id="2" name="Title 1"/>
           <p:cNvSpPr>
             <a:spLocks noGrp="1"/>
@@ -25883,7 +26060,7 @@
         <p:spPr>
           <a:xfrm>
             <a:off x="519112" y="1447799"/>
-            <a:ext cx="11149013" cy="2885405"/>
+            <a:ext cx="11149013" cy="4108817"/>
           </a:xfrm>
         </p:spPr>
         <p:txBody>
@@ -25914,10 +26091,29 @@
               <a:buChar char="•"/>
             </a:pPr>
             <a:r>
-              <a:rPr lang="en-AU">
+              <a:rPr lang="en-AU" dirty="0">
                 <a:hlinkClick r:id="rId3"/>
               </a:rPr>
-              <a:t>http://social.technet.microsoft.com/wiki/contents/articles/3507.windows-azure-sql-database-performance-and-elasticity-guide.aspx</a:t>
+              <a:t>http://</a:t>
+            </a:r>
+            <a:r>
+              <a:rPr lang="en-AU" dirty="0" smtClean="0">
+                <a:hlinkClick r:id="rId3"/>
+              </a:rPr>
+              <a:t>social.technet.microsoft.com/wiki/contents/articles/3507.windows-azure-sql-database-performance-and-elasticity-guide.aspx</a:t>
+            </a:r>
+            <a:endParaRPr lang="en-AU" dirty="0" smtClean="0"/>
+          </a:p>
+          <a:p>
+            <a:pPr marL="574675" indent="-571500">
+              <a:buFont typeface="Arial" panose="020B0604020202020204" pitchFamily="34" charset="0"/>
+              <a:buChar char="•"/>
+            </a:pPr>
+            <a:r>
+              <a:rPr lang="en-AU" dirty="0">
+                <a:hlinkClick r:id="rId4"/>
+              </a:rPr>
+              <a:t>http://msdn.microsoft.com/en-us/library/windowsazure/ee730906.aspx</a:t>
             </a:r>
             <a:endParaRPr lang="en-AU" dirty="0"/>
           </a:p>
@@ -25940,6 +26136,74 @@
 </file>
 
 <file path=ppt/slides/slide4.xml><?xml version="1.0" encoding="utf-8"?>
+<p:sld xmlns:a="http://schemas.openxmlformats.org/drawingml/2006/main" xmlns:r="http://schemas.openxmlformats.org/officeDocument/2006/relationships" xmlns:p="http://schemas.openxmlformats.org/presentationml/2006/main">
+  <p:cSld>
+    <p:spTree>
+      <p:nvGrpSpPr>
+        <p:cNvPr id="1" name=""/>
+        <p:cNvGrpSpPr/>
+        <p:nvPr/>
+      </p:nvGrpSpPr>
+      <p:grpSpPr>
+        <a:xfrm>
+          <a:off x="0" y="0"/>
+          <a:ext cx="0" cy="0"/>
+          <a:chOff x="0" y="0"/>
+          <a:chExt cx="0" cy="0"/>
+        </a:xfrm>
+      </p:grpSpPr>
+      <p:sp>
+        <p:nvSpPr>
+          <p:cNvPr id="2" name="Text Placeholder 1"/>
+          <p:cNvSpPr>
+            <a:spLocks noGrp="1"/>
+          </p:cNvSpPr>
+          <p:nvPr>
+            <p:ph type="body" sz="quarter" idx="10"/>
+          </p:nvPr>
+        </p:nvSpPr>
+        <p:spPr>
+          <a:xfrm>
+            <a:off x="521208" y="2396469"/>
+            <a:ext cx="10693401" cy="1378644"/>
+          </a:xfrm>
+        </p:spPr>
+        <p:txBody>
+          <a:bodyPr/>
+          <a:lstStyle/>
+          <a:p>
+            <a:r>
+              <a:rPr lang="en-US" dirty="0" smtClean="0"/>
+              <a:t>What is it?</a:t>
+            </a:r>
+            <a:endParaRPr lang="en-US" dirty="0"/>
+          </a:p>
+        </p:txBody>
+      </p:sp>
+    </p:spTree>
+    <p:extLst>
+      <p:ext uri="{BB962C8B-B14F-4D97-AF65-F5344CB8AC3E}">
+        <p14:creationId xmlns:p14="http://schemas.microsoft.com/office/powerpoint/2010/main" val="1150072444"/>
+      </p:ext>
+    </p:extLst>
+  </p:cSld>
+  <p:clrMapOvr>
+    <a:masterClrMapping/>
+  </p:clrMapOvr>
+  <p:transition>
+    <p:fade/>
+  </p:transition>
+  <p:timing>
+    <p:tnLst>
+      <p:par>
+        <p:cTn id="1" dur="indefinite" restart="never" nodeType="tmRoot"/>
+      </p:par>
+    </p:tnLst>
+  </p:timing>
+</p:sld>
+</file>
+
+<file path=ppt/slides/slide5.xml><?xml version="1.0" encoding="utf-8"?>
 <p:sld xmlns:a="http://schemas.openxmlformats.org/drawingml/2006/main" xmlns:r="http://schemas.openxmlformats.org/officeDocument/2006/relationships" xmlns:p="http://schemas.openxmlformats.org/presentationml/2006/main">
   <p:cSld>
     <p:spTree>
@@ -26888,7 +27152,7 @@
 </p:sld>
 </file>
 
-<file path=ppt/slides/slide5.xml><?xml version="1.0" encoding="utf-8"?>
+<file path=ppt/slides/slide6.xml><?xml version="1.0" encoding="utf-8"?>
 <p:sld xmlns:a="http://schemas.openxmlformats.org/drawingml/2006/main" xmlns:r="http://schemas.openxmlformats.org/officeDocument/2006/relationships" xmlns:p="http://schemas.openxmlformats.org/presentationml/2006/main">
   <p:cSld>
     <p:spTree>
@@ -27691,7 +27955,7 @@
 </p:sld>
 </file>
 
-<file path=ppt/slides/slide6.xml><?xml version="1.0" encoding="utf-8"?>
+<file path=ppt/slides/slide7.xml><?xml version="1.0" encoding="utf-8"?>
 <p:sld xmlns:a="http://schemas.openxmlformats.org/drawingml/2006/main" xmlns:r="http://schemas.openxmlformats.org/officeDocument/2006/relationships" xmlns:p="http://schemas.openxmlformats.org/presentationml/2006/main">
   <p:cSld>
     <p:spTree>
@@ -32037,7 +32301,7 @@
 </p:sld>
 </file>
 
-<file path=ppt/slides/slide7.xml><?xml version="1.0" encoding="utf-8"?>
+<file path=ppt/slides/slide8.xml><?xml version="1.0" encoding="utf-8"?>
 <p:sld xmlns:a="http://schemas.openxmlformats.org/drawingml/2006/main" xmlns:r="http://schemas.openxmlformats.org/officeDocument/2006/relationships" xmlns:p="http://schemas.openxmlformats.org/presentationml/2006/main">
   <p:cSld>
     <p:spTree>
@@ -32154,7 +32418,7 @@
 </p:sld>
 </file>
 
-<file path=ppt/slides/slide8.xml><?xml version="1.0" encoding="utf-8"?>
+<file path=ppt/slides/slide9.xml><?xml version="1.0" encoding="utf-8"?>
 <p:sld xmlns:a="http://schemas.openxmlformats.org/drawingml/2006/main" xmlns:r="http://schemas.openxmlformats.org/officeDocument/2006/relationships" xmlns:p="http://schemas.openxmlformats.org/presentationml/2006/main">
   <p:cSld>
     <p:spTree>
@@ -33827,79 +34091,6 @@
     <p:extLst>
       <p:ext uri="{BB962C8B-B14F-4D97-AF65-F5344CB8AC3E}">
         <p14:creationId xmlns:p14="http://schemas.microsoft.com/office/powerpoint/2010/main" val="3694602886"/>
-      </p:ext>
-    </p:extLst>
-  </p:cSld>
-  <p:clrMapOvr>
-    <a:masterClrMapping/>
-  </p:clrMapOvr>
-  <p:transition>
-    <p:fade/>
-  </p:transition>
-  <p:timing>
-    <p:tnLst>
-      <p:par>
-        <p:cTn id="1" dur="indefinite" restart="never" nodeType="tmRoot"/>
-      </p:par>
-    </p:tnLst>
-  </p:timing>
-</p:sld>
-</file>
-
-<file path=ppt/slides/slide9.xml><?xml version="1.0" encoding="utf-8"?>
-<p:sld xmlns:a="http://schemas.openxmlformats.org/drawingml/2006/main" xmlns:r="http://schemas.openxmlformats.org/officeDocument/2006/relationships" xmlns:p="http://schemas.openxmlformats.org/presentationml/2006/main">
-  <p:cSld>
-    <p:spTree>
-      <p:nvGrpSpPr>
-        <p:cNvPr id="1" name=""/>
-        <p:cNvGrpSpPr/>
-        <p:nvPr/>
-      </p:nvGrpSpPr>
-      <p:grpSpPr>
-        <a:xfrm>
-          <a:off x="0" y="0"/>
-          <a:ext cx="0" cy="0"/>
-          <a:chOff x="0" y="0"/>
-          <a:chExt cx="0" cy="0"/>
-        </a:xfrm>
-      </p:grpSpPr>
-      <p:sp>
-        <p:nvSpPr>
-          <p:cNvPr id="3" name="Text Placeholder 2"/>
-          <p:cNvSpPr>
-            <a:spLocks noGrp="1"/>
-          </p:cNvSpPr>
-          <p:nvPr>
-            <p:ph type="body" sz="quarter" idx="10"/>
-          </p:nvPr>
-        </p:nvSpPr>
-        <p:spPr>
-          <a:xfrm>
-            <a:off x="521208" y="2057400"/>
-            <a:ext cx="10693401" cy="1378644"/>
-          </a:xfrm>
-        </p:spPr>
-        <p:txBody>
-          <a:bodyPr/>
-          <a:lstStyle/>
-          <a:p>
-            <a:pPr indent="3175"/>
-            <a:r>
-              <a:rPr lang="en-US" dirty="0"/>
-              <a:t>What are the pros / </a:t>
-            </a:r>
-            <a:r>
-              <a:rPr lang="en-US" dirty="0" smtClean="0"/>
-              <a:t>cons / differences?</a:t>
-            </a:r>
-            <a:endParaRPr lang="en-US" dirty="0"/>
-          </a:p>
-        </p:txBody>
-      </p:sp>
-    </p:spTree>
-    <p:extLst>
-      <p:ext uri="{BB962C8B-B14F-4D97-AF65-F5344CB8AC3E}">
-        <p14:creationId xmlns:p14="http://schemas.microsoft.com/office/powerpoint/2010/main" val="2331921382"/>
       </p:ext>
     </p:extLst>
   </p:cSld>

--- a/Presentation.pptx
+++ b/Presentation.pptx
@@ -368,7 +368,7 @@
                 <a:latin typeface="Segoe UI" pitchFamily="34" charset="0"/>
               </a:rPr>
               <a:pPr/>
-              <a:t>5/15/2013</a:t>
+              <a:t>5/16/2013</a:t>
             </a:fld>
             <a:endParaRPr lang="en-US" dirty="0">
               <a:latin typeface="Segoe UI" pitchFamily="34" charset="0"/>
@@ -584,7 +584,7 @@
             <a:fld id="{7C3FBCD4-166E-446F-AF18-7D4A0CF9AEF6}" type="datetimeFigureOut">
               <a:rPr lang="en-US" smtClean="0"/>
               <a:pPr/>
-              <a:t>5/15/2013</a:t>
+              <a:t>5/16/2013</a:t>
             </a:fld>
             <a:endParaRPr lang="en-US" dirty="0"/>
           </a:p>
@@ -8469,7 +8469,7 @@
             <a:fld id="{D7CE58A2-1EDC-45F0-BACE-E3574D82C834}" type="datetimeFigureOut">
               <a:rPr lang="en-US" smtClean="0"/>
               <a:pPr/>
-              <a:t>5/15/2013</a:t>
+              <a:t>5/16/2013</a:t>
             </a:fld>
             <a:endParaRPr lang="en-US"/>
           </a:p>
@@ -22363,7 +22363,6 @@
               <a:rPr lang="en-US" sz="2000" dirty="0" smtClean="0"/>
               <a:t>june.tabadero@readify.net</a:t>
             </a:r>
-            <a:endParaRPr lang="en-US" sz="2000" dirty="0" smtClean="0"/>
           </a:p>
           <a:p>
             <a:pPr algn="ctr"/>
@@ -23792,7 +23791,6 @@
               <a:rPr lang="en-AU" dirty="0" smtClean="0"/>
               <a:t>Multi-tenancy is cost-effective</a:t>
             </a:r>
-            <a:endParaRPr lang="en-AU" dirty="0" smtClean="0"/>
           </a:p>
         </p:txBody>
       </p:sp>
@@ -23884,7 +23882,6 @@
               <a:rPr lang="en-US" sz="4000" dirty="0" smtClean="0"/>
               <a:t>How is it different from SQL Server?</a:t>
             </a:r>
-            <a:endParaRPr lang="en-US" sz="4000" dirty="0" smtClean="0"/>
           </a:p>
           <a:p>
             <a:pPr marL="0" indent="3175"/>
@@ -23892,7 +23889,6 @@
               <a:rPr lang="en-US" sz="4000" dirty="0" smtClean="0"/>
               <a:t>Major pain points</a:t>
             </a:r>
-            <a:endParaRPr lang="en-US" sz="4000" dirty="0" smtClean="0"/>
           </a:p>
           <a:p>
             <a:pPr marL="0" indent="3175"/>
@@ -29889,11 +29885,7 @@
           <a:p>
             <a:r>
               <a:rPr lang="en-AU" dirty="0" err="1" smtClean="0"/>
-              <a:t>Cerebrat</a:t>
-            </a:r>
-            <a:r>
-              <a:rPr lang="en-AU" dirty="0" err="1" smtClean="0"/>
-              <a:t>a</a:t>
+              <a:t>Cerebrata</a:t>
             </a:r>
             <a:r>
               <a:rPr lang="en-AU" dirty="0" smtClean="0"/>
@@ -29946,7 +29938,6 @@
               <a:rPr lang="en-AU" dirty="0" smtClean="0"/>
               <a:t>Sync Framework</a:t>
             </a:r>
-            <a:endParaRPr lang="en-AU" dirty="0" smtClean="0"/>
           </a:p>
         </p:txBody>
       </p:sp>
@@ -30366,11 +30357,6 @@
               </a:rPr>
               <a:t>Timeouts when the resource isn’t able to respond</a:t>
             </a:r>
-            <a:endParaRPr lang="en-AU" dirty="0" smtClean="0">
-              <a:solidFill>
-                <a:srgbClr val="C00000"/>
-              </a:solidFill>
-            </a:endParaRPr>
           </a:p>
         </p:txBody>
       </p:sp>
@@ -30429,11 +30415,7 @@
           <a:p>
             <a:r>
               <a:rPr lang="en-AU" dirty="0" smtClean="0"/>
-              <a:t>Why </a:t>
-            </a:r>
-            <a:r>
-              <a:rPr lang="en-AU" dirty="0" smtClean="0"/>
-              <a:t>do transient faults occur?</a:t>
+              <a:t>Why do transient faults occur?</a:t>
             </a:r>
             <a:endParaRPr lang="en-AU" dirty="0"/>
           </a:p>
@@ -30753,7 +30735,7 @@
         <p:spPr>
           <a:xfrm>
             <a:off x="519112" y="1447799"/>
-            <a:ext cx="11149013" cy="3901068"/>
+            <a:ext cx="11149013" cy="4570482"/>
           </a:xfrm>
         </p:spPr>
         <p:txBody>
@@ -30788,8 +30770,19 @@
           <a:p>
             <a:r>
               <a:rPr lang="en-AU" dirty="0" smtClean="0"/>
-              <a:t>Connection and command retries</a:t>
-            </a:r>
+              <a:t>Connection and command </a:t>
+            </a:r>
+            <a:r>
+              <a:rPr lang="en-AU" dirty="0" smtClean="0"/>
+              <a:t>retries</a:t>
+            </a:r>
+          </a:p>
+          <a:p>
+            <a:r>
+              <a:rPr lang="en-AU" smtClean="0"/>
+              <a:t>Consider timeouts</a:t>
+            </a:r>
+            <a:endParaRPr lang="en-AU" dirty="0" smtClean="0"/>
           </a:p>
           <a:p>
             <a:r>
@@ -31094,11 +31087,7 @@
             </a:r>
             <a:r>
               <a:rPr lang="en-AU" dirty="0" smtClean="0"/>
-              <a:t> we’ve done th</a:t>
-            </a:r>
-            <a:r>
-              <a:rPr lang="en-AU" dirty="0" smtClean="0"/>
-              <a:t>e work for you:</a:t>
+              <a:t> we’ve done the work for you:</a:t>
             </a:r>
           </a:p>
           <a:p>
@@ -31475,13 +31464,8 @@
             </a:pPr>
             <a:r>
               <a:rPr lang="en-AU" dirty="0" smtClean="0"/>
-              <a:t>Basic use cases </a:t>
-            </a:r>
-            <a:r>
-              <a:rPr lang="en-AU" dirty="0" smtClean="0"/>
-              <a:t>(relational DB)</a:t>
-            </a:r>
-            <a:endParaRPr lang="en-AU" dirty="0" smtClean="0"/>
+              <a:t>Basic use cases (relational DB)</a:t>
+            </a:r>
           </a:p>
           <a:p>
             <a:pPr marL="574675" indent="-571500">
@@ -31490,13 +31474,8 @@
             </a:pPr>
             <a:r>
               <a:rPr lang="en-AU" dirty="0" smtClean="0"/>
-              <a:t>You don’t have a high </a:t>
-            </a:r>
-            <a:r>
-              <a:rPr lang="en-AU" dirty="0" smtClean="0"/>
-              <a:t>load</a:t>
-            </a:r>
-            <a:endParaRPr lang="en-AU" dirty="0" smtClean="0"/>
+              <a:t>You don’t have a high load</a:t>
+            </a:r>
           </a:p>
           <a:p>
             <a:pPr marL="574675" indent="-571500">
@@ -31517,7 +31496,6 @@
               <a:rPr lang="en-AU" dirty="0" smtClean="0"/>
               <a:t>Multi-tenanted</a:t>
             </a:r>
-            <a:endParaRPr lang="en-AU" dirty="0" smtClean="0"/>
           </a:p>
           <a:p>
             <a:pPr marL="574675" indent="-571500">
@@ -31544,15 +31522,7 @@
             </a:pPr>
             <a:r>
               <a:rPr lang="en-AU" dirty="0" smtClean="0"/>
-              <a:t>you </a:t>
-            </a:r>
-            <a:r>
-              <a:rPr lang="en-AU" dirty="0" smtClean="0"/>
-              <a:t>can re-architect for </a:t>
-            </a:r>
-            <a:r>
-              <a:rPr lang="en-AU" dirty="0" smtClean="0"/>
-              <a:t>federations</a:t>
+              <a:t>you can re-architect for federations</a:t>
             </a:r>
           </a:p>
           <a:p>
@@ -31562,17 +31532,8 @@
             </a:pPr>
             <a:r>
               <a:rPr lang="en-AU" dirty="0" smtClean="0"/>
-              <a:t>you </a:t>
-            </a:r>
-            <a:r>
-              <a:rPr lang="en-AU" dirty="0" smtClean="0"/>
-              <a:t>can afford the number of databases </a:t>
-            </a:r>
-            <a:r>
-              <a:rPr lang="en-AU" dirty="0" smtClean="0"/>
-              <a:t>required</a:t>
-            </a:r>
-            <a:endParaRPr lang="en-AU" dirty="0" smtClean="0"/>
+              <a:t>you can afford the number of databases required</a:t>
+            </a:r>
           </a:p>
           <a:p>
             <a:pPr marL="574675" indent="-571500">
@@ -31581,13 +31542,8 @@
             </a:pPr>
             <a:r>
               <a:rPr lang="en-AU" dirty="0" smtClean="0"/>
-              <a:t>You don’t have operations staff with SQL </a:t>
-            </a:r>
-            <a:r>
-              <a:rPr lang="en-AU" dirty="0" smtClean="0"/>
-              <a:t>Server exp.</a:t>
-            </a:r>
-            <a:endParaRPr lang="en-AU" dirty="0" smtClean="0"/>
+              <a:t>You don’t have operations staff with SQL Server exp.</a:t>
+            </a:r>
           </a:p>
         </p:txBody>
       </p:sp>
@@ -39064,11 +39020,7 @@
             </a:r>
             <a:r>
               <a:rPr lang="en-US" sz="4800" dirty="0" smtClean="0"/>
-              <a:t>May 2012</a:t>
-            </a:r>
-            <a:r>
-              <a:rPr lang="en-US" sz="4800" dirty="0" smtClean="0"/>
-              <a:t>)</a:t>
+              <a:t>May 2012)</a:t>
             </a:r>
             <a:endParaRPr lang="en-US" dirty="0">
               <a:solidFill>
@@ -39366,11 +39318,7 @@
                       </a:r>
                       <a:r>
                         <a:rPr lang="en-US" sz="1400" baseline="0" dirty="0" smtClean="0"/>
-                        <a:t> </a:t>
-                      </a:r>
-                      <a:r>
-                        <a:rPr lang="en-US" sz="1400" baseline="0" dirty="0" smtClean="0"/>
-                        <a:t>to 1 GB</a:t>
+                        <a:t> to 1 GB</a:t>
                       </a:r>
                       <a:endParaRPr lang="en-US" sz="1400" dirty="0"/>
                     </a:p>
@@ -39500,11 +39448,7 @@
                     <a:p>
                       <a:r>
                         <a:rPr lang="en-US" sz="1400" dirty="0" smtClean="0"/>
-                        <a:t>1GB </a:t>
-                      </a:r>
-                      <a:r>
-                        <a:rPr lang="en-US" sz="1400" dirty="0" smtClean="0"/>
-                        <a:t>to 10 GB</a:t>
+                        <a:t>1GB to 10 GB</a:t>
                       </a:r>
                       <a:endParaRPr lang="en-US" sz="1400" dirty="0"/>
                     </a:p>
@@ -39572,15 +39516,7 @@
                       </a:r>
                       <a:r>
                         <a:rPr lang="en-US" sz="1400" baseline="0" dirty="0" smtClean="0"/>
-                        <a:t> GB, $</a:t>
-                      </a:r>
-                      <a:r>
-                        <a:rPr lang="en-US" sz="1400" baseline="0" dirty="0" smtClean="0"/>
-                        <a:t>3.996 </a:t>
-                      </a:r>
-                      <a:r>
-                        <a:rPr lang="en-US" sz="1400" baseline="0" dirty="0" smtClean="0"/>
-                        <a:t>per additional GB</a:t>
+                        <a:t> GB, $3.996 per additional GB</a:t>
                       </a:r>
                       <a:endParaRPr lang="en-US" sz="1400" dirty="0"/>
                     </a:p>
@@ -39646,11 +39582,7 @@
                     <a:p>
                       <a:r>
                         <a:rPr lang="en-US" sz="1400" dirty="0" smtClean="0"/>
-                        <a:t>10 </a:t>
-                      </a:r>
-                      <a:r>
-                        <a:rPr lang="en-US" sz="1400" dirty="0" smtClean="0"/>
-                        <a:t>GB to 50 GB</a:t>
+                        <a:t>10 GB to 50 GB</a:t>
                       </a:r>
                       <a:endParaRPr lang="en-US" sz="1400" dirty="0"/>
                     </a:p>
@@ -39714,15 +39646,7 @@
                     <a:p>
                       <a:r>
                         <a:rPr lang="en-US" sz="1400" dirty="0" smtClean="0"/>
-                        <a:t>$45.954 for first 10 GB, $</a:t>
-                      </a:r>
-                      <a:r>
-                        <a:rPr lang="en-US" sz="1400" dirty="0" smtClean="0"/>
-                        <a:t>1.996 </a:t>
-                      </a:r>
-                      <a:r>
-                        <a:rPr lang="en-US" sz="1400" dirty="0" smtClean="0"/>
-                        <a:t>for</a:t>
+                        <a:t>$45.954 for first 10 GB, $1.996 for</a:t>
                       </a:r>
                       <a:r>
                         <a:rPr lang="en-US" sz="1400" baseline="0" dirty="0" smtClean="0"/>
@@ -39792,11 +39716,7 @@
                     <a:p>
                       <a:r>
                         <a:rPr lang="en-US" sz="1400" dirty="0" smtClean="0"/>
-                        <a:t>50 </a:t>
-                      </a:r>
-                      <a:r>
-                        <a:rPr lang="en-US" sz="1400" dirty="0" smtClean="0"/>
-                        <a:t>GB to 150 GB</a:t>
+                        <a:t>50 GB to 150 GB</a:t>
                       </a:r>
                       <a:endParaRPr lang="en-US" sz="1400" dirty="0"/>
                     </a:p>
@@ -39852,15 +39772,7 @@
                     <a:p>
                       <a:r>
                         <a:rPr lang="en-US" sz="1400" dirty="0" smtClean="0"/>
-                        <a:t>$</a:t>
-                      </a:r>
-                      <a:r>
-                        <a:rPr lang="en-US" sz="1400" dirty="0" smtClean="0"/>
-                        <a:t>125.874 </a:t>
-                      </a:r>
-                      <a:r>
-                        <a:rPr lang="en-US" sz="1400" dirty="0" smtClean="0"/>
-                        <a:t>for first 50 GB, $0.999 for each additional GB</a:t>
+                        <a:t>$125.874 for first 50 GB, $0.999 for each additional GB</a:t>
                       </a:r>
                       <a:endParaRPr lang="en-US" sz="1400" dirty="0"/>
                     </a:p>
@@ -40142,11 +40054,7 @@
             </a:pPr>
             <a:r>
               <a:rPr lang="en-US" sz="1600" spc="-51" dirty="0" smtClean="0"/>
-              <a:t>Charged </a:t>
-            </a:r>
-            <a:r>
-              <a:rPr lang="en-US" sz="1600" spc="-51" dirty="0" smtClean="0"/>
-              <a:t>at monthly rate per database</a:t>
+              <a:t>Charged at monthly rate per database</a:t>
             </a:r>
           </a:p>
           <a:p>
@@ -40567,7 +40475,6 @@
               <a:rPr lang="en-US" spc="-51" dirty="0" smtClean="0"/>
               <a:t>is required</a:t>
             </a:r>
-            <a:endParaRPr lang="en-US" spc="-51" dirty="0" smtClean="0"/>
           </a:p>
           <a:p>
             <a:pPr marL="234950" lvl="1" indent="-231775" defTabSz="914325">
@@ -40599,23 +40506,7 @@
             </a:pPr>
             <a:r>
               <a:rPr lang="en-US" spc="-51" dirty="0" smtClean="0"/>
-              <a:t>Add any non-Azure client IP </a:t>
-            </a:r>
-            <a:r>
-              <a:rPr lang="en-US" spc="-51" dirty="0" smtClean="0"/>
-              <a:t>address </a:t>
-            </a:r>
-            <a:r>
-              <a:rPr lang="en-US" spc="-51" dirty="0" smtClean="0"/>
-              <a:t>to </a:t>
-            </a:r>
-            <a:r>
-              <a:rPr lang="en-US" spc="-51" dirty="0" smtClean="0"/>
-              <a:t>the </a:t>
-            </a:r>
-            <a:r>
-              <a:rPr lang="en-US" spc="-51" dirty="0" smtClean="0"/>
-              <a:t>firewall</a:t>
+              <a:t>Add any non-Azure client IP address to the firewall</a:t>
             </a:r>
             <a:endParaRPr lang="en-US" spc="-51" dirty="0"/>
           </a:p>
@@ -41347,7 +41238,6 @@
               <a:rPr lang="en-AU" dirty="0" smtClean="0"/>
               <a:t>Per-”server” firewall</a:t>
             </a:r>
-            <a:endParaRPr lang="en-AU" dirty="0" smtClean="0"/>
           </a:p>
           <a:p>
             <a:r>
@@ -41358,24 +41248,14 @@
           <a:p>
             <a:r>
               <a:rPr lang="en-AU" dirty="0" smtClean="0"/>
-              <a:t>Server </a:t>
-            </a:r>
-            <a:r>
-              <a:rPr lang="en-AU" dirty="0" smtClean="0"/>
-              <a:t>admin </a:t>
-            </a:r>
-            <a:r>
-              <a:rPr lang="en-AU" dirty="0" smtClean="0"/>
-              <a:t>account: special privileges</a:t>
-            </a:r>
-            <a:endParaRPr lang="en-AU" dirty="0" smtClean="0"/>
+              <a:t>Server admin account: special privileges</a:t>
+            </a:r>
           </a:p>
           <a:p>
             <a:r>
               <a:rPr lang="en-AU" dirty="0" smtClean="0"/>
               <a:t>TDS connection is encrypted</a:t>
             </a:r>
-            <a:endParaRPr lang="en-AU" dirty="0" smtClean="0"/>
           </a:p>
           <a:p>
             <a:r>

--- a/Presentation.pptx
+++ b/Presentation.pptx
@@ -368,7 +368,7 @@
                 <a:latin typeface="Segoe UI" pitchFamily="34" charset="0"/>
               </a:rPr>
               <a:pPr/>
-              <a:t>5/16/2013</a:t>
+              <a:t>5/19/2013</a:t>
             </a:fld>
             <a:endParaRPr lang="en-US" dirty="0">
               <a:latin typeface="Segoe UI" pitchFamily="34" charset="0"/>
@@ -584,7 +584,7 @@
             <a:fld id="{7C3FBCD4-166E-446F-AF18-7D4A0CF9AEF6}" type="datetimeFigureOut">
               <a:rPr lang="en-US" smtClean="0"/>
               <a:pPr/>
-              <a:t>5/16/2013</a:t>
+              <a:t>5/19/2013</a:t>
             </a:fld>
             <a:endParaRPr lang="en-US" dirty="0"/>
           </a:p>
@@ -8469,7 +8469,7 @@
             <a:fld id="{D7CE58A2-1EDC-45F0-BACE-E3574D82C834}" type="datetimeFigureOut">
               <a:rPr lang="en-US" smtClean="0"/>
               <a:pPr/>
-              <a:t>5/16/2013</a:t>
+              <a:t>5/19/2013</a:t>
             </a:fld>
             <a:endParaRPr lang="en-US"/>
           </a:p>
@@ -30095,8 +30095,25 @@
                   </a:schemeClr>
                 </a:solidFill>
               </a:rPr>
-              <a:t>Have a test environment</a:t>
-            </a:r>
+              <a:t>Have a test </a:t>
+            </a:r>
+            <a:r>
+              <a:rPr lang="en-AU" dirty="0" smtClean="0">
+                <a:solidFill>
+                  <a:schemeClr val="accent4">
+                    <a:lumMod val="50000"/>
+                  </a:schemeClr>
+                </a:solidFill>
+              </a:rPr>
+              <a:t>environment in Azure</a:t>
+            </a:r>
+            <a:endParaRPr lang="en-AU" dirty="0" smtClean="0">
+              <a:solidFill>
+                <a:schemeClr val="accent4">
+                  <a:lumMod val="50000"/>
+                </a:schemeClr>
+              </a:solidFill>
+            </a:endParaRPr>
           </a:p>
           <a:p>
             <a:r>
@@ -30774,15 +30791,15 @@
             </a:r>
             <a:r>
               <a:rPr lang="en-AU" dirty="0" smtClean="0"/>
-              <a:t>retries</a:t>
-            </a:r>
-          </a:p>
-          <a:p>
-            <a:r>
-              <a:rPr lang="en-AU" smtClean="0"/>
+              <a:t>retries (and transactions)</a:t>
+            </a:r>
+            <a:endParaRPr lang="en-AU" dirty="0" smtClean="0"/>
+          </a:p>
+          <a:p>
+            <a:r>
+              <a:rPr lang="en-AU" dirty="0" smtClean="0"/>
               <a:t>Consider timeouts</a:t>
             </a:r>
-            <a:endParaRPr lang="en-AU" dirty="0" smtClean="0"/>
           </a:p>
           <a:p>
             <a:r>
@@ -39020,7 +39037,11 @@
             </a:r>
             <a:r>
               <a:rPr lang="en-US" sz="4800" dirty="0" smtClean="0"/>
-              <a:t>May 2012)</a:t>
+              <a:t>May </a:t>
+            </a:r>
+            <a:r>
+              <a:rPr lang="en-US" sz="4800" dirty="0" smtClean="0"/>
+              <a:t>2013)</a:t>
             </a:r>
             <a:endParaRPr lang="en-US" dirty="0">
               <a:solidFill>

--- a/Presentation.pptx
+++ b/Presentation.pptx
@@ -368,7 +368,7 @@
                 <a:latin typeface="Segoe UI" pitchFamily="34" charset="0"/>
               </a:rPr>
               <a:pPr/>
-              <a:t>5/19/2013</a:t>
+              <a:t>5/20/2013</a:t>
             </a:fld>
             <a:endParaRPr lang="en-US" dirty="0">
               <a:latin typeface="Segoe UI" pitchFamily="34" charset="0"/>
@@ -584,7 +584,7 @@
             <a:fld id="{7C3FBCD4-166E-446F-AF18-7D4A0CF9AEF6}" type="datetimeFigureOut">
               <a:rPr lang="en-US" smtClean="0"/>
               <a:pPr/>
-              <a:t>5/19/2013</a:t>
+              <a:t>5/20/2013</a:t>
             </a:fld>
             <a:endParaRPr lang="en-US" dirty="0"/>
           </a:p>
@@ -8469,7 +8469,7 @@
             <a:fld id="{D7CE58A2-1EDC-45F0-BACE-E3574D82C834}" type="datetimeFigureOut">
               <a:rPr lang="en-US" smtClean="0"/>
               <a:pPr/>
-              <a:t>5/19/2013</a:t>
+              <a:t>5/20/2013</a:t>
             </a:fld>
             <a:endParaRPr lang="en-US"/>
           </a:p>
@@ -30095,25 +30095,8 @@
                   </a:schemeClr>
                 </a:solidFill>
               </a:rPr>
-              <a:t>Have a test </a:t>
-            </a:r>
-            <a:r>
-              <a:rPr lang="en-AU" dirty="0" smtClean="0">
-                <a:solidFill>
-                  <a:schemeClr val="accent4">
-                    <a:lumMod val="50000"/>
-                  </a:schemeClr>
-                </a:solidFill>
-              </a:rPr>
-              <a:t>environment in Azure</a:t>
-            </a:r>
-            <a:endParaRPr lang="en-AU" dirty="0" smtClean="0">
-              <a:solidFill>
-                <a:schemeClr val="accent4">
-                  <a:lumMod val="50000"/>
-                </a:schemeClr>
-              </a:solidFill>
-            </a:endParaRPr>
+              <a:t>Have a test environment in Azure</a:t>
+            </a:r>
           </a:p>
           <a:p>
             <a:r>
@@ -30787,13 +30770,8 @@
           <a:p>
             <a:r>
               <a:rPr lang="en-AU" dirty="0" smtClean="0"/>
-              <a:t>Connection and command </a:t>
-            </a:r>
-            <a:r>
-              <a:rPr lang="en-AU" dirty="0" smtClean="0"/>
-              <a:t>retries (and transactions)</a:t>
-            </a:r>
-            <a:endParaRPr lang="en-AU" dirty="0" smtClean="0"/>
+              <a:t>Connection and command retries (and transactions)</a:t>
+            </a:r>
           </a:p>
           <a:p>
             <a:r>
@@ -32760,7 +32738,7 @@
         <p:spPr>
           <a:xfrm>
             <a:off x="519112" y="1447799"/>
-            <a:ext cx="11149013" cy="4815164"/>
+            <a:ext cx="11149013" cy="3854901"/>
           </a:xfrm>
         </p:spPr>
         <p:txBody>
@@ -32772,18 +32750,14 @@
               <a:buChar char="•"/>
             </a:pPr>
             <a:r>
-              <a:rPr lang="en-AU" sz="3000" u="sng" dirty="0">
+              <a:rPr lang="en-AU" sz="2000" dirty="0">
                 <a:hlinkClick r:id="rId2"/>
               </a:rPr>
-              <a:t>http://</a:t>
-            </a:r>
-            <a:r>
-              <a:rPr lang="en-AU" sz="3000" u="sng" dirty="0" smtClean="0">
-                <a:hlinkClick r:id="rId2"/>
-              </a:rPr>
-              <a:t>social.technet.microsoft.com/wiki/contents/articles/995.windows-azure-sql-database-faq.aspx</a:t>
-            </a:r>
-            <a:endParaRPr lang="en-AU" sz="3000" u="sng" dirty="0" smtClean="0"/>
+              <a:t>http://social.technet.microsoft.com/wiki/contents/articles/2267.windows-azure-sql-database-technet-wiki-articles-index.aspx</a:t>
+            </a:r>
+            <a:endParaRPr lang="en-AU" sz="2000" u="sng" dirty="0" smtClean="0">
+              <a:hlinkClick r:id="rId3"/>
+            </a:endParaRPr>
           </a:p>
           <a:p>
             <a:pPr marL="574675" indent="-571500">
@@ -32791,18 +32765,24 @@
               <a:buChar char="•"/>
             </a:pPr>
             <a:r>
-              <a:rPr lang="en-AU" sz="3000" dirty="0">
+              <a:rPr lang="en-AU" sz="2000" u="sng" dirty="0" smtClean="0">
                 <a:hlinkClick r:id="rId3"/>
               </a:rPr>
-              <a:t>http://</a:t>
-            </a:r>
-            <a:r>
-              <a:rPr lang="en-AU" sz="3000" dirty="0" smtClean="0">
+              <a:t>http</a:t>
+            </a:r>
+            <a:r>
+              <a:rPr lang="en-AU" sz="2000" u="sng" dirty="0">
                 <a:hlinkClick r:id="rId3"/>
               </a:rPr>
-              <a:t>social.technet.microsoft.com/wiki/contents/articles/3507.windows-azure-sql-database-performance-and-elasticity-guide.aspx</a:t>
-            </a:r>
-            <a:endParaRPr lang="en-AU" sz="3000" dirty="0" smtClean="0"/>
+              <a:t>://</a:t>
+            </a:r>
+            <a:r>
+              <a:rPr lang="en-AU" sz="2000" u="sng" dirty="0" smtClean="0">
+                <a:hlinkClick r:id="rId3"/>
+              </a:rPr>
+              <a:t>social.technet.microsoft.com/wiki/contents/articles/995.windows-azure-sql-database-faq.aspx</a:t>
+            </a:r>
+            <a:endParaRPr lang="en-AU" sz="2000" u="sng" dirty="0" smtClean="0"/>
           </a:p>
           <a:p>
             <a:pPr marL="574675" indent="-571500">
@@ -32810,18 +32790,18 @@
               <a:buChar char="•"/>
             </a:pPr>
             <a:r>
-              <a:rPr lang="en-AU" sz="3000" dirty="0">
+              <a:rPr lang="en-AU" sz="2000" dirty="0">
                 <a:hlinkClick r:id="rId4"/>
               </a:rPr>
               <a:t>http://</a:t>
             </a:r>
             <a:r>
-              <a:rPr lang="en-AU" sz="3000" dirty="0" smtClean="0">
+              <a:rPr lang="en-AU" sz="2000" dirty="0" smtClean="0">
                 <a:hlinkClick r:id="rId4"/>
               </a:rPr>
-              <a:t>msdn.microsoft.com/en-us/library/windowsazure/ee730906.aspx</a:t>
-            </a:r>
-            <a:endParaRPr lang="en-AU" sz="3000" dirty="0" smtClean="0"/>
+              <a:t>social.technet.microsoft.com/wiki/contents/articles/3507.windows-azure-sql-database-performance-and-elasticity-guide.aspx</a:t>
+            </a:r>
+            <a:endParaRPr lang="en-AU" sz="2000" dirty="0" smtClean="0"/>
           </a:p>
           <a:p>
             <a:pPr marL="574675" indent="-571500">
@@ -32829,18 +32809,18 @@
               <a:buChar char="•"/>
             </a:pPr>
             <a:r>
-              <a:rPr lang="en-AU" sz="3000" dirty="0">
+              <a:rPr lang="en-AU" sz="2000" dirty="0">
                 <a:hlinkClick r:id="rId5"/>
               </a:rPr>
-              <a:t>http://www.windowsazure.com/en-us/develop/net/fundamentals/cloud-storage-scenarios</a:t>
-            </a:r>
-            <a:r>
-              <a:rPr lang="en-AU" sz="3000" dirty="0" smtClean="0">
+              <a:t>http://</a:t>
+            </a:r>
+            <a:r>
+              <a:rPr lang="en-AU" sz="2000" dirty="0" smtClean="0">
                 <a:hlinkClick r:id="rId5"/>
               </a:rPr>
-              <a:t>/</a:t>
-            </a:r>
-            <a:endParaRPr lang="en-AU" sz="3000" dirty="0" smtClean="0"/>
+              <a:t>msdn.microsoft.com/en-us/library/windowsazure/ee730906.aspx</a:t>
+            </a:r>
+            <a:endParaRPr lang="en-AU" sz="2000" dirty="0" smtClean="0"/>
           </a:p>
           <a:p>
             <a:pPr marL="574675" indent="-571500">
@@ -32848,18 +32828,18 @@
               <a:buChar char="•"/>
             </a:pPr>
             <a:r>
-              <a:rPr lang="en-AU" sz="3200" dirty="0">
+              <a:rPr lang="en-AU" sz="2000" dirty="0">
                 <a:hlinkClick r:id="rId6"/>
               </a:rPr>
-              <a:t>http://www.windowsazure.com/en-us/develop/net/architecture</a:t>
-            </a:r>
-            <a:r>
-              <a:rPr lang="en-AU" sz="3200" dirty="0" smtClean="0">
+              <a:t>http://www.windowsazure.com/en-us/develop/net/fundamentals/cloud-storage-scenarios</a:t>
+            </a:r>
+            <a:r>
+              <a:rPr lang="en-AU" sz="2000" dirty="0" smtClean="0">
                 <a:hlinkClick r:id="rId6"/>
               </a:rPr>
               <a:t>/</a:t>
             </a:r>
-            <a:endParaRPr lang="en-AU" sz="3200" dirty="0" smtClean="0"/>
+            <a:endParaRPr lang="en-AU" sz="2000" dirty="0" smtClean="0"/>
           </a:p>
           <a:p>
             <a:pPr marL="574675" indent="-571500">
@@ -32867,12 +32847,62 @@
               <a:buChar char="•"/>
             </a:pPr>
             <a:r>
-              <a:rPr lang="en-AU" sz="3200" dirty="0">
+              <a:rPr lang="en-AU" sz="2000" dirty="0">
                 <a:hlinkClick r:id="rId7"/>
               </a:rPr>
-              <a:t>http://social.technet.microsoft.com/wiki/contents/articles/1541.windows-azure-sql-database-connection-management.aspx</a:t>
-            </a:r>
-            <a:endParaRPr lang="en-AU" sz="3000" dirty="0"/>
+              <a:t>http://www.windowsazure.com/en-us/develop/net/architecture</a:t>
+            </a:r>
+            <a:r>
+              <a:rPr lang="en-AU" sz="2000" dirty="0" smtClean="0">
+                <a:hlinkClick r:id="rId7"/>
+              </a:rPr>
+              <a:t>/</a:t>
+            </a:r>
+            <a:endParaRPr lang="en-AU" sz="2000" dirty="0" smtClean="0"/>
+          </a:p>
+          <a:p>
+            <a:pPr marL="574675" indent="-571500">
+              <a:buFont typeface="Arial" panose="020B0604020202020204" pitchFamily="34" charset="0"/>
+              <a:buChar char="•"/>
+            </a:pPr>
+            <a:r>
+              <a:rPr lang="en-AU" sz="2000" dirty="0">
+                <a:hlinkClick r:id="rId8"/>
+              </a:rPr>
+              <a:t>http://</a:t>
+            </a:r>
+            <a:r>
+              <a:rPr lang="en-AU" sz="2000" dirty="0" smtClean="0">
+                <a:hlinkClick r:id="rId8"/>
+              </a:rPr>
+              <a:t>social.technet.microsoft.com/wiki/contents/articles/1541.windows-azure-sql-database-connection-management.aspx</a:t>
+            </a:r>
+            <a:endParaRPr lang="en-AU" sz="2000" dirty="0" smtClean="0"/>
+          </a:p>
+          <a:p>
+            <a:pPr marL="574675" indent="-571500">
+              <a:buFont typeface="Arial" panose="020B0604020202020204" pitchFamily="34" charset="0"/>
+              <a:buChar char="•"/>
+            </a:pPr>
+            <a:r>
+              <a:rPr lang="en-AU" sz="2000" dirty="0">
+                <a:hlinkClick r:id="rId9"/>
+              </a:rPr>
+              <a:t>http</a:t>
+            </a:r>
+            <a:r>
+              <a:rPr lang="en-AU" sz="2000">
+                <a:hlinkClick r:id="rId9"/>
+              </a:rPr>
+              <a:t>://</a:t>
+            </a:r>
+            <a:r>
+              <a:rPr lang="en-AU" sz="2000" smtClean="0">
+                <a:hlinkClick r:id="rId9"/>
+              </a:rPr>
+              <a:t>social.technet.microsoft.com/wiki/contents/articles/1695.inside-windows-azure-sql-database.aspx</a:t>
+            </a:r>
+            <a:endParaRPr lang="en-AU" sz="2000" dirty="0" smtClean="0"/>
           </a:p>
         </p:txBody>
       </p:sp>
@@ -39037,11 +39067,7 @@
             </a:r>
             <a:r>
               <a:rPr lang="en-US" sz="4800" dirty="0" smtClean="0"/>
-              <a:t>May </a:t>
-            </a:r>
-            <a:r>
-              <a:rPr lang="en-US" sz="4800" dirty="0" smtClean="0"/>
-              <a:t>2013)</a:t>
+              <a:t>May 2013)</a:t>
             </a:r>
             <a:endParaRPr lang="en-US" dirty="0">
               <a:solidFill>

--- a/Presentation.pptx
+++ b/Presentation.pptx
@@ -20,35 +20,35 @@
     <p:sldId id="336" r:id="rId8"/>
     <p:sldId id="327" r:id="rId9"/>
     <p:sldId id="305" r:id="rId10"/>
-    <p:sldId id="328" r:id="rId11"/>
-    <p:sldId id="351" r:id="rId12"/>
-    <p:sldId id="286" r:id="rId13"/>
-    <p:sldId id="340" r:id="rId14"/>
-    <p:sldId id="344" r:id="rId15"/>
-    <p:sldId id="341" r:id="rId16"/>
-    <p:sldId id="343" r:id="rId17"/>
-    <p:sldId id="342" r:id="rId18"/>
-    <p:sldId id="355" r:id="rId19"/>
-    <p:sldId id="347" r:id="rId20"/>
-    <p:sldId id="364" r:id="rId21"/>
-    <p:sldId id="354" r:id="rId22"/>
-    <p:sldId id="365" r:id="rId23"/>
-    <p:sldId id="366" r:id="rId24"/>
-    <p:sldId id="363" r:id="rId25"/>
-    <p:sldId id="368" r:id="rId26"/>
-    <p:sldId id="367" r:id="rId27"/>
-    <p:sldId id="350" r:id="rId28"/>
-    <p:sldId id="356" r:id="rId29"/>
-    <p:sldId id="348" r:id="rId30"/>
-    <p:sldId id="357" r:id="rId31"/>
-    <p:sldId id="358" r:id="rId32"/>
-    <p:sldId id="371" r:id="rId33"/>
-    <p:sldId id="370" r:id="rId34"/>
-    <p:sldId id="359" r:id="rId35"/>
-    <p:sldId id="360" r:id="rId36"/>
-    <p:sldId id="346" r:id="rId37"/>
-    <p:sldId id="292" r:id="rId38"/>
-    <p:sldId id="349" r:id="rId39"/>
+    <p:sldId id="286" r:id="rId11"/>
+    <p:sldId id="376" r:id="rId12"/>
+    <p:sldId id="340" r:id="rId13"/>
+    <p:sldId id="344" r:id="rId14"/>
+    <p:sldId id="377" r:id="rId15"/>
+    <p:sldId id="342" r:id="rId16"/>
+    <p:sldId id="328" r:id="rId17"/>
+    <p:sldId id="351" r:id="rId18"/>
+    <p:sldId id="347" r:id="rId19"/>
+    <p:sldId id="372" r:id="rId20"/>
+    <p:sldId id="373" r:id="rId21"/>
+    <p:sldId id="374" r:id="rId22"/>
+    <p:sldId id="375" r:id="rId23"/>
+    <p:sldId id="363" r:id="rId24"/>
+    <p:sldId id="368" r:id="rId25"/>
+    <p:sldId id="367" r:id="rId26"/>
+    <p:sldId id="350" r:id="rId27"/>
+    <p:sldId id="356" r:id="rId28"/>
+    <p:sldId id="348" r:id="rId29"/>
+    <p:sldId id="357" r:id="rId30"/>
+    <p:sldId id="358" r:id="rId31"/>
+    <p:sldId id="371" r:id="rId32"/>
+    <p:sldId id="370" r:id="rId33"/>
+    <p:sldId id="359" r:id="rId34"/>
+    <p:sldId id="360" r:id="rId35"/>
+    <p:sldId id="346" r:id="rId36"/>
+    <p:sldId id="292" r:id="rId37"/>
+    <p:sldId id="349" r:id="rId38"/>
+    <p:sldId id="366" r:id="rId39"/>
     <p:sldId id="362" r:id="rId40"/>
     <p:sldId id="281" r:id="rId41"/>
     <p:sldId id="361" r:id="rId42"/>
@@ -1062,6 +1062,10 @@
           <a:bodyPr/>
           <a:lstStyle/>
           <a:p>
+            <a:r>
+              <a:rPr lang="en-AU" dirty="0" smtClean="0"/>
+              <a:t>20 mins - June</a:t>
+            </a:r>
             <a:endParaRPr lang="en-AU" dirty="0"/>
           </a:p>
         </p:txBody>
@@ -1084,7 +1088,7 @@
             <a:fld id="{8B263312-38AA-4E1E-B2B5-0F8F122B24FE}" type="slidenum">
               <a:rPr lang="en-US" smtClean="0"/>
               <a:pPr/>
-              <a:t>12</a:t>
+              <a:t>15</a:t>
             </a:fld>
             <a:endParaRPr lang="en-US" dirty="0"/>
           </a:p>
@@ -1093,7 +1097,7 @@
     </p:spTree>
     <p:extLst>
       <p:ext uri="{BB962C8B-B14F-4D97-AF65-F5344CB8AC3E}">
-        <p14:creationId xmlns:p14="http://schemas.microsoft.com/office/powerpoint/2010/main" val="2811030698"/>
+        <p14:creationId xmlns:p14="http://schemas.microsoft.com/office/powerpoint/2010/main" val="3239397760"/>
       </p:ext>
     </p:extLst>
   </p:cSld>
@@ -1147,11 +1151,7 @@
           <a:bodyPr/>
           <a:lstStyle/>
           <a:p>
-            <a:r>
-              <a:rPr lang="en-AU" dirty="0" smtClean="0"/>
-              <a:t>15 mins - June</a:t>
-            </a:r>
-            <a:endParaRPr lang="en-AU" dirty="0"/>
+            <a:endParaRPr lang="en-US" dirty="0"/>
           </a:p>
         </p:txBody>
       </p:sp>
@@ -1170,9 +1170,8 @@
           <a:bodyPr/>
           <a:lstStyle/>
           <a:p>
-            <a:fld id="{8B263312-38AA-4E1E-B2B5-0F8F122B24FE}" type="slidenum">
+            <a:fld id="{1F743D80-E441-4DE6-AD4D-A3326A9B767E}" type="slidenum">
               <a:rPr lang="en-US" smtClean="0"/>
-              <a:pPr/>
               <a:t>16</a:t>
             </a:fld>
             <a:endParaRPr lang="en-US" dirty="0"/>
@@ -1182,7 +1181,7 @@
     </p:spTree>
     <p:extLst>
       <p:ext uri="{BB962C8B-B14F-4D97-AF65-F5344CB8AC3E}">
-        <p14:creationId xmlns:p14="http://schemas.microsoft.com/office/powerpoint/2010/main" val="3130275286"/>
+        <p14:creationId xmlns:p14="http://schemas.microsoft.com/office/powerpoint/2010/main" val="3865810146"/>
       </p:ext>
     </p:extLst>
   </p:cSld>
@@ -1266,7 +1265,7 @@
     </p:spTree>
     <p:extLst>
       <p:ext uri="{BB962C8B-B14F-4D97-AF65-F5344CB8AC3E}">
-        <p14:creationId xmlns:p14="http://schemas.microsoft.com/office/powerpoint/2010/main" val="3865810146"/>
+        <p14:creationId xmlns:p14="http://schemas.microsoft.com/office/powerpoint/2010/main" val="2731921106"/>
       </p:ext>
     </p:extLst>
   </p:cSld>
@@ -1320,7 +1319,7 @@
           <a:bodyPr/>
           <a:lstStyle/>
           <a:p>
-            <a:endParaRPr lang="en-US" dirty="0"/>
+            <a:endParaRPr lang="en-AU" dirty="0"/>
           </a:p>
         </p:txBody>
       </p:sp>
@@ -1339,8 +1338,9 @@
           <a:bodyPr/>
           <a:lstStyle/>
           <a:p>
-            <a:fld id="{1F743D80-E441-4DE6-AD4D-A3326A9B767E}" type="slidenum">
+            <a:fld id="{8B263312-38AA-4E1E-B2B5-0F8F122B24FE}" type="slidenum">
               <a:rPr lang="en-US" smtClean="0"/>
+              <a:pPr/>
               <a:t>18</a:t>
             </a:fld>
             <a:endParaRPr lang="en-US" dirty="0"/>
@@ -1350,7 +1350,7 @@
     </p:spTree>
     <p:extLst>
       <p:ext uri="{BB962C8B-B14F-4D97-AF65-F5344CB8AC3E}">
-        <p14:creationId xmlns:p14="http://schemas.microsoft.com/office/powerpoint/2010/main" val="2815162507"/>
+        <p14:creationId xmlns:p14="http://schemas.microsoft.com/office/powerpoint/2010/main" val="3546645643"/>
       </p:ext>
     </p:extLst>
   </p:cSld>
@@ -1404,6 +1404,10 @@
           <a:bodyPr/>
           <a:lstStyle/>
           <a:p>
+            <a:r>
+              <a:rPr lang="en-AU" dirty="0" smtClean="0"/>
+              <a:t>10 mins - June</a:t>
+            </a:r>
             <a:endParaRPr lang="en-AU" dirty="0"/>
           </a:p>
         </p:txBody>
@@ -1426,7 +1430,7 @@
             <a:fld id="{8B263312-38AA-4E1E-B2B5-0F8F122B24FE}" type="slidenum">
               <a:rPr lang="en-US" smtClean="0"/>
               <a:pPr/>
-              <a:t>19</a:t>
+              <a:t>20</a:t>
             </a:fld>
             <a:endParaRPr lang="en-US" dirty="0"/>
           </a:p>
@@ -1435,7 +1439,7 @@
     </p:spTree>
     <p:extLst>
       <p:ext uri="{BB962C8B-B14F-4D97-AF65-F5344CB8AC3E}">
-        <p14:creationId xmlns:p14="http://schemas.microsoft.com/office/powerpoint/2010/main" val="608378013"/>
+        <p14:creationId xmlns:p14="http://schemas.microsoft.com/office/powerpoint/2010/main" val="1584715652"/>
       </p:ext>
     </p:extLst>
   </p:cSld>
@@ -1489,30 +1493,7 @@
           <a:bodyPr/>
           <a:lstStyle/>
           <a:p>
-            <a:pPr marL="0" marR="0" indent="0" algn="l" defTabSz="914363" rtl="0" eaLnBrk="1" fontAlgn="auto" latinLnBrk="0" hangingPunct="1">
-              <a:lnSpc>
-                <a:spcPct val="90000"/>
-              </a:lnSpc>
-              <a:spcBef>
-                <a:spcPts val="0"/>
-              </a:spcBef>
-              <a:spcAft>
-                <a:spcPts val="333"/>
-              </a:spcAft>
-              <a:buClrTx/>
-              <a:buSzTx/>
-              <a:buFontTx/>
-              <a:buNone/>
-              <a:tabLst/>
-              <a:defRPr/>
-            </a:pPr>
-            <a:r>
-              <a:rPr lang="en-AU" dirty="0" smtClean="0"/>
-              <a:t>5 mins - June</a:t>
-            </a:r>
-          </a:p>
-          <a:p>
-            <a:endParaRPr lang="en-AU" dirty="0"/>
+            <a:endParaRPr lang="en-US" dirty="0"/>
           </a:p>
         </p:txBody>
       </p:sp>
@@ -1531,9 +1512,8 @@
           <a:bodyPr/>
           <a:lstStyle/>
           <a:p>
-            <a:fld id="{8B263312-38AA-4E1E-B2B5-0F8F122B24FE}" type="slidenum">
+            <a:fld id="{1F743D80-E441-4DE6-AD4D-A3326A9B767E}" type="slidenum">
               <a:rPr lang="en-US" smtClean="0"/>
-              <a:pPr/>
               <a:t>21</a:t>
             </a:fld>
             <a:endParaRPr lang="en-US" dirty="0"/>
@@ -1543,7 +1523,7 @@
     </p:spTree>
     <p:extLst>
       <p:ext uri="{BB962C8B-B14F-4D97-AF65-F5344CB8AC3E}">
-        <p14:creationId xmlns:p14="http://schemas.microsoft.com/office/powerpoint/2010/main" val="2449960193"/>
+        <p14:creationId xmlns:p14="http://schemas.microsoft.com/office/powerpoint/2010/main" val="182347963"/>
       </p:ext>
     </p:extLst>
   </p:cSld>
@@ -1597,7 +1577,7 @@
           <a:bodyPr/>
           <a:lstStyle/>
           <a:p>
-            <a:endParaRPr lang="en-US" dirty="0"/>
+            <a:endParaRPr lang="en-AU" dirty="0"/>
           </a:p>
         </p:txBody>
       </p:sp>
@@ -1616,9 +1596,10 @@
           <a:bodyPr/>
           <a:lstStyle/>
           <a:p>
-            <a:fld id="{1F743D80-E441-4DE6-AD4D-A3326A9B767E}" type="slidenum">
+            <a:fld id="{8B263312-38AA-4E1E-B2B5-0F8F122B24FE}" type="slidenum">
               <a:rPr lang="en-US" smtClean="0"/>
-              <a:t>22</a:t>
+              <a:pPr/>
+              <a:t>24</a:t>
             </a:fld>
             <a:endParaRPr lang="en-US" dirty="0"/>
           </a:p>
@@ -1627,7 +1608,7 @@
     </p:spTree>
     <p:extLst>
       <p:ext uri="{BB962C8B-B14F-4D97-AF65-F5344CB8AC3E}">
-        <p14:creationId xmlns:p14="http://schemas.microsoft.com/office/powerpoint/2010/main" val="182347963"/>
+        <p14:creationId xmlns:p14="http://schemas.microsoft.com/office/powerpoint/2010/main" val="1333975923"/>
       </p:ext>
     </p:extLst>
   </p:cSld>
@@ -1681,6 +1662,10 @@
           <a:bodyPr/>
           <a:lstStyle/>
           <a:p>
+            <a:r>
+              <a:rPr lang="en-AU" dirty="0" smtClean="0"/>
+              <a:t>10 mins - Rob</a:t>
+            </a:r>
             <a:endParaRPr lang="en-AU" dirty="0"/>
           </a:p>
         </p:txBody>
@@ -1712,7 +1697,7 @@
     </p:spTree>
     <p:extLst>
       <p:ext uri="{BB962C8B-B14F-4D97-AF65-F5344CB8AC3E}">
-        <p14:creationId xmlns:p14="http://schemas.microsoft.com/office/powerpoint/2010/main" val="1333975923"/>
+        <p14:creationId xmlns:p14="http://schemas.microsoft.com/office/powerpoint/2010/main" val="2260524226"/>
       </p:ext>
     </p:extLst>
   </p:cSld>
@@ -1766,11 +1751,7 @@
           <a:bodyPr/>
           <a:lstStyle/>
           <a:p>
-            <a:r>
-              <a:rPr lang="en-AU" dirty="0" smtClean="0"/>
-              <a:t>10 mins - Rob</a:t>
-            </a:r>
-            <a:endParaRPr lang="en-AU" dirty="0"/>
+            <a:endParaRPr lang="en-US" dirty="0"/>
           </a:p>
         </p:txBody>
       </p:sp>
@@ -1789,9 +1770,8 @@
           <a:bodyPr/>
           <a:lstStyle/>
           <a:p>
-            <a:fld id="{8B263312-38AA-4E1E-B2B5-0F8F122B24FE}" type="slidenum">
+            <a:fld id="{1F743D80-E441-4DE6-AD4D-A3326A9B767E}" type="slidenum">
               <a:rPr lang="en-US" smtClean="0"/>
-              <a:pPr/>
               <a:t>26</a:t>
             </a:fld>
             <a:endParaRPr lang="en-US" dirty="0"/>
@@ -1801,7 +1781,7 @@
     </p:spTree>
     <p:extLst>
       <p:ext uri="{BB962C8B-B14F-4D97-AF65-F5344CB8AC3E}">
-        <p14:creationId xmlns:p14="http://schemas.microsoft.com/office/powerpoint/2010/main" val="2260524226"/>
+        <p14:creationId xmlns:p14="http://schemas.microsoft.com/office/powerpoint/2010/main" val="2622474695"/>
       </p:ext>
     </p:extLst>
   </p:cSld>
@@ -1855,7 +1835,11 @@
           <a:bodyPr/>
           <a:lstStyle/>
           <a:p>
-            <a:endParaRPr lang="en-US" dirty="0"/>
+            <a:r>
+              <a:rPr lang="en-AU" dirty="0" smtClean="0"/>
+              <a:t>10 mins – Matt or Rob</a:t>
+            </a:r>
+            <a:endParaRPr lang="en-AU" dirty="0"/>
           </a:p>
         </p:txBody>
       </p:sp>
@@ -1874,9 +1858,10 @@
           <a:bodyPr/>
           <a:lstStyle/>
           <a:p>
-            <a:fld id="{1F743D80-E441-4DE6-AD4D-A3326A9B767E}" type="slidenum">
+            <a:fld id="{8B263312-38AA-4E1E-B2B5-0F8F122B24FE}" type="slidenum">
               <a:rPr lang="en-US" smtClean="0"/>
-              <a:t>27</a:t>
+              <a:pPr/>
+              <a:t>32</a:t>
             </a:fld>
             <a:endParaRPr lang="en-US" dirty="0"/>
           </a:p>
@@ -1885,7 +1870,7 @@
     </p:spTree>
     <p:extLst>
       <p:ext uri="{BB962C8B-B14F-4D97-AF65-F5344CB8AC3E}">
-        <p14:creationId xmlns:p14="http://schemas.microsoft.com/office/powerpoint/2010/main" val="2622474695"/>
+        <p14:creationId xmlns:p14="http://schemas.microsoft.com/office/powerpoint/2010/main" val="1280167990"/>
       </p:ext>
     </p:extLst>
   </p:cSld>
@@ -2024,10 +2009,22 @@
           <a:lstStyle/>
           <a:p>
             <a:r>
-              <a:rPr lang="en-AU" dirty="0" smtClean="0"/>
-              <a:t>10 mins – Matt or Rob</a:t>
-            </a:r>
-            <a:endParaRPr lang="en-AU" dirty="0"/>
+              <a:rPr lang="en-US" dirty="0" smtClean="0"/>
+              <a:t>30</a:t>
+            </a:r>
+            <a:r>
+              <a:rPr lang="en-US" baseline="0" dirty="0" smtClean="0"/>
+              <a:t> </a:t>
+            </a:r>
+            <a:r>
+              <a:rPr lang="en-US" baseline="0" dirty="0" err="1" smtClean="0"/>
+              <a:t>mins</a:t>
+            </a:r>
+            <a:r>
+              <a:rPr lang="en-US" baseline="0" dirty="0" smtClean="0"/>
+              <a:t> - Rob</a:t>
+            </a:r>
+            <a:endParaRPr lang="en-US" dirty="0"/>
           </a:p>
         </p:txBody>
       </p:sp>
@@ -2046,9 +2043,8 @@
           <a:bodyPr/>
           <a:lstStyle/>
           <a:p>
-            <a:fld id="{8B263312-38AA-4E1E-B2B5-0F8F122B24FE}" type="slidenum">
+            <a:fld id="{6A737CDB-F497-4071-88DB-C233CAC28117}" type="slidenum">
               <a:rPr lang="en-US" smtClean="0"/>
-              <a:pPr/>
               <a:t>33</a:t>
             </a:fld>
             <a:endParaRPr lang="en-US" dirty="0"/>
@@ -2058,7 +2054,7 @@
     </p:spTree>
     <p:extLst>
       <p:ext uri="{BB962C8B-B14F-4D97-AF65-F5344CB8AC3E}">
-        <p14:creationId xmlns:p14="http://schemas.microsoft.com/office/powerpoint/2010/main" val="1280167990"/>
+        <p14:creationId xmlns:p14="http://schemas.microsoft.com/office/powerpoint/2010/main" val="85865558"/>
       </p:ext>
     </p:extLst>
   </p:cSld>
@@ -2112,22 +2108,6 @@
           <a:bodyPr/>
           <a:lstStyle/>
           <a:p>
-            <a:r>
-              <a:rPr lang="en-US" dirty="0" smtClean="0"/>
-              <a:t>30</a:t>
-            </a:r>
-            <a:r>
-              <a:rPr lang="en-US" baseline="0" dirty="0" smtClean="0"/>
-              <a:t> </a:t>
-            </a:r>
-            <a:r>
-              <a:rPr lang="en-US" baseline="0" dirty="0" err="1" smtClean="0"/>
-              <a:t>mins</a:t>
-            </a:r>
-            <a:r>
-              <a:rPr lang="en-US" baseline="0" dirty="0" smtClean="0"/>
-              <a:t> - Rob</a:t>
-            </a:r>
             <a:endParaRPr lang="en-US" dirty="0"/>
           </a:p>
         </p:txBody>
@@ -2147,7 +2127,7 @@
           <a:bodyPr/>
           <a:lstStyle/>
           <a:p>
-            <a:fld id="{6A737CDB-F497-4071-88DB-C233CAC28117}" type="slidenum">
+            <a:fld id="{1F743D80-E441-4DE6-AD4D-A3326A9B767E}" type="slidenum">
               <a:rPr lang="en-US" smtClean="0"/>
               <a:t>34</a:t>
             </a:fld>
@@ -2158,7 +2138,7 @@
     </p:spTree>
     <p:extLst>
       <p:ext uri="{BB962C8B-B14F-4D97-AF65-F5344CB8AC3E}">
-        <p14:creationId xmlns:p14="http://schemas.microsoft.com/office/powerpoint/2010/main" val="85865558"/>
+        <p14:creationId xmlns:p14="http://schemas.microsoft.com/office/powerpoint/2010/main" val="1782926496"/>
       </p:ext>
     </p:extLst>
   </p:cSld>
@@ -2212,7 +2192,36 @@
           <a:bodyPr/>
           <a:lstStyle/>
           <a:p>
-            <a:endParaRPr lang="en-US" dirty="0"/>
+            <a:r>
+              <a:rPr lang="en-AU" dirty="0" smtClean="0"/>
+              <a:t>2 mins</a:t>
+            </a:r>
+          </a:p>
+          <a:p>
+            <a:endParaRPr lang="en-AU" dirty="0" smtClean="0"/>
+          </a:p>
+          <a:p>
+            <a:r>
+              <a:rPr lang="en-AU" dirty="0" smtClean="0"/>
+              <a:t>These are all “</a:t>
+            </a:r>
+            <a:r>
+              <a:rPr lang="en-AU" dirty="0" err="1" smtClean="0"/>
+              <a:t>or”’s</a:t>
+            </a:r>
+            <a:r>
+              <a:rPr lang="en-AU" dirty="0" smtClean="0"/>
+              <a:t> not “</a:t>
+            </a:r>
+            <a:r>
+              <a:rPr lang="en-AU" dirty="0" err="1" smtClean="0"/>
+              <a:t>and”’s</a:t>
+            </a:r>
+            <a:r>
+              <a:rPr lang="en-AU" dirty="0" smtClean="0"/>
+              <a:t>.</a:t>
+            </a:r>
+            <a:endParaRPr lang="en-AU" dirty="0"/>
           </a:p>
         </p:txBody>
       </p:sp>
@@ -2231,8 +2240,9 @@
           <a:bodyPr/>
           <a:lstStyle/>
           <a:p>
-            <a:fld id="{1F743D80-E441-4DE6-AD4D-A3326A9B767E}" type="slidenum">
+            <a:fld id="{8B263312-38AA-4E1E-B2B5-0F8F122B24FE}" type="slidenum">
               <a:rPr lang="en-US" smtClean="0"/>
+              <a:pPr/>
               <a:t>35</a:t>
             </a:fld>
             <a:endParaRPr lang="en-US" dirty="0"/>
@@ -2242,7 +2252,7 @@
     </p:spTree>
     <p:extLst>
       <p:ext uri="{BB962C8B-B14F-4D97-AF65-F5344CB8AC3E}">
-        <p14:creationId xmlns:p14="http://schemas.microsoft.com/office/powerpoint/2010/main" val="1782926496"/>
+        <p14:creationId xmlns:p14="http://schemas.microsoft.com/office/powerpoint/2010/main" val="15570121"/>
       </p:ext>
     </p:extLst>
   </p:cSld>
@@ -2296,35 +2306,34 @@
           <a:bodyPr/>
           <a:lstStyle/>
           <a:p>
+            <a:pPr marL="0" marR="0" indent="0" algn="l" defTabSz="914363" rtl="0" eaLnBrk="1" fontAlgn="auto" latinLnBrk="0" hangingPunct="1">
+              <a:lnSpc>
+                <a:spcPct val="90000"/>
+              </a:lnSpc>
+              <a:spcBef>
+                <a:spcPts val="0"/>
+              </a:spcBef>
+              <a:spcAft>
+                <a:spcPts val="333"/>
+              </a:spcAft>
+              <a:buClrTx/>
+              <a:buSzTx/>
+              <a:buFontTx/>
+              <a:buNone/>
+              <a:tabLst/>
+              <a:defRPr/>
+            </a:pPr>
             <a:r>
               <a:rPr lang="en-AU" dirty="0" smtClean="0"/>
-              <a:t>2 mins</a:t>
-            </a:r>
-          </a:p>
-          <a:p>
+              <a:t>5 mins - </a:t>
+            </a:r>
+            <a:r>
+              <a:rPr lang="en-AU" dirty="0" smtClean="0"/>
+              <a:t>Rob</a:t>
+            </a:r>
             <a:endParaRPr lang="en-AU" dirty="0" smtClean="0"/>
           </a:p>
           <a:p>
-            <a:r>
-              <a:rPr lang="en-AU" dirty="0" smtClean="0"/>
-              <a:t>These are all “</a:t>
-            </a:r>
-            <a:r>
-              <a:rPr lang="en-AU" dirty="0" err="1" smtClean="0"/>
-              <a:t>or”’s</a:t>
-            </a:r>
-            <a:r>
-              <a:rPr lang="en-AU" dirty="0" smtClean="0"/>
-              <a:t> not “</a:t>
-            </a:r>
-            <a:r>
-              <a:rPr lang="en-AU" dirty="0" err="1" smtClean="0"/>
-              <a:t>and”’s</a:t>
-            </a:r>
-            <a:r>
-              <a:rPr lang="en-AU" dirty="0" smtClean="0"/>
-              <a:t>.</a:t>
-            </a:r>
             <a:endParaRPr lang="en-AU" dirty="0"/>
           </a:p>
         </p:txBody>
@@ -2356,7 +2365,7 @@
     </p:spTree>
     <p:extLst>
       <p:ext uri="{BB962C8B-B14F-4D97-AF65-F5344CB8AC3E}">
-        <p14:creationId xmlns:p14="http://schemas.microsoft.com/office/powerpoint/2010/main" val="15570121"/>
+        <p14:creationId xmlns:p14="http://schemas.microsoft.com/office/powerpoint/2010/main" val="2449960193"/>
       </p:ext>
     </p:extLst>
   </p:cSld>
@@ -2900,6 +2909,24 @@
           <a:bodyPr/>
           <a:lstStyle/>
           <a:p>
+            <a:r>
+              <a:rPr lang="en-US" dirty="0" smtClean="0"/>
+              <a:t>10 </a:t>
+            </a:r>
+            <a:r>
+              <a:rPr lang="en-US" dirty="0" err="1" smtClean="0"/>
+              <a:t>mins</a:t>
+            </a:r>
+            <a:r>
+              <a:rPr lang="en-US" dirty="0" smtClean="0"/>
+              <a:t> – Matt or June</a:t>
+            </a:r>
+          </a:p>
+          <a:p>
+            <a:r>
+              <a:rPr lang="en-US" smtClean="0"/>
+              <a:t>Give examples?</a:t>
+            </a:r>
             <a:endParaRPr lang="en-US" dirty="0"/>
           </a:p>
         </p:txBody>
@@ -2985,10 +3012,6 @@
           <a:bodyPr/>
           <a:lstStyle/>
           <a:p>
-            <a:pPr marL="171450" indent="-171450">
-              <a:buFont typeface="Arial" pitchFamily="34" charset="0"/>
-              <a:buChar char="•"/>
-            </a:pPr>
             <a:endParaRPr lang="en-US" dirty="0"/>
           </a:p>
         </p:txBody>
@@ -3008,9 +3031,8 @@
           <a:bodyPr/>
           <a:lstStyle/>
           <a:p>
-            <a:fld id="{8B263312-38AA-4E1E-B2B5-0F8F122B24FE}" type="slidenum">
+            <a:fld id="{1F743D80-E441-4DE6-AD4D-A3326A9B767E}" type="slidenum">
               <a:rPr lang="en-US" smtClean="0"/>
-              <a:pPr/>
               <a:t>8</a:t>
             </a:fld>
             <a:endParaRPr lang="en-US" dirty="0"/>
@@ -3020,7 +3042,7 @@
     </p:spTree>
     <p:extLst>
       <p:ext uri="{BB962C8B-B14F-4D97-AF65-F5344CB8AC3E}">
-        <p14:creationId xmlns:p14="http://schemas.microsoft.com/office/powerpoint/2010/main" val="1140243787"/>
+        <p14:creationId xmlns:p14="http://schemas.microsoft.com/office/powerpoint/2010/main" val="1782926496"/>
       </p:ext>
     </p:extLst>
   </p:cSld>
@@ -3074,10 +3096,6 @@
           <a:bodyPr/>
           <a:lstStyle/>
           <a:p>
-            <a:r>
-              <a:rPr lang="en-AU" dirty="0" smtClean="0"/>
-              <a:t>15 mins - Matt</a:t>
-            </a:r>
             <a:endParaRPr lang="en-AU" dirty="0"/>
           </a:p>
         </p:txBody>
@@ -3100,7 +3118,7 @@
             <a:fld id="{8B263312-38AA-4E1E-B2B5-0F8F122B24FE}" type="slidenum">
               <a:rPr lang="en-US" smtClean="0"/>
               <a:pPr/>
-              <a:t>9</a:t>
+              <a:t>11</a:t>
             </a:fld>
             <a:endParaRPr lang="en-US" dirty="0"/>
           </a:p>
@@ -3109,7 +3127,7 @@
     </p:spTree>
     <p:extLst>
       <p:ext uri="{BB962C8B-B14F-4D97-AF65-F5344CB8AC3E}">
-        <p14:creationId xmlns:p14="http://schemas.microsoft.com/office/powerpoint/2010/main" val="3239397760"/>
+        <p14:creationId xmlns:p14="http://schemas.microsoft.com/office/powerpoint/2010/main" val="2811030698"/>
       </p:ext>
     </p:extLst>
   </p:cSld>
@@ -3163,6 +3181,10 @@
           <a:bodyPr/>
           <a:lstStyle/>
           <a:p>
+            <a:pPr marL="171450" indent="-171450">
+              <a:buFont typeface="Arial" pitchFamily="34" charset="0"/>
+              <a:buChar char="•"/>
+            </a:pPr>
             <a:endParaRPr lang="en-US" dirty="0"/>
           </a:p>
         </p:txBody>
@@ -3182,9 +3204,10 @@
           <a:bodyPr/>
           <a:lstStyle/>
           <a:p>
-            <a:fld id="{1F743D80-E441-4DE6-AD4D-A3326A9B767E}" type="slidenum">
+            <a:fld id="{8B263312-38AA-4E1E-B2B5-0F8F122B24FE}" type="slidenum">
               <a:rPr lang="en-US" smtClean="0"/>
-              <a:t>10</a:t>
+              <a:pPr/>
+              <a:t>14</a:t>
             </a:fld>
             <a:endParaRPr lang="en-US" dirty="0"/>
           </a:p>
@@ -3193,7 +3216,7 @@
     </p:spTree>
     <p:extLst>
       <p:ext uri="{BB962C8B-B14F-4D97-AF65-F5344CB8AC3E}">
-        <p14:creationId xmlns:p14="http://schemas.microsoft.com/office/powerpoint/2010/main" val="1782926496"/>
+        <p14:creationId xmlns:p14="http://schemas.microsoft.com/office/powerpoint/2010/main" val="1140243787"/>
       </p:ext>
     </p:extLst>
   </p:cSld>
@@ -22667,6 +22690,29 @@
       </p:grpSpPr>
       <p:sp>
         <p:nvSpPr>
+          <p:cNvPr id="2" name="Title 1"/>
+          <p:cNvSpPr>
+            <a:spLocks noGrp="1"/>
+          </p:cNvSpPr>
+          <p:nvPr>
+            <p:ph type="title"/>
+          </p:nvPr>
+        </p:nvSpPr>
+        <p:spPr/>
+        <p:txBody>
+          <a:bodyPr/>
+          <a:lstStyle/>
+          <a:p>
+            <a:r>
+              <a:rPr lang="en-AU" dirty="0" smtClean="0"/>
+              <a:t>Pros</a:t>
+            </a:r>
+            <a:endParaRPr lang="en-AU" dirty="0"/>
+          </a:p>
+        </p:txBody>
+      </p:sp>
+      <p:sp>
+        <p:nvSpPr>
           <p:cNvPr id="3" name="Text Placeholder 2"/>
           <p:cNvSpPr>
             <a:spLocks noGrp="1"/>
@@ -22677,18 +22723,85 @@
         </p:nvSpPr>
         <p:spPr>
           <a:xfrm>
-            <a:off x="521208" y="2057400"/>
-            <a:ext cx="10693401" cy="1378644"/>
+            <a:off x="519112" y="1447799"/>
+            <a:ext cx="11149013" cy="4570482"/>
           </a:xfrm>
         </p:spPr>
         <p:txBody>
           <a:bodyPr/>
           <a:lstStyle/>
           <a:p>
-            <a:pPr indent="3175"/>
-            <a:r>
-              <a:rPr lang="en-US" dirty="0"/>
-              <a:t>How is it different from SQL Server?</a:t>
+            <a:pPr marL="574675" indent="-571500">
+              <a:buFont typeface="Arial" panose="020B0604020202020204" pitchFamily="34" charset="0"/>
+              <a:buChar char="•"/>
+            </a:pPr>
+            <a:r>
+              <a:rPr lang="en-AU" dirty="0" smtClean="0"/>
+              <a:t>Latest version of SQL Server</a:t>
+            </a:r>
+          </a:p>
+          <a:p>
+            <a:pPr marL="574675" indent="-571500">
+              <a:buFont typeface="Arial" panose="020B0604020202020204" pitchFamily="34" charset="0"/>
+              <a:buChar char="•"/>
+            </a:pPr>
+            <a:r>
+              <a:rPr lang="en-AU" dirty="0" smtClean="0"/>
+              <a:t>Quick to provision</a:t>
+            </a:r>
+          </a:p>
+          <a:p>
+            <a:pPr marL="574675" indent="-571500">
+              <a:buFont typeface="Arial" panose="020B0604020202020204" pitchFamily="34" charset="0"/>
+              <a:buChar char="•"/>
+            </a:pPr>
+            <a:r>
+              <a:rPr lang="en-AU" dirty="0" smtClean="0"/>
+              <a:t>Managed service – ops taken care of</a:t>
+            </a:r>
+          </a:p>
+          <a:p>
+            <a:pPr marL="574675" indent="-571500">
+              <a:buFont typeface="Arial" panose="020B0604020202020204" pitchFamily="34" charset="0"/>
+              <a:buChar char="•"/>
+            </a:pPr>
+            <a:r>
+              <a:rPr lang="en-AU" dirty="0"/>
+              <a:t>State-of-the-art datacentre and security</a:t>
+            </a:r>
+          </a:p>
+          <a:p>
+            <a:pPr marL="574675" indent="-571500">
+              <a:buFont typeface="Arial" panose="020B0604020202020204" pitchFamily="34" charset="0"/>
+              <a:buChar char="•"/>
+            </a:pPr>
+            <a:r>
+              <a:rPr lang="en-AU" dirty="0" smtClean="0"/>
+              <a:t>Highly available and backed by SLA</a:t>
+            </a:r>
+          </a:p>
+          <a:p>
+            <a:pPr marL="574675" indent="-571500">
+              <a:buFont typeface="Arial" panose="020B0604020202020204" pitchFamily="34" charset="0"/>
+              <a:buChar char="•"/>
+            </a:pPr>
+            <a:r>
+              <a:rPr lang="en-AU" dirty="0" smtClean="0"/>
+              <a:t>Rich programmatic management / provisioning</a:t>
+            </a:r>
+          </a:p>
+          <a:p>
+            <a:pPr marL="574675" indent="-571500">
+              <a:buFont typeface="Arial" panose="020B0604020202020204" pitchFamily="34" charset="0"/>
+              <a:buChar char="•"/>
+            </a:pPr>
+            <a:r>
+              <a:rPr lang="en-AU" dirty="0" err="1" smtClean="0"/>
+              <a:t>DoS</a:t>
+            </a:r>
+            <a:r>
+              <a:rPr lang="en-AU" dirty="0" smtClean="0"/>
+              <a:t> protection</a:t>
             </a:r>
           </a:p>
         </p:txBody>
@@ -22696,7 +22809,7 @@
     </p:spTree>
     <p:extLst>
       <p:ext uri="{BB962C8B-B14F-4D97-AF65-F5344CB8AC3E}">
-        <p14:creationId xmlns:p14="http://schemas.microsoft.com/office/powerpoint/2010/main" val="2331921382"/>
+        <p14:creationId xmlns:p14="http://schemas.microsoft.com/office/powerpoint/2010/main" val="1836865421"/>
       </p:ext>
     </p:extLst>
   </p:cSld>
@@ -22706,13 +22819,6 @@
   <p:transition>
     <p:fade/>
   </p:transition>
-  <p:timing>
-    <p:tnLst>
-      <p:par>
-        <p:cTn id="1" dur="indefinite" restart="never" nodeType="tmRoot"/>
-      </p:par>
-    </p:tnLst>
-  </p:timing>
 </p:sld>
 </file>
 
@@ -22769,7 +22875,7 @@
         <p:spPr>
           <a:xfrm>
             <a:off x="519112" y="1447799"/>
-            <a:ext cx="11149013" cy="4570482"/>
+            <a:ext cx="11149013" cy="2446824"/>
           </a:xfrm>
         </p:spPr>
         <p:txBody>
@@ -22781,9 +22887,14 @@
               <a:buChar char="•"/>
             </a:pPr>
             <a:r>
+              <a:rPr lang="en-AU" dirty="0"/>
+              <a:t>Pay for </a:t>
+            </a:r>
+            <a:r>
               <a:rPr lang="en-AU" dirty="0" smtClean="0"/>
-              <a:t>Latest version of SQL Server</a:t>
-            </a:r>
+              <a:t>use (don’t need to buy a license)</a:t>
+            </a:r>
+            <a:endParaRPr lang="en-AU" dirty="0"/>
           </a:p>
           <a:p>
             <a:pPr marL="574675" indent="-571500">
@@ -22792,7 +22903,15 @@
             </a:pPr>
             <a:r>
               <a:rPr lang="en-AU" dirty="0" smtClean="0"/>
-              <a:t>Quick to provision</a:t>
+              <a:t>You </a:t>
+            </a:r>
+            <a:r>
+              <a:rPr lang="en-AU" dirty="0" smtClean="0"/>
+              <a:t>can store backups in Blob storage on the other side of the world </a:t>
+            </a:r>
+            <a:r>
+              <a:rPr lang="en-AU" dirty="0" smtClean="0"/>
+              <a:t>easily</a:t>
             </a:r>
           </a:p>
           <a:p>
@@ -22802,59 +22921,16 @@
             </a:pPr>
             <a:r>
               <a:rPr lang="en-AU" dirty="0" smtClean="0"/>
-              <a:t>Managed service – ops taken care of</a:t>
-            </a:r>
-          </a:p>
-          <a:p>
-            <a:pPr marL="574675" indent="-571500">
-              <a:buFont typeface="Arial" panose="020B0604020202020204" pitchFamily="34" charset="0"/>
-              <a:buChar char="•"/>
-            </a:pPr>
-            <a:r>
-              <a:rPr lang="en-AU" dirty="0"/>
-              <a:t>State-of-the-art datacentre and security</a:t>
-            </a:r>
-          </a:p>
-          <a:p>
-            <a:pPr marL="574675" indent="-571500">
-              <a:buFont typeface="Arial" panose="020B0604020202020204" pitchFamily="34" charset="0"/>
-              <a:buChar char="•"/>
-            </a:pPr>
-            <a:r>
-              <a:rPr lang="en-AU" dirty="0" smtClean="0"/>
-              <a:t>Highly available and backed by SLA</a:t>
-            </a:r>
-          </a:p>
-          <a:p>
-            <a:pPr marL="574675" indent="-571500">
-              <a:buFont typeface="Arial" panose="020B0604020202020204" pitchFamily="34" charset="0"/>
-              <a:buChar char="•"/>
-            </a:pPr>
-            <a:r>
-              <a:rPr lang="en-AU" dirty="0" smtClean="0"/>
-              <a:t>Rich programmatic management / provisioning</a:t>
-            </a:r>
-          </a:p>
-          <a:p>
-            <a:pPr marL="574675" indent="-571500">
-              <a:buFont typeface="Arial" panose="020B0604020202020204" pitchFamily="34" charset="0"/>
-              <a:buChar char="•"/>
-            </a:pPr>
-            <a:r>
-              <a:rPr lang="en-AU" dirty="0" err="1" smtClean="0"/>
-              <a:t>DoS</a:t>
-            </a:r>
-            <a:r>
-              <a:rPr lang="en-AU" dirty="0" smtClean="0"/>
-              <a:t> protection</a:t>
-            </a:r>
+              <a:t>Existing tools / libs can connect to it</a:t>
+            </a:r>
+            <a:endParaRPr lang="en-AU" dirty="0"/>
           </a:p>
         </p:txBody>
       </p:sp>
     </p:spTree>
     <p:extLst>
       <p:ext uri="{BB962C8B-B14F-4D97-AF65-F5344CB8AC3E}">
-        <p14:creationId xmlns:p14="http://schemas.microsoft.com/office/powerpoint/2010/main" val="1836865421"/>
+        <p14:creationId xmlns:p14="http://schemas.microsoft.com/office/powerpoint/2010/main" val="3616795275"/>
       </p:ext>
     </p:extLst>
   </p:cSld>
@@ -22901,7 +22977,7 @@
           <a:p>
             <a:r>
               <a:rPr lang="en-AU" dirty="0" smtClean="0"/>
-              <a:t>Pros</a:t>
+              <a:t>Differences</a:t>
             </a:r>
             <a:endParaRPr lang="en-AU" dirty="0"/>
           </a:p>
@@ -22920,7 +22996,7 @@
         <p:spPr>
           <a:xfrm>
             <a:off x="519112" y="1447799"/>
-            <a:ext cx="11149013" cy="5009064"/>
+            <a:ext cx="11149013" cy="3901068"/>
           </a:xfrm>
         </p:spPr>
         <p:txBody>
@@ -22932,14 +23008,17 @@
               <a:buChar char="•"/>
             </a:pPr>
             <a:r>
+              <a:rPr lang="en-AU" dirty="0" smtClean="0"/>
+              <a:t>Must </a:t>
+            </a:r>
+            <a:r>
               <a:rPr lang="en-AU" dirty="0"/>
-              <a:t>Pay for </a:t>
+              <a:t>have single clustered index on all </a:t>
             </a:r>
             <a:r>
               <a:rPr lang="en-AU" dirty="0" smtClean="0"/>
-              <a:t>use (don’t need to buy a license)</a:t>
-            </a:r>
-            <a:endParaRPr lang="en-AU" dirty="0"/>
+              <a:t>tables</a:t>
+            </a:r>
           </a:p>
           <a:p>
             <a:pPr marL="574675" indent="-571500">
@@ -22947,9 +23026,10 @@
               <a:buChar char="•"/>
             </a:pPr>
             <a:r>
-              <a:rPr lang="en-AU" dirty="0"/>
-              <a:t>Ability to scale data use over time</a:t>
-            </a:r>
+              <a:rPr lang="en-AU" dirty="0" smtClean="0"/>
+              <a:t>Subset of TSQL  for SQL Server</a:t>
+            </a:r>
+            <a:endParaRPr lang="en-AU" dirty="0"/>
           </a:p>
           <a:p>
             <a:pPr marL="574675" indent="-571500">
@@ -22957,8 +23037,8 @@
               <a:buChar char="•"/>
             </a:pPr>
             <a:r>
-              <a:rPr lang="en-AU" dirty="0" smtClean="0"/>
-              <a:t>Federations for easy horizontal scaling</a:t>
+              <a:rPr lang="en-AU" dirty="0"/>
+              <a:t>Subset of system views available</a:t>
             </a:r>
           </a:p>
           <a:p>
@@ -22967,14 +23047,13 @@
               <a:buChar char="•"/>
             </a:pPr>
             <a:r>
+              <a:rPr lang="en-AU" dirty="0"/>
+              <a:t>Connections will be automatically </a:t>
+            </a:r>
+            <a:r>
               <a:rPr lang="en-AU" dirty="0" smtClean="0"/>
-              <a:t>SQL Azure Data Sync provides easy way of syncing data to/from </a:t>
-            </a:r>
-            <a:r>
-              <a:rPr lang="en-AU" dirty="0" err="1" smtClean="0"/>
-              <a:t>on-premise</a:t>
-            </a:r>
-            <a:endParaRPr lang="en-AU" dirty="0" smtClean="0"/>
+              <a:t>closed</a:t>
+            </a:r>
           </a:p>
           <a:p>
             <a:pPr marL="574675" indent="-571500">
@@ -22983,18 +23062,19 @@
             </a:pPr>
             <a:r>
               <a:rPr lang="en-AU" dirty="0" smtClean="0"/>
-              <a:t>You can store backups in Blob storage on the other side of the world easily</a:t>
-            </a:r>
-          </a:p>
-          <a:p>
-            <a:pPr marL="574675" indent="-571500">
-              <a:buFont typeface="Arial" panose="020B0604020202020204" pitchFamily="34" charset="0"/>
-              <a:buChar char="•"/>
-            </a:pPr>
+              <a:t>Logical </a:t>
+            </a:r>
+            <a:r>
+              <a:rPr lang="en-AU" dirty="0" err="1" smtClean="0"/>
+              <a:t>vs</a:t>
+            </a:r>
             <a:r>
               <a:rPr lang="en-AU" dirty="0" smtClean="0"/>
-              <a:t>Existing tools / libs can connect to it</a:t>
-            </a:r>
+              <a:t> Physical Administration</a:t>
+            </a:r>
+            <a:endParaRPr lang="en-AU" dirty="0"/>
+          </a:p>
+          <a:p>
             <a:endParaRPr lang="en-AU" dirty="0"/>
           </a:p>
         </p:txBody>
@@ -23002,7 +23082,7 @@
     </p:spTree>
     <p:extLst>
       <p:ext uri="{BB962C8B-B14F-4D97-AF65-F5344CB8AC3E}">
-        <p14:creationId xmlns:p14="http://schemas.microsoft.com/office/powerpoint/2010/main" val="3616795275"/>
+        <p14:creationId xmlns:p14="http://schemas.microsoft.com/office/powerpoint/2010/main" val="429278733"/>
       </p:ext>
     </p:extLst>
   </p:cSld>
@@ -23049,7 +23129,7 @@
           <a:p>
             <a:r>
               <a:rPr lang="en-AU" dirty="0" smtClean="0"/>
-              <a:t>Differences</a:t>
+              <a:t>Cons</a:t>
             </a:r>
             <a:endParaRPr lang="en-AU" dirty="0"/>
           </a:p>
@@ -23068,7 +23148,7 @@
         <p:spPr>
           <a:xfrm>
             <a:off x="519112" y="1447799"/>
-            <a:ext cx="11149013" cy="4570482"/>
+            <a:ext cx="11149013" cy="3901068"/>
           </a:xfrm>
         </p:spPr>
         <p:txBody>
@@ -23080,8 +23160,8 @@
               <a:buChar char="•"/>
             </a:pPr>
             <a:r>
-              <a:rPr lang="en-AU" dirty="0" smtClean="0"/>
-              <a:t>No use command – one database per connection</a:t>
+              <a:rPr lang="en-AU" dirty="0"/>
+              <a:t>Max 150 GB</a:t>
             </a:r>
           </a:p>
           <a:p>
@@ -23091,8 +23171,9 @@
             </a:pPr>
             <a:r>
               <a:rPr lang="en-AU" dirty="0" smtClean="0"/>
-              <a:t>No distributed transactions</a:t>
-            </a:r>
+              <a:t>No performance guarantees</a:t>
+            </a:r>
+            <a:endParaRPr lang="en-AU" dirty="0" smtClean="0"/>
           </a:p>
           <a:p>
             <a:pPr marL="574675" indent="-571500">
@@ -23101,11 +23182,7 @@
             </a:pPr>
             <a:r>
               <a:rPr lang="en-AU" dirty="0" smtClean="0"/>
-              <a:t>No distributed </a:t>
-            </a:r>
-            <a:r>
-              <a:rPr lang="en-AU" dirty="0"/>
-              <a:t>views</a:t>
+              <a:t>Feature limitations</a:t>
             </a:r>
           </a:p>
           <a:p>
@@ -23115,12 +23192,17 @@
             </a:pPr>
             <a:r>
               <a:rPr lang="en-AU" dirty="0" smtClean="0"/>
-              <a:t>No service </a:t>
+              <a:t>No long-running </a:t>
             </a:r>
             <a:r>
               <a:rPr lang="en-AU" dirty="0"/>
-              <a:t>Broker</a:t>
-            </a:r>
+              <a:t>queries </a:t>
+            </a:r>
+            <a:r>
+              <a:rPr lang="en-AU" dirty="0" smtClean="0"/>
+              <a:t>/ transactions</a:t>
+            </a:r>
+            <a:endParaRPr lang="en-AU" dirty="0"/>
           </a:p>
           <a:p>
             <a:pPr marL="574675" indent="-571500">
@@ -23129,49 +23211,23 @@
             </a:pPr>
             <a:r>
               <a:rPr lang="en-AU" dirty="0" smtClean="0"/>
-              <a:t>No Common </a:t>
-            </a:r>
-            <a:r>
-              <a:rPr lang="en-AU" dirty="0"/>
-              <a:t>Language Runtime (CLR</a:t>
-            </a:r>
-            <a:r>
-              <a:rPr lang="en-AU" dirty="0" smtClean="0"/>
-              <a:t>)</a:t>
-            </a:r>
-            <a:endParaRPr lang="en-AU" dirty="0"/>
+              <a:t>Backups</a:t>
+            </a:r>
+            <a:endParaRPr lang="en-AU" dirty="0" smtClean="0"/>
           </a:p>
           <a:p>
             <a:pPr marL="574675" indent="-571500">
               <a:buFont typeface="Arial" panose="020B0604020202020204" pitchFamily="34" charset="0"/>
               <a:buChar char="•"/>
             </a:pPr>
-            <a:r>
-              <a:rPr lang="en-AU" dirty="0" smtClean="0"/>
-              <a:t>No SQL </a:t>
-            </a:r>
-            <a:r>
-              <a:rPr lang="en-AU" dirty="0"/>
-              <a:t>Agent</a:t>
-            </a:r>
-          </a:p>
-          <a:p>
-            <a:pPr marL="574675" indent="-571500">
-              <a:buFont typeface="Arial" panose="020B0604020202020204" pitchFamily="34" charset="0"/>
-              <a:buChar char="•"/>
-            </a:pPr>
-            <a:r>
-              <a:rPr lang="en-AU" dirty="0" smtClean="0"/>
-              <a:t>No Native Encryption (TDE)</a:t>
-            </a:r>
-            <a:endParaRPr lang="en-AU" dirty="0"/>
+            <a:endParaRPr lang="en-AU" dirty="0" smtClean="0"/>
           </a:p>
         </p:txBody>
       </p:sp>
     </p:spTree>
     <p:extLst>
       <p:ext uri="{BB962C8B-B14F-4D97-AF65-F5344CB8AC3E}">
-        <p14:creationId xmlns:p14="http://schemas.microsoft.com/office/powerpoint/2010/main" val="3196573837"/>
+        <p14:creationId xmlns:p14="http://schemas.microsoft.com/office/powerpoint/2010/main" val="2470106224"/>
       </p:ext>
     </p:extLst>
   </p:cSld>
@@ -23217,116 +23273,876 @@
           <a:lstStyle/>
           <a:p>
             <a:r>
-              <a:rPr lang="en-AU" dirty="0" smtClean="0"/>
-              <a:t>Differences</a:t>
-            </a:r>
-            <a:endParaRPr lang="en-AU" dirty="0"/>
+              <a:rPr lang="en-US" dirty="0" smtClean="0"/>
+              <a:t>Connection String</a:t>
+            </a:r>
+            <a:endParaRPr lang="en-US" dirty="0">
+              <a:solidFill>
+                <a:srgbClr val="92D050"/>
+              </a:solidFill>
+            </a:endParaRPr>
           </a:p>
         </p:txBody>
       </p:sp>
       <p:sp>
         <p:nvSpPr>
-          <p:cNvPr id="3" name="Text Placeholder 2"/>
-          <p:cNvSpPr>
-            <a:spLocks noGrp="1"/>
+          <p:cNvPr id="8" name="Content Placeholder 2"/>
+          <p:cNvSpPr txBox="1">
+            <a:spLocks/>
           </p:cNvSpPr>
-          <p:nvPr>
-            <p:ph type="body" sz="quarter" idx="10"/>
-          </p:nvPr>
+          <p:nvPr/>
         </p:nvSpPr>
         <p:spPr>
           <a:xfrm>
-            <a:off x="519112" y="1447799"/>
-            <a:ext cx="11149013" cy="5239896"/>
+            <a:off x="520701" y="1434269"/>
+            <a:ext cx="5573712" cy="5055230"/>
           </a:xfrm>
+          <a:prstGeom prst="rect">
+            <a:avLst/>
+          </a:prstGeom>
         </p:spPr>
         <p:txBody>
-          <a:bodyPr/>
+          <a:bodyPr lIns="0" tIns="0" rIns="0" bIns="0"/>
+          <a:lstStyle>
+            <a:lvl1pPr marL="460375" indent="-460375" algn="l" defTabSz="914363" rtl="0" eaLnBrk="1" latinLnBrk="0" hangingPunct="1">
+              <a:lnSpc>
+                <a:spcPct val="90000"/>
+              </a:lnSpc>
+              <a:spcBef>
+                <a:spcPct val="20000"/>
+              </a:spcBef>
+              <a:buSzPct val="80000"/>
+              <a:buFont typeface="Arial" pitchFamily="34" charset="0"/>
+              <a:buChar char="•"/>
+              <a:defRPr sz="3200" kern="1200">
+                <a:gradFill>
+                  <a:gsLst>
+                    <a:gs pos="0">
+                      <a:srgbClr val="595959"/>
+                    </a:gs>
+                    <a:gs pos="86000">
+                      <a:srgbClr val="595959"/>
+                    </a:gs>
+                  </a:gsLst>
+                  <a:lin ang="5400000" scaled="0"/>
+                </a:gradFill>
+                <a:latin typeface="+mn-lt"/>
+                <a:ea typeface="+mn-ea"/>
+                <a:cs typeface="+mn-cs"/>
+              </a:defRPr>
+            </a:lvl1pPr>
+            <a:lvl2pPr marL="855663" indent="-395288" algn="l" defTabSz="914363" rtl="0" eaLnBrk="1" latinLnBrk="0" hangingPunct="1">
+              <a:lnSpc>
+                <a:spcPct val="90000"/>
+              </a:lnSpc>
+              <a:spcBef>
+                <a:spcPct val="20000"/>
+              </a:spcBef>
+              <a:buSzPct val="80000"/>
+              <a:buFont typeface="Arial" pitchFamily="34" charset="0"/>
+              <a:buChar char="•"/>
+              <a:defRPr sz="2800" kern="1200">
+                <a:gradFill>
+                  <a:gsLst>
+                    <a:gs pos="0">
+                      <a:srgbClr val="595959"/>
+                    </a:gs>
+                    <a:gs pos="86000">
+                      <a:srgbClr val="595959"/>
+                    </a:gs>
+                  </a:gsLst>
+                  <a:lin ang="5400000" scaled="0"/>
+                </a:gradFill>
+                <a:latin typeface="+mn-lt"/>
+                <a:ea typeface="+mn-ea"/>
+                <a:cs typeface="+mn-cs"/>
+              </a:defRPr>
+            </a:lvl2pPr>
+            <a:lvl3pPr marL="1258888" indent="-403225" algn="l" defTabSz="914363" rtl="0" eaLnBrk="1" latinLnBrk="0" hangingPunct="1">
+              <a:lnSpc>
+                <a:spcPct val="90000"/>
+              </a:lnSpc>
+              <a:spcBef>
+                <a:spcPct val="20000"/>
+              </a:spcBef>
+              <a:buSzPct val="80000"/>
+              <a:buFont typeface="Arial" pitchFamily="34" charset="0"/>
+              <a:buChar char="•"/>
+              <a:defRPr sz="2400" kern="1200">
+                <a:gradFill>
+                  <a:gsLst>
+                    <a:gs pos="0">
+                      <a:srgbClr val="595959"/>
+                    </a:gs>
+                    <a:gs pos="86000">
+                      <a:srgbClr val="595959"/>
+                    </a:gs>
+                  </a:gsLst>
+                  <a:lin ang="5400000" scaled="0"/>
+                </a:gradFill>
+                <a:latin typeface="+mn-lt"/>
+                <a:ea typeface="+mn-ea"/>
+                <a:cs typeface="+mn-cs"/>
+              </a:defRPr>
+            </a:lvl3pPr>
+            <a:lvl4pPr marL="1604963" indent="-346075" algn="l" defTabSz="914363" rtl="0" eaLnBrk="1" latinLnBrk="0" hangingPunct="1">
+              <a:lnSpc>
+                <a:spcPct val="90000"/>
+              </a:lnSpc>
+              <a:spcBef>
+                <a:spcPct val="20000"/>
+              </a:spcBef>
+              <a:buSzPct val="80000"/>
+              <a:buFont typeface="Arial" pitchFamily="34" charset="0"/>
+              <a:buChar char="•"/>
+              <a:defRPr sz="2000" kern="1200">
+                <a:gradFill>
+                  <a:gsLst>
+                    <a:gs pos="0">
+                      <a:srgbClr val="595959"/>
+                    </a:gs>
+                    <a:gs pos="86000">
+                      <a:srgbClr val="595959"/>
+                    </a:gs>
+                  </a:gsLst>
+                  <a:lin ang="5400000" scaled="0"/>
+                </a:gradFill>
+                <a:latin typeface="+mn-lt"/>
+                <a:ea typeface="+mn-ea"/>
+                <a:cs typeface="+mn-cs"/>
+              </a:defRPr>
+            </a:lvl4pPr>
+            <a:lvl5pPr marL="1941513" indent="-336550" algn="l" defTabSz="914363" rtl="0" eaLnBrk="1" latinLnBrk="0" hangingPunct="1">
+              <a:lnSpc>
+                <a:spcPct val="90000"/>
+              </a:lnSpc>
+              <a:spcBef>
+                <a:spcPct val="20000"/>
+              </a:spcBef>
+              <a:buSzPct val="80000"/>
+              <a:buFont typeface="Arial" pitchFamily="34" charset="0"/>
+              <a:buChar char="•"/>
+              <a:defRPr sz="2000" kern="1200">
+                <a:gradFill>
+                  <a:gsLst>
+                    <a:gs pos="0">
+                      <a:srgbClr val="595959"/>
+                    </a:gs>
+                    <a:gs pos="86000">
+                      <a:srgbClr val="595959"/>
+                    </a:gs>
+                  </a:gsLst>
+                  <a:lin ang="5400000" scaled="0"/>
+                </a:gradFill>
+                <a:latin typeface="+mn-lt"/>
+                <a:ea typeface="+mn-ea"/>
+                <a:cs typeface="+mn-cs"/>
+              </a:defRPr>
+            </a:lvl5pPr>
+            <a:lvl6pPr marL="2514499" indent="-228591" algn="l" defTabSz="914363" rtl="0" eaLnBrk="1" latinLnBrk="0" hangingPunct="1">
+              <a:spcBef>
+                <a:spcPct val="20000"/>
+              </a:spcBef>
+              <a:buFont typeface="Arial" pitchFamily="34" charset="0"/>
+              <a:buChar char="•"/>
+              <a:defRPr sz="2000" kern="1200">
+                <a:solidFill>
+                  <a:schemeClr val="tx1"/>
+                </a:solidFill>
+                <a:latin typeface="+mn-lt"/>
+                <a:ea typeface="+mn-ea"/>
+                <a:cs typeface="+mn-cs"/>
+              </a:defRPr>
+            </a:lvl6pPr>
+            <a:lvl7pPr marL="2971681" indent="-228591" algn="l" defTabSz="914363" rtl="0" eaLnBrk="1" latinLnBrk="0" hangingPunct="1">
+              <a:spcBef>
+                <a:spcPct val="20000"/>
+              </a:spcBef>
+              <a:buFont typeface="Arial" pitchFamily="34" charset="0"/>
+              <a:buChar char="•"/>
+              <a:defRPr sz="2000" kern="1200">
+                <a:solidFill>
+                  <a:schemeClr val="tx1"/>
+                </a:solidFill>
+                <a:latin typeface="+mn-lt"/>
+                <a:ea typeface="+mn-ea"/>
+                <a:cs typeface="+mn-cs"/>
+              </a:defRPr>
+            </a:lvl7pPr>
+            <a:lvl8pPr marL="3428863" indent="-228591" algn="l" defTabSz="914363" rtl="0" eaLnBrk="1" latinLnBrk="0" hangingPunct="1">
+              <a:spcBef>
+                <a:spcPct val="20000"/>
+              </a:spcBef>
+              <a:buFont typeface="Arial" pitchFamily="34" charset="0"/>
+              <a:buChar char="•"/>
+              <a:defRPr sz="2000" kern="1200">
+                <a:solidFill>
+                  <a:schemeClr val="tx1"/>
+                </a:solidFill>
+                <a:latin typeface="+mn-lt"/>
+                <a:ea typeface="+mn-ea"/>
+                <a:cs typeface="+mn-cs"/>
+              </a:defRPr>
+            </a:lvl8pPr>
+            <a:lvl9pPr marL="3886045" indent="-228591" algn="l" defTabSz="914363" rtl="0" eaLnBrk="1" latinLnBrk="0" hangingPunct="1">
+              <a:spcBef>
+                <a:spcPct val="20000"/>
+              </a:spcBef>
+              <a:buFont typeface="Arial" pitchFamily="34" charset="0"/>
+              <a:buChar char="•"/>
+              <a:defRPr sz="2000" kern="1200">
+                <a:solidFill>
+                  <a:schemeClr val="tx1"/>
+                </a:solidFill>
+                <a:latin typeface="+mn-lt"/>
+                <a:ea typeface="+mn-ea"/>
+                <a:cs typeface="+mn-cs"/>
+              </a:defRPr>
+            </a:lvl9pPr>
+          </a:lstStyle>
+          <a:p>
+            <a:pPr marL="3175" indent="0" defTabSz="914325">
+              <a:spcBef>
+                <a:spcPts val="0"/>
+              </a:spcBef>
+              <a:spcAft>
+                <a:spcPts val="300"/>
+              </a:spcAft>
+              <a:buNone/>
+            </a:pPr>
+            <a:r>
+              <a:rPr lang="en-US" sz="4000" spc="-100" dirty="0">
+                <a:solidFill>
+                  <a:schemeClr val="accent2">
+                    <a:alpha val="99000"/>
+                  </a:schemeClr>
+                </a:solidFill>
+                <a:latin typeface="Segoe UI Light" pitchFamily="34" charset="0"/>
+              </a:rPr>
+              <a:t>Connecting </a:t>
+            </a:r>
+            <a:r>
+              <a:rPr lang="en-US" sz="4000" spc="-100" dirty="0" smtClean="0">
+                <a:solidFill>
+                  <a:schemeClr val="accent2">
+                    <a:alpha val="99000"/>
+                  </a:schemeClr>
+                </a:solidFill>
+                <a:latin typeface="Segoe UI Light" pitchFamily="34" charset="0"/>
+              </a:rPr>
+              <a:t>To SQL Database</a:t>
+            </a:r>
+            <a:endParaRPr lang="en-US" sz="4000" spc="-100" dirty="0">
+              <a:solidFill>
+                <a:schemeClr val="accent2">
+                  <a:alpha val="99000"/>
+                </a:schemeClr>
+              </a:solidFill>
+              <a:latin typeface="Segoe UI Light" pitchFamily="34" charset="0"/>
+            </a:endParaRPr>
+          </a:p>
+          <a:p>
+            <a:pPr marL="234950" lvl="1" indent="-231775" defTabSz="914325">
+              <a:spcBef>
+                <a:spcPts val="900"/>
+              </a:spcBef>
+              <a:buClr>
+                <a:schemeClr val="accent6"/>
+              </a:buClr>
+              <a:buFont typeface="+mj-lt"/>
+              <a:buAutoNum type="arabicPeriod"/>
+            </a:pPr>
+            <a:r>
+              <a:rPr lang="en-US" spc="-51" dirty="0"/>
+              <a:t>TDS (Tabular Data Stream) protocol over </a:t>
+            </a:r>
+            <a:r>
+              <a:rPr lang="en-US" spc="-51" dirty="0" smtClean="0"/>
+              <a:t>TCP/IP</a:t>
+            </a:r>
+            <a:endParaRPr lang="en-US" spc="-51" dirty="0"/>
+          </a:p>
+          <a:p>
+            <a:pPr marL="234950" lvl="1" indent="-231775" defTabSz="914325">
+              <a:spcBef>
+                <a:spcPts val="900"/>
+              </a:spcBef>
+              <a:buClr>
+                <a:schemeClr val="accent6"/>
+              </a:buClr>
+              <a:buFont typeface="+mj-lt"/>
+              <a:buAutoNum type="arabicPeriod"/>
+            </a:pPr>
+            <a:r>
+              <a:rPr lang="en-US" spc="-51" dirty="0"/>
+              <a:t>SSL </a:t>
+            </a:r>
+            <a:r>
+              <a:rPr lang="en-US" spc="-51" dirty="0" smtClean="0"/>
+              <a:t>is required</a:t>
+            </a:r>
+          </a:p>
+          <a:p>
+            <a:pPr marL="234950" lvl="1" indent="-231775" defTabSz="914325">
+              <a:spcBef>
+                <a:spcPts val="900"/>
+              </a:spcBef>
+              <a:buClr>
+                <a:schemeClr val="accent6"/>
+              </a:buClr>
+              <a:buFont typeface="+mj-lt"/>
+              <a:buAutoNum type="arabicPeriod"/>
+            </a:pPr>
+            <a:r>
+              <a:rPr lang="en-US" spc="-51" dirty="0" smtClean="0"/>
+              <a:t>SQL server authentication only</a:t>
+            </a:r>
+            <a:endParaRPr lang="en-US" spc="-51" dirty="0"/>
+          </a:p>
+          <a:p>
+            <a:pPr marL="234950" lvl="1" indent="-231775" defTabSz="914325">
+              <a:spcBef>
+                <a:spcPts val="900"/>
+              </a:spcBef>
+              <a:buClr>
+                <a:schemeClr val="accent6"/>
+              </a:buClr>
+              <a:buFont typeface="+mj-lt"/>
+              <a:buAutoNum type="arabicPeriod"/>
+            </a:pPr>
+            <a:r>
+              <a:rPr lang="en-US" spc="-51" dirty="0" smtClean="0"/>
+              <a:t>Add any non-Azure client IP address to the firewall</a:t>
+            </a:r>
+            <a:endParaRPr lang="en-US" spc="-51" dirty="0"/>
+          </a:p>
+        </p:txBody>
+      </p:sp>
+      <p:sp>
+        <p:nvSpPr>
+          <p:cNvPr id="10" name="TextBox 9"/>
+          <p:cNvSpPr txBox="1"/>
+          <p:nvPr/>
+        </p:nvSpPr>
+        <p:spPr>
+          <a:xfrm>
+            <a:off x="6299200" y="2710354"/>
+            <a:ext cx="5626100" cy="2462213"/>
+          </a:xfrm>
+          <a:prstGeom prst="rect">
+            <a:avLst/>
+          </a:prstGeom>
+          <a:noFill/>
+          <a:ln>
+            <a:solidFill>
+              <a:schemeClr val="accent2"/>
+            </a:solidFill>
+          </a:ln>
+        </p:spPr>
+        <p:txBody>
+          <a:bodyPr wrap="square" lIns="91440" tIns="0" rIns="0" bIns="0" rtlCol="0">
+            <a:spAutoFit/>
+          </a:bodyPr>
           <a:lstStyle/>
           <a:p>
-            <a:pPr marL="574675" indent="-571500">
-              <a:buFont typeface="Arial" panose="020B0604020202020204" pitchFamily="34" charset="0"/>
-              <a:buChar char="•"/>
-            </a:pPr>
-            <a:r>
-              <a:rPr lang="en-AU" dirty="0"/>
-              <a:t>Different backup / restore</a:t>
-            </a:r>
-          </a:p>
-          <a:p>
-            <a:pPr marL="574675" indent="-571500">
-              <a:buFont typeface="Arial" panose="020B0604020202020204" pitchFamily="34" charset="0"/>
-              <a:buChar char="•"/>
-            </a:pPr>
-            <a:r>
-              <a:rPr lang="en-AU" dirty="0"/>
-              <a:t>No transactional replication or log shipping</a:t>
-            </a:r>
-          </a:p>
-          <a:p>
-            <a:pPr marL="574675" indent="-571500">
-              <a:buFont typeface="Arial" panose="020B0604020202020204" pitchFamily="34" charset="0"/>
-              <a:buChar char="•"/>
-            </a:pPr>
-            <a:r>
-              <a:rPr lang="en-AU" dirty="0"/>
-              <a:t>Must have single clustered index on all tables</a:t>
-            </a:r>
-          </a:p>
-          <a:p>
-            <a:pPr marL="574675" indent="-571500">
-              <a:buFont typeface="Arial" panose="020B0604020202020204" pitchFamily="34" charset="0"/>
-              <a:buChar char="•"/>
-            </a:pPr>
-            <a:r>
-              <a:rPr lang="en-AU" dirty="0"/>
-              <a:t>Subset of system views available</a:t>
-            </a:r>
-          </a:p>
-          <a:p>
-            <a:pPr marL="574675" indent="-571500">
-              <a:buFont typeface="Arial" panose="020B0604020202020204" pitchFamily="34" charset="0"/>
-              <a:buChar char="•"/>
-            </a:pPr>
-            <a:r>
-              <a:rPr lang="en-AU" dirty="0"/>
-              <a:t>Connections will be automatically closed</a:t>
-            </a:r>
-          </a:p>
-          <a:p>
-            <a:pPr marL="574675" indent="-571500">
-              <a:buFont typeface="Arial" panose="020B0604020202020204" pitchFamily="34" charset="0"/>
-              <a:buChar char="•"/>
-            </a:pPr>
-            <a:r>
-              <a:rPr lang="en-AU" dirty="0"/>
-              <a:t>No </a:t>
-            </a:r>
-            <a:r>
-              <a:rPr lang="en-AU" dirty="0" smtClean="0"/>
-              <a:t>SSIS</a:t>
-            </a:r>
-          </a:p>
-          <a:p>
-            <a:pPr marL="574675" indent="-571500">
-              <a:buFont typeface="Arial" panose="020B0604020202020204" pitchFamily="34" charset="0"/>
-              <a:buChar char="•"/>
-            </a:pPr>
-            <a:r>
-              <a:rPr lang="en-AU" dirty="0" smtClean="0"/>
-              <a:t>No integrated security</a:t>
-            </a:r>
-            <a:endParaRPr lang="en-AU" dirty="0"/>
-          </a:p>
-          <a:p>
-            <a:endParaRPr lang="en-AU" dirty="0"/>
+            <a:r>
+              <a:rPr lang="en-US" sz="1600" dirty="0">
+                <a:solidFill>
+                  <a:srgbClr val="0000FF"/>
+                </a:solidFill>
+                <a:latin typeface="Consolas"/>
+              </a:rPr>
+              <a:t>&lt;</a:t>
+            </a:r>
+            <a:r>
+              <a:rPr lang="en-US" sz="1600" dirty="0">
+                <a:solidFill>
+                  <a:srgbClr val="A31515"/>
+                </a:solidFill>
+                <a:latin typeface="Consolas"/>
+              </a:rPr>
+              <a:t>connectionStrings</a:t>
+            </a:r>
+            <a:r>
+              <a:rPr lang="en-US" sz="1600" dirty="0">
+                <a:solidFill>
+                  <a:srgbClr val="0000FF"/>
+                </a:solidFill>
+                <a:latin typeface="Consolas"/>
+              </a:rPr>
+              <a:t>&gt;</a:t>
+            </a:r>
+            <a:endParaRPr lang="en-US" sz="800" dirty="0">
+              <a:latin typeface="Segoe UI" pitchFamily="34" charset="0"/>
+              <a:ea typeface="Segoe UI" pitchFamily="34" charset="0"/>
+            </a:endParaRPr>
+          </a:p>
+          <a:p>
+            <a:r>
+              <a:rPr lang="en-US" sz="1600" dirty="0">
+                <a:solidFill>
+                  <a:srgbClr val="0000FF"/>
+                </a:solidFill>
+                <a:latin typeface="Consolas"/>
+              </a:rPr>
+              <a:t>&lt;</a:t>
+            </a:r>
+            <a:r>
+              <a:rPr lang="en-US" sz="1600" dirty="0" smtClean="0">
+                <a:solidFill>
+                  <a:srgbClr val="A31515"/>
+                </a:solidFill>
+                <a:latin typeface="Consolas"/>
+              </a:rPr>
+              <a:t>add </a:t>
+            </a:r>
+            <a:r>
+              <a:rPr lang="en-US" sz="1600" dirty="0" smtClean="0">
+                <a:solidFill>
+                  <a:srgbClr val="FF0000"/>
+                </a:solidFill>
+                <a:latin typeface="Consolas"/>
+              </a:rPr>
+              <a:t>name</a:t>
+            </a:r>
+            <a:r>
+              <a:rPr lang="en-US" sz="1600" dirty="0">
+                <a:solidFill>
+                  <a:srgbClr val="0000FF"/>
+                </a:solidFill>
+                <a:latin typeface="Consolas"/>
+              </a:rPr>
+              <a:t>=</a:t>
+            </a:r>
+            <a:r>
+              <a:rPr lang="en-US" sz="1600" dirty="0">
+                <a:solidFill>
+                  <a:srgbClr val="000000"/>
+                </a:solidFill>
+                <a:latin typeface="Consolas"/>
+              </a:rPr>
+              <a:t>"</a:t>
+            </a:r>
+            <a:r>
+              <a:rPr lang="en-US" sz="1600" dirty="0" err="1" smtClean="0">
+                <a:solidFill>
+                  <a:srgbClr val="0000FF"/>
+                </a:solidFill>
+                <a:latin typeface="Consolas"/>
+              </a:rPr>
+              <a:t>AdventureWorks</a:t>
+            </a:r>
+            <a:r>
+              <a:rPr lang="en-US" sz="1600" dirty="0">
+                <a:solidFill>
+                  <a:srgbClr val="000000"/>
+                </a:solidFill>
+                <a:latin typeface="Consolas"/>
+              </a:rPr>
+              <a:t>" </a:t>
+            </a:r>
+            <a:r>
+              <a:rPr lang="en-US" sz="1600" dirty="0" err="1" smtClean="0">
+                <a:solidFill>
+                  <a:srgbClr val="FF0000"/>
+                </a:solidFill>
+                <a:latin typeface="Consolas"/>
+              </a:rPr>
+              <a:t>connectionString</a:t>
+            </a:r>
+            <a:r>
+              <a:rPr lang="en-US" sz="1600" dirty="0" smtClean="0">
+                <a:solidFill>
+                  <a:srgbClr val="0000FF"/>
+                </a:solidFill>
+                <a:latin typeface="Consolas"/>
+              </a:rPr>
+              <a:t>=</a:t>
+            </a:r>
+            <a:r>
+              <a:rPr lang="en-US" sz="1600" dirty="0">
+                <a:solidFill>
+                  <a:srgbClr val="000000"/>
+                </a:solidFill>
+                <a:latin typeface="Consolas"/>
+              </a:rPr>
+              <a:t>"</a:t>
+            </a:r>
+            <a:endParaRPr lang="en-US" sz="1600" dirty="0" smtClean="0">
+              <a:solidFill>
+                <a:srgbClr val="000000"/>
+              </a:solidFill>
+              <a:latin typeface="Consolas"/>
+            </a:endParaRPr>
+          </a:p>
+          <a:p>
+            <a:r>
+              <a:rPr lang="en-US" sz="1600" dirty="0" smtClean="0">
+                <a:solidFill>
+                  <a:srgbClr val="0000FF"/>
+                </a:solidFill>
+                <a:latin typeface="Consolas"/>
+              </a:rPr>
+              <a:t>  Data Source=</a:t>
+            </a:r>
+            <a:r>
+              <a:rPr lang="en-US" sz="1600" dirty="0" err="1" smtClean="0">
+                <a:solidFill>
+                  <a:srgbClr val="0000FF"/>
+                </a:solidFill>
+                <a:highlight>
+                  <a:srgbClr val="FFFF00"/>
+                </a:highlight>
+                <a:latin typeface="Consolas"/>
+              </a:rPr>
+              <a:t>tcp</a:t>
+            </a:r>
+            <a:r>
+              <a:rPr lang="en-US" sz="1600" dirty="0" smtClean="0">
+                <a:solidFill>
+                  <a:srgbClr val="0000FF"/>
+                </a:solidFill>
+                <a:highlight>
+                  <a:srgbClr val="FFFF00"/>
+                </a:highlight>
+                <a:latin typeface="Consolas"/>
+              </a:rPr>
+              <a:t>:[server</a:t>
+            </a:r>
+            <a:r>
+              <a:rPr lang="en-US" sz="1600" dirty="0">
+                <a:solidFill>
+                  <a:srgbClr val="0000FF"/>
+                </a:solidFill>
+                <a:highlight>
+                  <a:srgbClr val="FFFF00"/>
+                </a:highlight>
+                <a:latin typeface="Consolas"/>
+              </a:rPr>
+              <a:t>].</a:t>
+            </a:r>
+            <a:r>
+              <a:rPr lang="en-US" sz="1600" dirty="0" smtClean="0">
+                <a:solidFill>
+                  <a:srgbClr val="0000FF"/>
+                </a:solidFill>
+                <a:highlight>
+                  <a:srgbClr val="FFFF00"/>
+                </a:highlight>
+                <a:latin typeface="Consolas"/>
+              </a:rPr>
+              <a:t>database.windows.net</a:t>
+            </a:r>
+            <a:r>
+              <a:rPr lang="en-US" sz="1600" dirty="0" smtClean="0">
+                <a:solidFill>
+                  <a:srgbClr val="0000FF"/>
+                </a:solidFill>
+                <a:latin typeface="Consolas"/>
+              </a:rPr>
+              <a:t>;</a:t>
+            </a:r>
+            <a:endParaRPr lang="en-US" sz="800" dirty="0" smtClean="0">
+              <a:latin typeface="Segoe UI" pitchFamily="34" charset="0"/>
+            </a:endParaRPr>
+          </a:p>
+          <a:p>
+            <a:r>
+              <a:rPr lang="en-US" sz="1600" dirty="0" smtClean="0">
+                <a:solidFill>
+                  <a:srgbClr val="0000FF"/>
+                </a:solidFill>
+                <a:latin typeface="Consolas"/>
+              </a:rPr>
+              <a:t>  Initial Catalog=</a:t>
+            </a:r>
+            <a:r>
+              <a:rPr lang="en-US" sz="1600" dirty="0" err="1" smtClean="0">
+                <a:solidFill>
+                  <a:srgbClr val="0000FF"/>
+                </a:solidFill>
+                <a:latin typeface="Consolas"/>
+              </a:rPr>
+              <a:t>ProductsDb</a:t>
+            </a:r>
+            <a:r>
+              <a:rPr lang="en-US" sz="1600" dirty="0" smtClean="0">
+                <a:solidFill>
+                  <a:srgbClr val="0000FF"/>
+                </a:solidFill>
+                <a:latin typeface="Consolas"/>
+              </a:rPr>
+              <a:t>;</a:t>
+            </a:r>
+            <a:endParaRPr lang="en-US" sz="800" dirty="0">
+              <a:latin typeface="Segoe UI" pitchFamily="34" charset="0"/>
+            </a:endParaRPr>
+          </a:p>
+          <a:p>
+            <a:r>
+              <a:rPr lang="en-US" sz="1600" dirty="0" smtClean="0">
+                <a:solidFill>
+                  <a:srgbClr val="0000FF"/>
+                </a:solidFill>
+                <a:latin typeface="Consolas"/>
+              </a:rPr>
+              <a:t>  User </a:t>
+            </a:r>
+            <a:r>
+              <a:rPr lang="en-US" sz="1600" dirty="0">
+                <a:solidFill>
+                  <a:srgbClr val="0000FF"/>
+                </a:solidFill>
+                <a:latin typeface="Consolas"/>
+              </a:rPr>
+              <a:t>Id</a:t>
+            </a:r>
+            <a:r>
+              <a:rPr lang="en-US" sz="1600" dirty="0" smtClean="0">
+                <a:solidFill>
+                  <a:srgbClr val="0000FF"/>
+                </a:solidFill>
+                <a:latin typeface="Consolas"/>
+              </a:rPr>
+              <a:t>=</a:t>
+            </a:r>
+            <a:r>
+              <a:rPr lang="en-US" sz="1600" dirty="0" smtClean="0">
+                <a:solidFill>
+                  <a:srgbClr val="0000FF"/>
+                </a:solidFill>
+                <a:highlight>
+                  <a:srgbClr val="FFFF00"/>
+                </a:highlight>
+                <a:latin typeface="Consolas"/>
+              </a:rPr>
+              <a:t>[login]@[server]</a:t>
+            </a:r>
+            <a:r>
+              <a:rPr lang="en-US" sz="1600" dirty="0" smtClean="0">
+                <a:solidFill>
+                  <a:srgbClr val="0000FF"/>
+                </a:solidFill>
+                <a:latin typeface="Consolas"/>
+              </a:rPr>
+              <a:t>;</a:t>
+            </a:r>
+            <a:endParaRPr lang="en-US" sz="800" dirty="0">
+              <a:latin typeface="Segoe UI" pitchFamily="34" charset="0"/>
+            </a:endParaRPr>
+          </a:p>
+          <a:p>
+            <a:r>
+              <a:rPr lang="en-US" sz="1600" dirty="0" smtClean="0">
+                <a:solidFill>
+                  <a:srgbClr val="0000FF"/>
+                </a:solidFill>
+                <a:latin typeface="Consolas"/>
+              </a:rPr>
+              <a:t>  Password</a:t>
+            </a:r>
+            <a:r>
+              <a:rPr lang="en-US" sz="1600" dirty="0">
+                <a:solidFill>
+                  <a:srgbClr val="0000FF"/>
+                </a:solidFill>
+                <a:latin typeface="Consolas"/>
+              </a:rPr>
+              <a:t>=[password</a:t>
+            </a:r>
+            <a:r>
+              <a:rPr lang="en-US" sz="1600" dirty="0" smtClean="0">
+                <a:solidFill>
+                  <a:srgbClr val="0000FF"/>
+                </a:solidFill>
+                <a:latin typeface="Consolas"/>
+              </a:rPr>
+              <a:t>];</a:t>
+            </a:r>
+          </a:p>
+          <a:p>
+            <a:r>
+              <a:rPr lang="en-US" sz="1600" dirty="0" smtClean="0">
+                <a:solidFill>
+                  <a:srgbClr val="0000FF"/>
+                </a:solidFill>
+                <a:latin typeface="Consolas"/>
+                <a:ea typeface="Segoe UI" pitchFamily="34" charset="0"/>
+              </a:rPr>
+              <a:t>  </a:t>
+            </a:r>
+            <a:r>
+              <a:rPr lang="en-US" sz="1600" dirty="0" err="1">
+                <a:solidFill>
+                  <a:srgbClr val="0000FF"/>
+                </a:solidFill>
+                <a:latin typeface="Consolas"/>
+                <a:ea typeface="Segoe UI" pitchFamily="34" charset="0"/>
+              </a:rPr>
+              <a:t>T</a:t>
+            </a:r>
+            <a:r>
+              <a:rPr lang="en-US" sz="1600" dirty="0" err="1" smtClean="0">
+                <a:solidFill>
+                  <a:srgbClr val="0000FF"/>
+                </a:solidFill>
+                <a:latin typeface="Consolas"/>
+                <a:ea typeface="Segoe UI" pitchFamily="34" charset="0"/>
+              </a:rPr>
+              <a:t>rusted_Connection</a:t>
+            </a:r>
+            <a:r>
+              <a:rPr lang="en-US" sz="1600" dirty="0" smtClean="0">
+                <a:solidFill>
+                  <a:srgbClr val="0000FF"/>
+                </a:solidFill>
+                <a:latin typeface="Consolas"/>
+                <a:ea typeface="Segoe UI" pitchFamily="34" charset="0"/>
+              </a:rPr>
+              <a:t>=False;</a:t>
+            </a:r>
+            <a:endParaRPr lang="en-US" sz="800" dirty="0">
+              <a:latin typeface="Segoe UI" pitchFamily="34" charset="0"/>
+              <a:ea typeface="Segoe UI" pitchFamily="34" charset="0"/>
+            </a:endParaRPr>
+          </a:p>
+          <a:p>
+            <a:r>
+              <a:rPr lang="en-US" sz="1600" dirty="0" smtClean="0">
+                <a:solidFill>
+                  <a:srgbClr val="0000FF"/>
+                </a:solidFill>
+                <a:highlight>
+                  <a:srgbClr val="FFFF00"/>
+                </a:highlight>
+                <a:latin typeface="Consolas"/>
+              </a:rPr>
+              <a:t>  Encrypt=true</a:t>
+            </a:r>
+            <a:r>
+              <a:rPr lang="en-US" sz="1600" dirty="0" smtClean="0">
+                <a:solidFill>
+                  <a:srgbClr val="0000FF"/>
+                </a:solidFill>
+                <a:latin typeface="Consolas"/>
+              </a:rPr>
+              <a:t>;</a:t>
+            </a:r>
+            <a:r>
+              <a:rPr lang="en-US" sz="1600" dirty="0" smtClean="0">
+                <a:solidFill>
+                  <a:srgbClr val="000000"/>
+                </a:solidFill>
+                <a:latin typeface="Consolas"/>
+              </a:rPr>
+              <a:t>" </a:t>
+            </a:r>
+            <a:endParaRPr lang="en-US" sz="800" dirty="0" smtClean="0">
+              <a:latin typeface="Segoe UI" pitchFamily="34" charset="0"/>
+              <a:ea typeface="Segoe UI" pitchFamily="34" charset="0"/>
+            </a:endParaRPr>
+          </a:p>
+          <a:p>
+            <a:r>
+              <a:rPr lang="en-US" sz="1600" dirty="0" err="1" smtClean="0">
+                <a:solidFill>
+                  <a:srgbClr val="FF0000"/>
+                </a:solidFill>
+                <a:latin typeface="Consolas"/>
+              </a:rPr>
+              <a:t>providerName</a:t>
+            </a:r>
+            <a:r>
+              <a:rPr lang="en-US" sz="1600" dirty="0" smtClean="0">
+                <a:solidFill>
+                  <a:srgbClr val="0000FF"/>
+                </a:solidFill>
+                <a:latin typeface="Consolas"/>
+              </a:rPr>
+              <a:t>=</a:t>
+            </a:r>
+            <a:r>
+              <a:rPr lang="en-US" sz="1600" dirty="0" smtClean="0">
+                <a:solidFill>
+                  <a:srgbClr val="000000"/>
+                </a:solidFill>
+                <a:latin typeface="Consolas"/>
+              </a:rPr>
+              <a:t>"</a:t>
+            </a:r>
+            <a:r>
+              <a:rPr lang="en-US" sz="1600" dirty="0" err="1" smtClean="0">
+                <a:solidFill>
+                  <a:srgbClr val="0000FF"/>
+                </a:solidFill>
+                <a:latin typeface="Consolas"/>
+              </a:rPr>
+              <a:t>System.Data.SqlClient</a:t>
+            </a:r>
+            <a:r>
+              <a:rPr lang="en-US" sz="1600" dirty="0" smtClean="0">
+                <a:solidFill>
+                  <a:srgbClr val="000000"/>
+                </a:solidFill>
+                <a:latin typeface="Consolas"/>
+              </a:rPr>
+              <a:t>" </a:t>
+            </a:r>
+            <a:r>
+              <a:rPr lang="en-US" sz="1600" dirty="0" smtClean="0">
+                <a:solidFill>
+                  <a:srgbClr val="0000FF"/>
+                </a:solidFill>
+                <a:latin typeface="Consolas"/>
+              </a:rPr>
+              <a:t>/&gt;</a:t>
+            </a:r>
+            <a:endParaRPr lang="en-US" sz="800" dirty="0" smtClean="0">
+              <a:latin typeface="Segoe UI" pitchFamily="34" charset="0"/>
+              <a:ea typeface="Segoe UI" pitchFamily="34" charset="0"/>
+            </a:endParaRPr>
+          </a:p>
+          <a:p>
+            <a:r>
+              <a:rPr lang="en-US" sz="1600" dirty="0" smtClean="0">
+                <a:solidFill>
+                  <a:srgbClr val="0000FF"/>
+                </a:solidFill>
+                <a:latin typeface="Consolas"/>
+              </a:rPr>
+              <a:t>&lt;/</a:t>
+            </a:r>
+            <a:r>
+              <a:rPr lang="en-US" sz="1600" dirty="0">
+                <a:solidFill>
+                  <a:srgbClr val="A31515"/>
+                </a:solidFill>
+                <a:latin typeface="Consolas"/>
+              </a:rPr>
+              <a:t>connectionStrings</a:t>
+            </a:r>
+            <a:r>
+              <a:rPr lang="en-US" sz="1600" dirty="0">
+                <a:solidFill>
+                  <a:srgbClr val="0000FF"/>
+                </a:solidFill>
+                <a:latin typeface="Consolas"/>
+              </a:rPr>
+              <a:t>&gt;</a:t>
+            </a:r>
+            <a:endParaRPr lang="en-US" sz="1600" dirty="0">
+              <a:solidFill>
+                <a:prstClr val="black"/>
+              </a:solidFill>
+              <a:latin typeface="Consolas"/>
+            </a:endParaRPr>
           </a:p>
         </p:txBody>
       </p:sp>
     </p:spTree>
     <p:extLst>
       <p:ext uri="{BB962C8B-B14F-4D97-AF65-F5344CB8AC3E}">
-        <p14:creationId xmlns:p14="http://schemas.microsoft.com/office/powerpoint/2010/main" val="3436458688"/>
+        <p14:creationId xmlns:p14="http://schemas.microsoft.com/office/powerpoint/2010/main" val="3550516486"/>
       </p:ext>
     </p:extLst>
   </p:cSld>
@@ -23336,6 +24152,131 @@
   <p:transition>
     <p:fade/>
   </p:transition>
+  <p:timing>
+    <p:tnLst>
+      <p:par>
+        <p:cTn id="1" dur="indefinite" restart="never" nodeType="tmRoot">
+          <p:childTnLst>
+            <p:seq concurrent="1" nextAc="seek">
+              <p:cTn id="2" dur="indefinite" nodeType="mainSeq">
+                <p:childTnLst>
+                  <p:par>
+                    <p:cTn id="3" fill="hold">
+                      <p:stCondLst>
+                        <p:cond delay="indefinite"/>
+                        <p:cond evt="onBegin" delay="0">
+                          <p:tn val="2"/>
+                        </p:cond>
+                      </p:stCondLst>
+                      <p:childTnLst>
+                        <p:par>
+                          <p:cTn id="4" fill="hold">
+                            <p:stCondLst>
+                              <p:cond delay="0"/>
+                            </p:stCondLst>
+                            <p:childTnLst>
+                              <p:par>
+                                <p:cTn id="5" presetID="10" presetClass="entr" presetSubtype="0" fill="hold" grpId="0" nodeType="withEffect">
+                                  <p:stCondLst>
+                                    <p:cond delay="0"/>
+                                  </p:stCondLst>
+                                  <p:childTnLst>
+                                    <p:set>
+                                      <p:cBhvr>
+                                        <p:cTn id="6" dur="1" fill="hold">
+                                          <p:stCondLst>
+                                            <p:cond delay="0"/>
+                                          </p:stCondLst>
+                                        </p:cTn>
+                                        <p:tgtEl>
+                                          <p:spTgt spid="10"/>
+                                        </p:tgtEl>
+                                        <p:attrNameLst>
+                                          <p:attrName>style.visibility</p:attrName>
+                                        </p:attrNameLst>
+                                      </p:cBhvr>
+                                      <p:to>
+                                        <p:strVal val="visible"/>
+                                      </p:to>
+                                    </p:set>
+                                    <p:animEffect transition="in" filter="fade">
+                                      <p:cBhvr>
+                                        <p:cTn id="7" dur="500"/>
+                                        <p:tgtEl>
+                                          <p:spTgt spid="10"/>
+                                        </p:tgtEl>
+                                      </p:cBhvr>
+                                    </p:animEffect>
+                                  </p:childTnLst>
+                                </p:cTn>
+                              </p:par>
+                              <p:par>
+                                <p:cTn id="8" presetID="10" presetClass="entr" presetSubtype="0" fill="hold" grpId="0" nodeType="withEffect">
+                                  <p:stCondLst>
+                                    <p:cond delay="0"/>
+                                  </p:stCondLst>
+                                  <p:childTnLst>
+                                    <p:set>
+                                      <p:cBhvr>
+                                        <p:cTn id="9" dur="1" fill="hold">
+                                          <p:stCondLst>
+                                            <p:cond delay="0"/>
+                                          </p:stCondLst>
+                                        </p:cTn>
+                                        <p:tgtEl>
+                                          <p:spTgt spid="8"/>
+                                        </p:tgtEl>
+                                        <p:attrNameLst>
+                                          <p:attrName>style.visibility</p:attrName>
+                                        </p:attrNameLst>
+                                      </p:cBhvr>
+                                      <p:to>
+                                        <p:strVal val="visible"/>
+                                      </p:to>
+                                    </p:set>
+                                    <p:animEffect transition="in" filter="fade">
+                                      <p:cBhvr>
+                                        <p:cTn id="10" dur="500"/>
+                                        <p:tgtEl>
+                                          <p:spTgt spid="8"/>
+                                        </p:tgtEl>
+                                      </p:cBhvr>
+                                    </p:animEffect>
+                                  </p:childTnLst>
+                                </p:cTn>
+                              </p:par>
+                            </p:childTnLst>
+                          </p:cTn>
+                        </p:par>
+                      </p:childTnLst>
+                    </p:cTn>
+                  </p:par>
+                </p:childTnLst>
+              </p:cTn>
+              <p:prevCondLst>
+                <p:cond evt="onPrev" delay="0">
+                  <p:tgtEl>
+                    <p:sldTgt/>
+                  </p:tgtEl>
+                </p:cond>
+              </p:prevCondLst>
+              <p:nextCondLst>
+                <p:cond evt="onNext" delay="0">
+                  <p:tgtEl>
+                    <p:sldTgt/>
+                  </p:tgtEl>
+                </p:cond>
+              </p:nextCondLst>
+            </p:seq>
+          </p:childTnLst>
+        </p:cTn>
+      </p:par>
+    </p:tnLst>
+    <p:bldLst>
+      <p:bldP spid="8" grpId="0"/>
+      <p:bldP spid="10" grpId="0" animBg="1"/>
+    </p:bldLst>
+  </p:timing>
 </p:sld>
 </file>
 
@@ -23373,7 +24314,7 @@
           <a:p>
             <a:r>
               <a:rPr lang="en-AU" dirty="0" smtClean="0"/>
-              <a:t>Cons</a:t>
+              <a:t>Security</a:t>
             </a:r>
             <a:endParaRPr lang="en-AU" dirty="0"/>
           </a:p>
@@ -23392,69 +24333,769 @@
         <p:spPr>
           <a:xfrm>
             <a:off x="519112" y="1447799"/>
-            <a:ext cx="11149013" cy="4339650"/>
+            <a:ext cx="11149013" cy="3901068"/>
           </a:xfrm>
         </p:spPr>
         <p:txBody>
           <a:bodyPr/>
           <a:lstStyle/>
           <a:p>
-            <a:pPr marL="574675" indent="-571500">
-              <a:buFont typeface="Arial" panose="020B0604020202020204" pitchFamily="34" charset="0"/>
-              <a:buChar char="•"/>
-            </a:pPr>
+            <a:r>
+              <a:rPr lang="en-AU" dirty="0" smtClean="0"/>
+              <a:t>Per-”server” firewall</a:t>
+            </a:r>
+          </a:p>
+          <a:p>
+            <a:r>
+              <a:rPr lang="en-AU" dirty="0" smtClean="0"/>
+              <a:t>User accounts with privileges</a:t>
+            </a:r>
+          </a:p>
+          <a:p>
+            <a:r>
+              <a:rPr lang="en-AU" dirty="0" smtClean="0"/>
+              <a:t>Server admin account: special privileges</a:t>
+            </a:r>
+          </a:p>
+          <a:p>
+            <a:r>
+              <a:rPr lang="en-AU" dirty="0" smtClean="0"/>
+              <a:t>TDS connection is encrypted</a:t>
+            </a:r>
+          </a:p>
+          <a:p>
+            <a:r>
+              <a:rPr lang="en-AU" dirty="0" smtClean="0"/>
+              <a:t>Protect your database passwords</a:t>
+            </a:r>
+          </a:p>
+          <a:p>
             <a:r>
               <a:rPr lang="en-AU" dirty="0"/>
-              <a:t>Max 150 GB</a:t>
-            </a:r>
-          </a:p>
-          <a:p>
-            <a:pPr marL="574675" indent="-571500">
-              <a:buFont typeface="Arial" panose="020B0604020202020204" pitchFamily="34" charset="0"/>
-              <a:buChar char="•"/>
-            </a:pPr>
+              <a:t>	</a:t>
+            </a:r>
             <a:r>
               <a:rPr lang="en-AU" dirty="0" smtClean="0"/>
-              <a:t>Pay for data not computation – no guarantee of resources</a:t>
-            </a:r>
-          </a:p>
-          <a:p>
-            <a:pPr marL="574675" indent="-571500">
-              <a:buFont typeface="Arial" panose="020B0604020202020204" pitchFamily="34" charset="0"/>
-              <a:buChar char="•"/>
-            </a:pPr>
+              <a:t>e.g. </a:t>
+            </a:r>
+            <a:r>
+              <a:rPr lang="en-AU" dirty="0" err="1" smtClean="0"/>
+              <a:t>config</a:t>
+            </a:r>
             <a:r>
               <a:rPr lang="en-AU" dirty="0" smtClean="0"/>
-              <a:t>Upper limit for vertical scaling of throughput</a:t>
-            </a:r>
-            <a:endParaRPr lang="en-AU" dirty="0"/>
-          </a:p>
-          <a:p>
-            <a:pPr marL="574675" indent="-571500">
-              <a:buFont typeface="Arial" panose="020B0604020202020204" pitchFamily="34" charset="0"/>
-              <a:buChar char="•"/>
-            </a:pPr>
-            <a:r>
-              <a:rPr lang="en-AU" dirty="0" smtClean="0"/>
-              <a:t>Need to deal with transient errors</a:t>
-            </a:r>
-          </a:p>
-          <a:p>
-            <a:pPr marL="574675" indent="-571500">
-              <a:buFont typeface="Arial" panose="020B0604020202020204" pitchFamily="34" charset="0"/>
-              <a:buChar char="•"/>
-            </a:pPr>
-            <a:r>
-              <a:rPr lang="en-AU" dirty="0" smtClean="0"/>
-              <a:t>More advanced use cases not supported (broker, agent, TDE, DTC etc.)</a:t>
-            </a:r>
+              <a:t> encryption</a:t>
+            </a:r>
+          </a:p>
+        </p:txBody>
+      </p:sp>
+      <p:sp>
+        <p:nvSpPr>
+          <p:cNvPr id="4" name="Freeform 3"/>
+          <p:cNvSpPr>
+            <a:spLocks noEditPoints="1"/>
+          </p:cNvSpPr>
+          <p:nvPr/>
+        </p:nvSpPr>
+        <p:spPr bwMode="black">
+          <a:xfrm>
+            <a:off x="8708536" y="1451057"/>
+            <a:ext cx="2853340" cy="3955886"/>
+          </a:xfrm>
+          <a:custGeom>
+            <a:avLst/>
+            <a:gdLst>
+              <a:gd name="T0" fmla="*/ 221 w 288"/>
+              <a:gd name="T1" fmla="*/ 373 h 399"/>
+              <a:gd name="T2" fmla="*/ 194 w 288"/>
+              <a:gd name="T3" fmla="*/ 350 h 399"/>
+              <a:gd name="T4" fmla="*/ 137 w 288"/>
+              <a:gd name="T5" fmla="*/ 150 h 399"/>
+              <a:gd name="T6" fmla="*/ 165 w 288"/>
+              <a:gd name="T7" fmla="*/ 398 h 399"/>
+              <a:gd name="T8" fmla="*/ 94 w 288"/>
+              <a:gd name="T9" fmla="*/ 325 h 399"/>
+              <a:gd name="T10" fmla="*/ 192 w 288"/>
+              <a:gd name="T11" fmla="*/ 269 h 399"/>
+              <a:gd name="T12" fmla="*/ 223 w 288"/>
+              <a:gd name="T13" fmla="*/ 371 h 399"/>
+              <a:gd name="T14" fmla="*/ 135 w 288"/>
+              <a:gd name="T15" fmla="*/ 170 h 399"/>
+              <a:gd name="T16" fmla="*/ 179 w 288"/>
+              <a:gd name="T17" fmla="*/ 395 h 399"/>
+              <a:gd name="T18" fmla="*/ 135 w 288"/>
+              <a:gd name="T19" fmla="*/ 324 h 399"/>
+              <a:gd name="T20" fmla="*/ 154 w 288"/>
+              <a:gd name="T21" fmla="*/ 308 h 399"/>
+              <a:gd name="T22" fmla="*/ 208 w 288"/>
+              <a:gd name="T23" fmla="*/ 382 h 399"/>
+              <a:gd name="T24" fmla="*/ 85 w 288"/>
+              <a:gd name="T25" fmla="*/ 380 h 399"/>
+              <a:gd name="T26" fmla="*/ 143 w 288"/>
+              <a:gd name="T27" fmla="*/ 82 h 399"/>
+              <a:gd name="T28" fmla="*/ 228 w 288"/>
+              <a:gd name="T29" fmla="*/ 288 h 399"/>
+              <a:gd name="T30" fmla="*/ 253 w 288"/>
+              <a:gd name="T31" fmla="*/ 340 h 399"/>
+              <a:gd name="T32" fmla="*/ 247 w 288"/>
+              <a:gd name="T33" fmla="*/ 233 h 399"/>
+              <a:gd name="T34" fmla="*/ 20 w 288"/>
+              <a:gd name="T35" fmla="*/ 263 h 399"/>
+              <a:gd name="T36" fmla="*/ 85 w 288"/>
+              <a:gd name="T37" fmla="*/ 380 h 399"/>
+              <a:gd name="T38" fmla="*/ 219 w 288"/>
+              <a:gd name="T39" fmla="*/ 242 h 399"/>
+              <a:gd name="T40" fmla="*/ 56 w 288"/>
+              <a:gd name="T41" fmla="*/ 305 h 399"/>
+              <a:gd name="T42" fmla="*/ 129 w 288"/>
+              <a:gd name="T43" fmla="*/ 397 h 399"/>
+              <a:gd name="T44" fmla="*/ 137 w 288"/>
+              <a:gd name="T45" fmla="*/ 115 h 399"/>
+              <a:gd name="T46" fmla="*/ 210 w 288"/>
+              <a:gd name="T47" fmla="*/ 334 h 399"/>
+              <a:gd name="T48" fmla="*/ 239 w 288"/>
+              <a:gd name="T49" fmla="*/ 357 h 399"/>
+              <a:gd name="T50" fmla="*/ 0 w 288"/>
+              <a:gd name="T51" fmla="*/ 202 h 399"/>
+              <a:gd name="T52" fmla="*/ 144 w 288"/>
+              <a:gd name="T53" fmla="*/ 51 h 399"/>
+              <a:gd name="T54" fmla="*/ 252 w 288"/>
+              <a:gd name="T55" fmla="*/ 298 h 399"/>
+              <a:gd name="T56" fmla="*/ 266 w 288"/>
+              <a:gd name="T57" fmla="*/ 320 h 399"/>
+              <a:gd name="T58" fmla="*/ 277 w 288"/>
+              <a:gd name="T59" fmla="*/ 221 h 399"/>
+              <a:gd name="T60" fmla="*/ 3 w 288"/>
+              <a:gd name="T61" fmla="*/ 162 h 399"/>
+              <a:gd name="T62" fmla="*/ 0 w 288"/>
+              <a:gd name="T63" fmla="*/ 202 h 399"/>
+              <a:gd name="T64" fmla="*/ 145 w 288"/>
+              <a:gd name="T65" fmla="*/ 0 h 399"/>
+              <a:gd name="T66" fmla="*/ 144 w 288"/>
+              <a:gd name="T67" fmla="*/ 18 h 399"/>
+              <a:gd name="T68" fmla="*/ 142 w 288"/>
+              <a:gd name="T69" fmla="*/ 308 h 399"/>
+              <a:gd name="T70" fmla="*/ 137 w 288"/>
+              <a:gd name="T71" fmla="*/ 201 h 399"/>
+              <a:gd name="T72" fmla="*/ 130 w 288"/>
+              <a:gd name="T73" fmla="*/ 208 h 399"/>
+              <a:gd name="T74" fmla="*/ 142 w 288"/>
+              <a:gd name="T75" fmla="*/ 308 h 399"/>
+            </a:gdLst>
+            <a:ahLst/>
+            <a:cxnLst>
+              <a:cxn ang="0">
+                <a:pos x="T0" y="T1"/>
+              </a:cxn>
+              <a:cxn ang="0">
+                <a:pos x="T2" y="T3"/>
+              </a:cxn>
+              <a:cxn ang="0">
+                <a:pos x="T4" y="T5"/>
+              </a:cxn>
+              <a:cxn ang="0">
+                <a:pos x="T6" y="T7"/>
+              </a:cxn>
+              <a:cxn ang="0">
+                <a:pos x="T8" y="T9"/>
+              </a:cxn>
+              <a:cxn ang="0">
+                <a:pos x="T10" y="T11"/>
+              </a:cxn>
+              <a:cxn ang="0">
+                <a:pos x="T12" y="T13"/>
+              </a:cxn>
+              <a:cxn ang="0">
+                <a:pos x="T14" y="T15"/>
+              </a:cxn>
+              <a:cxn ang="0">
+                <a:pos x="T16" y="T17"/>
+              </a:cxn>
+              <a:cxn ang="0">
+                <a:pos x="T18" y="T19"/>
+              </a:cxn>
+              <a:cxn ang="0">
+                <a:pos x="T20" y="T21"/>
+              </a:cxn>
+              <a:cxn ang="0">
+                <a:pos x="T22" y="T23"/>
+              </a:cxn>
+              <a:cxn ang="0">
+                <a:pos x="T24" y="T25"/>
+              </a:cxn>
+              <a:cxn ang="0">
+                <a:pos x="T26" y="T27"/>
+              </a:cxn>
+              <a:cxn ang="0">
+                <a:pos x="T28" y="T29"/>
+              </a:cxn>
+              <a:cxn ang="0">
+                <a:pos x="T30" y="T31"/>
+              </a:cxn>
+              <a:cxn ang="0">
+                <a:pos x="T32" y="T33"/>
+              </a:cxn>
+              <a:cxn ang="0">
+                <a:pos x="T34" y="T35"/>
+              </a:cxn>
+              <a:cxn ang="0">
+                <a:pos x="T36" y="T37"/>
+              </a:cxn>
+              <a:cxn ang="0">
+                <a:pos x="T38" y="T39"/>
+              </a:cxn>
+              <a:cxn ang="0">
+                <a:pos x="T40" y="T41"/>
+              </a:cxn>
+              <a:cxn ang="0">
+                <a:pos x="T42" y="T43"/>
+              </a:cxn>
+              <a:cxn ang="0">
+                <a:pos x="T44" y="T45"/>
+              </a:cxn>
+              <a:cxn ang="0">
+                <a:pos x="T46" y="T47"/>
+              </a:cxn>
+              <a:cxn ang="0">
+                <a:pos x="T48" y="T49"/>
+              </a:cxn>
+              <a:cxn ang="0">
+                <a:pos x="T50" y="T51"/>
+              </a:cxn>
+              <a:cxn ang="0">
+                <a:pos x="T52" y="T53"/>
+              </a:cxn>
+              <a:cxn ang="0">
+                <a:pos x="T54" y="T55"/>
+              </a:cxn>
+              <a:cxn ang="0">
+                <a:pos x="T56" y="T57"/>
+              </a:cxn>
+              <a:cxn ang="0">
+                <a:pos x="T58" y="T59"/>
+              </a:cxn>
+              <a:cxn ang="0">
+                <a:pos x="T60" y="T61"/>
+              </a:cxn>
+              <a:cxn ang="0">
+                <a:pos x="T62" y="T63"/>
+              </a:cxn>
+              <a:cxn ang="0">
+                <a:pos x="T64" y="T65"/>
+              </a:cxn>
+              <a:cxn ang="0">
+                <a:pos x="T66" y="T67"/>
+              </a:cxn>
+              <a:cxn ang="0">
+                <a:pos x="T68" y="T69"/>
+              </a:cxn>
+              <a:cxn ang="0">
+                <a:pos x="T70" y="T71"/>
+              </a:cxn>
+              <a:cxn ang="0">
+                <a:pos x="T72" y="T73"/>
+              </a:cxn>
+              <a:cxn ang="0">
+                <a:pos x="T74" y="T75"/>
+              </a:cxn>
+            </a:cxnLst>
+            <a:rect l="0" t="0" r="r" b="b"/>
+            <a:pathLst>
+              <a:path w="288" h="399">
+                <a:moveTo>
+                  <a:pt x="223" y="371"/>
+                </a:moveTo>
+                <a:cubicBezTo>
+                  <a:pt x="221" y="373"/>
+                  <a:pt x="221" y="373"/>
+                  <a:pt x="221" y="373"/>
+                </a:cubicBezTo>
+                <a:cubicBezTo>
+                  <a:pt x="220" y="374"/>
+                  <a:pt x="218" y="375"/>
+                  <a:pt x="217" y="376"/>
+                </a:cubicBezTo>
+                <a:cubicBezTo>
+                  <a:pt x="215" y="374"/>
+                  <a:pt x="205" y="366"/>
+                  <a:pt x="194" y="350"/>
+                </a:cubicBezTo>
+                <a:cubicBezTo>
+                  <a:pt x="181" y="332"/>
+                  <a:pt x="177" y="299"/>
+                  <a:pt x="180" y="268"/>
+                </a:cubicBezTo>
+                <a:cubicBezTo>
+                  <a:pt x="186" y="212"/>
+                  <a:pt x="180" y="148"/>
+                  <a:pt x="137" y="150"/>
+                </a:cubicBezTo>
+                <a:cubicBezTo>
+                  <a:pt x="90" y="152"/>
+                  <a:pt x="69" y="245"/>
+                  <a:pt x="106" y="319"/>
+                </a:cubicBezTo>
+                <a:cubicBezTo>
+                  <a:pt x="125" y="357"/>
+                  <a:pt x="150" y="384"/>
+                  <a:pt x="165" y="398"/>
+                </a:cubicBezTo>
+                <a:cubicBezTo>
+                  <a:pt x="161" y="398"/>
+                  <a:pt x="157" y="399"/>
+                  <a:pt x="153" y="399"/>
+                </a:cubicBezTo>
+                <a:cubicBezTo>
+                  <a:pt x="137" y="384"/>
+                  <a:pt x="115" y="364"/>
+                  <a:pt x="94" y="325"/>
+                </a:cubicBezTo>
+                <a:cubicBezTo>
+                  <a:pt x="46" y="236"/>
+                  <a:pt x="82" y="134"/>
+                  <a:pt x="137" y="134"/>
+                </a:cubicBezTo>
+                <a:cubicBezTo>
+                  <a:pt x="195" y="134"/>
+                  <a:pt x="201" y="201"/>
+                  <a:pt x="192" y="269"/>
+                </a:cubicBezTo>
+                <a:cubicBezTo>
+                  <a:pt x="188" y="301"/>
+                  <a:pt x="191" y="329"/>
+                  <a:pt x="202" y="346"/>
+                </a:cubicBezTo>
+                <a:cubicBezTo>
+                  <a:pt x="213" y="363"/>
+                  <a:pt x="224" y="370"/>
+                  <a:pt x="223" y="371"/>
+                </a:cubicBezTo>
+                <a:close/>
+                <a:moveTo>
+                  <a:pt x="166" y="306"/>
+                </a:moveTo>
+                <a:cubicBezTo>
+                  <a:pt x="163" y="275"/>
+                  <a:pt x="185" y="172"/>
+                  <a:pt x="135" y="170"/>
+                </a:cubicBezTo>
+                <a:cubicBezTo>
+                  <a:pt x="104" y="169"/>
+                  <a:pt x="77" y="248"/>
+                  <a:pt x="125" y="329"/>
+                </a:cubicBezTo>
+                <a:cubicBezTo>
+                  <a:pt x="143" y="361"/>
+                  <a:pt x="166" y="383"/>
+                  <a:pt x="179" y="395"/>
+                </a:cubicBezTo>
+                <a:cubicBezTo>
+                  <a:pt x="182" y="394"/>
+                  <a:pt x="185" y="393"/>
+                  <a:pt x="188" y="392"/>
+                </a:cubicBezTo>
+                <a:cubicBezTo>
+                  <a:pt x="177" y="381"/>
+                  <a:pt x="153" y="358"/>
+                  <a:pt x="135" y="324"/>
+                </a:cubicBezTo>
+                <a:cubicBezTo>
+                  <a:pt x="101" y="266"/>
+                  <a:pt x="110" y="186"/>
+                  <a:pt x="135" y="186"/>
+                </a:cubicBezTo>
+                <a:cubicBezTo>
+                  <a:pt x="168" y="186"/>
+                  <a:pt x="149" y="268"/>
+                  <a:pt x="154" y="308"/>
+                </a:cubicBezTo>
+                <a:cubicBezTo>
+                  <a:pt x="160" y="352"/>
+                  <a:pt x="187" y="377"/>
+                  <a:pt x="200" y="386"/>
+                </a:cubicBezTo>
+                <a:cubicBezTo>
+                  <a:pt x="203" y="385"/>
+                  <a:pt x="205" y="384"/>
+                  <a:pt x="208" y="382"/>
+                </a:cubicBezTo>
+                <a:cubicBezTo>
+                  <a:pt x="199" y="375"/>
+                  <a:pt x="170" y="350"/>
+                  <a:pt x="166" y="306"/>
+                </a:cubicBezTo>
+                <a:close/>
+                <a:moveTo>
+                  <a:pt x="85" y="380"/>
+                </a:moveTo>
+                <a:cubicBezTo>
+                  <a:pt x="65" y="357"/>
+                  <a:pt x="36" y="313"/>
+                  <a:pt x="31" y="261"/>
+                </a:cubicBezTo>
+                <a:cubicBezTo>
+                  <a:pt x="25" y="164"/>
+                  <a:pt x="66" y="82"/>
+                  <a:pt x="143" y="82"/>
+                </a:cubicBezTo>
+                <a:cubicBezTo>
+                  <a:pt x="213" y="82"/>
+                  <a:pt x="241" y="157"/>
+                  <a:pt x="235" y="231"/>
+                </a:cubicBezTo>
+                <a:cubicBezTo>
+                  <a:pt x="234" y="251"/>
+                  <a:pt x="228" y="269"/>
+                  <a:pt x="228" y="288"/>
+                </a:cubicBezTo>
+                <a:cubicBezTo>
+                  <a:pt x="227" y="320"/>
+                  <a:pt x="236" y="334"/>
+                  <a:pt x="248" y="347"/>
+                </a:cubicBezTo>
+                <a:cubicBezTo>
+                  <a:pt x="250" y="345"/>
+                  <a:pt x="251" y="343"/>
+                  <a:pt x="253" y="340"/>
+                </a:cubicBezTo>
+                <a:cubicBezTo>
+                  <a:pt x="246" y="330"/>
+                  <a:pt x="237" y="313"/>
+                  <a:pt x="238" y="289"/>
+                </a:cubicBezTo>
+                <a:cubicBezTo>
+                  <a:pt x="239" y="273"/>
+                  <a:pt x="243" y="254"/>
+                  <a:pt x="247" y="233"/>
+                </a:cubicBezTo>
+                <a:cubicBezTo>
+                  <a:pt x="257" y="169"/>
+                  <a:pt x="233" y="66"/>
+                  <a:pt x="143" y="65"/>
+                </a:cubicBezTo>
+                <a:cubicBezTo>
+                  <a:pt x="77" y="64"/>
+                  <a:pt x="7" y="129"/>
+                  <a:pt x="20" y="263"/>
+                </a:cubicBezTo>
+                <a:cubicBezTo>
+                  <a:pt x="24" y="299"/>
+                  <a:pt x="39" y="330"/>
+                  <a:pt x="54" y="354"/>
+                </a:cubicBezTo>
+                <a:cubicBezTo>
+                  <a:pt x="64" y="365"/>
+                  <a:pt x="74" y="373"/>
+                  <a:pt x="85" y="380"/>
+                </a:cubicBezTo>
+                <a:close/>
+                <a:moveTo>
+                  <a:pt x="219" y="331"/>
+                </a:moveTo>
+                <a:cubicBezTo>
+                  <a:pt x="211" y="309"/>
+                  <a:pt x="212" y="277"/>
+                  <a:pt x="219" y="242"/>
+                </a:cubicBezTo>
+                <a:cubicBezTo>
+                  <a:pt x="228" y="183"/>
+                  <a:pt x="216" y="99"/>
+                  <a:pt x="137" y="99"/>
+                </a:cubicBezTo>
+                <a:cubicBezTo>
+                  <a:pt x="73" y="99"/>
+                  <a:pt x="16" y="198"/>
+                  <a:pt x="56" y="305"/>
+                </a:cubicBezTo>
+                <a:cubicBezTo>
+                  <a:pt x="72" y="346"/>
+                  <a:pt x="96" y="376"/>
+                  <a:pt x="113" y="393"/>
+                </a:cubicBezTo>
+                <a:cubicBezTo>
+                  <a:pt x="118" y="395"/>
+                  <a:pt x="123" y="396"/>
+                  <a:pt x="129" y="397"/>
+                </a:cubicBezTo>
+                <a:cubicBezTo>
+                  <a:pt x="113" y="382"/>
+                  <a:pt x="84" y="348"/>
+                  <a:pt x="67" y="300"/>
+                </a:cubicBezTo>
+                <a:cubicBezTo>
+                  <a:pt x="37" y="213"/>
+                  <a:pt x="79" y="116"/>
+                  <a:pt x="137" y="115"/>
+                </a:cubicBezTo>
+                <a:cubicBezTo>
+                  <a:pt x="189" y="114"/>
+                  <a:pt x="216" y="168"/>
+                  <a:pt x="208" y="239"/>
+                </a:cubicBezTo>
+                <a:cubicBezTo>
+                  <a:pt x="201" y="274"/>
+                  <a:pt x="200" y="310"/>
+                  <a:pt x="210" y="334"/>
+                </a:cubicBezTo>
+                <a:cubicBezTo>
+                  <a:pt x="217" y="351"/>
+                  <a:pt x="228" y="359"/>
+                  <a:pt x="233" y="363"/>
+                </a:cubicBezTo>
+                <a:cubicBezTo>
+                  <a:pt x="235" y="361"/>
+                  <a:pt x="237" y="359"/>
+                  <a:pt x="239" y="357"/>
+                </a:cubicBezTo>
+                <a:cubicBezTo>
+                  <a:pt x="235" y="354"/>
+                  <a:pt x="225" y="347"/>
+                  <a:pt x="219" y="331"/>
+                </a:cubicBezTo>
+                <a:close/>
+                <a:moveTo>
+                  <a:pt x="0" y="202"/>
+                </a:moveTo>
+                <a:cubicBezTo>
+                  <a:pt x="0" y="217"/>
+                  <a:pt x="1" y="231"/>
+                  <a:pt x="4" y="245"/>
+                </a:cubicBezTo>
+                <a:cubicBezTo>
+                  <a:pt x="6" y="146"/>
+                  <a:pt x="40" y="49"/>
+                  <a:pt x="144" y="51"/>
+                </a:cubicBezTo>
+                <a:cubicBezTo>
+                  <a:pt x="230" y="51"/>
+                  <a:pt x="271" y="143"/>
+                  <a:pt x="262" y="219"/>
+                </a:cubicBezTo>
+                <a:cubicBezTo>
+                  <a:pt x="259" y="248"/>
+                  <a:pt x="252" y="276"/>
+                  <a:pt x="252" y="298"/>
+                </a:cubicBezTo>
+                <a:cubicBezTo>
+                  <a:pt x="252" y="315"/>
+                  <a:pt x="258" y="326"/>
+                  <a:pt x="260" y="330"/>
+                </a:cubicBezTo>
+                <a:cubicBezTo>
+                  <a:pt x="262" y="327"/>
+                  <a:pt x="264" y="323"/>
+                  <a:pt x="266" y="320"/>
+                </a:cubicBezTo>
+                <a:cubicBezTo>
+                  <a:pt x="263" y="314"/>
+                  <a:pt x="261" y="308"/>
+                  <a:pt x="262" y="298"/>
+                </a:cubicBezTo>
+                <a:cubicBezTo>
+                  <a:pt x="262" y="279"/>
+                  <a:pt x="272" y="252"/>
+                  <a:pt x="277" y="221"/>
+                </a:cubicBezTo>
+                <a:cubicBezTo>
+                  <a:pt x="288" y="144"/>
+                  <a:pt x="247" y="31"/>
+                  <a:pt x="144" y="31"/>
+                </a:cubicBezTo>
+                <a:cubicBezTo>
+                  <a:pt x="62" y="32"/>
+                  <a:pt x="18" y="92"/>
+                  <a:pt x="3" y="162"/>
+                </a:cubicBezTo>
+                <a:cubicBezTo>
+                  <a:pt x="1" y="175"/>
+                  <a:pt x="0" y="188"/>
+                  <a:pt x="0" y="201"/>
+                </a:cubicBezTo>
+                <a:cubicBezTo>
+                  <a:pt x="0" y="201"/>
+                  <a:pt x="0" y="202"/>
+                  <a:pt x="0" y="202"/>
+                </a:cubicBezTo>
+                <a:close/>
+                <a:moveTo>
+                  <a:pt x="262" y="75"/>
+                </a:moveTo>
+                <a:cubicBezTo>
+                  <a:pt x="244" y="44"/>
+                  <a:pt x="206" y="0"/>
+                  <a:pt x="145" y="0"/>
+                </a:cubicBezTo>
+                <a:cubicBezTo>
+                  <a:pt x="108" y="0"/>
+                  <a:pt x="80" y="18"/>
+                  <a:pt x="58" y="40"/>
+                </a:cubicBezTo>
+                <a:cubicBezTo>
+                  <a:pt x="60" y="39"/>
+                  <a:pt x="91" y="18"/>
+                  <a:pt x="144" y="18"/>
+                </a:cubicBezTo>
+                <a:cubicBezTo>
+                  <a:pt x="220" y="18"/>
+                  <a:pt x="262" y="75"/>
+                  <a:pt x="262" y="75"/>
+                </a:cubicBezTo>
+                <a:close/>
+                <a:moveTo>
+                  <a:pt x="142" y="308"/>
+                </a:moveTo>
+                <a:cubicBezTo>
+                  <a:pt x="140" y="294"/>
+                  <a:pt x="141" y="277"/>
+                  <a:pt x="142" y="260"/>
+                </a:cubicBezTo>
+                <a:cubicBezTo>
+                  <a:pt x="143" y="238"/>
+                  <a:pt x="144" y="209"/>
+                  <a:pt x="137" y="201"/>
+                </a:cubicBezTo>
+                <a:cubicBezTo>
+                  <a:pt x="137" y="201"/>
+                  <a:pt x="137" y="201"/>
+                  <a:pt x="135" y="201"/>
+                </a:cubicBezTo>
+                <a:cubicBezTo>
+                  <a:pt x="135" y="201"/>
+                  <a:pt x="132" y="202"/>
+                  <a:pt x="130" y="208"/>
+                </a:cubicBezTo>
+                <a:cubicBezTo>
+                  <a:pt x="122" y="227"/>
+                  <a:pt x="122" y="271"/>
+                  <a:pt x="141" y="308"/>
+                </a:cubicBezTo>
+                <a:cubicBezTo>
+                  <a:pt x="141" y="309"/>
+                  <a:pt x="142" y="309"/>
+                  <a:pt x="142" y="308"/>
+                </a:cubicBezTo>
+                <a:close/>
+              </a:path>
+            </a:pathLst>
+          </a:custGeom>
+          <a:solidFill>
+            <a:srgbClr val="595959"/>
+          </a:solidFill>
+          <a:ln>
+            <a:noFill/>
+          </a:ln>
+          <a:extLst/>
+        </p:spPr>
+        <p:txBody>
+          <a:bodyPr vert="horz" wrap="square" lIns="82305" tIns="41153" rIns="82305" bIns="41153" numCol="1" anchor="t" anchorCtr="0" compatLnSpc="1">
+            <a:prstTxWarp prst="textNoShape">
+              <a:avLst/>
+            </a:prstTxWarp>
+          </a:bodyPr>
+          <a:lstStyle>
+            <a:defPPr>
+              <a:defRPr lang="en-US"/>
+            </a:defPPr>
+            <a:lvl1pPr marL="0" algn="l" defTabSz="914363" rtl="0" eaLnBrk="1" latinLnBrk="0" hangingPunct="1">
+              <a:defRPr sz="1800" kern="1200">
+                <a:solidFill>
+                  <a:schemeClr val="tx1"/>
+                </a:solidFill>
+                <a:latin typeface="+mn-lt"/>
+                <a:ea typeface="+mn-ea"/>
+                <a:cs typeface="+mn-cs"/>
+              </a:defRPr>
+            </a:lvl1pPr>
+            <a:lvl2pPr marL="457182" algn="l" defTabSz="914363" rtl="0" eaLnBrk="1" latinLnBrk="0" hangingPunct="1">
+              <a:defRPr sz="1800" kern="1200">
+                <a:solidFill>
+                  <a:schemeClr val="tx1"/>
+                </a:solidFill>
+                <a:latin typeface="+mn-lt"/>
+                <a:ea typeface="+mn-ea"/>
+                <a:cs typeface="+mn-cs"/>
+              </a:defRPr>
+            </a:lvl2pPr>
+            <a:lvl3pPr marL="914363" algn="l" defTabSz="914363" rtl="0" eaLnBrk="1" latinLnBrk="0" hangingPunct="1">
+              <a:defRPr sz="1800" kern="1200">
+                <a:solidFill>
+                  <a:schemeClr val="tx1"/>
+                </a:solidFill>
+                <a:latin typeface="+mn-lt"/>
+                <a:ea typeface="+mn-ea"/>
+                <a:cs typeface="+mn-cs"/>
+              </a:defRPr>
+            </a:lvl3pPr>
+            <a:lvl4pPr marL="1371545" algn="l" defTabSz="914363" rtl="0" eaLnBrk="1" latinLnBrk="0" hangingPunct="1">
+              <a:defRPr sz="1800" kern="1200">
+                <a:solidFill>
+                  <a:schemeClr val="tx1"/>
+                </a:solidFill>
+                <a:latin typeface="+mn-lt"/>
+                <a:ea typeface="+mn-ea"/>
+                <a:cs typeface="+mn-cs"/>
+              </a:defRPr>
+            </a:lvl4pPr>
+            <a:lvl5pPr marL="1828727" algn="l" defTabSz="914363" rtl="0" eaLnBrk="1" latinLnBrk="0" hangingPunct="1">
+              <a:defRPr sz="1800" kern="1200">
+                <a:solidFill>
+                  <a:schemeClr val="tx1"/>
+                </a:solidFill>
+                <a:latin typeface="+mn-lt"/>
+                <a:ea typeface="+mn-ea"/>
+                <a:cs typeface="+mn-cs"/>
+              </a:defRPr>
+            </a:lvl5pPr>
+            <a:lvl6pPr marL="2285909" algn="l" defTabSz="914363" rtl="0" eaLnBrk="1" latinLnBrk="0" hangingPunct="1">
+              <a:defRPr sz="1800" kern="1200">
+                <a:solidFill>
+                  <a:schemeClr val="tx1"/>
+                </a:solidFill>
+                <a:latin typeface="+mn-lt"/>
+                <a:ea typeface="+mn-ea"/>
+                <a:cs typeface="+mn-cs"/>
+              </a:defRPr>
+            </a:lvl6pPr>
+            <a:lvl7pPr marL="2743090" algn="l" defTabSz="914363" rtl="0" eaLnBrk="1" latinLnBrk="0" hangingPunct="1">
+              <a:defRPr sz="1800" kern="1200">
+                <a:solidFill>
+                  <a:schemeClr val="tx1"/>
+                </a:solidFill>
+                <a:latin typeface="+mn-lt"/>
+                <a:ea typeface="+mn-ea"/>
+                <a:cs typeface="+mn-cs"/>
+              </a:defRPr>
+            </a:lvl7pPr>
+            <a:lvl8pPr marL="3200272" algn="l" defTabSz="914363" rtl="0" eaLnBrk="1" latinLnBrk="0" hangingPunct="1">
+              <a:defRPr sz="1800" kern="1200">
+                <a:solidFill>
+                  <a:schemeClr val="tx1"/>
+                </a:solidFill>
+                <a:latin typeface="+mn-lt"/>
+                <a:ea typeface="+mn-ea"/>
+                <a:cs typeface="+mn-cs"/>
+              </a:defRPr>
+            </a:lvl8pPr>
+            <a:lvl9pPr marL="3657454" algn="l" defTabSz="914363" rtl="0" eaLnBrk="1" latinLnBrk="0" hangingPunct="1">
+              <a:defRPr sz="1800" kern="1200">
+                <a:solidFill>
+                  <a:schemeClr val="tx1"/>
+                </a:solidFill>
+                <a:latin typeface="+mn-lt"/>
+                <a:ea typeface="+mn-ea"/>
+                <a:cs typeface="+mn-cs"/>
+              </a:defRPr>
+            </a:lvl9pPr>
+          </a:lstStyle>
+          <a:p>
+            <a:endParaRPr lang="en-US" sz="1600" dirty="0"/>
           </a:p>
         </p:txBody>
       </p:sp>
     </p:spTree>
     <p:extLst>
       <p:ext uri="{BB962C8B-B14F-4D97-AF65-F5344CB8AC3E}">
-        <p14:creationId xmlns:p14="http://schemas.microsoft.com/office/powerpoint/2010/main" val="2470106224"/>
+        <p14:creationId xmlns:p14="http://schemas.microsoft.com/office/powerpoint/2010/main" val="3484700856"/>
       </p:ext>
     </p:extLst>
   </p:cSld>
@@ -23486,29 +25127,6 @@
       </p:grpSpPr>
       <p:sp>
         <p:nvSpPr>
-          <p:cNvPr id="2" name="Title 1"/>
-          <p:cNvSpPr>
-            <a:spLocks noGrp="1"/>
-          </p:cNvSpPr>
-          <p:nvPr>
-            <p:ph type="title"/>
-          </p:nvPr>
-        </p:nvSpPr>
-        <p:spPr/>
-        <p:txBody>
-          <a:bodyPr/>
-          <a:lstStyle/>
-          <a:p>
-            <a:r>
-              <a:rPr lang="en-AU" dirty="0" smtClean="0"/>
-              <a:t>Cons</a:t>
-            </a:r>
-            <a:endParaRPr lang="en-AU" dirty="0"/>
-          </a:p>
-        </p:txBody>
-      </p:sp>
-      <p:sp>
-        <p:nvSpPr>
           <p:cNvPr id="3" name="Text Placeholder 2"/>
           <p:cNvSpPr>
             <a:spLocks noGrp="1"/>
@@ -23519,54 +25137,26 @@
         </p:nvSpPr>
         <p:spPr>
           <a:xfrm>
-            <a:off x="519112" y="1447799"/>
-            <a:ext cx="11149013" cy="2446824"/>
+            <a:off x="521208" y="2397746"/>
+            <a:ext cx="10693401" cy="1378644"/>
           </a:xfrm>
         </p:spPr>
         <p:txBody>
           <a:bodyPr/>
           <a:lstStyle/>
           <a:p>
-            <a:pPr marL="574675" indent="-571500">
-              <a:buFont typeface="Arial" panose="020B0604020202020204" pitchFamily="34" charset="0"/>
-              <a:buChar char="•"/>
-            </a:pPr>
-            <a:r>
-              <a:rPr lang="en-AU" dirty="0" smtClean="0"/>
-              <a:t>Long-running queries and transactions will get terminated</a:t>
-            </a:r>
-          </a:p>
-          <a:p>
-            <a:pPr marL="574675" indent="-571500">
-              <a:buFont typeface="Arial" panose="020B0604020202020204" pitchFamily="34" charset="0"/>
-              <a:buChar char="•"/>
-            </a:pPr>
-            <a:r>
-              <a:rPr lang="en-AU" dirty="0"/>
-              <a:t>Backups can be a pain </a:t>
-            </a:r>
-            <a:r>
-              <a:rPr lang="en-AU" dirty="0" smtClean="0"/>
-              <a:t>point</a:t>
-            </a:r>
-          </a:p>
-          <a:p>
-            <a:pPr marL="574675" indent="-571500">
-              <a:buFont typeface="Arial" panose="020B0604020202020204" pitchFamily="34" charset="0"/>
-              <a:buChar char="•"/>
-            </a:pPr>
-            <a:r>
-              <a:rPr lang="en-AU" dirty="0" smtClean="0"/>
-              <a:t>The I/O performance won’t be extreme</a:t>
-            </a:r>
-            <a:endParaRPr lang="en-AU" dirty="0"/>
+            <a:r>
+              <a:rPr lang="en-US" dirty="0" smtClean="0"/>
+              <a:t>Things to watch out for</a:t>
+            </a:r>
+            <a:endParaRPr lang="en-US" dirty="0"/>
           </a:p>
         </p:txBody>
       </p:sp>
     </p:spTree>
     <p:extLst>
       <p:ext uri="{BB962C8B-B14F-4D97-AF65-F5344CB8AC3E}">
-        <p14:creationId xmlns:p14="http://schemas.microsoft.com/office/powerpoint/2010/main" val="4163252091"/>
+        <p14:creationId xmlns:p14="http://schemas.microsoft.com/office/powerpoint/2010/main" val="1604097720"/>
       </p:ext>
     </p:extLst>
   </p:cSld>
@@ -23576,6 +25166,13 @@
   <p:transition>
     <p:fade/>
   </p:transition>
+  <p:timing>
+    <p:tnLst>
+      <p:par>
+        <p:cTn id="1" dur="indefinite" restart="never" nodeType="tmRoot"/>
+      </p:par>
+    </p:tnLst>
+  </p:timing>
 </p:sld>
 </file>
 
@@ -23618,7 +25215,7 @@
           <a:p>
             <a:r>
               <a:rPr lang="en-US" dirty="0" smtClean="0"/>
-              <a:t>Major Pain Points</a:t>
+              <a:t>Performance and Scalability</a:t>
             </a:r>
             <a:endParaRPr lang="en-US" dirty="0"/>
           </a:p>
@@ -23627,7 +25224,7 @@
     </p:spTree>
     <p:extLst>
       <p:ext uri="{BB962C8B-B14F-4D97-AF65-F5344CB8AC3E}">
-        <p14:creationId xmlns:p14="http://schemas.microsoft.com/office/powerpoint/2010/main" val="1604097720"/>
+        <p14:creationId xmlns:p14="http://schemas.microsoft.com/office/powerpoint/2010/main" val="3976394218"/>
       </p:ext>
     </p:extLst>
   </p:cSld>
@@ -23666,6 +25263,29 @@
       </p:grpSpPr>
       <p:sp>
         <p:nvSpPr>
+          <p:cNvPr id="2" name="Title 1"/>
+          <p:cNvSpPr>
+            <a:spLocks noGrp="1"/>
+          </p:cNvSpPr>
+          <p:nvPr>
+            <p:ph type="title"/>
+          </p:nvPr>
+        </p:nvSpPr>
+        <p:spPr/>
+        <p:txBody>
+          <a:bodyPr/>
+          <a:lstStyle/>
+          <a:p>
+            <a:r>
+              <a:rPr lang="en-AU" dirty="0" smtClean="0"/>
+              <a:t>HA</a:t>
+            </a:r>
+            <a:endParaRPr lang="en-AU" dirty="0"/>
+          </a:p>
+        </p:txBody>
+      </p:sp>
+      <p:sp>
+        <p:nvSpPr>
           <p:cNvPr id="3" name="Text Placeholder 2"/>
           <p:cNvSpPr>
             <a:spLocks noGrp="1"/>
@@ -23676,8 +25296,8 @@
         </p:nvSpPr>
         <p:spPr>
           <a:xfrm>
-            <a:off x="521208" y="2397746"/>
-            <a:ext cx="10693401" cy="1378644"/>
+            <a:off x="519112" y="1447799"/>
+            <a:ext cx="11149013" cy="3231654"/>
           </a:xfrm>
         </p:spPr>
         <p:txBody>
@@ -23685,17 +25305,45 @@
           <a:lstStyle/>
           <a:p>
             <a:r>
-              <a:rPr lang="en-US" dirty="0" smtClean="0"/>
-              <a:t>Scaling</a:t>
-            </a:r>
-            <a:endParaRPr lang="en-US" dirty="0"/>
+              <a:rPr lang="en-AU" dirty="0" smtClean="0"/>
+              <a:t>Has Availability Guarantees</a:t>
+            </a:r>
+          </a:p>
+          <a:p>
+            <a:r>
+              <a:rPr lang="en-AU" dirty="0"/>
+              <a:t>3 </a:t>
+            </a:r>
+            <a:r>
+              <a:rPr lang="en-AU" dirty="0" smtClean="0"/>
+              <a:t>copies of database </a:t>
+            </a:r>
+            <a:r>
+              <a:rPr lang="en-AU" dirty="0"/>
+              <a:t>– 1 primary, 2 secondary</a:t>
+            </a:r>
+          </a:p>
+          <a:p>
+            <a:r>
+              <a:rPr lang="en-AU" dirty="0" smtClean="0"/>
+              <a:t>Automatic Failure Detection</a:t>
+            </a:r>
+          </a:p>
+          <a:p>
+            <a:r>
+              <a:rPr lang="en-AU" dirty="0" smtClean="0"/>
+              <a:t>Automatic Failover and Reconfiguration</a:t>
+            </a:r>
+          </a:p>
+          <a:p>
+            <a:endParaRPr lang="en-AU" dirty="0" smtClean="0"/>
           </a:p>
         </p:txBody>
       </p:sp>
     </p:spTree>
     <p:extLst>
       <p:ext uri="{BB962C8B-B14F-4D97-AF65-F5344CB8AC3E}">
-        <p14:creationId xmlns:p14="http://schemas.microsoft.com/office/powerpoint/2010/main" val="1305434014"/>
+        <p14:creationId xmlns:p14="http://schemas.microsoft.com/office/powerpoint/2010/main" val="2409194687"/>
       </p:ext>
     </p:extLst>
   </p:cSld>
@@ -23705,13 +25353,6 @@
   <p:transition>
     <p:fade/>
   </p:transition>
-  <p:timing>
-    <p:tnLst>
-      <p:par>
-        <p:cTn id="1" dur="indefinite" restart="never" nodeType="tmRoot"/>
-      </p:par>
-    </p:tnLst>
-  </p:timing>
 </p:sld>
 </file>
 
@@ -23749,7 +25390,7 @@
           <a:p>
             <a:r>
               <a:rPr lang="en-AU" dirty="0" smtClean="0"/>
-              <a:t>Size</a:t>
+              <a:t>Performance</a:t>
             </a:r>
             <a:endParaRPr lang="en-AU" dirty="0"/>
           </a:p>
@@ -23768,7 +25409,7 @@
         <p:spPr>
           <a:xfrm>
             <a:off x="519112" y="1447799"/>
-            <a:ext cx="11149013" cy="1892826"/>
+            <a:ext cx="11149013" cy="3231654"/>
           </a:xfrm>
         </p:spPr>
         <p:txBody>
@@ -23776,20 +25417,44 @@
           <a:lstStyle/>
           <a:p>
             <a:r>
+              <a:rPr lang="en-AU" dirty="0"/>
+              <a:t>No Performance </a:t>
+            </a:r>
+            <a:r>
               <a:rPr lang="en-AU" dirty="0" smtClean="0"/>
-              <a:t>Scale vertically up to 150GB</a:t>
+              <a:t>Guarantees</a:t>
             </a:r>
           </a:p>
           <a:p>
             <a:r>
               <a:rPr lang="en-AU" dirty="0" smtClean="0"/>
-              <a:t>Multiple databases expensive</a:t>
+              <a:t>Shared H/W, Multi-tenant</a:t>
+            </a:r>
+          </a:p>
+          <a:p>
+            <a:r>
+              <a:rPr lang="en-AU" dirty="0"/>
+              <a:t>Load Balancer</a:t>
             </a:r>
           </a:p>
           <a:p>
             <a:r>
               <a:rPr lang="en-AU" dirty="0" smtClean="0"/>
-              <a:t>Multi-tenancy is cost-effective</a:t>
+              <a:t>Quorum </a:t>
+            </a:r>
+            <a:r>
+              <a:rPr lang="en-AU" dirty="0"/>
+              <a:t>Commit – at least 2 replicas must </a:t>
+            </a:r>
+            <a:r>
+              <a:rPr lang="en-AU" dirty="0" smtClean="0"/>
+              <a:t>commit</a:t>
+            </a:r>
+          </a:p>
+          <a:p>
+            <a:r>
+              <a:rPr lang="en-AU" dirty="0" smtClean="0"/>
+              <a:t>Latency</a:t>
             </a:r>
           </a:p>
         </p:txBody>
@@ -23797,7 +25462,7 @@
     </p:spTree>
     <p:extLst>
       <p:ext uri="{BB962C8B-B14F-4D97-AF65-F5344CB8AC3E}">
-        <p14:creationId xmlns:p14="http://schemas.microsoft.com/office/powerpoint/2010/main" val="2631833830"/>
+        <p14:creationId xmlns:p14="http://schemas.microsoft.com/office/powerpoint/2010/main" val="2393524645"/>
       </p:ext>
     </p:extLst>
   </p:cSld>
@@ -23887,8 +25552,9 @@
             <a:pPr marL="0" indent="3175"/>
             <a:r>
               <a:rPr lang="en-US" sz="4000" dirty="0" smtClean="0"/>
-              <a:t>Major pain points</a:t>
-            </a:r>
+              <a:t>Things to watch out for</a:t>
+            </a:r>
+            <a:endParaRPr lang="en-US" sz="4000" dirty="0" smtClean="0"/>
           </a:p>
           <a:p>
             <a:pPr marL="0" indent="3175"/>
@@ -24121,7 +25787,7 @@
           <a:p>
             <a:r>
               <a:rPr lang="en-AU" dirty="0" smtClean="0"/>
-              <a:t>Performance</a:t>
+              <a:t>Scalability</a:t>
             </a:r>
             <a:endParaRPr lang="en-AU" dirty="0"/>
           </a:p>
@@ -24149,13 +25815,13 @@
           <a:p>
             <a:r>
               <a:rPr lang="en-AU" dirty="0" smtClean="0"/>
-              <a:t>Vertical scaling done seamlessly by Azure</a:t>
+              <a:t>Scale vertically up to 150GB</a:t>
             </a:r>
           </a:p>
           <a:p>
             <a:r>
               <a:rPr lang="en-AU" dirty="0" smtClean="0"/>
-              <a:t>Real scalability from horizontal scaling</a:t>
+              <a:t>Horizontal Scaling </a:t>
             </a:r>
           </a:p>
           <a:p>
@@ -24164,8 +25830,12 @@
               <a:t>	</a:t>
             </a:r>
             <a:r>
+              <a:rPr lang="en-AU" dirty="0" err="1" smtClean="0"/>
+              <a:t>Sharding</a:t>
+            </a:r>
+            <a:r>
               <a:rPr lang="en-AU" dirty="0" smtClean="0"/>
-              <a:t>Manual</a:t>
+              <a:t> </a:t>
             </a:r>
           </a:p>
           <a:p>
@@ -24175,7 +25845,7 @@
             </a:r>
             <a:r>
               <a:rPr lang="en-AU" dirty="0" smtClean="0"/>
-              <a:t>Azure Federations</a:t>
+              <a:t>Federations</a:t>
             </a:r>
           </a:p>
         </p:txBody>
@@ -24183,7 +25853,7 @@
     </p:spTree>
     <p:extLst>
       <p:ext uri="{BB962C8B-B14F-4D97-AF65-F5344CB8AC3E}">
-        <p14:creationId xmlns:p14="http://schemas.microsoft.com/office/powerpoint/2010/main" val="2909850387"/>
+        <p14:creationId xmlns:p14="http://schemas.microsoft.com/office/powerpoint/2010/main" val="2611423250"/>
       </p:ext>
     </p:extLst>
   </p:cSld>
@@ -24197,192 +25867,6 @@
 </file>
 
 <file path=ppt/slides/slide21.xml><?xml version="1.0" encoding="utf-8"?>
-<p:sld xmlns:a="http://schemas.openxmlformats.org/drawingml/2006/main" xmlns:r="http://schemas.openxmlformats.org/officeDocument/2006/relationships" xmlns:p="http://schemas.openxmlformats.org/presentationml/2006/main">
-  <p:cSld>
-    <p:spTree>
-      <p:nvGrpSpPr>
-        <p:cNvPr id="1" name=""/>
-        <p:cNvGrpSpPr/>
-        <p:nvPr/>
-      </p:nvGrpSpPr>
-      <p:grpSpPr>
-        <a:xfrm>
-          <a:off x="0" y="0"/>
-          <a:ext cx="0" cy="0"/>
-          <a:chOff x="0" y="0"/>
-          <a:chExt cx="0" cy="0"/>
-        </a:xfrm>
-      </p:grpSpPr>
-      <p:sp>
-        <p:nvSpPr>
-          <p:cNvPr id="2" name="Title 1"/>
-          <p:cNvSpPr>
-            <a:spLocks noGrp="1"/>
-          </p:cNvSpPr>
-          <p:nvPr>
-            <p:ph type="title"/>
-          </p:nvPr>
-        </p:nvSpPr>
-        <p:spPr/>
-        <p:txBody>
-          <a:bodyPr/>
-          <a:lstStyle/>
-          <a:p>
-            <a:r>
-              <a:rPr lang="en-AU" dirty="0" smtClean="0"/>
-              <a:t>Right tool for the job</a:t>
-            </a:r>
-            <a:endParaRPr lang="en-AU" dirty="0"/>
-          </a:p>
-        </p:txBody>
-      </p:sp>
-      <p:sp>
-        <p:nvSpPr>
-          <p:cNvPr id="3" name="Text Placeholder 2"/>
-          <p:cNvSpPr>
-            <a:spLocks noGrp="1"/>
-          </p:cNvSpPr>
-          <p:nvPr>
-            <p:ph type="body" sz="quarter" idx="10"/>
-          </p:nvPr>
-        </p:nvSpPr>
-        <p:spPr>
-          <a:xfrm>
-            <a:off x="519112" y="1447799"/>
-            <a:ext cx="11149013" cy="5563061"/>
-          </a:xfrm>
-        </p:spPr>
-        <p:txBody>
-          <a:bodyPr/>
-          <a:lstStyle/>
-          <a:p>
-            <a:r>
-              <a:rPr lang="en-AU" dirty="0" smtClean="0"/>
-              <a:t>Azure SQL Database isn’t applicable for everything</a:t>
-            </a:r>
-          </a:p>
-          <a:p>
-            <a:r>
-              <a:rPr lang="en-AU" dirty="0" smtClean="0"/>
-              <a:t>Other options:</a:t>
-            </a:r>
-          </a:p>
-          <a:p>
-            <a:r>
-              <a:rPr lang="en-AU" dirty="0" smtClean="0"/>
-              <a:t>	</a:t>
-            </a:r>
-            <a:r>
-              <a:rPr lang="en-AU" sz="3500" dirty="0" smtClean="0"/>
-              <a:t>Azure </a:t>
-            </a:r>
-            <a:r>
-              <a:rPr lang="en-AU" sz="3500" dirty="0"/>
-              <a:t>Table </a:t>
-            </a:r>
-            <a:r>
-              <a:rPr lang="en-AU" sz="3500" dirty="0" smtClean="0"/>
-              <a:t>Storage</a:t>
-            </a:r>
-          </a:p>
-          <a:p>
-            <a:r>
-              <a:rPr lang="en-AU" sz="3500" dirty="0"/>
-              <a:t>	</a:t>
-            </a:r>
-            <a:r>
-              <a:rPr lang="en-AU" sz="3500" dirty="0" smtClean="0"/>
-              <a:t>Azure Blob Storage</a:t>
-            </a:r>
-          </a:p>
-          <a:p>
-            <a:r>
-              <a:rPr lang="en-AU" sz="3500" dirty="0"/>
-              <a:t>	</a:t>
-            </a:r>
-            <a:r>
-              <a:rPr lang="en-AU" sz="3500" dirty="0" err="1" smtClean="0"/>
-              <a:t>Hadoop</a:t>
-            </a:r>
-            <a:r>
-              <a:rPr lang="en-AU" sz="3500" dirty="0" smtClean="0"/>
-              <a:t> (big data)</a:t>
-            </a:r>
-            <a:endParaRPr lang="en-AU" sz="3500" dirty="0"/>
-          </a:p>
-          <a:p>
-            <a:r>
-              <a:rPr lang="en-AU" sz="3500" dirty="0" smtClean="0"/>
-              <a:t>	</a:t>
-            </a:r>
-            <a:r>
-              <a:rPr lang="en-AU" sz="3500" dirty="0" err="1" smtClean="0"/>
-              <a:t>IaaS</a:t>
-            </a:r>
-            <a:r>
-              <a:rPr lang="en-AU" sz="3500" dirty="0" smtClean="0"/>
-              <a:t> </a:t>
-            </a:r>
-            <a:r>
-              <a:rPr lang="en-AU" sz="3500" dirty="0"/>
-              <a:t>VM with SQL </a:t>
-            </a:r>
-            <a:r>
-              <a:rPr lang="en-AU" sz="3500" dirty="0" smtClean="0"/>
-              <a:t>server</a:t>
-            </a:r>
-          </a:p>
-          <a:p>
-            <a:r>
-              <a:rPr lang="en-AU" sz="3500" dirty="0"/>
-              <a:t>	</a:t>
-            </a:r>
-            <a:r>
-              <a:rPr lang="en-AU" sz="3500" dirty="0" smtClean="0"/>
-              <a:t>Worker Role or </a:t>
-            </a:r>
-            <a:r>
-              <a:rPr lang="en-AU" sz="3500" dirty="0" err="1" smtClean="0"/>
-              <a:t>IaaS</a:t>
-            </a:r>
-            <a:r>
-              <a:rPr lang="en-AU" sz="3500" dirty="0" smtClean="0"/>
-              <a:t> VM with Neo4J, Raven, etc.</a:t>
-            </a:r>
-          </a:p>
-          <a:p>
-            <a:r>
-              <a:rPr lang="en-AU" sz="3500" dirty="0"/>
-              <a:t>	</a:t>
-            </a:r>
-            <a:r>
-              <a:rPr lang="en-AU" sz="3500" dirty="0" smtClean="0"/>
-              <a:t>Hybrid</a:t>
-            </a:r>
-            <a:endParaRPr lang="en-AU" sz="3500" dirty="0"/>
-          </a:p>
-          <a:p>
-            <a:endParaRPr lang="en-AU" dirty="0"/>
-          </a:p>
-        </p:txBody>
-      </p:sp>
-    </p:spTree>
-    <p:extLst>
-      <p:ext uri="{BB962C8B-B14F-4D97-AF65-F5344CB8AC3E}">
-        <p14:creationId xmlns:p14="http://schemas.microsoft.com/office/powerpoint/2010/main" val="3660461999"/>
-      </p:ext>
-    </p:extLst>
-  </p:cSld>
-  <p:clrMapOvr>
-    <a:masterClrMapping/>
-  </p:clrMapOvr>
-  <p:transition>
-    <p:fade/>
-  </p:transition>
-</p:sld>
-</file>
-
-<file path=ppt/slides/slide22.xml><?xml version="1.0" encoding="utf-8"?>
 <p:sld xmlns:a="http://schemas.openxmlformats.org/drawingml/2006/main" xmlns:r="http://schemas.openxmlformats.org/officeDocument/2006/relationships" xmlns:p="http://schemas.openxmlformats.org/presentationml/2006/main">
   <p:cSld>
     <p:spTree>
@@ -24450,7 +25934,7 @@
 </p:sld>
 </file>
 
-<file path=ppt/slides/slide23.xml><?xml version="1.0" encoding="utf-8"?>
+<file path=ppt/slides/slide22.xml><?xml version="1.0" encoding="utf-8"?>
 <p:sld xmlns:a="http://schemas.openxmlformats.org/drawingml/2006/main" xmlns:r="http://schemas.openxmlformats.org/officeDocument/2006/relationships" xmlns:p="http://schemas.openxmlformats.org/presentationml/2006/main">
   <p:cSld>
     <p:spTree>
@@ -29654,7 +31138,7 @@
 </p:sld>
 </file>
 
-<file path=ppt/slides/slide24.xml><?xml version="1.0" encoding="utf-8"?>
+<file path=ppt/slides/slide23.xml><?xml version="1.0" encoding="utf-8"?>
 <p:sld xmlns:a="http://schemas.openxmlformats.org/drawingml/2006/main" xmlns:r="http://schemas.openxmlformats.org/officeDocument/2006/relationships" xmlns:p="http://schemas.openxmlformats.org/presentationml/2006/main">
   <p:cSld>
     <p:spTree>
@@ -29817,7 +31301,7 @@
 </p:sld>
 </file>
 
-<file path=ppt/slides/slide25.xml><?xml version="1.0" encoding="utf-8"?>
+<file path=ppt/slides/slide24.xml><?xml version="1.0" encoding="utf-8"?>
 <p:sld xmlns:a="http://schemas.openxmlformats.org/drawingml/2006/main" xmlns:r="http://schemas.openxmlformats.org/officeDocument/2006/relationships" xmlns:p="http://schemas.openxmlformats.org/presentationml/2006/main">
   <p:cSld>
     <p:spTree>
@@ -29994,7 +31478,7 @@
 </p:sld>
 </file>
 
-<file path=ppt/slides/slide26.xml><?xml version="1.0" encoding="utf-8"?>
+<file path=ppt/slides/slide25.xml><?xml version="1.0" encoding="utf-8"?>
 <p:sld xmlns:a="http://schemas.openxmlformats.org/drawingml/2006/main" xmlns:r="http://schemas.openxmlformats.org/officeDocument/2006/relationships" xmlns:p="http://schemas.openxmlformats.org/presentationml/2006/main">
   <p:cSld>
     <p:spTree>
@@ -30135,6 +31619,78 @@
     <p:extLst>
       <p:ext uri="{BB962C8B-B14F-4D97-AF65-F5344CB8AC3E}">
         <p14:creationId xmlns:p14="http://schemas.microsoft.com/office/powerpoint/2010/main" val="981396761"/>
+      </p:ext>
+    </p:extLst>
+  </p:cSld>
+  <p:clrMapOvr>
+    <a:masterClrMapping/>
+  </p:clrMapOvr>
+  <p:transition>
+    <p:fade/>
+  </p:transition>
+  <p:timing>
+    <p:tnLst>
+      <p:par>
+        <p:cTn id="1" dur="indefinite" restart="never" nodeType="tmRoot"/>
+      </p:par>
+    </p:tnLst>
+  </p:timing>
+</p:sld>
+</file>
+
+<file path=ppt/slides/slide26.xml><?xml version="1.0" encoding="utf-8"?>
+<p:sld xmlns:a="http://schemas.openxmlformats.org/drawingml/2006/main" xmlns:r="http://schemas.openxmlformats.org/officeDocument/2006/relationships" xmlns:p="http://schemas.openxmlformats.org/presentationml/2006/main">
+  <p:cSld>
+    <p:spTree>
+      <p:nvGrpSpPr>
+        <p:cNvPr id="1" name=""/>
+        <p:cNvGrpSpPr/>
+        <p:nvPr/>
+      </p:nvGrpSpPr>
+      <p:grpSpPr>
+        <a:xfrm>
+          <a:off x="0" y="0"/>
+          <a:ext cx="0" cy="0"/>
+          <a:chOff x="0" y="0"/>
+          <a:chExt cx="0" cy="0"/>
+        </a:xfrm>
+      </p:grpSpPr>
+      <p:sp>
+        <p:nvSpPr>
+          <p:cNvPr id="3" name="Text Placeholder 2"/>
+          <p:cNvSpPr>
+            <a:spLocks noGrp="1"/>
+          </p:cNvSpPr>
+          <p:nvPr>
+            <p:ph type="body" sz="quarter" idx="10"/>
+          </p:nvPr>
+        </p:nvSpPr>
+        <p:spPr>
+          <a:xfrm>
+            <a:off x="521208" y="2397746"/>
+            <a:ext cx="10693401" cy="1378644"/>
+          </a:xfrm>
+        </p:spPr>
+        <p:txBody>
+          <a:bodyPr/>
+          <a:lstStyle/>
+          <a:p>
+            <a:r>
+              <a:rPr lang="en-US" dirty="0" smtClean="0"/>
+              <a:t>Transient </a:t>
+            </a:r>
+            <a:r>
+              <a:rPr lang="en-US" dirty="0" smtClean="0"/>
+              <a:t>Faults</a:t>
+            </a:r>
+            <a:endParaRPr lang="en-US" dirty="0"/>
+          </a:p>
+        </p:txBody>
+      </p:sp>
+    </p:spTree>
+    <p:extLst>
+      <p:ext uri="{BB962C8B-B14F-4D97-AF65-F5344CB8AC3E}">
+        <p14:creationId xmlns:p14="http://schemas.microsoft.com/office/powerpoint/2010/main" val="3715508783"/>
       </p:ext>
     </p:extLst>
   </p:cSld>
@@ -30173,6 +31729,29 @@
       </p:grpSpPr>
       <p:sp>
         <p:nvSpPr>
+          <p:cNvPr id="2" name="Title 1"/>
+          <p:cNvSpPr>
+            <a:spLocks noGrp="1"/>
+          </p:cNvSpPr>
+          <p:nvPr>
+            <p:ph type="title"/>
+          </p:nvPr>
+        </p:nvSpPr>
+        <p:spPr/>
+        <p:txBody>
+          <a:bodyPr/>
+          <a:lstStyle/>
+          <a:p>
+            <a:r>
+              <a:rPr lang="en-AU" dirty="0" smtClean="0"/>
+              <a:t>What are transient faults?</a:t>
+            </a:r>
+            <a:endParaRPr lang="en-AU" dirty="0"/>
+          </a:p>
+        </p:txBody>
+      </p:sp>
+      <p:sp>
+        <p:nvSpPr>
           <p:cNvPr id="3" name="Text Placeholder 2"/>
           <p:cNvSpPr>
             <a:spLocks noGrp="1"/>
@@ -30183,8 +31762,8 @@
         </p:nvSpPr>
         <p:spPr>
           <a:xfrm>
-            <a:off x="521208" y="2397746"/>
-            <a:ext cx="10693401" cy="1378644"/>
+            <a:off x="519112" y="1447799"/>
+            <a:ext cx="11149013" cy="4570482"/>
           </a:xfrm>
         </p:spPr>
         <p:txBody>
@@ -30192,17 +31771,87 @@
           <a:lstStyle/>
           <a:p>
             <a:r>
-              <a:rPr lang="en-US" dirty="0" smtClean="0"/>
-              <a:t>Transient Fault Handling</a:t>
-            </a:r>
-            <a:endParaRPr lang="en-US" dirty="0"/>
+              <a:rPr lang="en-AU" dirty="0" smtClean="0"/>
+              <a:t>Faults that occur “sometimes”</a:t>
+            </a:r>
+          </a:p>
+          <a:p>
+            <a:r>
+              <a:rPr lang="en-AU" dirty="0" smtClean="0">
+                <a:solidFill>
+                  <a:schemeClr val="accent4">
+                    <a:lumMod val="50000"/>
+                  </a:schemeClr>
+                </a:solidFill>
+              </a:rPr>
+              <a:t>If you retry the failed operation it will usually succeed</a:t>
+            </a:r>
+          </a:p>
+          <a:p>
+            <a:endParaRPr lang="en-AU" dirty="0"/>
+          </a:p>
+          <a:p>
+            <a:r>
+              <a:rPr lang="en-AU" dirty="0" smtClean="0"/>
+              <a:t>Examples:</a:t>
+            </a:r>
+          </a:p>
+          <a:p>
+            <a:r>
+              <a:rPr lang="en-AU" dirty="0"/>
+              <a:t>	</a:t>
+            </a:r>
+            <a:r>
+              <a:rPr lang="en-AU" dirty="0" smtClean="0">
+                <a:solidFill>
+                  <a:srgbClr val="C00000"/>
+                </a:solidFill>
+              </a:rPr>
+              <a:t>Closing idle connections</a:t>
+            </a:r>
+          </a:p>
+          <a:p>
+            <a:r>
+              <a:rPr lang="en-AU" dirty="0">
+                <a:solidFill>
+                  <a:srgbClr val="C00000"/>
+                </a:solidFill>
+              </a:rPr>
+              <a:t>	</a:t>
+            </a:r>
+            <a:r>
+              <a:rPr lang="en-AU" dirty="0" smtClean="0">
+                <a:solidFill>
+                  <a:srgbClr val="C00000"/>
+                </a:solidFill>
+              </a:rPr>
+              <a:t>Throttling excessive connections</a:t>
+            </a:r>
+          </a:p>
+          <a:p>
+            <a:r>
+              <a:rPr lang="en-AU" dirty="0">
+                <a:solidFill>
+                  <a:srgbClr val="C00000"/>
+                </a:solidFill>
+              </a:rPr>
+              <a:t>	</a:t>
+            </a:r>
+            <a:r>
+              <a:rPr lang="en-AU" dirty="0" smtClean="0">
+                <a:solidFill>
+                  <a:srgbClr val="C00000"/>
+                </a:solidFill>
+              </a:rPr>
+              <a:t>Timeouts when the resource isn’t able to respond</a:t>
+            </a:r>
           </a:p>
         </p:txBody>
       </p:sp>
     </p:spTree>
     <p:extLst>
       <p:ext uri="{BB962C8B-B14F-4D97-AF65-F5344CB8AC3E}">
-        <p14:creationId xmlns:p14="http://schemas.microsoft.com/office/powerpoint/2010/main" val="3715508783"/>
+        <p14:creationId xmlns:p14="http://schemas.microsoft.com/office/powerpoint/2010/main" val="650531519"/>
       </p:ext>
     </p:extLst>
   </p:cSld>
@@ -30212,13 +31861,6 @@
   <p:transition>
     <p:fade/>
   </p:transition>
-  <p:timing>
-    <p:tnLst>
-      <p:par>
-        <p:cTn id="1" dur="indefinite" restart="never" nodeType="tmRoot"/>
-      </p:par>
-    </p:tnLst>
-  </p:timing>
 </p:sld>
 </file>
 
@@ -30249,14 +31891,19 @@
             <p:ph type="title"/>
           </p:nvPr>
         </p:nvSpPr>
-        <p:spPr/>
+        <p:spPr>
+          <a:xfrm>
+            <a:off x="519112" y="228600"/>
+            <a:ext cx="11149013" cy="747897"/>
+          </a:xfrm>
+        </p:spPr>
         <p:txBody>
           <a:bodyPr/>
           <a:lstStyle/>
           <a:p>
             <a:r>
               <a:rPr lang="en-AU" dirty="0" smtClean="0"/>
-              <a:t>What are transient faults?</a:t>
+              <a:t>Why do transient faults occur?</a:t>
             </a:r>
             <a:endParaRPr lang="en-AU" dirty="0"/>
           </a:p>
@@ -30284,7 +31931,26 @@
           <a:p>
             <a:r>
               <a:rPr lang="en-AU" dirty="0" smtClean="0"/>
-              <a:t>Faults that occur “sometimes”</a:t>
+              <a:t>Cloud computing == shared resources</a:t>
+            </a:r>
+          </a:p>
+          <a:p>
+            <a:r>
+              <a:rPr lang="en-AU" dirty="0" smtClean="0"/>
+              <a:t>SLAs dictate expectations</a:t>
+            </a:r>
+          </a:p>
+          <a:p>
+            <a:endParaRPr lang="en-AU" dirty="0" smtClean="0"/>
+          </a:p>
+          <a:p>
+            <a:r>
+              <a:rPr lang="en-AU" dirty="0" smtClean="0">
+                <a:solidFill>
+                  <a:srgbClr val="C00000"/>
+                </a:solidFill>
+              </a:rPr>
+              <a:t>No guarantees outside of SLAs</a:t>
             </a:r>
           </a:p>
           <a:p>
@@ -30296,74 +31962,47 @@
                   </a:schemeClr>
                 </a:solidFill>
               </a:rPr>
-              <a:t>If you retry the failed operation it will usually succeed</a:t>
-            </a:r>
-          </a:p>
-          <a:p>
-            <a:endParaRPr lang="en-AU" dirty="0"/>
-          </a:p>
-          <a:p>
-            <a:r>
-              <a:rPr lang="en-AU" dirty="0" smtClean="0"/>
-              <a:t>Examples:</a:t>
-            </a:r>
-          </a:p>
-          <a:p>
-            <a:r>
-              <a:rPr lang="en-AU" dirty="0"/>
-              <a:t>	</a:t>
+              <a:t>Optimisations improve overall performance</a:t>
+            </a:r>
+          </a:p>
+          <a:p>
+            <a:endParaRPr lang="en-AU" dirty="0">
+              <a:solidFill>
+                <a:schemeClr val="accent4">
+                  <a:lumMod val="50000"/>
+                </a:schemeClr>
+              </a:solidFill>
+            </a:endParaRPr>
+          </a:p>
+          <a:p>
+            <a:r>
+              <a:rPr lang="en-AU" b="1" dirty="0" smtClean="0">
+                <a:solidFill>
+                  <a:schemeClr val="tx1"/>
+                </a:solidFill>
+              </a:rPr>
+              <a:t>Remember:</a:t>
             </a:r>
             <a:r>
               <a:rPr lang="en-AU" dirty="0" smtClean="0">
                 <a:solidFill>
-                  <a:srgbClr val="C00000"/>
+                  <a:schemeClr val="tx1"/>
                 </a:solidFill>
               </a:rPr>
-              <a:t>Closing idle connections</a:t>
-            </a:r>
-          </a:p>
-          <a:p>
-            <a:r>
-              <a:rPr lang="en-AU" dirty="0">
-                <a:solidFill>
-                  <a:srgbClr val="C00000"/>
-                </a:solidFill>
-              </a:rPr>
-              <a:t>	</a:t>
-            </a:r>
-            <a:r>
-              <a:rPr lang="en-AU" dirty="0" smtClean="0">
-                <a:solidFill>
-                  <a:srgbClr val="C00000"/>
-                </a:solidFill>
-              </a:rPr>
-              <a:t>Throttling excessive connections</a:t>
-            </a:r>
-          </a:p>
-          <a:p>
-            <a:r>
-              <a:rPr lang="en-AU" dirty="0">
-                <a:solidFill>
-                  <a:srgbClr val="C00000"/>
-                </a:solidFill>
-              </a:rPr>
-              <a:t>	</a:t>
-            </a:r>
-            <a:r>
-              <a:rPr lang="en-AU" dirty="0" smtClean="0">
-                <a:solidFill>
-                  <a:srgbClr val="C00000"/>
-                </a:solidFill>
-              </a:rPr>
-              <a:t>Timeouts when the resource isn’t able to respond</a:t>
-            </a:r>
+              <a:t> Azure SQL != SQL Server</a:t>
+            </a:r>
+            <a:endParaRPr lang="en-AU" dirty="0">
+              <a:solidFill>
+                <a:schemeClr val="tx1"/>
+              </a:solidFill>
+            </a:endParaRPr>
           </a:p>
         </p:txBody>
       </p:sp>
     </p:spTree>
     <p:extLst>
       <p:ext uri="{BB962C8B-B14F-4D97-AF65-F5344CB8AC3E}">
-        <p14:creationId xmlns:p14="http://schemas.microsoft.com/office/powerpoint/2010/main" val="650531519"/>
+        <p14:creationId xmlns:p14="http://schemas.microsoft.com/office/powerpoint/2010/main" val="437241435"/>
       </p:ext>
     </p:extLst>
   </p:cSld>
@@ -30403,118 +32042,47 @@
             <p:ph type="title"/>
           </p:nvPr>
         </p:nvSpPr>
-        <p:spPr>
-          <a:xfrm>
-            <a:off x="519112" y="228600"/>
-            <a:ext cx="11149013" cy="747897"/>
-          </a:xfrm>
-        </p:spPr>
+        <p:spPr/>
         <p:txBody>
           <a:bodyPr/>
           <a:lstStyle/>
           <a:p>
             <a:r>
               <a:rPr lang="en-AU" dirty="0" smtClean="0"/>
-              <a:t>Why do transient faults occur?</a:t>
+              <a:t>Limits</a:t>
             </a:r>
             <a:endParaRPr lang="en-AU" dirty="0"/>
           </a:p>
         </p:txBody>
       </p:sp>
-      <p:sp>
-        <p:nvSpPr>
-          <p:cNvPr id="3" name="Text Placeholder 2"/>
-          <p:cNvSpPr>
-            <a:spLocks noGrp="1"/>
-          </p:cNvSpPr>
-          <p:nvPr>
-            <p:ph type="body" sz="quarter" idx="10"/>
-          </p:nvPr>
-        </p:nvSpPr>
+      <p:pic>
+        <p:nvPicPr>
+          <p:cNvPr id="4" name="Picture 3"/>
+          <p:cNvPicPr>
+            <a:picLocks noChangeAspect="1"/>
+          </p:cNvPicPr>
+          <p:nvPr/>
+        </p:nvPicPr>
+        <p:blipFill>
+          <a:blip r:embed="rId2"/>
+          <a:stretch>
+            <a:fillRect/>
+          </a:stretch>
+        </p:blipFill>
         <p:spPr>
           <a:xfrm>
-            <a:off x="519112" y="1447799"/>
-            <a:ext cx="11149013" cy="4570482"/>
+            <a:off x="3051174" y="723900"/>
+            <a:ext cx="6086475" cy="5410200"/>
           </a:xfrm>
+          <a:prstGeom prst="rect">
+            <a:avLst/>
+          </a:prstGeom>
         </p:spPr>
-        <p:txBody>
-          <a:bodyPr/>
-          <a:lstStyle/>
-          <a:p>
-            <a:r>
-              <a:rPr lang="en-AU" dirty="0" smtClean="0"/>
-              <a:t>Cloud computing == shared resources</a:t>
-            </a:r>
-          </a:p>
-          <a:p>
-            <a:r>
-              <a:rPr lang="en-AU" dirty="0" smtClean="0"/>
-              <a:t>SLAs dictate expectations</a:t>
-            </a:r>
-          </a:p>
-          <a:p>
-            <a:endParaRPr lang="en-AU" dirty="0" smtClean="0"/>
-          </a:p>
-          <a:p>
-            <a:r>
-              <a:rPr lang="en-AU" dirty="0" smtClean="0">
-                <a:solidFill>
-                  <a:srgbClr val="C00000"/>
-                </a:solidFill>
-              </a:rPr>
-              <a:t>No guarantees outside of SLAs</a:t>
-            </a:r>
-          </a:p>
-          <a:p>
-            <a:r>
-              <a:rPr lang="en-AU" dirty="0" smtClean="0">
-                <a:solidFill>
-                  <a:schemeClr val="accent4">
-                    <a:lumMod val="50000"/>
-                  </a:schemeClr>
-                </a:solidFill>
-              </a:rPr>
-              <a:t>Optimisations improve overall performance</a:t>
-            </a:r>
-          </a:p>
-          <a:p>
-            <a:endParaRPr lang="en-AU" dirty="0">
-              <a:solidFill>
-                <a:schemeClr val="accent4">
-                  <a:lumMod val="50000"/>
-                </a:schemeClr>
-              </a:solidFill>
-            </a:endParaRPr>
-          </a:p>
-          <a:p>
-            <a:r>
-              <a:rPr lang="en-AU" b="1" dirty="0" smtClean="0">
-                <a:solidFill>
-                  <a:schemeClr val="tx1"/>
-                </a:solidFill>
-              </a:rPr>
-              <a:t>Remember:</a:t>
-            </a:r>
-            <a:r>
-              <a:rPr lang="en-AU" dirty="0" smtClean="0">
-                <a:solidFill>
-                  <a:schemeClr val="tx1"/>
-                </a:solidFill>
-              </a:rPr>
-              <a:t> Azure SQL != SQL Server</a:t>
-            </a:r>
-            <a:endParaRPr lang="en-AU" dirty="0">
-              <a:solidFill>
-                <a:schemeClr val="tx1"/>
-              </a:solidFill>
-            </a:endParaRPr>
-          </a:p>
-        </p:txBody>
-      </p:sp>
+      </p:pic>
     </p:spTree>
     <p:extLst>
       <p:ext uri="{BB962C8B-B14F-4D97-AF65-F5344CB8AC3E}">
-        <p14:creationId xmlns:p14="http://schemas.microsoft.com/office/powerpoint/2010/main" val="437241435"/>
+        <p14:creationId xmlns:p14="http://schemas.microsoft.com/office/powerpoint/2010/main" val="156611106"/>
       </p:ext>
     </p:extLst>
   </p:cSld>
@@ -30524,6 +32092,13 @@
   <p:transition>
     <p:fade/>
   </p:transition>
+  <p:timing>
+    <p:tnLst>
+      <p:par>
+        <p:cTn id="1" dur="indefinite" restart="never" nodeType="tmRoot"/>
+      </p:par>
+    </p:tnLst>
+  </p:timing>
 </p:sld>
 </file>
 
@@ -30629,40 +32204,116 @@
           <a:p>
             <a:r>
               <a:rPr lang="en-AU" dirty="0" smtClean="0"/>
-              <a:t>Limits</a:t>
+              <a:t>How to deal with transient faults?</a:t>
             </a:r>
             <a:endParaRPr lang="en-AU" dirty="0"/>
           </a:p>
         </p:txBody>
       </p:sp>
-      <p:pic>
-        <p:nvPicPr>
-          <p:cNvPr id="4" name="Picture 3"/>
-          <p:cNvPicPr>
-            <a:picLocks noChangeAspect="1"/>
-          </p:cNvPicPr>
-          <p:nvPr/>
-        </p:nvPicPr>
-        <p:blipFill>
-          <a:blip r:embed="rId2"/>
-          <a:stretch>
-            <a:fillRect/>
-          </a:stretch>
-        </p:blipFill>
+      <p:sp>
+        <p:nvSpPr>
+          <p:cNvPr id="3" name="Text Placeholder 2"/>
+          <p:cNvSpPr>
+            <a:spLocks noGrp="1"/>
+          </p:cNvSpPr>
+          <p:nvPr>
+            <p:ph type="body" sz="quarter" idx="10"/>
+          </p:nvPr>
+        </p:nvSpPr>
         <p:spPr>
           <a:xfrm>
-            <a:off x="3051174" y="723900"/>
-            <a:ext cx="6086475" cy="5410200"/>
+            <a:off x="519112" y="1447799"/>
+            <a:ext cx="11149013" cy="4570482"/>
           </a:xfrm>
-          <a:prstGeom prst="rect">
-            <a:avLst/>
-          </a:prstGeom>
         </p:spPr>
-      </p:pic>
+        <p:txBody>
+          <a:bodyPr/>
+          <a:lstStyle/>
+          <a:p>
+            <a:r>
+              <a:rPr lang="en-AU" dirty="0" smtClean="0"/>
+              <a:t>Detect transient </a:t>
+            </a:r>
+            <a:r>
+              <a:rPr lang="en-AU" dirty="0"/>
+              <a:t>error codes (</a:t>
+            </a:r>
+            <a:r>
+              <a:rPr lang="en-AU" sz="2300" dirty="0">
+                <a:hlinkClick r:id="rId2"/>
+              </a:rPr>
+              <a:t>http://go.microsoft.com/fwlink/?</a:t>
+            </a:r>
+            <a:r>
+              <a:rPr lang="en-AU" sz="2300" dirty="0" smtClean="0">
+                <a:hlinkClick r:id="rId2"/>
+              </a:rPr>
+              <a:t>LinkId=267637</a:t>
+            </a:r>
+            <a:r>
+              <a:rPr lang="en-AU" dirty="0" smtClean="0"/>
+              <a:t>)</a:t>
+            </a:r>
+          </a:p>
+          <a:p>
+            <a:r>
+              <a:rPr lang="en-AU" dirty="0" smtClean="0"/>
+              <a:t>Connection and command retries (and transactions)</a:t>
+            </a:r>
+          </a:p>
+          <a:p>
+            <a:r>
+              <a:rPr lang="en-AU" dirty="0" smtClean="0"/>
+              <a:t>Consider timeouts</a:t>
+            </a:r>
+          </a:p>
+          <a:p>
+            <a:r>
+              <a:rPr lang="en-AU" dirty="0" smtClean="0"/>
+              <a:t>Implement a retry strategy</a:t>
+            </a:r>
+          </a:p>
+          <a:p>
+            <a:r>
+              <a:rPr lang="en-AU" dirty="0"/>
+              <a:t>	</a:t>
+            </a:r>
+            <a:r>
+              <a:rPr lang="en-AU" dirty="0" smtClean="0"/>
+              <a:t>Exponential-</a:t>
+            </a:r>
+            <a:r>
+              <a:rPr lang="en-AU" dirty="0" err="1" smtClean="0"/>
+              <a:t>backoff</a:t>
+            </a:r>
+            <a:endParaRPr lang="en-AU" dirty="0" smtClean="0"/>
+          </a:p>
+          <a:p>
+            <a:r>
+              <a:rPr lang="en-AU" dirty="0"/>
+              <a:t>	</a:t>
+            </a:r>
+            <a:r>
+              <a:rPr lang="en-AU" dirty="0" smtClean="0"/>
+              <a:t>Fixed interval</a:t>
+            </a:r>
+          </a:p>
+          <a:p>
+            <a:r>
+              <a:rPr lang="en-AU" dirty="0"/>
+              <a:t>	</a:t>
+            </a:r>
+            <a:r>
+              <a:rPr lang="en-AU" dirty="0" smtClean="0"/>
+              <a:t>Incrementing interval</a:t>
+            </a:r>
+          </a:p>
+        </p:txBody>
+      </p:sp>
     </p:spTree>
     <p:extLst>
       <p:ext uri="{BB962C8B-B14F-4D97-AF65-F5344CB8AC3E}">
-        <p14:creationId xmlns:p14="http://schemas.microsoft.com/office/powerpoint/2010/main" val="156611106"/>
+        <p14:creationId xmlns:p14="http://schemas.microsoft.com/office/powerpoint/2010/main" val="793311107"/>
       </p:ext>
     </p:extLst>
   </p:cSld>
@@ -30716,7 +32367,7 @@
           <a:p>
             <a:r>
               <a:rPr lang="en-AU" dirty="0" smtClean="0"/>
-              <a:t>How to deal with transient faults?</a:t>
+              <a:t>Transient Fault Handling library</a:t>
             </a:r>
             <a:endParaRPr lang="en-AU" dirty="0"/>
           </a:p>
@@ -30735,7 +32386,7 @@
         <p:spPr>
           <a:xfrm>
             <a:off x="519112" y="1447799"/>
-            <a:ext cx="11149013" cy="4570482"/>
+            <a:ext cx="11149013" cy="4455066"/>
           </a:xfrm>
         </p:spPr>
         <p:txBody>
@@ -30744,80 +32395,80 @@
           <a:p>
             <a:r>
               <a:rPr lang="en-AU" dirty="0" smtClean="0"/>
-              <a:t>Detect transient </a:t>
-            </a:r>
-            <a:r>
-              <a:rPr lang="en-AU" dirty="0"/>
-              <a:t>error codes (</a:t>
-            </a:r>
-            <a:r>
-              <a:rPr lang="en-AU" sz="2300" dirty="0">
-                <a:hlinkClick r:id="rId2"/>
+              <a:t>Patterns &amp; Practices: Transient Fault Handling Application Block</a:t>
+            </a:r>
+          </a:p>
+          <a:p>
+            <a:endParaRPr lang="en-AU" dirty="0"/>
+          </a:p>
+          <a:p>
+            <a:r>
+              <a:rPr lang="en-AU" dirty="0">
+                <a:solidFill>
+                  <a:schemeClr val="tx1"/>
+                </a:solidFill>
               </a:rPr>
-              <a:t>http://go.microsoft.com/fwlink/?</a:t>
-            </a:r>
-            <a:r>
-              <a:rPr lang="en-AU" sz="2300" dirty="0" smtClean="0">
-                <a:hlinkClick r:id="rId2"/>
+              <a:t>Provides </a:t>
+            </a:r>
+            <a:r>
+              <a:rPr lang="en-AU" dirty="0" err="1">
+                <a:solidFill>
+                  <a:schemeClr val="tx1"/>
+                </a:solidFill>
               </a:rPr>
-              <a:t>LinkId=267637</a:t>
-            </a:r>
-            <a:r>
-              <a:rPr lang="en-AU" dirty="0" smtClean="0"/>
-              <a:t>)</a:t>
-            </a:r>
-          </a:p>
-          <a:p>
-            <a:r>
-              <a:rPr lang="en-AU" dirty="0" smtClean="0"/>
-              <a:t>Connection and command retries (and transactions)</a:t>
-            </a:r>
-          </a:p>
-          <a:p>
-            <a:r>
-              <a:rPr lang="en-AU" dirty="0" smtClean="0"/>
-              <a:t>Consider timeouts</a:t>
-            </a:r>
-          </a:p>
-          <a:p>
-            <a:r>
-              <a:rPr lang="en-AU" dirty="0" smtClean="0"/>
-              <a:t>Implement a retry strategy</a:t>
-            </a:r>
-          </a:p>
-          <a:p>
-            <a:r>
-              <a:rPr lang="en-AU" dirty="0"/>
-              <a:t>	</a:t>
-            </a:r>
-            <a:r>
-              <a:rPr lang="en-AU" dirty="0" smtClean="0"/>
-              <a:t>Exponential-</a:t>
-            </a:r>
-            <a:r>
-              <a:rPr lang="en-AU" dirty="0" err="1" smtClean="0"/>
-              <a:t>backoff</a:t>
-            </a:r>
-            <a:endParaRPr lang="en-AU" dirty="0" smtClean="0"/>
-          </a:p>
-          <a:p>
-            <a:r>
-              <a:rPr lang="en-AU" dirty="0"/>
-              <a:t>	</a:t>
-            </a:r>
-            <a:r>
-              <a:rPr lang="en-AU" dirty="0" smtClean="0"/>
-              <a:t>Fixed interval</a:t>
-            </a:r>
-          </a:p>
-          <a:p>
-            <a:r>
-              <a:rPr lang="en-AU" dirty="0"/>
-              <a:t>	</a:t>
-            </a:r>
-            <a:r>
-              <a:rPr lang="en-AU" dirty="0" smtClean="0"/>
-              <a:t>Incrementing interval</a:t>
+              <a:t>ReliableConnection</a:t>
+            </a:r>
+            <a:r>
+              <a:rPr lang="en-AU" dirty="0">
+                <a:solidFill>
+                  <a:schemeClr val="tx1"/>
+                </a:solidFill>
+              </a:rPr>
+              <a:t> in place of </a:t>
+            </a:r>
+            <a:r>
+              <a:rPr lang="en-AU" dirty="0" err="1">
+                <a:solidFill>
+                  <a:schemeClr val="tx1"/>
+                </a:solidFill>
+              </a:rPr>
+              <a:t>DbConnection</a:t>
+            </a:r>
+            <a:endParaRPr lang="en-AU" dirty="0">
+              <a:solidFill>
+                <a:schemeClr val="tx1"/>
+              </a:solidFill>
+            </a:endParaRPr>
+          </a:p>
+          <a:p>
+            <a:endParaRPr lang="en-AU" dirty="0"/>
+          </a:p>
+          <a:p>
+            <a:r>
+              <a:rPr lang="en-AU" dirty="0" smtClean="0">
+                <a:solidFill>
+                  <a:srgbClr val="C00000"/>
+                </a:solidFill>
+              </a:rPr>
+              <a:t>Part of Enterprise Library</a:t>
+            </a:r>
+          </a:p>
+          <a:p>
+            <a:r>
+              <a:rPr lang="en-AU" b="1" dirty="0" smtClean="0">
+                <a:solidFill>
+                  <a:srgbClr val="C00000"/>
+                </a:solidFill>
+              </a:rPr>
+              <a:t>Be careful:</a:t>
+            </a:r>
+            <a:r>
+              <a:rPr lang="en-AU" dirty="0" smtClean="0">
+                <a:solidFill>
+                  <a:srgbClr val="C00000"/>
+                </a:solidFill>
+              </a:rPr>
+              <a:t> Lots of bad documentation / code snippets</a:t>
             </a:r>
           </a:p>
         </p:txBody>
@@ -30825,7 +32476,7 @@
     </p:spTree>
     <p:extLst>
       <p:ext uri="{BB962C8B-B14F-4D97-AF65-F5344CB8AC3E}">
-        <p14:creationId xmlns:p14="http://schemas.microsoft.com/office/powerpoint/2010/main" val="793311107"/>
+        <p14:creationId xmlns:p14="http://schemas.microsoft.com/office/powerpoint/2010/main" val="1818265585"/>
       </p:ext>
     </p:extLst>
   </p:cSld>
@@ -30878,169 +32529,6 @@
           <a:lstStyle/>
           <a:p>
             <a:r>
-              <a:rPr lang="en-AU" dirty="0" smtClean="0"/>
-              <a:t>Transient Fault Handling library</a:t>
-            </a:r>
-            <a:endParaRPr lang="en-AU" dirty="0"/>
-          </a:p>
-        </p:txBody>
-      </p:sp>
-      <p:sp>
-        <p:nvSpPr>
-          <p:cNvPr id="3" name="Text Placeholder 2"/>
-          <p:cNvSpPr>
-            <a:spLocks noGrp="1"/>
-          </p:cNvSpPr>
-          <p:nvPr>
-            <p:ph type="body" sz="quarter" idx="10"/>
-          </p:nvPr>
-        </p:nvSpPr>
-        <p:spPr>
-          <a:xfrm>
-            <a:off x="519112" y="1447799"/>
-            <a:ext cx="11149013" cy="4455066"/>
-          </a:xfrm>
-        </p:spPr>
-        <p:txBody>
-          <a:bodyPr/>
-          <a:lstStyle/>
-          <a:p>
-            <a:r>
-              <a:rPr lang="en-AU" dirty="0" smtClean="0"/>
-              <a:t>Patterns &amp; Practices: Transient Fault Handling Application Block</a:t>
-            </a:r>
-          </a:p>
-          <a:p>
-            <a:endParaRPr lang="en-AU" dirty="0"/>
-          </a:p>
-          <a:p>
-            <a:r>
-              <a:rPr lang="en-AU" dirty="0">
-                <a:solidFill>
-                  <a:schemeClr val="tx1"/>
-                </a:solidFill>
-              </a:rPr>
-              <a:t>Provides </a:t>
-            </a:r>
-            <a:r>
-              <a:rPr lang="en-AU" dirty="0" err="1">
-                <a:solidFill>
-                  <a:schemeClr val="tx1"/>
-                </a:solidFill>
-              </a:rPr>
-              <a:t>ReliableConnection</a:t>
-            </a:r>
-            <a:r>
-              <a:rPr lang="en-AU" dirty="0">
-                <a:solidFill>
-                  <a:schemeClr val="tx1"/>
-                </a:solidFill>
-              </a:rPr>
-              <a:t> in place of </a:t>
-            </a:r>
-            <a:r>
-              <a:rPr lang="en-AU" dirty="0" err="1">
-                <a:solidFill>
-                  <a:schemeClr val="tx1"/>
-                </a:solidFill>
-              </a:rPr>
-              <a:t>DbConnection</a:t>
-            </a:r>
-            <a:endParaRPr lang="en-AU" dirty="0">
-              <a:solidFill>
-                <a:schemeClr val="tx1"/>
-              </a:solidFill>
-            </a:endParaRPr>
-          </a:p>
-          <a:p>
-            <a:endParaRPr lang="en-AU" dirty="0"/>
-          </a:p>
-          <a:p>
-            <a:r>
-              <a:rPr lang="en-AU" dirty="0" smtClean="0">
-                <a:solidFill>
-                  <a:srgbClr val="C00000"/>
-                </a:solidFill>
-              </a:rPr>
-              <a:t>Part of Enterprise Library</a:t>
-            </a:r>
-          </a:p>
-          <a:p>
-            <a:r>
-              <a:rPr lang="en-AU" b="1" dirty="0" smtClean="0">
-                <a:solidFill>
-                  <a:srgbClr val="C00000"/>
-                </a:solidFill>
-              </a:rPr>
-              <a:t>Be careful:</a:t>
-            </a:r>
-            <a:r>
-              <a:rPr lang="en-AU" dirty="0" smtClean="0">
-                <a:solidFill>
-                  <a:srgbClr val="C00000"/>
-                </a:solidFill>
-              </a:rPr>
-              <a:t> Lots of bad documentation / code snippets</a:t>
-            </a:r>
-          </a:p>
-        </p:txBody>
-      </p:sp>
-    </p:spTree>
-    <p:extLst>
-      <p:ext uri="{BB962C8B-B14F-4D97-AF65-F5344CB8AC3E}">
-        <p14:creationId xmlns:p14="http://schemas.microsoft.com/office/powerpoint/2010/main" val="1818265585"/>
-      </p:ext>
-    </p:extLst>
-  </p:cSld>
-  <p:clrMapOvr>
-    <a:masterClrMapping/>
-  </p:clrMapOvr>
-  <p:transition>
-    <p:fade/>
-  </p:transition>
-  <p:timing>
-    <p:tnLst>
-      <p:par>
-        <p:cTn id="1" dur="indefinite" restart="never" nodeType="tmRoot"/>
-      </p:par>
-    </p:tnLst>
-  </p:timing>
-</p:sld>
-</file>
-
-<file path=ppt/slides/slide33.xml><?xml version="1.0" encoding="utf-8"?>
-<p:sld xmlns:a="http://schemas.openxmlformats.org/drawingml/2006/main" xmlns:r="http://schemas.openxmlformats.org/officeDocument/2006/relationships" xmlns:p="http://schemas.openxmlformats.org/presentationml/2006/main">
-  <p:cSld>
-    <p:spTree>
-      <p:nvGrpSpPr>
-        <p:cNvPr id="1" name=""/>
-        <p:cNvGrpSpPr/>
-        <p:nvPr/>
-      </p:nvGrpSpPr>
-      <p:grpSpPr>
-        <a:xfrm>
-          <a:off x="0" y="0"/>
-          <a:ext cx="0" cy="0"/>
-          <a:chOff x="0" y="0"/>
-          <a:chExt cx="0" cy="0"/>
-        </a:xfrm>
-      </p:grpSpPr>
-      <p:sp>
-        <p:nvSpPr>
-          <p:cNvPr id="2" name="Title 1"/>
-          <p:cNvSpPr>
-            <a:spLocks noGrp="1"/>
-          </p:cNvSpPr>
-          <p:nvPr>
-            <p:ph type="title"/>
-          </p:nvPr>
-        </p:nvSpPr>
-        <p:spPr/>
-        <p:txBody>
-          <a:bodyPr/>
-          <a:lstStyle/>
-          <a:p>
-            <a:r>
               <a:rPr lang="en-AU" dirty="0" err="1" smtClean="0"/>
               <a:t>NHibernate.SqlAzure</a:t>
             </a:r>
@@ -31205,7 +32693,7 @@
 </p:sld>
 </file>
 
-<file path=ppt/slides/slide34.xml><?xml version="1.0" encoding="utf-8"?>
+<file path=ppt/slides/slide33.xml><?xml version="1.0" encoding="utf-8"?>
 <p:sld xmlns:a="http://schemas.openxmlformats.org/drawingml/2006/main" xmlns:r="http://schemas.openxmlformats.org/officeDocument/2006/relationships" xmlns:p="http://schemas.openxmlformats.org/presentationml/2006/main">
   <p:cSld>
     <p:spTree>
@@ -31325,7 +32813,7 @@
 </p:sld>
 </file>
 
-<file path=ppt/slides/slide35.xml><?xml version="1.0" encoding="utf-8"?>
+<file path=ppt/slides/slide34.xml><?xml version="1.0" encoding="utf-8"?>
 <p:sld xmlns:a="http://schemas.openxmlformats.org/drawingml/2006/main" xmlns:r="http://schemas.openxmlformats.org/officeDocument/2006/relationships" xmlns:p="http://schemas.openxmlformats.org/presentationml/2006/main">
   <p:cSld>
     <p:spTree>
@@ -31393,7 +32881,7 @@
 </p:sld>
 </file>
 
-<file path=ppt/slides/slide36.xml><?xml version="1.0" encoding="utf-8"?>
+<file path=ppt/slides/slide35.xml><?xml version="1.0" encoding="utf-8"?>
 <p:sld xmlns:a="http://schemas.openxmlformats.org/drawingml/2006/main" xmlns:r="http://schemas.openxmlformats.org/officeDocument/2006/relationships" xmlns:p="http://schemas.openxmlformats.org/presentationml/2006/main">
   <p:cSld>
     <p:spTree>
@@ -32433,6 +33921,192 @@
       </p:par>
     </p:tnLst>
   </p:timing>
+</p:sld>
+</file>
+
+<file path=ppt/slides/slide36.xml><?xml version="1.0" encoding="utf-8"?>
+<p:sld xmlns:a="http://schemas.openxmlformats.org/drawingml/2006/main" xmlns:r="http://schemas.openxmlformats.org/officeDocument/2006/relationships" xmlns:p="http://schemas.openxmlformats.org/presentationml/2006/main">
+  <p:cSld>
+    <p:spTree>
+      <p:nvGrpSpPr>
+        <p:cNvPr id="1" name=""/>
+        <p:cNvGrpSpPr/>
+        <p:nvPr/>
+      </p:nvGrpSpPr>
+      <p:grpSpPr>
+        <a:xfrm>
+          <a:off x="0" y="0"/>
+          <a:ext cx="0" cy="0"/>
+          <a:chOff x="0" y="0"/>
+          <a:chExt cx="0" cy="0"/>
+        </a:xfrm>
+      </p:grpSpPr>
+      <p:sp>
+        <p:nvSpPr>
+          <p:cNvPr id="2" name="Title 1"/>
+          <p:cNvSpPr>
+            <a:spLocks noGrp="1"/>
+          </p:cNvSpPr>
+          <p:nvPr>
+            <p:ph type="title"/>
+          </p:nvPr>
+        </p:nvSpPr>
+        <p:spPr/>
+        <p:txBody>
+          <a:bodyPr/>
+          <a:lstStyle/>
+          <a:p>
+            <a:r>
+              <a:rPr lang="en-AU" dirty="0" smtClean="0"/>
+              <a:t>Right tool for the job</a:t>
+            </a:r>
+            <a:endParaRPr lang="en-AU" dirty="0"/>
+          </a:p>
+        </p:txBody>
+      </p:sp>
+      <p:sp>
+        <p:nvSpPr>
+          <p:cNvPr id="3" name="Text Placeholder 2"/>
+          <p:cNvSpPr>
+            <a:spLocks noGrp="1"/>
+          </p:cNvSpPr>
+          <p:nvPr>
+            <p:ph type="body" sz="quarter" idx="10"/>
+          </p:nvPr>
+        </p:nvSpPr>
+        <p:spPr>
+          <a:xfrm>
+            <a:off x="519112" y="1447799"/>
+            <a:ext cx="11149013" cy="5563061"/>
+          </a:xfrm>
+        </p:spPr>
+        <p:txBody>
+          <a:bodyPr/>
+          <a:lstStyle/>
+          <a:p>
+            <a:r>
+              <a:rPr lang="en-AU" dirty="0" smtClean="0"/>
+              <a:t>Azure SQL Database isn’t applicable for everything</a:t>
+            </a:r>
+          </a:p>
+          <a:p>
+            <a:r>
+              <a:rPr lang="en-AU" dirty="0" smtClean="0"/>
+              <a:t>Other options:</a:t>
+            </a:r>
+          </a:p>
+          <a:p>
+            <a:r>
+              <a:rPr lang="en-AU" dirty="0" smtClean="0"/>
+              <a:t>	</a:t>
+            </a:r>
+            <a:r>
+              <a:rPr lang="en-AU" sz="3500" dirty="0" smtClean="0"/>
+              <a:t>Azure </a:t>
+            </a:r>
+            <a:r>
+              <a:rPr lang="en-AU" sz="3500" dirty="0"/>
+              <a:t>Table </a:t>
+            </a:r>
+            <a:r>
+              <a:rPr lang="en-AU" sz="3500" dirty="0" smtClean="0"/>
+              <a:t>Storage</a:t>
+            </a:r>
+          </a:p>
+          <a:p>
+            <a:r>
+              <a:rPr lang="en-AU" sz="3500" dirty="0"/>
+              <a:t>	</a:t>
+            </a:r>
+            <a:r>
+              <a:rPr lang="en-AU" sz="3500" dirty="0" smtClean="0"/>
+              <a:t>Azure Blob Storage</a:t>
+            </a:r>
+          </a:p>
+          <a:p>
+            <a:r>
+              <a:rPr lang="en-AU" sz="3500" dirty="0"/>
+              <a:t>	</a:t>
+            </a:r>
+            <a:r>
+              <a:rPr lang="en-AU" sz="3500" dirty="0" err="1" smtClean="0"/>
+              <a:t>Hadoop</a:t>
+            </a:r>
+            <a:r>
+              <a:rPr lang="en-AU" sz="3500" dirty="0" smtClean="0"/>
+              <a:t> (big data)</a:t>
+            </a:r>
+            <a:endParaRPr lang="en-AU" sz="3500" dirty="0"/>
+          </a:p>
+          <a:p>
+            <a:r>
+              <a:rPr lang="en-AU" sz="3500" dirty="0" smtClean="0"/>
+              <a:t>	</a:t>
+            </a:r>
+            <a:r>
+              <a:rPr lang="en-AU" sz="3500" dirty="0" err="1" smtClean="0"/>
+              <a:t>IaaS</a:t>
+            </a:r>
+            <a:r>
+              <a:rPr lang="en-AU" sz="3500" dirty="0" smtClean="0"/>
+              <a:t> </a:t>
+            </a:r>
+            <a:r>
+              <a:rPr lang="en-AU" sz="3500" dirty="0"/>
+              <a:t>VM with SQL </a:t>
+            </a:r>
+            <a:r>
+              <a:rPr lang="en-AU" sz="3500" dirty="0" smtClean="0"/>
+              <a:t>server</a:t>
+            </a:r>
+          </a:p>
+          <a:p>
+            <a:r>
+              <a:rPr lang="en-AU" sz="3500" dirty="0"/>
+              <a:t>	</a:t>
+            </a:r>
+            <a:r>
+              <a:rPr lang="en-AU" sz="3500" dirty="0" smtClean="0"/>
+              <a:t>Worker Role or </a:t>
+            </a:r>
+            <a:r>
+              <a:rPr lang="en-AU" sz="3500" dirty="0" err="1" smtClean="0"/>
+              <a:t>IaaS</a:t>
+            </a:r>
+            <a:r>
+              <a:rPr lang="en-AU" sz="3500" dirty="0" smtClean="0"/>
+              <a:t> VM with Neo4J, Raven, etc.</a:t>
+            </a:r>
+          </a:p>
+          <a:p>
+            <a:r>
+              <a:rPr lang="en-AU" sz="3500" dirty="0"/>
+              <a:t>	</a:t>
+            </a:r>
+            <a:r>
+              <a:rPr lang="en-AU" sz="3500" dirty="0" smtClean="0"/>
+              <a:t>Hybrid</a:t>
+            </a:r>
+            <a:endParaRPr lang="en-AU" sz="3500" dirty="0"/>
+          </a:p>
+          <a:p>
+            <a:endParaRPr lang="en-AU" dirty="0"/>
+          </a:p>
+        </p:txBody>
+      </p:sp>
+    </p:spTree>
+    <p:extLst>
+      <p:ext uri="{BB962C8B-B14F-4D97-AF65-F5344CB8AC3E}">
+        <p14:creationId xmlns:p14="http://schemas.microsoft.com/office/powerpoint/2010/main" val="3660461999"/>
+      </p:ext>
+    </p:extLst>
+  </p:cSld>
+  <p:clrMapOvr>
+    <a:masterClrMapping/>
+  </p:clrMapOvr>
+  <p:transition>
+    <p:fade/>
+  </p:transition>
 </p:sld>
 </file>
 
@@ -40200,890 +41874,36 @@
       </p:grpSpPr>
       <p:sp>
         <p:nvSpPr>
-          <p:cNvPr id="2" name="Title 1"/>
+          <p:cNvPr id="3" name="Text Placeholder 2"/>
           <p:cNvSpPr>
             <a:spLocks noGrp="1"/>
           </p:cNvSpPr>
           <p:nvPr>
-            <p:ph type="title"/>
+            <p:ph type="body" sz="quarter" idx="10"/>
           </p:nvPr>
         </p:nvSpPr>
-        <p:spPr/>
+        <p:spPr>
+          <a:xfrm>
+            <a:off x="521208" y="2057400"/>
+            <a:ext cx="10693401" cy="1378644"/>
+          </a:xfrm>
+        </p:spPr>
         <p:txBody>
           <a:bodyPr/>
           <a:lstStyle/>
           <a:p>
-            <a:r>
-              <a:rPr lang="en-US" dirty="0" smtClean="0"/>
-              <a:t>Connection String</a:t>
-            </a:r>
-            <a:endParaRPr lang="en-US" dirty="0">
-              <a:solidFill>
-                <a:srgbClr val="92D050"/>
-              </a:solidFill>
-            </a:endParaRPr>
-          </a:p>
-        </p:txBody>
-      </p:sp>
-      <p:sp>
-        <p:nvSpPr>
-          <p:cNvPr id="8" name="Content Placeholder 2"/>
-          <p:cNvSpPr txBox="1">
-            <a:spLocks/>
-          </p:cNvSpPr>
-          <p:nvPr/>
-        </p:nvSpPr>
-        <p:spPr>
-          <a:xfrm>
-            <a:off x="520701" y="1434269"/>
-            <a:ext cx="5573712" cy="5055230"/>
-          </a:xfrm>
-          <a:prstGeom prst="rect">
-            <a:avLst/>
-          </a:prstGeom>
-        </p:spPr>
-        <p:txBody>
-          <a:bodyPr lIns="0" tIns="0" rIns="0" bIns="0"/>
-          <a:lstStyle>
-            <a:lvl1pPr marL="460375" indent="-460375" algn="l" defTabSz="914363" rtl="0" eaLnBrk="1" latinLnBrk="0" hangingPunct="1">
-              <a:lnSpc>
-                <a:spcPct val="90000"/>
-              </a:lnSpc>
-              <a:spcBef>
-                <a:spcPct val="20000"/>
-              </a:spcBef>
-              <a:buSzPct val="80000"/>
-              <a:buFont typeface="Arial" pitchFamily="34" charset="0"/>
-              <a:buChar char="•"/>
-              <a:defRPr sz="3200" kern="1200">
-                <a:gradFill>
-                  <a:gsLst>
-                    <a:gs pos="0">
-                      <a:srgbClr val="595959"/>
-                    </a:gs>
-                    <a:gs pos="86000">
-                      <a:srgbClr val="595959"/>
-                    </a:gs>
-                  </a:gsLst>
-                  <a:lin ang="5400000" scaled="0"/>
-                </a:gradFill>
-                <a:latin typeface="+mn-lt"/>
-                <a:ea typeface="+mn-ea"/>
-                <a:cs typeface="+mn-cs"/>
-              </a:defRPr>
-            </a:lvl1pPr>
-            <a:lvl2pPr marL="855663" indent="-395288" algn="l" defTabSz="914363" rtl="0" eaLnBrk="1" latinLnBrk="0" hangingPunct="1">
-              <a:lnSpc>
-                <a:spcPct val="90000"/>
-              </a:lnSpc>
-              <a:spcBef>
-                <a:spcPct val="20000"/>
-              </a:spcBef>
-              <a:buSzPct val="80000"/>
-              <a:buFont typeface="Arial" pitchFamily="34" charset="0"/>
-              <a:buChar char="•"/>
-              <a:defRPr sz="2800" kern="1200">
-                <a:gradFill>
-                  <a:gsLst>
-                    <a:gs pos="0">
-                      <a:srgbClr val="595959"/>
-                    </a:gs>
-                    <a:gs pos="86000">
-                      <a:srgbClr val="595959"/>
-                    </a:gs>
-                  </a:gsLst>
-                  <a:lin ang="5400000" scaled="0"/>
-                </a:gradFill>
-                <a:latin typeface="+mn-lt"/>
-                <a:ea typeface="+mn-ea"/>
-                <a:cs typeface="+mn-cs"/>
-              </a:defRPr>
-            </a:lvl2pPr>
-            <a:lvl3pPr marL="1258888" indent="-403225" algn="l" defTabSz="914363" rtl="0" eaLnBrk="1" latinLnBrk="0" hangingPunct="1">
-              <a:lnSpc>
-                <a:spcPct val="90000"/>
-              </a:lnSpc>
-              <a:spcBef>
-                <a:spcPct val="20000"/>
-              </a:spcBef>
-              <a:buSzPct val="80000"/>
-              <a:buFont typeface="Arial" pitchFamily="34" charset="0"/>
-              <a:buChar char="•"/>
-              <a:defRPr sz="2400" kern="1200">
-                <a:gradFill>
-                  <a:gsLst>
-                    <a:gs pos="0">
-                      <a:srgbClr val="595959"/>
-                    </a:gs>
-                    <a:gs pos="86000">
-                      <a:srgbClr val="595959"/>
-                    </a:gs>
-                  </a:gsLst>
-                  <a:lin ang="5400000" scaled="0"/>
-                </a:gradFill>
-                <a:latin typeface="+mn-lt"/>
-                <a:ea typeface="+mn-ea"/>
-                <a:cs typeface="+mn-cs"/>
-              </a:defRPr>
-            </a:lvl3pPr>
-            <a:lvl4pPr marL="1604963" indent="-346075" algn="l" defTabSz="914363" rtl="0" eaLnBrk="1" latinLnBrk="0" hangingPunct="1">
-              <a:lnSpc>
-                <a:spcPct val="90000"/>
-              </a:lnSpc>
-              <a:spcBef>
-                <a:spcPct val="20000"/>
-              </a:spcBef>
-              <a:buSzPct val="80000"/>
-              <a:buFont typeface="Arial" pitchFamily="34" charset="0"/>
-              <a:buChar char="•"/>
-              <a:defRPr sz="2000" kern="1200">
-                <a:gradFill>
-                  <a:gsLst>
-                    <a:gs pos="0">
-                      <a:srgbClr val="595959"/>
-                    </a:gs>
-                    <a:gs pos="86000">
-                      <a:srgbClr val="595959"/>
-                    </a:gs>
-                  </a:gsLst>
-                  <a:lin ang="5400000" scaled="0"/>
-                </a:gradFill>
-                <a:latin typeface="+mn-lt"/>
-                <a:ea typeface="+mn-ea"/>
-                <a:cs typeface="+mn-cs"/>
-              </a:defRPr>
-            </a:lvl4pPr>
-            <a:lvl5pPr marL="1941513" indent="-336550" algn="l" defTabSz="914363" rtl="0" eaLnBrk="1" latinLnBrk="0" hangingPunct="1">
-              <a:lnSpc>
-                <a:spcPct val="90000"/>
-              </a:lnSpc>
-              <a:spcBef>
-                <a:spcPct val="20000"/>
-              </a:spcBef>
-              <a:buSzPct val="80000"/>
-              <a:buFont typeface="Arial" pitchFamily="34" charset="0"/>
-              <a:buChar char="•"/>
-              <a:defRPr sz="2000" kern="1200">
-                <a:gradFill>
-                  <a:gsLst>
-                    <a:gs pos="0">
-                      <a:srgbClr val="595959"/>
-                    </a:gs>
-                    <a:gs pos="86000">
-                      <a:srgbClr val="595959"/>
-                    </a:gs>
-                  </a:gsLst>
-                  <a:lin ang="5400000" scaled="0"/>
-                </a:gradFill>
-                <a:latin typeface="+mn-lt"/>
-                <a:ea typeface="+mn-ea"/>
-                <a:cs typeface="+mn-cs"/>
-              </a:defRPr>
-            </a:lvl5pPr>
-            <a:lvl6pPr marL="2514499" indent="-228591" algn="l" defTabSz="914363" rtl="0" eaLnBrk="1" latinLnBrk="0" hangingPunct="1">
-              <a:spcBef>
-                <a:spcPct val="20000"/>
-              </a:spcBef>
-              <a:buFont typeface="Arial" pitchFamily="34" charset="0"/>
-              <a:buChar char="•"/>
-              <a:defRPr sz="2000" kern="1200">
-                <a:solidFill>
-                  <a:schemeClr val="tx1"/>
-                </a:solidFill>
-                <a:latin typeface="+mn-lt"/>
-                <a:ea typeface="+mn-ea"/>
-                <a:cs typeface="+mn-cs"/>
-              </a:defRPr>
-            </a:lvl6pPr>
-            <a:lvl7pPr marL="2971681" indent="-228591" algn="l" defTabSz="914363" rtl="0" eaLnBrk="1" latinLnBrk="0" hangingPunct="1">
-              <a:spcBef>
-                <a:spcPct val="20000"/>
-              </a:spcBef>
-              <a:buFont typeface="Arial" pitchFamily="34" charset="0"/>
-              <a:buChar char="•"/>
-              <a:defRPr sz="2000" kern="1200">
-                <a:solidFill>
-                  <a:schemeClr val="tx1"/>
-                </a:solidFill>
-                <a:latin typeface="+mn-lt"/>
-                <a:ea typeface="+mn-ea"/>
-                <a:cs typeface="+mn-cs"/>
-              </a:defRPr>
-            </a:lvl7pPr>
-            <a:lvl8pPr marL="3428863" indent="-228591" algn="l" defTabSz="914363" rtl="0" eaLnBrk="1" latinLnBrk="0" hangingPunct="1">
-              <a:spcBef>
-                <a:spcPct val="20000"/>
-              </a:spcBef>
-              <a:buFont typeface="Arial" pitchFamily="34" charset="0"/>
-              <a:buChar char="•"/>
-              <a:defRPr sz="2000" kern="1200">
-                <a:solidFill>
-                  <a:schemeClr val="tx1"/>
-                </a:solidFill>
-                <a:latin typeface="+mn-lt"/>
-                <a:ea typeface="+mn-ea"/>
-                <a:cs typeface="+mn-cs"/>
-              </a:defRPr>
-            </a:lvl8pPr>
-            <a:lvl9pPr marL="3886045" indent="-228591" algn="l" defTabSz="914363" rtl="0" eaLnBrk="1" latinLnBrk="0" hangingPunct="1">
-              <a:spcBef>
-                <a:spcPct val="20000"/>
-              </a:spcBef>
-              <a:buFont typeface="Arial" pitchFamily="34" charset="0"/>
-              <a:buChar char="•"/>
-              <a:defRPr sz="2000" kern="1200">
-                <a:solidFill>
-                  <a:schemeClr val="tx1"/>
-                </a:solidFill>
-                <a:latin typeface="+mn-lt"/>
-                <a:ea typeface="+mn-ea"/>
-                <a:cs typeface="+mn-cs"/>
-              </a:defRPr>
-            </a:lvl9pPr>
-          </a:lstStyle>
-          <a:p>
-            <a:pPr marL="3175" indent="0" defTabSz="914325">
-              <a:spcBef>
-                <a:spcPts val="0"/>
-              </a:spcBef>
-              <a:spcAft>
-                <a:spcPts val="300"/>
-              </a:spcAft>
-              <a:buNone/>
-            </a:pPr>
-            <a:r>
-              <a:rPr lang="en-US" sz="4000" spc="-100" dirty="0">
-                <a:solidFill>
-                  <a:schemeClr val="accent2">
-                    <a:alpha val="99000"/>
-                  </a:schemeClr>
-                </a:solidFill>
-                <a:latin typeface="Segoe UI Light" pitchFamily="34" charset="0"/>
-              </a:rPr>
-              <a:t>Connecting </a:t>
-            </a:r>
-            <a:r>
-              <a:rPr lang="en-US" sz="4000" spc="-100" dirty="0" smtClean="0">
-                <a:solidFill>
-                  <a:schemeClr val="accent2">
-                    <a:alpha val="99000"/>
-                  </a:schemeClr>
-                </a:solidFill>
-                <a:latin typeface="Segoe UI Light" pitchFamily="34" charset="0"/>
-              </a:rPr>
-              <a:t>To SQL Database</a:t>
-            </a:r>
-            <a:endParaRPr lang="en-US" sz="4000" spc="-100" dirty="0">
-              <a:solidFill>
-                <a:schemeClr val="accent2">
-                  <a:alpha val="99000"/>
-                </a:schemeClr>
-              </a:solidFill>
-              <a:latin typeface="Segoe UI Light" pitchFamily="34" charset="0"/>
-            </a:endParaRPr>
-          </a:p>
-          <a:p>
-            <a:pPr marL="234950" lvl="1" indent="-231775" defTabSz="914325">
-              <a:spcBef>
-                <a:spcPts val="900"/>
-              </a:spcBef>
-              <a:buClr>
-                <a:schemeClr val="accent6"/>
-              </a:buClr>
-              <a:buFont typeface="+mj-lt"/>
-              <a:buAutoNum type="arabicPeriod"/>
-            </a:pPr>
-            <a:r>
-              <a:rPr lang="en-US" spc="-51" dirty="0"/>
-              <a:t>TDS (Tabular Data Stream) protocol over </a:t>
-            </a:r>
-            <a:r>
-              <a:rPr lang="en-US" spc="-51" dirty="0" smtClean="0"/>
-              <a:t>TCP/IP</a:t>
-            </a:r>
-            <a:endParaRPr lang="en-US" spc="-51" dirty="0"/>
-          </a:p>
-          <a:p>
-            <a:pPr marL="234950" lvl="1" indent="-231775" defTabSz="914325">
-              <a:spcBef>
-                <a:spcPts val="900"/>
-              </a:spcBef>
-              <a:buClr>
-                <a:schemeClr val="accent6"/>
-              </a:buClr>
-              <a:buFont typeface="+mj-lt"/>
-              <a:buAutoNum type="arabicPeriod"/>
-            </a:pPr>
-            <a:r>
-              <a:rPr lang="en-US" spc="-51" dirty="0"/>
-              <a:t>SSL </a:t>
-            </a:r>
-            <a:r>
-              <a:rPr lang="en-US" spc="-51" dirty="0" smtClean="0"/>
-              <a:t>is required</a:t>
-            </a:r>
-          </a:p>
-          <a:p>
-            <a:pPr marL="234950" lvl="1" indent="-231775" defTabSz="914325">
-              <a:spcBef>
-                <a:spcPts val="900"/>
-              </a:spcBef>
-              <a:buClr>
-                <a:schemeClr val="accent6"/>
-              </a:buClr>
-              <a:buFont typeface="+mj-lt"/>
-              <a:buAutoNum type="arabicPeriod"/>
-            </a:pPr>
-            <a:r>
-              <a:rPr lang="en-US" spc="-51" dirty="0" smtClean="0"/>
-              <a:t>SQL server authentication only</a:t>
-            </a:r>
-            <a:endParaRPr lang="en-US" spc="-51" dirty="0"/>
-          </a:p>
-          <a:p>
-            <a:pPr marL="234950" lvl="1" indent="-231775" defTabSz="914325">
-              <a:spcBef>
-                <a:spcPts val="900"/>
-              </a:spcBef>
-              <a:buClr>
-                <a:schemeClr val="accent6"/>
-              </a:buClr>
-              <a:buFont typeface="+mj-lt"/>
-              <a:buAutoNum type="arabicPeriod"/>
-            </a:pPr>
-            <a:r>
-              <a:rPr lang="en-US" spc="-51" dirty="0" smtClean="0"/>
-              <a:t>Add any non-Azure client IP address to the firewall</a:t>
-            </a:r>
-            <a:endParaRPr lang="en-US" spc="-51" dirty="0"/>
-          </a:p>
-        </p:txBody>
-      </p:sp>
-      <p:sp>
-        <p:nvSpPr>
-          <p:cNvPr id="10" name="TextBox 9"/>
-          <p:cNvSpPr txBox="1"/>
-          <p:nvPr/>
-        </p:nvSpPr>
-        <p:spPr>
-          <a:xfrm>
-            <a:off x="6299200" y="2710354"/>
-            <a:ext cx="5626100" cy="2462213"/>
-          </a:xfrm>
-          <a:prstGeom prst="rect">
-            <a:avLst/>
-          </a:prstGeom>
-          <a:noFill/>
-          <a:ln>
-            <a:solidFill>
-              <a:schemeClr val="accent2"/>
-            </a:solidFill>
-          </a:ln>
-        </p:spPr>
-        <p:txBody>
-          <a:bodyPr wrap="square" lIns="91440" tIns="0" rIns="0" bIns="0" rtlCol="0">
-            <a:spAutoFit/>
-          </a:bodyPr>
-          <a:lstStyle/>
-          <a:p>
-            <a:r>
-              <a:rPr lang="en-US" sz="1600" dirty="0">
-                <a:solidFill>
-                  <a:srgbClr val="0000FF"/>
-                </a:solidFill>
-                <a:latin typeface="Consolas"/>
-              </a:rPr>
-              <a:t>&lt;</a:t>
-            </a:r>
-            <a:r>
-              <a:rPr lang="en-US" sz="1600" dirty="0">
-                <a:solidFill>
-                  <a:srgbClr val="A31515"/>
-                </a:solidFill>
-                <a:latin typeface="Consolas"/>
-              </a:rPr>
-              <a:t>connectionStrings</a:t>
-            </a:r>
-            <a:r>
-              <a:rPr lang="en-US" sz="1600" dirty="0">
-                <a:solidFill>
-                  <a:srgbClr val="0000FF"/>
-                </a:solidFill>
-                <a:latin typeface="Consolas"/>
-              </a:rPr>
-              <a:t>&gt;</a:t>
-            </a:r>
-            <a:endParaRPr lang="en-US" sz="800" dirty="0">
-              <a:latin typeface="Segoe UI" pitchFamily="34" charset="0"/>
-              <a:ea typeface="Segoe UI" pitchFamily="34" charset="0"/>
-            </a:endParaRPr>
-          </a:p>
-          <a:p>
-            <a:r>
-              <a:rPr lang="en-US" sz="1600" dirty="0">
-                <a:solidFill>
-                  <a:srgbClr val="0000FF"/>
-                </a:solidFill>
-                <a:latin typeface="Consolas"/>
-              </a:rPr>
-              <a:t>&lt;</a:t>
-            </a:r>
-            <a:r>
-              <a:rPr lang="en-US" sz="1600" dirty="0" smtClean="0">
-                <a:solidFill>
-                  <a:srgbClr val="A31515"/>
-                </a:solidFill>
-                <a:latin typeface="Consolas"/>
-              </a:rPr>
-              <a:t>add </a:t>
-            </a:r>
-            <a:r>
-              <a:rPr lang="en-US" sz="1600" dirty="0" smtClean="0">
-                <a:solidFill>
-                  <a:srgbClr val="FF0000"/>
-                </a:solidFill>
-                <a:latin typeface="Consolas"/>
-              </a:rPr>
-              <a:t>name</a:t>
-            </a:r>
-            <a:r>
-              <a:rPr lang="en-US" sz="1600" dirty="0">
-                <a:solidFill>
-                  <a:srgbClr val="0000FF"/>
-                </a:solidFill>
-                <a:latin typeface="Consolas"/>
-              </a:rPr>
-              <a:t>=</a:t>
-            </a:r>
-            <a:r>
-              <a:rPr lang="en-US" sz="1600" dirty="0">
-                <a:solidFill>
-                  <a:srgbClr val="000000"/>
-                </a:solidFill>
-                <a:latin typeface="Consolas"/>
-              </a:rPr>
-              <a:t>"</a:t>
-            </a:r>
-            <a:r>
-              <a:rPr lang="en-US" sz="1600" dirty="0" err="1" smtClean="0">
-                <a:solidFill>
-                  <a:srgbClr val="0000FF"/>
-                </a:solidFill>
-                <a:latin typeface="Consolas"/>
-              </a:rPr>
-              <a:t>AdventureWorks</a:t>
-            </a:r>
-            <a:r>
-              <a:rPr lang="en-US" sz="1600" dirty="0">
-                <a:solidFill>
-                  <a:srgbClr val="000000"/>
-                </a:solidFill>
-                <a:latin typeface="Consolas"/>
-              </a:rPr>
-              <a:t>" </a:t>
-            </a:r>
-            <a:r>
-              <a:rPr lang="en-US" sz="1600" dirty="0" err="1" smtClean="0">
-                <a:solidFill>
-                  <a:srgbClr val="FF0000"/>
-                </a:solidFill>
-                <a:latin typeface="Consolas"/>
-              </a:rPr>
-              <a:t>connectionString</a:t>
-            </a:r>
-            <a:r>
-              <a:rPr lang="en-US" sz="1600" dirty="0" smtClean="0">
-                <a:solidFill>
-                  <a:srgbClr val="0000FF"/>
-                </a:solidFill>
-                <a:latin typeface="Consolas"/>
-              </a:rPr>
-              <a:t>=</a:t>
-            </a:r>
-            <a:r>
-              <a:rPr lang="en-US" sz="1600" dirty="0">
-                <a:solidFill>
-                  <a:srgbClr val="000000"/>
-                </a:solidFill>
-                <a:latin typeface="Consolas"/>
-              </a:rPr>
-              <a:t>"</a:t>
-            </a:r>
-            <a:endParaRPr lang="en-US" sz="1600" dirty="0" smtClean="0">
-              <a:solidFill>
-                <a:srgbClr val="000000"/>
-              </a:solidFill>
-              <a:latin typeface="Consolas"/>
-            </a:endParaRPr>
-          </a:p>
-          <a:p>
-            <a:r>
-              <a:rPr lang="en-US" sz="1600" dirty="0" smtClean="0">
-                <a:solidFill>
-                  <a:srgbClr val="0000FF"/>
-                </a:solidFill>
-                <a:latin typeface="Consolas"/>
-              </a:rPr>
-              <a:t>  Data Source=</a:t>
-            </a:r>
-            <a:r>
-              <a:rPr lang="en-US" sz="1600" dirty="0" err="1" smtClean="0">
-                <a:solidFill>
-                  <a:srgbClr val="0000FF"/>
-                </a:solidFill>
-                <a:highlight>
-                  <a:srgbClr val="FFFF00"/>
-                </a:highlight>
-                <a:latin typeface="Consolas"/>
-              </a:rPr>
-              <a:t>tcp</a:t>
-            </a:r>
-            <a:r>
-              <a:rPr lang="en-US" sz="1600" dirty="0" smtClean="0">
-                <a:solidFill>
-                  <a:srgbClr val="0000FF"/>
-                </a:solidFill>
-                <a:highlight>
-                  <a:srgbClr val="FFFF00"/>
-                </a:highlight>
-                <a:latin typeface="Consolas"/>
-              </a:rPr>
-              <a:t>:[server</a:t>
-            </a:r>
-            <a:r>
-              <a:rPr lang="en-US" sz="1600" dirty="0">
-                <a:solidFill>
-                  <a:srgbClr val="0000FF"/>
-                </a:solidFill>
-                <a:highlight>
-                  <a:srgbClr val="FFFF00"/>
-                </a:highlight>
-                <a:latin typeface="Consolas"/>
-              </a:rPr>
-              <a:t>].</a:t>
-            </a:r>
-            <a:r>
-              <a:rPr lang="en-US" sz="1600" dirty="0" smtClean="0">
-                <a:solidFill>
-                  <a:srgbClr val="0000FF"/>
-                </a:solidFill>
-                <a:highlight>
-                  <a:srgbClr val="FFFF00"/>
-                </a:highlight>
-                <a:latin typeface="Consolas"/>
-              </a:rPr>
-              <a:t>database.windows.net</a:t>
-            </a:r>
-            <a:r>
-              <a:rPr lang="en-US" sz="1600" dirty="0" smtClean="0">
-                <a:solidFill>
-                  <a:srgbClr val="0000FF"/>
-                </a:solidFill>
-                <a:latin typeface="Consolas"/>
-              </a:rPr>
-              <a:t>;</a:t>
-            </a:r>
-            <a:endParaRPr lang="en-US" sz="800" dirty="0" smtClean="0">
-              <a:latin typeface="Segoe UI" pitchFamily="34" charset="0"/>
-            </a:endParaRPr>
-          </a:p>
-          <a:p>
-            <a:r>
-              <a:rPr lang="en-US" sz="1600" dirty="0" smtClean="0">
-                <a:solidFill>
-                  <a:srgbClr val="0000FF"/>
-                </a:solidFill>
-                <a:latin typeface="Consolas"/>
-              </a:rPr>
-              <a:t>  Initial Catalog=</a:t>
-            </a:r>
-            <a:r>
-              <a:rPr lang="en-US" sz="1600" dirty="0" err="1" smtClean="0">
-                <a:solidFill>
-                  <a:srgbClr val="0000FF"/>
-                </a:solidFill>
-                <a:latin typeface="Consolas"/>
-              </a:rPr>
-              <a:t>ProductsDb</a:t>
-            </a:r>
-            <a:r>
-              <a:rPr lang="en-US" sz="1600" dirty="0" smtClean="0">
-                <a:solidFill>
-                  <a:srgbClr val="0000FF"/>
-                </a:solidFill>
-                <a:latin typeface="Consolas"/>
-              </a:rPr>
-              <a:t>;</a:t>
-            </a:r>
-            <a:endParaRPr lang="en-US" sz="800" dirty="0">
-              <a:latin typeface="Segoe UI" pitchFamily="34" charset="0"/>
-            </a:endParaRPr>
-          </a:p>
-          <a:p>
-            <a:r>
-              <a:rPr lang="en-US" sz="1600" dirty="0" smtClean="0">
-                <a:solidFill>
-                  <a:srgbClr val="0000FF"/>
-                </a:solidFill>
-                <a:latin typeface="Consolas"/>
-              </a:rPr>
-              <a:t>  User </a:t>
-            </a:r>
-            <a:r>
-              <a:rPr lang="en-US" sz="1600" dirty="0">
-                <a:solidFill>
-                  <a:srgbClr val="0000FF"/>
-                </a:solidFill>
-                <a:latin typeface="Consolas"/>
-              </a:rPr>
-              <a:t>Id</a:t>
-            </a:r>
-            <a:r>
-              <a:rPr lang="en-US" sz="1600" dirty="0" smtClean="0">
-                <a:solidFill>
-                  <a:srgbClr val="0000FF"/>
-                </a:solidFill>
-                <a:latin typeface="Consolas"/>
-              </a:rPr>
-              <a:t>=</a:t>
-            </a:r>
-            <a:r>
-              <a:rPr lang="en-US" sz="1600" dirty="0" smtClean="0">
-                <a:solidFill>
-                  <a:srgbClr val="0000FF"/>
-                </a:solidFill>
-                <a:highlight>
-                  <a:srgbClr val="FFFF00"/>
-                </a:highlight>
-                <a:latin typeface="Consolas"/>
-              </a:rPr>
-              <a:t>[login]@[server]</a:t>
-            </a:r>
-            <a:r>
-              <a:rPr lang="en-US" sz="1600" dirty="0" smtClean="0">
-                <a:solidFill>
-                  <a:srgbClr val="0000FF"/>
-                </a:solidFill>
-                <a:latin typeface="Consolas"/>
-              </a:rPr>
-              <a:t>;</a:t>
-            </a:r>
-            <a:endParaRPr lang="en-US" sz="800" dirty="0">
-              <a:latin typeface="Segoe UI" pitchFamily="34" charset="0"/>
-            </a:endParaRPr>
-          </a:p>
-          <a:p>
-            <a:r>
-              <a:rPr lang="en-US" sz="1600" dirty="0" smtClean="0">
-                <a:solidFill>
-                  <a:srgbClr val="0000FF"/>
-                </a:solidFill>
-                <a:latin typeface="Consolas"/>
-              </a:rPr>
-              <a:t>  Password</a:t>
-            </a:r>
-            <a:r>
-              <a:rPr lang="en-US" sz="1600" dirty="0">
-                <a:solidFill>
-                  <a:srgbClr val="0000FF"/>
-                </a:solidFill>
-                <a:latin typeface="Consolas"/>
-              </a:rPr>
-              <a:t>=[password</a:t>
-            </a:r>
-            <a:r>
-              <a:rPr lang="en-US" sz="1600" dirty="0" smtClean="0">
-                <a:solidFill>
-                  <a:srgbClr val="0000FF"/>
-                </a:solidFill>
-                <a:latin typeface="Consolas"/>
-              </a:rPr>
-              <a:t>];</a:t>
-            </a:r>
-          </a:p>
-          <a:p>
-            <a:r>
-              <a:rPr lang="en-US" sz="1600" dirty="0" smtClean="0">
-                <a:solidFill>
-                  <a:srgbClr val="0000FF"/>
-                </a:solidFill>
-                <a:latin typeface="Consolas"/>
-                <a:ea typeface="Segoe UI" pitchFamily="34" charset="0"/>
-              </a:rPr>
-              <a:t>  </a:t>
-            </a:r>
-            <a:r>
-              <a:rPr lang="en-US" sz="1600" dirty="0" err="1">
-                <a:solidFill>
-                  <a:srgbClr val="0000FF"/>
-                </a:solidFill>
-                <a:latin typeface="Consolas"/>
-                <a:ea typeface="Segoe UI" pitchFamily="34" charset="0"/>
-              </a:rPr>
-              <a:t>T</a:t>
-            </a:r>
-            <a:r>
-              <a:rPr lang="en-US" sz="1600" dirty="0" err="1" smtClean="0">
-                <a:solidFill>
-                  <a:srgbClr val="0000FF"/>
-                </a:solidFill>
-                <a:latin typeface="Consolas"/>
-                <a:ea typeface="Segoe UI" pitchFamily="34" charset="0"/>
-              </a:rPr>
-              <a:t>rusted_Connection</a:t>
-            </a:r>
-            <a:r>
-              <a:rPr lang="en-US" sz="1600" dirty="0" smtClean="0">
-                <a:solidFill>
-                  <a:srgbClr val="0000FF"/>
-                </a:solidFill>
-                <a:latin typeface="Consolas"/>
-                <a:ea typeface="Segoe UI" pitchFamily="34" charset="0"/>
-              </a:rPr>
-              <a:t>=False;</a:t>
-            </a:r>
-            <a:endParaRPr lang="en-US" sz="800" dirty="0">
-              <a:latin typeface="Segoe UI" pitchFamily="34" charset="0"/>
-              <a:ea typeface="Segoe UI" pitchFamily="34" charset="0"/>
-            </a:endParaRPr>
-          </a:p>
-          <a:p>
-            <a:r>
-              <a:rPr lang="en-US" sz="1600" dirty="0" smtClean="0">
-                <a:solidFill>
-                  <a:srgbClr val="0000FF"/>
-                </a:solidFill>
-                <a:highlight>
-                  <a:srgbClr val="FFFF00"/>
-                </a:highlight>
-                <a:latin typeface="Consolas"/>
-              </a:rPr>
-              <a:t>  Encrypt=true</a:t>
-            </a:r>
-            <a:r>
-              <a:rPr lang="en-US" sz="1600" dirty="0" smtClean="0">
-                <a:solidFill>
-                  <a:srgbClr val="0000FF"/>
-                </a:solidFill>
-                <a:latin typeface="Consolas"/>
-              </a:rPr>
-              <a:t>;</a:t>
-            </a:r>
-            <a:r>
-              <a:rPr lang="en-US" sz="1600" dirty="0" smtClean="0">
-                <a:solidFill>
-                  <a:srgbClr val="000000"/>
-                </a:solidFill>
-                <a:latin typeface="Consolas"/>
-              </a:rPr>
-              <a:t>" </a:t>
-            </a:r>
-            <a:endParaRPr lang="en-US" sz="800" dirty="0" smtClean="0">
-              <a:latin typeface="Segoe UI" pitchFamily="34" charset="0"/>
-              <a:ea typeface="Segoe UI" pitchFamily="34" charset="0"/>
-            </a:endParaRPr>
-          </a:p>
-          <a:p>
-            <a:r>
-              <a:rPr lang="en-US" sz="1600" dirty="0" err="1" smtClean="0">
-                <a:solidFill>
-                  <a:srgbClr val="FF0000"/>
-                </a:solidFill>
-                <a:latin typeface="Consolas"/>
-              </a:rPr>
-              <a:t>providerName</a:t>
-            </a:r>
-            <a:r>
-              <a:rPr lang="en-US" sz="1600" dirty="0" smtClean="0">
-                <a:solidFill>
-                  <a:srgbClr val="0000FF"/>
-                </a:solidFill>
-                <a:latin typeface="Consolas"/>
-              </a:rPr>
-              <a:t>=</a:t>
-            </a:r>
-            <a:r>
-              <a:rPr lang="en-US" sz="1600" dirty="0" smtClean="0">
-                <a:solidFill>
-                  <a:srgbClr val="000000"/>
-                </a:solidFill>
-                <a:latin typeface="Consolas"/>
-              </a:rPr>
-              <a:t>"</a:t>
-            </a:r>
-            <a:r>
-              <a:rPr lang="en-US" sz="1600" dirty="0" err="1" smtClean="0">
-                <a:solidFill>
-                  <a:srgbClr val="0000FF"/>
-                </a:solidFill>
-                <a:latin typeface="Consolas"/>
-              </a:rPr>
-              <a:t>System.Data.SqlClient</a:t>
-            </a:r>
-            <a:r>
-              <a:rPr lang="en-US" sz="1600" dirty="0" smtClean="0">
-                <a:solidFill>
-                  <a:srgbClr val="000000"/>
-                </a:solidFill>
-                <a:latin typeface="Consolas"/>
-              </a:rPr>
-              <a:t>" </a:t>
-            </a:r>
-            <a:r>
-              <a:rPr lang="en-US" sz="1600" dirty="0" smtClean="0">
-                <a:solidFill>
-                  <a:srgbClr val="0000FF"/>
-                </a:solidFill>
-                <a:latin typeface="Consolas"/>
-              </a:rPr>
-              <a:t>/&gt;</a:t>
-            </a:r>
-            <a:endParaRPr lang="en-US" sz="800" dirty="0" smtClean="0">
-              <a:latin typeface="Segoe UI" pitchFamily="34" charset="0"/>
-              <a:ea typeface="Segoe UI" pitchFamily="34" charset="0"/>
-            </a:endParaRPr>
-          </a:p>
-          <a:p>
-            <a:r>
-              <a:rPr lang="en-US" sz="1600" dirty="0" smtClean="0">
-                <a:solidFill>
-                  <a:srgbClr val="0000FF"/>
-                </a:solidFill>
-                <a:latin typeface="Consolas"/>
-              </a:rPr>
-              <a:t>&lt;/</a:t>
-            </a:r>
-            <a:r>
-              <a:rPr lang="en-US" sz="1600" dirty="0">
-                <a:solidFill>
-                  <a:srgbClr val="A31515"/>
-                </a:solidFill>
-                <a:latin typeface="Consolas"/>
-              </a:rPr>
-              <a:t>connectionStrings</a:t>
-            </a:r>
-            <a:r>
-              <a:rPr lang="en-US" sz="1600" dirty="0">
-                <a:solidFill>
-                  <a:srgbClr val="0000FF"/>
-                </a:solidFill>
-                <a:latin typeface="Consolas"/>
-              </a:rPr>
-              <a:t>&gt;</a:t>
-            </a:r>
-            <a:endParaRPr lang="en-US" sz="1600" dirty="0">
-              <a:solidFill>
-                <a:prstClr val="black"/>
-              </a:solidFill>
-              <a:latin typeface="Consolas"/>
-            </a:endParaRPr>
+            <a:pPr indent="3175"/>
+            <a:r>
+              <a:rPr lang="en-US" dirty="0"/>
+              <a:t>How is it different from SQL Server?</a:t>
+            </a:r>
           </a:p>
         </p:txBody>
       </p:sp>
     </p:spTree>
     <p:extLst>
       <p:ext uri="{BB962C8B-B14F-4D97-AF65-F5344CB8AC3E}">
-        <p14:creationId xmlns:p14="http://schemas.microsoft.com/office/powerpoint/2010/main" val="3550516486"/>
+        <p14:creationId xmlns:p14="http://schemas.microsoft.com/office/powerpoint/2010/main" val="2331921382"/>
       </p:ext>
     </p:extLst>
   </p:cSld>
@@ -41096,127 +41916,9 @@
   <p:timing>
     <p:tnLst>
       <p:par>
-        <p:cTn id="1" dur="indefinite" restart="never" nodeType="tmRoot">
-          <p:childTnLst>
-            <p:seq concurrent="1" nextAc="seek">
-              <p:cTn id="2" dur="indefinite" nodeType="mainSeq">
-                <p:childTnLst>
-                  <p:par>
-                    <p:cTn id="3" fill="hold">
-                      <p:stCondLst>
-                        <p:cond delay="indefinite"/>
-                        <p:cond evt="onBegin" delay="0">
-                          <p:tn val="2"/>
-                        </p:cond>
-                      </p:stCondLst>
-                      <p:childTnLst>
-                        <p:par>
-                          <p:cTn id="4" fill="hold">
-                            <p:stCondLst>
-                              <p:cond delay="0"/>
-                            </p:stCondLst>
-                            <p:childTnLst>
-                              <p:par>
-                                <p:cTn id="5" presetID="10" presetClass="entr" presetSubtype="0" fill="hold" grpId="0" nodeType="withEffect">
-                                  <p:stCondLst>
-                                    <p:cond delay="0"/>
-                                  </p:stCondLst>
-                                  <p:childTnLst>
-                                    <p:set>
-                                      <p:cBhvr>
-                                        <p:cTn id="6" dur="1" fill="hold">
-                                          <p:stCondLst>
-                                            <p:cond delay="0"/>
-                                          </p:stCondLst>
-                                        </p:cTn>
-                                        <p:tgtEl>
-                                          <p:spTgt spid="10"/>
-                                        </p:tgtEl>
-                                        <p:attrNameLst>
-                                          <p:attrName>style.visibility</p:attrName>
-                                        </p:attrNameLst>
-                                      </p:cBhvr>
-                                      <p:to>
-                                        <p:strVal val="visible"/>
-                                      </p:to>
-                                    </p:set>
-                                    <p:animEffect transition="in" filter="fade">
-                                      <p:cBhvr>
-                                        <p:cTn id="7" dur="500"/>
-                                        <p:tgtEl>
-                                          <p:spTgt spid="10"/>
-                                        </p:tgtEl>
-                                      </p:cBhvr>
-                                    </p:animEffect>
-                                  </p:childTnLst>
-                                </p:cTn>
-                              </p:par>
-                              <p:par>
-                                <p:cTn id="8" presetID="10" presetClass="entr" presetSubtype="0" fill="hold" grpId="0" nodeType="withEffect">
-                                  <p:stCondLst>
-                                    <p:cond delay="0"/>
-                                  </p:stCondLst>
-                                  <p:childTnLst>
-                                    <p:set>
-                                      <p:cBhvr>
-                                        <p:cTn id="9" dur="1" fill="hold">
-                                          <p:stCondLst>
-                                            <p:cond delay="0"/>
-                                          </p:stCondLst>
-                                        </p:cTn>
-                                        <p:tgtEl>
-                                          <p:spTgt spid="8"/>
-                                        </p:tgtEl>
-                                        <p:attrNameLst>
-                                          <p:attrName>style.visibility</p:attrName>
-                                        </p:attrNameLst>
-                                      </p:cBhvr>
-                                      <p:to>
-                                        <p:strVal val="visible"/>
-                                      </p:to>
-                                    </p:set>
-                                    <p:animEffect transition="in" filter="fade">
-                                      <p:cBhvr>
-                                        <p:cTn id="10" dur="500"/>
-                                        <p:tgtEl>
-                                          <p:spTgt spid="8"/>
-                                        </p:tgtEl>
-                                      </p:cBhvr>
-                                    </p:animEffect>
-                                  </p:childTnLst>
-                                </p:cTn>
-                              </p:par>
-                            </p:childTnLst>
-                          </p:cTn>
-                        </p:par>
-                      </p:childTnLst>
-                    </p:cTn>
-                  </p:par>
-                </p:childTnLst>
-              </p:cTn>
-              <p:prevCondLst>
-                <p:cond evt="onPrev" delay="0">
-                  <p:tgtEl>
-                    <p:sldTgt/>
-                  </p:tgtEl>
-                </p:cond>
-              </p:prevCondLst>
-              <p:nextCondLst>
-                <p:cond evt="onNext" delay="0">
-                  <p:tgtEl>
-                    <p:sldTgt/>
-                  </p:tgtEl>
-                </p:cond>
-              </p:nextCondLst>
-            </p:seq>
-          </p:childTnLst>
-        </p:cTn>
+        <p:cTn id="1" dur="indefinite" restart="never" nodeType="tmRoot"/>
       </p:par>
     </p:tnLst>
-    <p:bldLst>
-      <p:bldP spid="8" grpId="0"/>
-      <p:bldP spid="10" grpId="0" animBg="1"/>
-    </p:bldLst>
   </p:timing>
 </p:sld>
 </file>
@@ -41238,6 +41940,37 @@
           <a:chExt cx="0" cy="0"/>
         </a:xfrm>
       </p:grpSpPr>
+      <p:pic>
+        <p:nvPicPr>
+          <p:cNvPr id="8" name="Picture 7"/>
+          <p:cNvPicPr>
+            <a:picLocks noChangeAspect="1"/>
+          </p:cNvPicPr>
+          <p:nvPr/>
+        </p:nvPicPr>
+        <p:blipFill>
+          <a:blip r:embed="rId2">
+            <a:lum bright="70000" contrast="-70000"/>
+            <a:extLst>
+              <a:ext uri="{28A0092B-C50C-407E-A947-70E740481C1C}">
+                <a14:useLocalDpi xmlns:a14="http://schemas.microsoft.com/office/drawing/2010/main" val="0"/>
+              </a:ext>
+            </a:extLst>
+          </a:blip>
+          <a:stretch>
+            <a:fillRect/>
+          </a:stretch>
+        </p:blipFill>
+        <p:spPr>
+          <a:xfrm>
+            <a:off x="3405352" y="1330959"/>
+            <a:ext cx="4843150" cy="4772959"/>
+          </a:xfrm>
+          <a:prstGeom prst="rect">
+            <a:avLst/>
+          </a:prstGeom>
+        </p:spPr>
+      </p:pic>
       <p:sp>
         <p:nvSpPr>
           <p:cNvPr id="2" name="Title 1"/>
@@ -41255,7 +41988,7 @@
           <a:p>
             <a:r>
               <a:rPr lang="en-AU" dirty="0" smtClean="0"/>
-              <a:t>Security</a:t>
+              <a:t>Feature Limitations</a:t>
             </a:r>
             <a:endParaRPr lang="en-AU" dirty="0"/>
           </a:p>
@@ -41268,775 +42001,220 @@
             <a:spLocks noGrp="1"/>
           </p:cNvSpPr>
           <p:nvPr>
-            <p:ph type="body" sz="quarter" idx="10"/>
+            <p:ph sz="half" idx="1"/>
           </p:nvPr>
         </p:nvSpPr>
         <p:spPr>
           <a:xfrm>
-            <a:off x="519112" y="1447799"/>
-            <a:ext cx="11149013" cy="3901068"/>
+            <a:off x="519113" y="1447800"/>
+            <a:ext cx="5486400" cy="5860066"/>
           </a:xfrm>
         </p:spPr>
         <p:txBody>
           <a:bodyPr/>
           <a:lstStyle/>
           <a:p>
+            <a:pPr marL="574675" indent="-571500">
+              <a:buFont typeface="Arial" panose="020B0604020202020204" pitchFamily="34" charset="0"/>
+              <a:buChar char="•"/>
+            </a:pPr>
+            <a:r>
+              <a:rPr lang="en-AU" sz="3200" dirty="0" smtClean="0"/>
+              <a:t>SSAS</a:t>
+            </a:r>
+          </a:p>
+          <a:p>
+            <a:pPr marL="574675" indent="-571500">
+              <a:buFont typeface="Arial" panose="020B0604020202020204" pitchFamily="34" charset="0"/>
+              <a:buChar char="•"/>
+            </a:pPr>
+            <a:r>
+              <a:rPr lang="en-AU" sz="3200" dirty="0" smtClean="0"/>
+              <a:t>SSIS</a:t>
+            </a:r>
+          </a:p>
+          <a:p>
+            <a:pPr marL="574675" indent="-571500">
+              <a:buFont typeface="Arial" panose="020B0604020202020204" pitchFamily="34" charset="0"/>
+              <a:buChar char="•"/>
+            </a:pPr>
+            <a:r>
+              <a:rPr lang="en-AU" sz="3200" dirty="0" smtClean="0"/>
+              <a:t>MDS</a:t>
+            </a:r>
+          </a:p>
+          <a:p>
+            <a:pPr marL="574675" indent="-571500">
+              <a:buFont typeface="Arial" panose="020B0604020202020204" pitchFamily="34" charset="0"/>
+              <a:buChar char="•"/>
+            </a:pPr>
+            <a:r>
+              <a:rPr lang="en-AU" sz="3200" dirty="0" smtClean="0"/>
+              <a:t>SQL Agent</a:t>
+            </a:r>
+          </a:p>
+          <a:p>
+            <a:pPr marL="574675" indent="-571500">
+              <a:buFont typeface="Arial" panose="020B0604020202020204" pitchFamily="34" charset="0"/>
+              <a:buChar char="•"/>
+            </a:pPr>
+            <a:r>
+              <a:rPr lang="en-AU" sz="3200" dirty="0" smtClean="0"/>
+              <a:t>SQL Replication</a:t>
+            </a:r>
+          </a:p>
+          <a:p>
+            <a:pPr marL="574675" indent="-571500">
+              <a:buFont typeface="Arial" panose="020B0604020202020204" pitchFamily="34" charset="0"/>
+              <a:buChar char="•"/>
+            </a:pPr>
             <a:r>
               <a:rPr lang="en-AU" dirty="0" smtClean="0"/>
-              <a:t>Per-”server” firewall</a:t>
-            </a:r>
-          </a:p>
-          <a:p>
+              <a:t>Full Text Search</a:t>
+            </a:r>
+          </a:p>
+          <a:p>
+            <a:pPr marL="574675" indent="-571500">
+              <a:buFont typeface="Arial" panose="020B0604020202020204" pitchFamily="34" charset="0"/>
+              <a:buChar char="•"/>
+            </a:pPr>
+            <a:r>
+              <a:rPr lang="en-AU" sz="3200" dirty="0" smtClean="0"/>
+              <a:t>CDC</a:t>
+            </a:r>
+          </a:p>
+          <a:p>
+            <a:pPr marL="574675" indent="-571500">
+              <a:buFont typeface="Arial" panose="020B0604020202020204" pitchFamily="34" charset="0"/>
+              <a:buChar char="•"/>
+            </a:pPr>
             <a:r>
               <a:rPr lang="en-AU" dirty="0" smtClean="0"/>
-              <a:t>User accounts with privileges</a:t>
-            </a:r>
-          </a:p>
-          <a:p>
-            <a:r>
-              <a:rPr lang="en-AU" dirty="0" smtClean="0"/>
-              <a:t>Server admin account: special privileges</a:t>
-            </a:r>
-          </a:p>
-          <a:p>
-            <a:r>
-              <a:rPr lang="en-AU" dirty="0" smtClean="0"/>
-              <a:t>TDS connection is encrypted</a:t>
-            </a:r>
-          </a:p>
-          <a:p>
-            <a:r>
-              <a:rPr lang="en-AU" dirty="0" smtClean="0"/>
-              <a:t>Protect your database passwords</a:t>
-            </a:r>
-          </a:p>
-          <a:p>
-            <a:r>
-              <a:rPr lang="en-AU" dirty="0"/>
-              <a:t>	</a:t>
-            </a:r>
-            <a:r>
-              <a:rPr lang="en-AU" dirty="0" smtClean="0"/>
-              <a:t>e.g. </a:t>
-            </a:r>
-            <a:r>
-              <a:rPr lang="en-AU" dirty="0" err="1" smtClean="0"/>
-              <a:t>config</a:t>
-            </a:r>
-            <a:r>
-              <a:rPr lang="en-AU" dirty="0" smtClean="0"/>
-              <a:t> encryption</a:t>
-            </a:r>
+              <a:t>Windows Authentication</a:t>
+            </a:r>
+          </a:p>
+          <a:p>
+            <a:pPr marL="574675" indent="-571500">
+              <a:buFont typeface="Arial" panose="020B0604020202020204" pitchFamily="34" charset="0"/>
+              <a:buChar char="•"/>
+            </a:pPr>
+            <a:r>
+              <a:rPr lang="en-AU" sz="3200" dirty="0" smtClean="0"/>
+              <a:t>TDE</a:t>
+            </a:r>
+          </a:p>
+          <a:p>
+            <a:pPr marL="3175" indent="0">
+              <a:buNone/>
+            </a:pPr>
+            <a:endParaRPr lang="en-AU" sz="3200" dirty="0" smtClean="0"/>
+          </a:p>
+          <a:p>
+            <a:endParaRPr lang="en-AU" sz="3200" dirty="0"/>
           </a:p>
         </p:txBody>
       </p:sp>
       <p:sp>
         <p:nvSpPr>
-          <p:cNvPr id="4" name="Freeform 3"/>
+          <p:cNvPr id="4" name="Content Placeholder 3"/>
           <p:cNvSpPr>
-            <a:spLocks noEditPoints="1"/>
+            <a:spLocks noGrp="1"/>
           </p:cNvSpPr>
-          <p:nvPr/>
+          <p:nvPr>
+            <p:ph sz="half" idx="2"/>
+          </p:nvPr>
         </p:nvSpPr>
-        <p:spPr bwMode="black">
+        <p:spPr>
           <a:xfrm>
-            <a:off x="8708536" y="1451057"/>
-            <a:ext cx="2853340" cy="3955886"/>
+            <a:off x="6181725" y="1447800"/>
+            <a:ext cx="5486400" cy="5318379"/>
           </a:xfrm>
-          <a:custGeom>
-            <a:avLst/>
-            <a:gdLst>
-              <a:gd name="T0" fmla="*/ 221 w 288"/>
-              <a:gd name="T1" fmla="*/ 373 h 399"/>
-              <a:gd name="T2" fmla="*/ 194 w 288"/>
-              <a:gd name="T3" fmla="*/ 350 h 399"/>
-              <a:gd name="T4" fmla="*/ 137 w 288"/>
-              <a:gd name="T5" fmla="*/ 150 h 399"/>
-              <a:gd name="T6" fmla="*/ 165 w 288"/>
-              <a:gd name="T7" fmla="*/ 398 h 399"/>
-              <a:gd name="T8" fmla="*/ 94 w 288"/>
-              <a:gd name="T9" fmla="*/ 325 h 399"/>
-              <a:gd name="T10" fmla="*/ 192 w 288"/>
-              <a:gd name="T11" fmla="*/ 269 h 399"/>
-              <a:gd name="T12" fmla="*/ 223 w 288"/>
-              <a:gd name="T13" fmla="*/ 371 h 399"/>
-              <a:gd name="T14" fmla="*/ 135 w 288"/>
-              <a:gd name="T15" fmla="*/ 170 h 399"/>
-              <a:gd name="T16" fmla="*/ 179 w 288"/>
-              <a:gd name="T17" fmla="*/ 395 h 399"/>
-              <a:gd name="T18" fmla="*/ 135 w 288"/>
-              <a:gd name="T19" fmla="*/ 324 h 399"/>
-              <a:gd name="T20" fmla="*/ 154 w 288"/>
-              <a:gd name="T21" fmla="*/ 308 h 399"/>
-              <a:gd name="T22" fmla="*/ 208 w 288"/>
-              <a:gd name="T23" fmla="*/ 382 h 399"/>
-              <a:gd name="T24" fmla="*/ 85 w 288"/>
-              <a:gd name="T25" fmla="*/ 380 h 399"/>
-              <a:gd name="T26" fmla="*/ 143 w 288"/>
-              <a:gd name="T27" fmla="*/ 82 h 399"/>
-              <a:gd name="T28" fmla="*/ 228 w 288"/>
-              <a:gd name="T29" fmla="*/ 288 h 399"/>
-              <a:gd name="T30" fmla="*/ 253 w 288"/>
-              <a:gd name="T31" fmla="*/ 340 h 399"/>
-              <a:gd name="T32" fmla="*/ 247 w 288"/>
-              <a:gd name="T33" fmla="*/ 233 h 399"/>
-              <a:gd name="T34" fmla="*/ 20 w 288"/>
-              <a:gd name="T35" fmla="*/ 263 h 399"/>
-              <a:gd name="T36" fmla="*/ 85 w 288"/>
-              <a:gd name="T37" fmla="*/ 380 h 399"/>
-              <a:gd name="T38" fmla="*/ 219 w 288"/>
-              <a:gd name="T39" fmla="*/ 242 h 399"/>
-              <a:gd name="T40" fmla="*/ 56 w 288"/>
-              <a:gd name="T41" fmla="*/ 305 h 399"/>
-              <a:gd name="T42" fmla="*/ 129 w 288"/>
-              <a:gd name="T43" fmla="*/ 397 h 399"/>
-              <a:gd name="T44" fmla="*/ 137 w 288"/>
-              <a:gd name="T45" fmla="*/ 115 h 399"/>
-              <a:gd name="T46" fmla="*/ 210 w 288"/>
-              <a:gd name="T47" fmla="*/ 334 h 399"/>
-              <a:gd name="T48" fmla="*/ 239 w 288"/>
-              <a:gd name="T49" fmla="*/ 357 h 399"/>
-              <a:gd name="T50" fmla="*/ 0 w 288"/>
-              <a:gd name="T51" fmla="*/ 202 h 399"/>
-              <a:gd name="T52" fmla="*/ 144 w 288"/>
-              <a:gd name="T53" fmla="*/ 51 h 399"/>
-              <a:gd name="T54" fmla="*/ 252 w 288"/>
-              <a:gd name="T55" fmla="*/ 298 h 399"/>
-              <a:gd name="T56" fmla="*/ 266 w 288"/>
-              <a:gd name="T57" fmla="*/ 320 h 399"/>
-              <a:gd name="T58" fmla="*/ 277 w 288"/>
-              <a:gd name="T59" fmla="*/ 221 h 399"/>
-              <a:gd name="T60" fmla="*/ 3 w 288"/>
-              <a:gd name="T61" fmla="*/ 162 h 399"/>
-              <a:gd name="T62" fmla="*/ 0 w 288"/>
-              <a:gd name="T63" fmla="*/ 202 h 399"/>
-              <a:gd name="T64" fmla="*/ 145 w 288"/>
-              <a:gd name="T65" fmla="*/ 0 h 399"/>
-              <a:gd name="T66" fmla="*/ 144 w 288"/>
-              <a:gd name="T67" fmla="*/ 18 h 399"/>
-              <a:gd name="T68" fmla="*/ 142 w 288"/>
-              <a:gd name="T69" fmla="*/ 308 h 399"/>
-              <a:gd name="T70" fmla="*/ 137 w 288"/>
-              <a:gd name="T71" fmla="*/ 201 h 399"/>
-              <a:gd name="T72" fmla="*/ 130 w 288"/>
-              <a:gd name="T73" fmla="*/ 208 h 399"/>
-              <a:gd name="T74" fmla="*/ 142 w 288"/>
-              <a:gd name="T75" fmla="*/ 308 h 399"/>
-            </a:gdLst>
-            <a:ahLst/>
-            <a:cxnLst>
-              <a:cxn ang="0">
-                <a:pos x="T0" y="T1"/>
-              </a:cxn>
-              <a:cxn ang="0">
-                <a:pos x="T2" y="T3"/>
-              </a:cxn>
-              <a:cxn ang="0">
-                <a:pos x="T4" y="T5"/>
-              </a:cxn>
-              <a:cxn ang="0">
-                <a:pos x="T6" y="T7"/>
-              </a:cxn>
-              <a:cxn ang="0">
-                <a:pos x="T8" y="T9"/>
-              </a:cxn>
-              <a:cxn ang="0">
-                <a:pos x="T10" y="T11"/>
-              </a:cxn>
-              <a:cxn ang="0">
-                <a:pos x="T12" y="T13"/>
-              </a:cxn>
-              <a:cxn ang="0">
-                <a:pos x="T14" y="T15"/>
-              </a:cxn>
-              <a:cxn ang="0">
-                <a:pos x="T16" y="T17"/>
-              </a:cxn>
-              <a:cxn ang="0">
-                <a:pos x="T18" y="T19"/>
-              </a:cxn>
-              <a:cxn ang="0">
-                <a:pos x="T20" y="T21"/>
-              </a:cxn>
-              <a:cxn ang="0">
-                <a:pos x="T22" y="T23"/>
-              </a:cxn>
-              <a:cxn ang="0">
-                <a:pos x="T24" y="T25"/>
-              </a:cxn>
-              <a:cxn ang="0">
-                <a:pos x="T26" y="T27"/>
-              </a:cxn>
-              <a:cxn ang="0">
-                <a:pos x="T28" y="T29"/>
-              </a:cxn>
-              <a:cxn ang="0">
-                <a:pos x="T30" y="T31"/>
-              </a:cxn>
-              <a:cxn ang="0">
-                <a:pos x="T32" y="T33"/>
-              </a:cxn>
-              <a:cxn ang="0">
-                <a:pos x="T34" y="T35"/>
-              </a:cxn>
-              <a:cxn ang="0">
-                <a:pos x="T36" y="T37"/>
-              </a:cxn>
-              <a:cxn ang="0">
-                <a:pos x="T38" y="T39"/>
-              </a:cxn>
-              <a:cxn ang="0">
-                <a:pos x="T40" y="T41"/>
-              </a:cxn>
-              <a:cxn ang="0">
-                <a:pos x="T42" y="T43"/>
-              </a:cxn>
-              <a:cxn ang="0">
-                <a:pos x="T44" y="T45"/>
-              </a:cxn>
-              <a:cxn ang="0">
-                <a:pos x="T46" y="T47"/>
-              </a:cxn>
-              <a:cxn ang="0">
-                <a:pos x="T48" y="T49"/>
-              </a:cxn>
-              <a:cxn ang="0">
-                <a:pos x="T50" y="T51"/>
-              </a:cxn>
-              <a:cxn ang="0">
-                <a:pos x="T52" y="T53"/>
-              </a:cxn>
-              <a:cxn ang="0">
-                <a:pos x="T54" y="T55"/>
-              </a:cxn>
-              <a:cxn ang="0">
-                <a:pos x="T56" y="T57"/>
-              </a:cxn>
-              <a:cxn ang="0">
-                <a:pos x="T58" y="T59"/>
-              </a:cxn>
-              <a:cxn ang="0">
-                <a:pos x="T60" y="T61"/>
-              </a:cxn>
-              <a:cxn ang="0">
-                <a:pos x="T62" y="T63"/>
-              </a:cxn>
-              <a:cxn ang="0">
-                <a:pos x="T64" y="T65"/>
-              </a:cxn>
-              <a:cxn ang="0">
-                <a:pos x="T66" y="T67"/>
-              </a:cxn>
-              <a:cxn ang="0">
-                <a:pos x="T68" y="T69"/>
-              </a:cxn>
-              <a:cxn ang="0">
-                <a:pos x="T70" y="T71"/>
-              </a:cxn>
-              <a:cxn ang="0">
-                <a:pos x="T72" y="T73"/>
-              </a:cxn>
-              <a:cxn ang="0">
-                <a:pos x="T74" y="T75"/>
-              </a:cxn>
-            </a:cxnLst>
-            <a:rect l="0" t="0" r="r" b="b"/>
-            <a:pathLst>
-              <a:path w="288" h="399">
-                <a:moveTo>
-                  <a:pt x="223" y="371"/>
-                </a:moveTo>
-                <a:cubicBezTo>
-                  <a:pt x="221" y="373"/>
-                  <a:pt x="221" y="373"/>
-                  <a:pt x="221" y="373"/>
-                </a:cubicBezTo>
-                <a:cubicBezTo>
-                  <a:pt x="220" y="374"/>
-                  <a:pt x="218" y="375"/>
-                  <a:pt x="217" y="376"/>
-                </a:cubicBezTo>
-                <a:cubicBezTo>
-                  <a:pt x="215" y="374"/>
-                  <a:pt x="205" y="366"/>
-                  <a:pt x="194" y="350"/>
-                </a:cubicBezTo>
-                <a:cubicBezTo>
-                  <a:pt x="181" y="332"/>
-                  <a:pt x="177" y="299"/>
-                  <a:pt x="180" y="268"/>
-                </a:cubicBezTo>
-                <a:cubicBezTo>
-                  <a:pt x="186" y="212"/>
-                  <a:pt x="180" y="148"/>
-                  <a:pt x="137" y="150"/>
-                </a:cubicBezTo>
-                <a:cubicBezTo>
-                  <a:pt x="90" y="152"/>
-                  <a:pt x="69" y="245"/>
-                  <a:pt x="106" y="319"/>
-                </a:cubicBezTo>
-                <a:cubicBezTo>
-                  <a:pt x="125" y="357"/>
-                  <a:pt x="150" y="384"/>
-                  <a:pt x="165" y="398"/>
-                </a:cubicBezTo>
-                <a:cubicBezTo>
-                  <a:pt x="161" y="398"/>
-                  <a:pt x="157" y="399"/>
-                  <a:pt x="153" y="399"/>
-                </a:cubicBezTo>
-                <a:cubicBezTo>
-                  <a:pt x="137" y="384"/>
-                  <a:pt x="115" y="364"/>
-                  <a:pt x="94" y="325"/>
-                </a:cubicBezTo>
-                <a:cubicBezTo>
-                  <a:pt x="46" y="236"/>
-                  <a:pt x="82" y="134"/>
-                  <a:pt x="137" y="134"/>
-                </a:cubicBezTo>
-                <a:cubicBezTo>
-                  <a:pt x="195" y="134"/>
-                  <a:pt x="201" y="201"/>
-                  <a:pt x="192" y="269"/>
-                </a:cubicBezTo>
-                <a:cubicBezTo>
-                  <a:pt x="188" y="301"/>
-                  <a:pt x="191" y="329"/>
-                  <a:pt x="202" y="346"/>
-                </a:cubicBezTo>
-                <a:cubicBezTo>
-                  <a:pt x="213" y="363"/>
-                  <a:pt x="224" y="370"/>
-                  <a:pt x="223" y="371"/>
-                </a:cubicBezTo>
-                <a:close/>
-                <a:moveTo>
-                  <a:pt x="166" y="306"/>
-                </a:moveTo>
-                <a:cubicBezTo>
-                  <a:pt x="163" y="275"/>
-                  <a:pt x="185" y="172"/>
-                  <a:pt x="135" y="170"/>
-                </a:cubicBezTo>
-                <a:cubicBezTo>
-                  <a:pt x="104" y="169"/>
-                  <a:pt x="77" y="248"/>
-                  <a:pt x="125" y="329"/>
-                </a:cubicBezTo>
-                <a:cubicBezTo>
-                  <a:pt x="143" y="361"/>
-                  <a:pt x="166" y="383"/>
-                  <a:pt x="179" y="395"/>
-                </a:cubicBezTo>
-                <a:cubicBezTo>
-                  <a:pt x="182" y="394"/>
-                  <a:pt x="185" y="393"/>
-                  <a:pt x="188" y="392"/>
-                </a:cubicBezTo>
-                <a:cubicBezTo>
-                  <a:pt x="177" y="381"/>
-                  <a:pt x="153" y="358"/>
-                  <a:pt x="135" y="324"/>
-                </a:cubicBezTo>
-                <a:cubicBezTo>
-                  <a:pt x="101" y="266"/>
-                  <a:pt x="110" y="186"/>
-                  <a:pt x="135" y="186"/>
-                </a:cubicBezTo>
-                <a:cubicBezTo>
-                  <a:pt x="168" y="186"/>
-                  <a:pt x="149" y="268"/>
-                  <a:pt x="154" y="308"/>
-                </a:cubicBezTo>
-                <a:cubicBezTo>
-                  <a:pt x="160" y="352"/>
-                  <a:pt x="187" y="377"/>
-                  <a:pt x="200" y="386"/>
-                </a:cubicBezTo>
-                <a:cubicBezTo>
-                  <a:pt x="203" y="385"/>
-                  <a:pt x="205" y="384"/>
-                  <a:pt x="208" y="382"/>
-                </a:cubicBezTo>
-                <a:cubicBezTo>
-                  <a:pt x="199" y="375"/>
-                  <a:pt x="170" y="350"/>
-                  <a:pt x="166" y="306"/>
-                </a:cubicBezTo>
-                <a:close/>
-                <a:moveTo>
-                  <a:pt x="85" y="380"/>
-                </a:moveTo>
-                <a:cubicBezTo>
-                  <a:pt x="65" y="357"/>
-                  <a:pt x="36" y="313"/>
-                  <a:pt x="31" y="261"/>
-                </a:cubicBezTo>
-                <a:cubicBezTo>
-                  <a:pt x="25" y="164"/>
-                  <a:pt x="66" y="82"/>
-                  <a:pt x="143" y="82"/>
-                </a:cubicBezTo>
-                <a:cubicBezTo>
-                  <a:pt x="213" y="82"/>
-                  <a:pt x="241" y="157"/>
-                  <a:pt x="235" y="231"/>
-                </a:cubicBezTo>
-                <a:cubicBezTo>
-                  <a:pt x="234" y="251"/>
-                  <a:pt x="228" y="269"/>
-                  <a:pt x="228" y="288"/>
-                </a:cubicBezTo>
-                <a:cubicBezTo>
-                  <a:pt x="227" y="320"/>
-                  <a:pt x="236" y="334"/>
-                  <a:pt x="248" y="347"/>
-                </a:cubicBezTo>
-                <a:cubicBezTo>
-                  <a:pt x="250" y="345"/>
-                  <a:pt x="251" y="343"/>
-                  <a:pt x="253" y="340"/>
-                </a:cubicBezTo>
-                <a:cubicBezTo>
-                  <a:pt x="246" y="330"/>
-                  <a:pt x="237" y="313"/>
-                  <a:pt x="238" y="289"/>
-                </a:cubicBezTo>
-                <a:cubicBezTo>
-                  <a:pt x="239" y="273"/>
-                  <a:pt x="243" y="254"/>
-                  <a:pt x="247" y="233"/>
-                </a:cubicBezTo>
-                <a:cubicBezTo>
-                  <a:pt x="257" y="169"/>
-                  <a:pt x="233" y="66"/>
-                  <a:pt x="143" y="65"/>
-                </a:cubicBezTo>
-                <a:cubicBezTo>
-                  <a:pt x="77" y="64"/>
-                  <a:pt x="7" y="129"/>
-                  <a:pt x="20" y="263"/>
-                </a:cubicBezTo>
-                <a:cubicBezTo>
-                  <a:pt x="24" y="299"/>
-                  <a:pt x="39" y="330"/>
-                  <a:pt x="54" y="354"/>
-                </a:cubicBezTo>
-                <a:cubicBezTo>
-                  <a:pt x="64" y="365"/>
-                  <a:pt x="74" y="373"/>
-                  <a:pt x="85" y="380"/>
-                </a:cubicBezTo>
-                <a:close/>
-                <a:moveTo>
-                  <a:pt x="219" y="331"/>
-                </a:moveTo>
-                <a:cubicBezTo>
-                  <a:pt x="211" y="309"/>
-                  <a:pt x="212" y="277"/>
-                  <a:pt x="219" y="242"/>
-                </a:cubicBezTo>
-                <a:cubicBezTo>
-                  <a:pt x="228" y="183"/>
-                  <a:pt x="216" y="99"/>
-                  <a:pt x="137" y="99"/>
-                </a:cubicBezTo>
-                <a:cubicBezTo>
-                  <a:pt x="73" y="99"/>
-                  <a:pt x="16" y="198"/>
-                  <a:pt x="56" y="305"/>
-                </a:cubicBezTo>
-                <a:cubicBezTo>
-                  <a:pt x="72" y="346"/>
-                  <a:pt x="96" y="376"/>
-                  <a:pt x="113" y="393"/>
-                </a:cubicBezTo>
-                <a:cubicBezTo>
-                  <a:pt x="118" y="395"/>
-                  <a:pt x="123" y="396"/>
-                  <a:pt x="129" y="397"/>
-                </a:cubicBezTo>
-                <a:cubicBezTo>
-                  <a:pt x="113" y="382"/>
-                  <a:pt x="84" y="348"/>
-                  <a:pt x="67" y="300"/>
-                </a:cubicBezTo>
-                <a:cubicBezTo>
-                  <a:pt x="37" y="213"/>
-                  <a:pt x="79" y="116"/>
-                  <a:pt x="137" y="115"/>
-                </a:cubicBezTo>
-                <a:cubicBezTo>
-                  <a:pt x="189" y="114"/>
-                  <a:pt x="216" y="168"/>
-                  <a:pt x="208" y="239"/>
-                </a:cubicBezTo>
-                <a:cubicBezTo>
-                  <a:pt x="201" y="274"/>
-                  <a:pt x="200" y="310"/>
-                  <a:pt x="210" y="334"/>
-                </a:cubicBezTo>
-                <a:cubicBezTo>
-                  <a:pt x="217" y="351"/>
-                  <a:pt x="228" y="359"/>
-                  <a:pt x="233" y="363"/>
-                </a:cubicBezTo>
-                <a:cubicBezTo>
-                  <a:pt x="235" y="361"/>
-                  <a:pt x="237" y="359"/>
-                  <a:pt x="239" y="357"/>
-                </a:cubicBezTo>
-                <a:cubicBezTo>
-                  <a:pt x="235" y="354"/>
-                  <a:pt x="225" y="347"/>
-                  <a:pt x="219" y="331"/>
-                </a:cubicBezTo>
-                <a:close/>
-                <a:moveTo>
-                  <a:pt x="0" y="202"/>
-                </a:moveTo>
-                <a:cubicBezTo>
-                  <a:pt x="0" y="217"/>
-                  <a:pt x="1" y="231"/>
-                  <a:pt x="4" y="245"/>
-                </a:cubicBezTo>
-                <a:cubicBezTo>
-                  <a:pt x="6" y="146"/>
-                  <a:pt x="40" y="49"/>
-                  <a:pt x="144" y="51"/>
-                </a:cubicBezTo>
-                <a:cubicBezTo>
-                  <a:pt x="230" y="51"/>
-                  <a:pt x="271" y="143"/>
-                  <a:pt x="262" y="219"/>
-                </a:cubicBezTo>
-                <a:cubicBezTo>
-                  <a:pt x="259" y="248"/>
-                  <a:pt x="252" y="276"/>
-                  <a:pt x="252" y="298"/>
-                </a:cubicBezTo>
-                <a:cubicBezTo>
-                  <a:pt x="252" y="315"/>
-                  <a:pt x="258" y="326"/>
-                  <a:pt x="260" y="330"/>
-                </a:cubicBezTo>
-                <a:cubicBezTo>
-                  <a:pt x="262" y="327"/>
-                  <a:pt x="264" y="323"/>
-                  <a:pt x="266" y="320"/>
-                </a:cubicBezTo>
-                <a:cubicBezTo>
-                  <a:pt x="263" y="314"/>
-                  <a:pt x="261" y="308"/>
-                  <a:pt x="262" y="298"/>
-                </a:cubicBezTo>
-                <a:cubicBezTo>
-                  <a:pt x="262" y="279"/>
-                  <a:pt x="272" y="252"/>
-                  <a:pt x="277" y="221"/>
-                </a:cubicBezTo>
-                <a:cubicBezTo>
-                  <a:pt x="288" y="144"/>
-                  <a:pt x="247" y="31"/>
-                  <a:pt x="144" y="31"/>
-                </a:cubicBezTo>
-                <a:cubicBezTo>
-                  <a:pt x="62" y="32"/>
-                  <a:pt x="18" y="92"/>
-                  <a:pt x="3" y="162"/>
-                </a:cubicBezTo>
-                <a:cubicBezTo>
-                  <a:pt x="1" y="175"/>
-                  <a:pt x="0" y="188"/>
-                  <a:pt x="0" y="201"/>
-                </a:cubicBezTo>
-                <a:cubicBezTo>
-                  <a:pt x="0" y="201"/>
-                  <a:pt x="0" y="202"/>
-                  <a:pt x="0" y="202"/>
-                </a:cubicBezTo>
-                <a:close/>
-                <a:moveTo>
-                  <a:pt x="262" y="75"/>
-                </a:moveTo>
-                <a:cubicBezTo>
-                  <a:pt x="244" y="44"/>
-                  <a:pt x="206" y="0"/>
-                  <a:pt x="145" y="0"/>
-                </a:cubicBezTo>
-                <a:cubicBezTo>
-                  <a:pt x="108" y="0"/>
-                  <a:pt x="80" y="18"/>
-                  <a:pt x="58" y="40"/>
-                </a:cubicBezTo>
-                <a:cubicBezTo>
-                  <a:pt x="60" y="39"/>
-                  <a:pt x="91" y="18"/>
-                  <a:pt x="144" y="18"/>
-                </a:cubicBezTo>
-                <a:cubicBezTo>
-                  <a:pt x="220" y="18"/>
-                  <a:pt x="262" y="75"/>
-                  <a:pt x="262" y="75"/>
-                </a:cubicBezTo>
-                <a:close/>
-                <a:moveTo>
-                  <a:pt x="142" y="308"/>
-                </a:moveTo>
-                <a:cubicBezTo>
-                  <a:pt x="140" y="294"/>
-                  <a:pt x="141" y="277"/>
-                  <a:pt x="142" y="260"/>
-                </a:cubicBezTo>
-                <a:cubicBezTo>
-                  <a:pt x="143" y="238"/>
-                  <a:pt x="144" y="209"/>
-                  <a:pt x="137" y="201"/>
-                </a:cubicBezTo>
-                <a:cubicBezTo>
-                  <a:pt x="137" y="201"/>
-                  <a:pt x="137" y="201"/>
-                  <a:pt x="135" y="201"/>
-                </a:cubicBezTo>
-                <a:cubicBezTo>
-                  <a:pt x="135" y="201"/>
-                  <a:pt x="132" y="202"/>
-                  <a:pt x="130" y="208"/>
-                </a:cubicBezTo>
-                <a:cubicBezTo>
-                  <a:pt x="122" y="227"/>
-                  <a:pt x="122" y="271"/>
-                  <a:pt x="141" y="308"/>
-                </a:cubicBezTo>
-                <a:cubicBezTo>
-                  <a:pt x="141" y="309"/>
-                  <a:pt x="142" y="309"/>
-                  <a:pt x="142" y="308"/>
-                </a:cubicBezTo>
-                <a:close/>
-              </a:path>
-            </a:pathLst>
-          </a:custGeom>
-          <a:solidFill>
-            <a:srgbClr val="595959"/>
-          </a:solidFill>
-          <a:ln>
-            <a:noFill/>
-          </a:ln>
-          <a:extLst/>
         </p:spPr>
         <p:txBody>
-          <a:bodyPr vert="horz" wrap="square" lIns="82305" tIns="41153" rIns="82305" bIns="41153" numCol="1" anchor="t" anchorCtr="0" compatLnSpc="1">
-            <a:prstTxWarp prst="textNoShape">
-              <a:avLst/>
-            </a:prstTxWarp>
-          </a:bodyPr>
-          <a:lstStyle>
-            <a:defPPr>
-              <a:defRPr lang="en-US"/>
-            </a:defPPr>
-            <a:lvl1pPr marL="0" algn="l" defTabSz="914363" rtl="0" eaLnBrk="1" latinLnBrk="0" hangingPunct="1">
-              <a:defRPr sz="1800" kern="1200">
-                <a:solidFill>
-                  <a:schemeClr val="tx1"/>
-                </a:solidFill>
-                <a:latin typeface="+mn-lt"/>
-                <a:ea typeface="+mn-ea"/>
-                <a:cs typeface="+mn-cs"/>
-              </a:defRPr>
-            </a:lvl1pPr>
-            <a:lvl2pPr marL="457182" algn="l" defTabSz="914363" rtl="0" eaLnBrk="1" latinLnBrk="0" hangingPunct="1">
-              <a:defRPr sz="1800" kern="1200">
-                <a:solidFill>
-                  <a:schemeClr val="tx1"/>
-                </a:solidFill>
-                <a:latin typeface="+mn-lt"/>
-                <a:ea typeface="+mn-ea"/>
-                <a:cs typeface="+mn-cs"/>
-              </a:defRPr>
-            </a:lvl2pPr>
-            <a:lvl3pPr marL="914363" algn="l" defTabSz="914363" rtl="0" eaLnBrk="1" latinLnBrk="0" hangingPunct="1">
-              <a:defRPr sz="1800" kern="1200">
-                <a:solidFill>
-                  <a:schemeClr val="tx1"/>
-                </a:solidFill>
-                <a:latin typeface="+mn-lt"/>
-                <a:ea typeface="+mn-ea"/>
-                <a:cs typeface="+mn-cs"/>
-              </a:defRPr>
-            </a:lvl3pPr>
-            <a:lvl4pPr marL="1371545" algn="l" defTabSz="914363" rtl="0" eaLnBrk="1" latinLnBrk="0" hangingPunct="1">
-              <a:defRPr sz="1800" kern="1200">
-                <a:solidFill>
-                  <a:schemeClr val="tx1"/>
-                </a:solidFill>
-                <a:latin typeface="+mn-lt"/>
-                <a:ea typeface="+mn-ea"/>
-                <a:cs typeface="+mn-cs"/>
-              </a:defRPr>
-            </a:lvl4pPr>
-            <a:lvl5pPr marL="1828727" algn="l" defTabSz="914363" rtl="0" eaLnBrk="1" latinLnBrk="0" hangingPunct="1">
-              <a:defRPr sz="1800" kern="1200">
-                <a:solidFill>
-                  <a:schemeClr val="tx1"/>
-                </a:solidFill>
-                <a:latin typeface="+mn-lt"/>
-                <a:ea typeface="+mn-ea"/>
-                <a:cs typeface="+mn-cs"/>
-              </a:defRPr>
-            </a:lvl5pPr>
-            <a:lvl6pPr marL="2285909" algn="l" defTabSz="914363" rtl="0" eaLnBrk="1" latinLnBrk="0" hangingPunct="1">
-              <a:defRPr sz="1800" kern="1200">
-                <a:solidFill>
-                  <a:schemeClr val="tx1"/>
-                </a:solidFill>
-                <a:latin typeface="+mn-lt"/>
-                <a:ea typeface="+mn-ea"/>
-                <a:cs typeface="+mn-cs"/>
-              </a:defRPr>
-            </a:lvl6pPr>
-            <a:lvl7pPr marL="2743090" algn="l" defTabSz="914363" rtl="0" eaLnBrk="1" latinLnBrk="0" hangingPunct="1">
-              <a:defRPr sz="1800" kern="1200">
-                <a:solidFill>
-                  <a:schemeClr val="tx1"/>
-                </a:solidFill>
-                <a:latin typeface="+mn-lt"/>
-                <a:ea typeface="+mn-ea"/>
-                <a:cs typeface="+mn-cs"/>
-              </a:defRPr>
-            </a:lvl7pPr>
-            <a:lvl8pPr marL="3200272" algn="l" defTabSz="914363" rtl="0" eaLnBrk="1" latinLnBrk="0" hangingPunct="1">
-              <a:defRPr sz="1800" kern="1200">
-                <a:solidFill>
-                  <a:schemeClr val="tx1"/>
-                </a:solidFill>
-                <a:latin typeface="+mn-lt"/>
-                <a:ea typeface="+mn-ea"/>
-                <a:cs typeface="+mn-cs"/>
-              </a:defRPr>
-            </a:lvl8pPr>
-            <a:lvl9pPr marL="3657454" algn="l" defTabSz="914363" rtl="0" eaLnBrk="1" latinLnBrk="0" hangingPunct="1">
-              <a:defRPr sz="1800" kern="1200">
-                <a:solidFill>
-                  <a:schemeClr val="tx1"/>
-                </a:solidFill>
-                <a:latin typeface="+mn-lt"/>
-                <a:ea typeface="+mn-ea"/>
-                <a:cs typeface="+mn-cs"/>
-              </a:defRPr>
-            </a:lvl9pPr>
-          </a:lstStyle>
-          <a:p>
-            <a:endParaRPr lang="en-US" sz="1600" dirty="0"/>
+          <a:bodyPr/>
+          <a:lstStyle/>
+          <a:p>
+            <a:pPr marL="574675" indent="-571500"/>
+            <a:r>
+              <a:rPr lang="en-AU" dirty="0" smtClean="0"/>
+              <a:t>Cross Database Queries</a:t>
+            </a:r>
+          </a:p>
+          <a:p>
+            <a:pPr marL="574675" indent="-571500"/>
+            <a:r>
+              <a:rPr lang="en-AU" dirty="0" smtClean="0"/>
+              <a:t>Distributed Transactions</a:t>
+            </a:r>
+          </a:p>
+          <a:p>
+            <a:pPr marL="574675" indent="-571500"/>
+            <a:r>
+              <a:rPr lang="en-AU" dirty="0" smtClean="0"/>
+              <a:t>CLR</a:t>
+            </a:r>
+          </a:p>
+          <a:p>
+            <a:pPr marL="574675" indent="-571500"/>
+            <a:r>
+              <a:rPr lang="en-AU" dirty="0" smtClean="0"/>
+              <a:t>Service Broker</a:t>
+            </a:r>
+          </a:p>
+          <a:p>
+            <a:pPr marL="574675" indent="-571500"/>
+            <a:r>
+              <a:rPr lang="en-AU" dirty="0" err="1" smtClean="0"/>
+              <a:t>Filestream</a:t>
+            </a:r>
+            <a:endParaRPr lang="en-AU" dirty="0"/>
+          </a:p>
+          <a:p>
+            <a:pPr marL="574675" indent="-571500"/>
+            <a:r>
+              <a:rPr lang="en-AU" dirty="0"/>
+              <a:t>Database Mirroring</a:t>
+            </a:r>
+          </a:p>
+          <a:p>
+            <a:pPr marL="574675" indent="-571500"/>
+            <a:r>
+              <a:rPr lang="en-AU" dirty="0"/>
+              <a:t>Backup and Restore</a:t>
+            </a:r>
+          </a:p>
+          <a:p>
+            <a:pPr marL="574675" indent="-571500"/>
+            <a:r>
+              <a:rPr lang="en-AU" dirty="0" smtClean="0"/>
+              <a:t>Extended Events</a:t>
+            </a:r>
+          </a:p>
+          <a:p>
+            <a:pPr marL="574675" indent="-571500"/>
+            <a:r>
+              <a:rPr lang="en-AU" dirty="0" smtClean="0"/>
+              <a:t>Extended </a:t>
+            </a:r>
+            <a:r>
+              <a:rPr lang="en-AU" dirty="0"/>
+              <a:t>Stored </a:t>
+            </a:r>
+            <a:r>
+              <a:rPr lang="en-AU" dirty="0" err="1"/>
+              <a:t>Procs</a:t>
+            </a:r>
+            <a:endParaRPr lang="en-AU" dirty="0"/>
+          </a:p>
+          <a:p>
+            <a:endParaRPr lang="en-AU" dirty="0"/>
           </a:p>
         </p:txBody>
       </p:sp>
     </p:spTree>
     <p:extLst>
       <p:ext uri="{BB962C8B-B14F-4D97-AF65-F5344CB8AC3E}">
-        <p14:creationId xmlns:p14="http://schemas.microsoft.com/office/powerpoint/2010/main" val="3484700856"/>
+        <p14:creationId xmlns:p14="http://schemas.microsoft.com/office/powerpoint/2010/main" val="3114255083"/>
       </p:ext>
     </p:extLst>
   </p:cSld>
@@ -42046,6 +42224,13 @@
   <p:transition>
     <p:fade/>
   </p:transition>
+  <p:timing>
+    <p:tnLst>
+      <p:par>
+        <p:cTn id="1" dur="indefinite" restart="never" nodeType="tmRoot"/>
+      </p:par>
+    </p:tnLst>
+  </p:timing>
 </p:sld>
 </file>
 

--- a/Presentation.pptx
+++ b/Presentation.pptx
@@ -7,10 +7,10 @@
     <p:sldMasterId id="2147483802" r:id="rId3"/>
   </p:sldMasterIdLst>
   <p:notesMasterIdLst>
-    <p:notesMasterId r:id="rId43"/>
+    <p:notesMasterId r:id="rId44"/>
   </p:notesMasterIdLst>
   <p:handoutMasterIdLst>
-    <p:handoutMasterId r:id="rId44"/>
+    <p:handoutMasterId r:id="rId45"/>
   </p:handoutMasterIdLst>
   <p:sldIdLst>
     <p:sldId id="256" r:id="rId4"/>
@@ -19,61 +19,62 @@
     <p:sldId id="320" r:id="rId7"/>
     <p:sldId id="336" r:id="rId8"/>
     <p:sldId id="327" r:id="rId9"/>
-    <p:sldId id="305" r:id="rId10"/>
-    <p:sldId id="286" r:id="rId11"/>
-    <p:sldId id="376" r:id="rId12"/>
-    <p:sldId id="340" r:id="rId13"/>
-    <p:sldId id="344" r:id="rId14"/>
-    <p:sldId id="377" r:id="rId15"/>
-    <p:sldId id="342" r:id="rId16"/>
-    <p:sldId id="328" r:id="rId17"/>
-    <p:sldId id="351" r:id="rId18"/>
-    <p:sldId id="347" r:id="rId19"/>
-    <p:sldId id="372" r:id="rId20"/>
-    <p:sldId id="373" r:id="rId21"/>
-    <p:sldId id="374" r:id="rId22"/>
-    <p:sldId id="375" r:id="rId23"/>
-    <p:sldId id="363" r:id="rId24"/>
-    <p:sldId id="368" r:id="rId25"/>
-    <p:sldId id="367" r:id="rId26"/>
-    <p:sldId id="350" r:id="rId27"/>
-    <p:sldId id="356" r:id="rId28"/>
-    <p:sldId id="348" r:id="rId29"/>
-    <p:sldId id="357" r:id="rId30"/>
-    <p:sldId id="358" r:id="rId31"/>
-    <p:sldId id="371" r:id="rId32"/>
-    <p:sldId id="370" r:id="rId33"/>
-    <p:sldId id="359" r:id="rId34"/>
-    <p:sldId id="360" r:id="rId35"/>
-    <p:sldId id="346" r:id="rId36"/>
-    <p:sldId id="292" r:id="rId37"/>
-    <p:sldId id="349" r:id="rId38"/>
-    <p:sldId id="366" r:id="rId39"/>
-    <p:sldId id="362" r:id="rId40"/>
-    <p:sldId id="281" r:id="rId41"/>
-    <p:sldId id="361" r:id="rId42"/>
+    <p:sldId id="378" r:id="rId10"/>
+    <p:sldId id="305" r:id="rId11"/>
+    <p:sldId id="286" r:id="rId12"/>
+    <p:sldId id="379" r:id="rId13"/>
+    <p:sldId id="380" r:id="rId14"/>
+    <p:sldId id="381" r:id="rId15"/>
+    <p:sldId id="382" r:id="rId16"/>
+    <p:sldId id="383" r:id="rId17"/>
+    <p:sldId id="347" r:id="rId18"/>
+    <p:sldId id="384" r:id="rId19"/>
+    <p:sldId id="385" r:id="rId20"/>
+    <p:sldId id="372" r:id="rId21"/>
+    <p:sldId id="386" r:id="rId22"/>
+    <p:sldId id="387" r:id="rId23"/>
+    <p:sldId id="388" r:id="rId24"/>
+    <p:sldId id="363" r:id="rId25"/>
+    <p:sldId id="368" r:id="rId26"/>
+    <p:sldId id="367" r:id="rId27"/>
+    <p:sldId id="350" r:id="rId28"/>
+    <p:sldId id="356" r:id="rId29"/>
+    <p:sldId id="348" r:id="rId30"/>
+    <p:sldId id="357" r:id="rId31"/>
+    <p:sldId id="358" r:id="rId32"/>
+    <p:sldId id="371" r:id="rId33"/>
+    <p:sldId id="370" r:id="rId34"/>
+    <p:sldId id="359" r:id="rId35"/>
+    <p:sldId id="360" r:id="rId36"/>
+    <p:sldId id="346" r:id="rId37"/>
+    <p:sldId id="292" r:id="rId38"/>
+    <p:sldId id="349" r:id="rId39"/>
+    <p:sldId id="366" r:id="rId40"/>
+    <p:sldId id="362" r:id="rId41"/>
+    <p:sldId id="281" r:id="rId42"/>
+    <p:sldId id="361" r:id="rId43"/>
   </p:sldIdLst>
   <p:sldSz cx="12188825" cy="6858000"/>
   <p:notesSz cx="6858000" cy="9144000"/>
   <p:embeddedFontLst>
     <p:embeddedFont>
       <p:font typeface="Segoe UI" panose="020B0502040204020203" pitchFamily="34" charset="0"/>
-      <p:regular r:id="rId45"/>
-      <p:bold r:id="rId46"/>
-      <p:italic r:id="rId47"/>
-      <p:boldItalic r:id="rId48"/>
+      <p:regular r:id="rId46"/>
+      <p:bold r:id="rId47"/>
+      <p:italic r:id="rId48"/>
+      <p:boldItalic r:id="rId49"/>
     </p:embeddedFont>
     <p:embeddedFont>
       <p:font typeface="Segoe UI Light" panose="020B0502040204020203" pitchFamily="34" charset="0"/>
-      <p:regular r:id="rId49"/>
-      <p:italic r:id="rId50"/>
+      <p:regular r:id="rId50"/>
+      <p:italic r:id="rId51"/>
     </p:embeddedFont>
     <p:embeddedFont>
       <p:font typeface="Consolas" panose="020B0609020204030204" pitchFamily="49" charset="0"/>
-      <p:regular r:id="rId51"/>
-      <p:bold r:id="rId52"/>
-      <p:italic r:id="rId53"/>
-      <p:boldItalic r:id="rId54"/>
+      <p:regular r:id="rId52"/>
+      <p:bold r:id="rId53"/>
+      <p:italic r:id="rId54"/>
+      <p:boldItalic r:id="rId55"/>
     </p:embeddedFont>
   </p:embeddedFontLst>
   <p:defaultTextStyle>
@@ -368,7 +369,7 @@
                 <a:latin typeface="Segoe UI" pitchFamily="34" charset="0"/>
               </a:rPr>
               <a:pPr/>
-              <a:t>5/20/2013</a:t>
+              <a:t>5/22/2013</a:t>
             </a:fld>
             <a:endParaRPr lang="en-US" dirty="0">
               <a:latin typeface="Segoe UI" pitchFamily="34" charset="0"/>
@@ -584,7 +585,7 @@
             <a:fld id="{7C3FBCD4-166E-446F-AF18-7D4A0CF9AEF6}" type="datetimeFigureOut">
               <a:rPr lang="en-US" smtClean="0"/>
               <a:pPr/>
-              <a:t>5/20/2013</a:t>
+              <a:t>5/22/2013</a:t>
             </a:fld>
             <a:endParaRPr lang="en-US" dirty="0"/>
           </a:p>
@@ -1062,11 +1063,11 @@
           <a:bodyPr/>
           <a:lstStyle/>
           <a:p>
-            <a:r>
-              <a:rPr lang="en-AU" dirty="0" smtClean="0"/>
-              <a:t>20 mins - June</a:t>
-            </a:r>
-            <a:endParaRPr lang="en-AU" dirty="0"/>
+            <a:pPr marL="171450" indent="-171450">
+              <a:buFont typeface="Arial" pitchFamily="34" charset="0"/>
+              <a:buChar char="•"/>
+            </a:pPr>
+            <a:endParaRPr lang="en-US" dirty="0"/>
           </a:p>
         </p:txBody>
       </p:sp>
@@ -1088,7 +1089,7 @@
             <a:fld id="{8B263312-38AA-4E1E-B2B5-0F8F122B24FE}" type="slidenum">
               <a:rPr lang="en-US" smtClean="0"/>
               <a:pPr/>
-              <a:t>15</a:t>
+              <a:t>16</a:t>
             </a:fld>
             <a:endParaRPr lang="en-US" dirty="0"/>
           </a:p>
@@ -1097,7 +1098,7 @@
     </p:spTree>
     <p:extLst>
       <p:ext uri="{BB962C8B-B14F-4D97-AF65-F5344CB8AC3E}">
-        <p14:creationId xmlns:p14="http://schemas.microsoft.com/office/powerpoint/2010/main" val="3239397760"/>
+        <p14:creationId xmlns:p14="http://schemas.microsoft.com/office/powerpoint/2010/main" val="3657596953"/>
       </p:ext>
     </p:extLst>
   </p:cSld>
@@ -1151,7 +1152,11 @@
           <a:bodyPr/>
           <a:lstStyle/>
           <a:p>
-            <a:endParaRPr lang="en-US" dirty="0"/>
+            <a:r>
+              <a:rPr lang="en-AU" dirty="0" smtClean="0"/>
+              <a:t>20 mins - June</a:t>
+            </a:r>
+            <a:endParaRPr lang="en-AU" dirty="0"/>
           </a:p>
         </p:txBody>
       </p:sp>
@@ -1170,9 +1175,10 @@
           <a:bodyPr/>
           <a:lstStyle/>
           <a:p>
-            <a:fld id="{1F743D80-E441-4DE6-AD4D-A3326A9B767E}" type="slidenum">
+            <a:fld id="{8B263312-38AA-4E1E-B2B5-0F8F122B24FE}" type="slidenum">
               <a:rPr lang="en-US" smtClean="0"/>
-              <a:t>16</a:t>
+              <a:pPr/>
+              <a:t>17</a:t>
             </a:fld>
             <a:endParaRPr lang="en-US" dirty="0"/>
           </a:p>
@@ -1181,7 +1187,7 @@
     </p:spTree>
     <p:extLst>
       <p:ext uri="{BB962C8B-B14F-4D97-AF65-F5344CB8AC3E}">
-        <p14:creationId xmlns:p14="http://schemas.microsoft.com/office/powerpoint/2010/main" val="3865810146"/>
+        <p14:creationId xmlns:p14="http://schemas.microsoft.com/office/powerpoint/2010/main" val="2900346962"/>
       </p:ext>
     </p:extLst>
   </p:cSld>
@@ -1256,7 +1262,7 @@
           <a:p>
             <a:fld id="{1F743D80-E441-4DE6-AD4D-A3326A9B767E}" type="slidenum">
               <a:rPr lang="en-US" smtClean="0"/>
-              <a:t>17</a:t>
+              <a:t>18</a:t>
             </a:fld>
             <a:endParaRPr lang="en-US" dirty="0"/>
           </a:p>
@@ -1341,7 +1347,7 @@
             <a:fld id="{8B263312-38AA-4E1E-B2B5-0F8F122B24FE}" type="slidenum">
               <a:rPr lang="en-US" smtClean="0"/>
               <a:pPr/>
-              <a:t>18</a:t>
+              <a:t>19</a:t>
             </a:fld>
             <a:endParaRPr lang="en-US" dirty="0"/>
           </a:p>
@@ -1350,7 +1356,7 @@
     </p:spTree>
     <p:extLst>
       <p:ext uri="{BB962C8B-B14F-4D97-AF65-F5344CB8AC3E}">
-        <p14:creationId xmlns:p14="http://schemas.microsoft.com/office/powerpoint/2010/main" val="3546645643"/>
+        <p14:creationId xmlns:p14="http://schemas.microsoft.com/office/powerpoint/2010/main" val="3688162553"/>
       </p:ext>
     </p:extLst>
   </p:cSld>
@@ -1430,7 +1436,7 @@
             <a:fld id="{8B263312-38AA-4E1E-B2B5-0F8F122B24FE}" type="slidenum">
               <a:rPr lang="en-US" smtClean="0"/>
               <a:pPr/>
-              <a:t>20</a:t>
+              <a:t>21</a:t>
             </a:fld>
             <a:endParaRPr lang="en-US" dirty="0"/>
           </a:p>
@@ -1439,7 +1445,7 @@
     </p:spTree>
     <p:extLst>
       <p:ext uri="{BB962C8B-B14F-4D97-AF65-F5344CB8AC3E}">
-        <p14:creationId xmlns:p14="http://schemas.microsoft.com/office/powerpoint/2010/main" val="1584715652"/>
+        <p14:creationId xmlns:p14="http://schemas.microsoft.com/office/powerpoint/2010/main" val="746379156"/>
       </p:ext>
     </p:extLst>
   </p:cSld>
@@ -1514,7 +1520,7 @@
           <a:p>
             <a:fld id="{1F743D80-E441-4DE6-AD4D-A3326A9B767E}" type="slidenum">
               <a:rPr lang="en-US" smtClean="0"/>
-              <a:t>21</a:t>
+              <a:t>22</a:t>
             </a:fld>
             <a:endParaRPr lang="en-US" dirty="0"/>
           </a:p>
@@ -1599,7 +1605,7 @@
             <a:fld id="{8B263312-38AA-4E1E-B2B5-0F8F122B24FE}" type="slidenum">
               <a:rPr lang="en-US" smtClean="0"/>
               <a:pPr/>
-              <a:t>24</a:t>
+              <a:t>25</a:t>
             </a:fld>
             <a:endParaRPr lang="en-US" dirty="0"/>
           </a:p>
@@ -1688,7 +1694,7 @@
             <a:fld id="{8B263312-38AA-4E1E-B2B5-0F8F122B24FE}" type="slidenum">
               <a:rPr lang="en-US" smtClean="0"/>
               <a:pPr/>
-              <a:t>25</a:t>
+              <a:t>26</a:t>
             </a:fld>
             <a:endParaRPr lang="en-US" dirty="0"/>
           </a:p>
@@ -1772,7 +1778,7 @@
           <a:p>
             <a:fld id="{1F743D80-E441-4DE6-AD4D-A3326A9B767E}" type="slidenum">
               <a:rPr lang="en-US" smtClean="0"/>
-              <a:t>26</a:t>
+              <a:t>27</a:t>
             </a:fld>
             <a:endParaRPr lang="en-US" dirty="0"/>
           </a:p>
@@ -1861,7 +1867,7 @@
             <a:fld id="{8B263312-38AA-4E1E-B2B5-0F8F122B24FE}" type="slidenum">
               <a:rPr lang="en-US" smtClean="0"/>
               <a:pPr/>
-              <a:t>32</a:t>
+              <a:t>33</a:t>
             </a:fld>
             <a:endParaRPr lang="en-US" dirty="0"/>
           </a:p>
@@ -2045,7 +2051,7 @@
           <a:p>
             <a:fld id="{6A737CDB-F497-4071-88DB-C233CAC28117}" type="slidenum">
               <a:rPr lang="en-US" smtClean="0"/>
-              <a:t>33</a:t>
+              <a:t>34</a:t>
             </a:fld>
             <a:endParaRPr lang="en-US" dirty="0"/>
           </a:p>
@@ -2129,7 +2135,7 @@
           <a:p>
             <a:fld id="{1F743D80-E441-4DE6-AD4D-A3326A9B767E}" type="slidenum">
               <a:rPr lang="en-US" smtClean="0"/>
-              <a:t>34</a:t>
+              <a:t>35</a:t>
             </a:fld>
             <a:endParaRPr lang="en-US" dirty="0"/>
           </a:p>
@@ -2243,7 +2249,7 @@
             <a:fld id="{8B263312-38AA-4E1E-B2B5-0F8F122B24FE}" type="slidenum">
               <a:rPr lang="en-US" smtClean="0"/>
               <a:pPr/>
-              <a:t>35</a:t>
+              <a:t>36</a:t>
             </a:fld>
             <a:endParaRPr lang="en-US" dirty="0"/>
           </a:p>
@@ -2325,13 +2331,8 @@
             </a:pPr>
             <a:r>
               <a:rPr lang="en-AU" dirty="0" smtClean="0"/>
-              <a:t>5 mins - </a:t>
-            </a:r>
-            <a:r>
-              <a:rPr lang="en-AU" dirty="0" smtClean="0"/>
-              <a:t>Rob</a:t>
-            </a:r>
-            <a:endParaRPr lang="en-AU" dirty="0" smtClean="0"/>
+              <a:t>5 mins - Rob</a:t>
+            </a:r>
           </a:p>
           <a:p>
             <a:endParaRPr lang="en-AU" dirty="0"/>
@@ -2356,7 +2357,7 @@
             <a:fld id="{8B263312-38AA-4E1E-B2B5-0F8F122B24FE}" type="slidenum">
               <a:rPr lang="en-US" smtClean="0"/>
               <a:pPr/>
-              <a:t>36</a:t>
+              <a:t>37</a:t>
             </a:fld>
             <a:endParaRPr lang="en-US" dirty="0"/>
           </a:p>
@@ -2445,7 +2446,7 @@
             <a:fld id="{8B263312-38AA-4E1E-B2B5-0F8F122B24FE}" type="slidenum">
               <a:rPr lang="en-US" smtClean="0"/>
               <a:pPr/>
-              <a:t>37</a:t>
+              <a:t>38</a:t>
             </a:fld>
             <a:endParaRPr lang="en-US" dirty="0"/>
           </a:p>
@@ -2949,7 +2950,7 @@
             <a:fld id="{8B263312-38AA-4E1E-B2B5-0F8F122B24FE}" type="slidenum">
               <a:rPr lang="en-US" smtClean="0"/>
               <a:pPr/>
-              <a:t>7</a:t>
+              <a:t>8</a:t>
             </a:fld>
             <a:endParaRPr lang="en-US" dirty="0"/>
           </a:p>
@@ -3033,7 +3034,7 @@
           <a:p>
             <a:fld id="{1F743D80-E441-4DE6-AD4D-A3326A9B767E}" type="slidenum">
               <a:rPr lang="en-US" smtClean="0"/>
-              <a:t>8</a:t>
+              <a:t>9</a:t>
             </a:fld>
             <a:endParaRPr lang="en-US" dirty="0"/>
           </a:p>
@@ -3118,7 +3119,7 @@
             <a:fld id="{8B263312-38AA-4E1E-B2B5-0F8F122B24FE}" type="slidenum">
               <a:rPr lang="en-US" smtClean="0"/>
               <a:pPr/>
-              <a:t>11</a:t>
+              <a:t>12</a:t>
             </a:fld>
             <a:endParaRPr lang="en-US" dirty="0"/>
           </a:p>
@@ -3127,7 +3128,7 @@
     </p:spTree>
     <p:extLst>
       <p:ext uri="{BB962C8B-B14F-4D97-AF65-F5344CB8AC3E}">
-        <p14:creationId xmlns:p14="http://schemas.microsoft.com/office/powerpoint/2010/main" val="2811030698"/>
+        <p14:creationId xmlns:p14="http://schemas.microsoft.com/office/powerpoint/2010/main" val="1943491340"/>
       </p:ext>
     </p:extLst>
   </p:cSld>
@@ -3181,10 +3182,6 @@
           <a:bodyPr/>
           <a:lstStyle/>
           <a:p>
-            <a:pPr marL="171450" indent="-171450">
-              <a:buFont typeface="Arial" pitchFamily="34" charset="0"/>
-              <a:buChar char="•"/>
-            </a:pPr>
             <a:endParaRPr lang="en-US" dirty="0"/>
           </a:p>
         </p:txBody>
@@ -3204,10 +3201,9 @@
           <a:bodyPr/>
           <a:lstStyle/>
           <a:p>
-            <a:fld id="{8B263312-38AA-4E1E-B2B5-0F8F122B24FE}" type="slidenum">
+            <a:fld id="{1F743D80-E441-4DE6-AD4D-A3326A9B767E}" type="slidenum">
               <a:rPr lang="en-US" smtClean="0"/>
-              <a:pPr/>
-              <a:t>14</a:t>
+              <a:t>15</a:t>
             </a:fld>
             <a:endParaRPr lang="en-US" dirty="0"/>
           </a:p>
@@ -3216,7 +3212,7 @@
     </p:spTree>
     <p:extLst>
       <p:ext uri="{BB962C8B-B14F-4D97-AF65-F5344CB8AC3E}">
-        <p14:creationId xmlns:p14="http://schemas.microsoft.com/office/powerpoint/2010/main" val="1140243787"/>
+        <p14:creationId xmlns:p14="http://schemas.microsoft.com/office/powerpoint/2010/main" val="3865810146"/>
       </p:ext>
     </p:extLst>
   </p:cSld>
@@ -8492,7 +8488,7 @@
             <a:fld id="{D7CE58A2-1EDC-45F0-BACE-E3574D82C834}" type="datetimeFigureOut">
               <a:rPr lang="en-US" smtClean="0"/>
               <a:pPr/>
-              <a:t>5/20/2013</a:t>
+              <a:t>5/22/2013</a:t>
             </a:fld>
             <a:endParaRPr lang="en-US"/>
           </a:p>
@@ -22688,6 +22684,37 @@
           <a:chExt cx="0" cy="0"/>
         </a:xfrm>
       </p:grpSpPr>
+      <p:pic>
+        <p:nvPicPr>
+          <p:cNvPr id="8" name="Picture 7"/>
+          <p:cNvPicPr>
+            <a:picLocks noChangeAspect="1"/>
+          </p:cNvPicPr>
+          <p:nvPr/>
+        </p:nvPicPr>
+        <p:blipFill>
+          <a:blip r:embed="rId2">
+            <a:lum bright="70000" contrast="-70000"/>
+            <a:extLst>
+              <a:ext uri="{28A0092B-C50C-407E-A947-70E740481C1C}">
+                <a14:useLocalDpi xmlns:a14="http://schemas.microsoft.com/office/drawing/2010/main" val="0"/>
+              </a:ext>
+            </a:extLst>
+          </a:blip>
+          <a:stretch>
+            <a:fillRect/>
+          </a:stretch>
+        </p:blipFill>
+        <p:spPr>
+          <a:xfrm>
+            <a:off x="3405352" y="1330959"/>
+            <a:ext cx="4843150" cy="4772959"/>
+          </a:xfrm>
+          <a:prstGeom prst="rect">
+            <a:avLst/>
+          </a:prstGeom>
+        </p:spPr>
+      </p:pic>
       <p:sp>
         <p:nvSpPr>
           <p:cNvPr id="2" name="Title 1"/>
@@ -22705,7 +22732,7 @@
           <a:p>
             <a:r>
               <a:rPr lang="en-AU" dirty="0" smtClean="0"/>
-              <a:t>Pros</a:t>
+              <a:t>Feature Limitations</a:t>
             </a:r>
             <a:endParaRPr lang="en-AU" dirty="0"/>
           </a:p>
@@ -22718,13 +22745,13 @@
             <a:spLocks noGrp="1"/>
           </p:cNvSpPr>
           <p:nvPr>
-            <p:ph type="body" sz="quarter" idx="10"/>
+            <p:ph sz="half" idx="1"/>
           </p:nvPr>
         </p:nvSpPr>
         <p:spPr>
           <a:xfrm>
-            <a:off x="519112" y="1447799"/>
-            <a:ext cx="11149013" cy="4570482"/>
+            <a:off x="519113" y="1447800"/>
+            <a:ext cx="5486400" cy="5860066"/>
           </a:xfrm>
         </p:spPr>
         <p:txBody>
@@ -22736,8 +22763,8 @@
               <a:buChar char="•"/>
             </a:pPr>
             <a:r>
-              <a:rPr lang="en-AU" dirty="0" smtClean="0"/>
-              <a:t>Latest version of SQL Server</a:t>
+              <a:rPr lang="en-AU" sz="3200" dirty="0" smtClean="0"/>
+              <a:t>SSAS</a:t>
             </a:r>
           </a:p>
           <a:p>
@@ -22746,8 +22773,8 @@
               <a:buChar char="•"/>
             </a:pPr>
             <a:r>
-              <a:rPr lang="en-AU" dirty="0" smtClean="0"/>
-              <a:t>Quick to provision</a:t>
+              <a:rPr lang="en-AU" sz="3200" dirty="0" smtClean="0"/>
+              <a:t>SSIS</a:t>
             </a:r>
           </a:p>
           <a:p>
@@ -22756,8 +22783,8 @@
               <a:buChar char="•"/>
             </a:pPr>
             <a:r>
-              <a:rPr lang="en-AU" dirty="0" smtClean="0"/>
-              <a:t>Managed service – ops taken care of</a:t>
+              <a:rPr lang="en-AU" sz="3200" dirty="0" smtClean="0"/>
+              <a:t>MDS</a:t>
             </a:r>
           </a:p>
           <a:p>
@@ -22766,8 +22793,8 @@
               <a:buChar char="•"/>
             </a:pPr>
             <a:r>
-              <a:rPr lang="en-AU" dirty="0"/>
-              <a:t>State-of-the-art datacentre and security</a:t>
+              <a:rPr lang="en-AU" sz="3200" dirty="0" smtClean="0"/>
+              <a:t>SQL Agent</a:t>
             </a:r>
           </a:p>
           <a:p>
@@ -22776,8 +22803,8 @@
               <a:buChar char="•"/>
             </a:pPr>
             <a:r>
-              <a:rPr lang="en-AU" dirty="0" smtClean="0"/>
-              <a:t>Highly available and backed by SLA</a:t>
+              <a:rPr lang="en-AU" sz="3200" dirty="0" smtClean="0"/>
+              <a:t>SQL Replication</a:t>
             </a:r>
           </a:p>
           <a:p>
@@ -22787,7 +22814,7 @@
             </a:pPr>
             <a:r>
               <a:rPr lang="en-AU" dirty="0" smtClean="0"/>
-              <a:t>Rich programmatic management / provisioning</a:t>
+              <a:t>Full Text Search</a:t>
             </a:r>
           </a:p>
           <a:p>
@@ -22796,20 +22823,142 @@
               <a:buChar char="•"/>
             </a:pPr>
             <a:r>
+              <a:rPr lang="en-AU" sz="3200" dirty="0" smtClean="0"/>
+              <a:t>CDC</a:t>
+            </a:r>
+          </a:p>
+          <a:p>
+            <a:pPr marL="574675" indent="-571500">
+              <a:buFont typeface="Arial" panose="020B0604020202020204" pitchFamily="34" charset="0"/>
+              <a:buChar char="•"/>
+            </a:pPr>
+            <a:r>
+              <a:rPr lang="en-AU" dirty="0" smtClean="0"/>
+              <a:t>Windows Authentication</a:t>
+            </a:r>
+          </a:p>
+          <a:p>
+            <a:pPr marL="574675" indent="-571500">
+              <a:buFont typeface="Arial" panose="020B0604020202020204" pitchFamily="34" charset="0"/>
+              <a:buChar char="•"/>
+            </a:pPr>
+            <a:r>
+              <a:rPr lang="en-AU" sz="3200" dirty="0" smtClean="0"/>
+              <a:t>TDE</a:t>
+            </a:r>
+          </a:p>
+          <a:p>
+            <a:pPr marL="3175" indent="0">
+              <a:buNone/>
+            </a:pPr>
+            <a:endParaRPr lang="en-AU" sz="3200" dirty="0" smtClean="0"/>
+          </a:p>
+          <a:p>
+            <a:endParaRPr lang="en-AU" sz="3200" dirty="0"/>
+          </a:p>
+        </p:txBody>
+      </p:sp>
+      <p:sp>
+        <p:nvSpPr>
+          <p:cNvPr id="4" name="Content Placeholder 3"/>
+          <p:cNvSpPr>
+            <a:spLocks noGrp="1"/>
+          </p:cNvSpPr>
+          <p:nvPr>
+            <p:ph sz="half" idx="2"/>
+          </p:nvPr>
+        </p:nvSpPr>
+        <p:spPr>
+          <a:xfrm>
+            <a:off x="6181725" y="1447800"/>
+            <a:ext cx="5486400" cy="5318379"/>
+          </a:xfrm>
+        </p:spPr>
+        <p:txBody>
+          <a:bodyPr/>
+          <a:lstStyle/>
+          <a:p>
+            <a:pPr marL="574675" indent="-571500"/>
+            <a:r>
+              <a:rPr lang="en-AU" dirty="0" smtClean="0"/>
+              <a:t>Cross Database Queries</a:t>
+            </a:r>
+          </a:p>
+          <a:p>
+            <a:pPr marL="574675" indent="-571500"/>
+            <a:r>
+              <a:rPr lang="en-AU" dirty="0" smtClean="0"/>
+              <a:t>Distributed Transactions</a:t>
+            </a:r>
+          </a:p>
+          <a:p>
+            <a:pPr marL="574675" indent="-571500"/>
+            <a:r>
+              <a:rPr lang="en-AU" dirty="0" smtClean="0"/>
+              <a:t>CLR</a:t>
+            </a:r>
+          </a:p>
+          <a:p>
+            <a:pPr marL="574675" indent="-571500"/>
+            <a:r>
+              <a:rPr lang="en-AU" dirty="0" smtClean="0"/>
+              <a:t>Service Broker</a:t>
+            </a:r>
+          </a:p>
+          <a:p>
+            <a:pPr marL="574675" indent="-571500"/>
+            <a:r>
               <a:rPr lang="en-AU" dirty="0" err="1" smtClean="0"/>
-              <a:t>DoS</a:t>
-            </a:r>
+              <a:t>Filestream</a:t>
+            </a:r>
+            <a:endParaRPr lang="en-AU" dirty="0"/>
+          </a:p>
+          <a:p>
+            <a:pPr marL="574675" indent="-571500"/>
+            <a:r>
+              <a:rPr lang="en-AU" dirty="0"/>
+              <a:t>Database Mirroring</a:t>
+            </a:r>
+          </a:p>
+          <a:p>
+            <a:pPr marL="574675" indent="-571500"/>
+            <a:r>
+              <a:rPr lang="en-AU" dirty="0"/>
+              <a:t>Backup and Restore</a:t>
+            </a:r>
+          </a:p>
+          <a:p>
+            <a:pPr marL="574675" indent="-571500"/>
             <a:r>
               <a:rPr lang="en-AU" dirty="0" smtClean="0"/>
-              <a:t> protection</a:t>
-            </a:r>
+              <a:t>Extended Events</a:t>
+            </a:r>
+          </a:p>
+          <a:p>
+            <a:pPr marL="574675" indent="-571500"/>
+            <a:r>
+              <a:rPr lang="en-AU" dirty="0" smtClean="0"/>
+              <a:t>Extended </a:t>
+            </a:r>
+            <a:r>
+              <a:rPr lang="en-AU" dirty="0"/>
+              <a:t>Stored </a:t>
+            </a:r>
+            <a:r>
+              <a:rPr lang="en-AU" dirty="0" err="1"/>
+              <a:t>Procs</a:t>
+            </a:r>
+            <a:endParaRPr lang="en-AU" dirty="0"/>
+          </a:p>
+          <a:p>
+            <a:endParaRPr lang="en-AU" dirty="0"/>
           </a:p>
         </p:txBody>
       </p:sp>
     </p:spTree>
     <p:extLst>
       <p:ext uri="{BB962C8B-B14F-4D97-AF65-F5344CB8AC3E}">
-        <p14:creationId xmlns:p14="http://schemas.microsoft.com/office/powerpoint/2010/main" val="1836865421"/>
+        <p14:creationId xmlns:p14="http://schemas.microsoft.com/office/powerpoint/2010/main" val="290420475"/>
       </p:ext>
     </p:extLst>
   </p:cSld>
@@ -22819,6 +22968,13 @@
   <p:transition>
     <p:fade/>
   </p:transition>
+  <p:timing>
+    <p:tnLst>
+      <p:par>
+        <p:cTn id="1" dur="indefinite" restart="never" nodeType="tmRoot"/>
+      </p:par>
+    </p:tnLst>
+  </p:timing>
 </p:sld>
 </file>
 
@@ -22875,7 +23031,7 @@
         <p:spPr>
           <a:xfrm>
             <a:off x="519112" y="1447799"/>
-            <a:ext cx="11149013" cy="2446824"/>
+            <a:ext cx="11149013" cy="4570482"/>
           </a:xfrm>
         </p:spPr>
         <p:txBody>
@@ -22887,14 +23043,9 @@
               <a:buChar char="•"/>
             </a:pPr>
             <a:r>
-              <a:rPr lang="en-AU" dirty="0"/>
-              <a:t>Pay for </a:t>
-            </a:r>
-            <a:r>
               <a:rPr lang="en-AU" dirty="0" smtClean="0"/>
-              <a:t>use (don’t need to buy a license)</a:t>
-            </a:r>
-            <a:endParaRPr lang="en-AU" dirty="0"/>
+              <a:t>Latest version of SQL Server</a:t>
+            </a:r>
           </a:p>
           <a:p>
             <a:pPr marL="574675" indent="-571500">
@@ -22903,15 +23054,7 @@
             </a:pPr>
             <a:r>
               <a:rPr lang="en-AU" dirty="0" smtClean="0"/>
-              <a:t>You </a:t>
-            </a:r>
-            <a:r>
-              <a:rPr lang="en-AU" dirty="0" smtClean="0"/>
-              <a:t>can store backups in Blob storage on the other side of the world </a:t>
-            </a:r>
-            <a:r>
-              <a:rPr lang="en-AU" dirty="0" smtClean="0"/>
-              <a:t>easily</a:t>
+              <a:t>Quick to provision</a:t>
             </a:r>
           </a:p>
           <a:p>
@@ -22921,16 +23064,59 @@
             </a:pPr>
             <a:r>
               <a:rPr lang="en-AU" dirty="0" smtClean="0"/>
-              <a:t>Existing tools / libs can connect to it</a:t>
-            </a:r>
-            <a:endParaRPr lang="en-AU" dirty="0"/>
+              <a:t>Managed service – ops taken care of</a:t>
+            </a:r>
+          </a:p>
+          <a:p>
+            <a:pPr marL="574675" indent="-571500">
+              <a:buFont typeface="Arial" panose="020B0604020202020204" pitchFamily="34" charset="0"/>
+              <a:buChar char="•"/>
+            </a:pPr>
+            <a:r>
+              <a:rPr lang="en-AU" dirty="0"/>
+              <a:t>State-of-the-art datacentre and security</a:t>
+            </a:r>
+          </a:p>
+          <a:p>
+            <a:pPr marL="574675" indent="-571500">
+              <a:buFont typeface="Arial" panose="020B0604020202020204" pitchFamily="34" charset="0"/>
+              <a:buChar char="•"/>
+            </a:pPr>
+            <a:r>
+              <a:rPr lang="en-AU" dirty="0" smtClean="0"/>
+              <a:t>Highly available and backed by SLA</a:t>
+            </a:r>
+          </a:p>
+          <a:p>
+            <a:pPr marL="574675" indent="-571500">
+              <a:buFont typeface="Arial" panose="020B0604020202020204" pitchFamily="34" charset="0"/>
+              <a:buChar char="•"/>
+            </a:pPr>
+            <a:r>
+              <a:rPr lang="en-AU" dirty="0" smtClean="0"/>
+              <a:t>Rich programmatic management / provisioning</a:t>
+            </a:r>
+          </a:p>
+          <a:p>
+            <a:pPr marL="574675" indent="-571500">
+              <a:buFont typeface="Arial" panose="020B0604020202020204" pitchFamily="34" charset="0"/>
+              <a:buChar char="•"/>
+            </a:pPr>
+            <a:r>
+              <a:rPr lang="en-AU" dirty="0" err="1" smtClean="0"/>
+              <a:t>DoS</a:t>
+            </a:r>
+            <a:r>
+              <a:rPr lang="en-AU" dirty="0" smtClean="0"/>
+              <a:t> protection</a:t>
+            </a:r>
           </a:p>
         </p:txBody>
       </p:sp>
     </p:spTree>
     <p:extLst>
       <p:ext uri="{BB962C8B-B14F-4D97-AF65-F5344CB8AC3E}">
-        <p14:creationId xmlns:p14="http://schemas.microsoft.com/office/powerpoint/2010/main" val="3616795275"/>
+        <p14:creationId xmlns:p14="http://schemas.microsoft.com/office/powerpoint/2010/main" val="2574810707"/>
       </p:ext>
     </p:extLst>
   </p:cSld>
@@ -22977,7 +23163,7 @@
           <a:p>
             <a:r>
               <a:rPr lang="en-AU" dirty="0" smtClean="0"/>
-              <a:t>Differences</a:t>
+              <a:t>Pros</a:t>
             </a:r>
             <a:endParaRPr lang="en-AU" dirty="0"/>
           </a:p>
@@ -22996,7 +23182,7 @@
         <p:spPr>
           <a:xfrm>
             <a:off x="519112" y="1447799"/>
-            <a:ext cx="11149013" cy="3901068"/>
+            <a:ext cx="11149013" cy="2446824"/>
           </a:xfrm>
         </p:spPr>
         <p:txBody>
@@ -23008,17 +23194,14 @@
               <a:buChar char="•"/>
             </a:pPr>
             <a:r>
+              <a:rPr lang="en-AU" dirty="0"/>
+              <a:t>Pay for </a:t>
+            </a:r>
+            <a:r>
               <a:rPr lang="en-AU" dirty="0" smtClean="0"/>
-              <a:t>Must </a:t>
-            </a:r>
-            <a:r>
-              <a:rPr lang="en-AU" dirty="0"/>
-              <a:t>have single clustered index on all </a:t>
-            </a:r>
-            <a:r>
-              <a:rPr lang="en-AU" dirty="0" smtClean="0"/>
-              <a:t>tables</a:t>
-            </a:r>
+              <a:t>use (don’t need to buy a license)</a:t>
+            </a:r>
+            <a:endParaRPr lang="en-AU" dirty="0"/>
           </a:p>
           <a:p>
             <a:pPr marL="574675" indent="-571500">
@@ -23027,9 +23210,8 @@
             </a:pPr>
             <a:r>
               <a:rPr lang="en-AU" dirty="0" smtClean="0"/>
-              <a:t>Subset of TSQL  for SQL Server</a:t>
-            </a:r>
-            <a:endParaRPr lang="en-AU" dirty="0"/>
+              <a:t>You can store backups in Blob storage on the other side of the world easily</a:t>
+            </a:r>
           </a:p>
           <a:p>
             <a:pPr marL="574675" indent="-571500">
@@ -23037,44 +23219,9 @@
               <a:buChar char="•"/>
             </a:pPr>
             <a:r>
-              <a:rPr lang="en-AU" dirty="0"/>
-              <a:t>Subset of system views available</a:t>
-            </a:r>
-          </a:p>
-          <a:p>
-            <a:pPr marL="574675" indent="-571500">
-              <a:buFont typeface="Arial" panose="020B0604020202020204" pitchFamily="34" charset="0"/>
-              <a:buChar char="•"/>
-            </a:pPr>
-            <a:r>
-              <a:rPr lang="en-AU" dirty="0"/>
-              <a:t>Connections will be automatically </a:t>
-            </a:r>
-            <a:r>
               <a:rPr lang="en-AU" dirty="0" smtClean="0"/>
-              <a:t>closed</a:t>
-            </a:r>
-          </a:p>
-          <a:p>
-            <a:pPr marL="574675" indent="-571500">
-              <a:buFont typeface="Arial" panose="020B0604020202020204" pitchFamily="34" charset="0"/>
-              <a:buChar char="•"/>
-            </a:pPr>
-            <a:r>
-              <a:rPr lang="en-AU" dirty="0" smtClean="0"/>
-              <a:t>Logical </a:t>
-            </a:r>
-            <a:r>
-              <a:rPr lang="en-AU" dirty="0" err="1" smtClean="0"/>
-              <a:t>vs</a:t>
-            </a:r>
-            <a:r>
-              <a:rPr lang="en-AU" dirty="0" smtClean="0"/>
-              <a:t> Physical Administration</a:t>
-            </a:r>
-            <a:endParaRPr lang="en-AU" dirty="0"/>
-          </a:p>
-          <a:p>
+              <a:t>Existing tools / libs can connect to it</a:t>
+            </a:r>
             <a:endParaRPr lang="en-AU" dirty="0"/>
           </a:p>
         </p:txBody>
@@ -23082,7 +23229,7 @@
     </p:spTree>
     <p:extLst>
       <p:ext uri="{BB962C8B-B14F-4D97-AF65-F5344CB8AC3E}">
-        <p14:creationId xmlns:p14="http://schemas.microsoft.com/office/powerpoint/2010/main" val="429278733"/>
+        <p14:creationId xmlns:p14="http://schemas.microsoft.com/office/powerpoint/2010/main" val="1276080023"/>
       </p:ext>
     </p:extLst>
   </p:cSld>
@@ -23129,7 +23276,7 @@
           <a:p>
             <a:r>
               <a:rPr lang="en-AU" dirty="0" smtClean="0"/>
-              <a:t>Cons</a:t>
+              <a:t>Differences</a:t>
             </a:r>
             <a:endParaRPr lang="en-AU" dirty="0"/>
           </a:p>
@@ -23160,8 +23307,16 @@
               <a:buChar char="•"/>
             </a:pPr>
             <a:r>
+              <a:rPr lang="en-AU" dirty="0" smtClean="0"/>
+              <a:t>Must </a:t>
+            </a:r>
+            <a:r>
               <a:rPr lang="en-AU" dirty="0"/>
-              <a:t>Max 150 GB</a:t>
+              <a:t>have single clustered index on all </a:t>
+            </a:r>
+            <a:r>
+              <a:rPr lang="en-AU" dirty="0" smtClean="0"/>
+              <a:t>tables</a:t>
             </a:r>
           </a:p>
           <a:p>
@@ -23171,9 +23326,9 @@
             </a:pPr>
             <a:r>
               <a:rPr lang="en-AU" dirty="0" smtClean="0"/>
-              <a:t>No performance guarantees</a:t>
-            </a:r>
-            <a:endParaRPr lang="en-AU" dirty="0" smtClean="0"/>
+              <a:t>Subset of TSQL  for SQL Server</a:t>
+            </a:r>
+            <a:endParaRPr lang="en-AU" dirty="0"/>
           </a:p>
           <a:p>
             <a:pPr marL="574675" indent="-571500">
@@ -23181,8 +23336,8 @@
               <a:buChar char="•"/>
             </a:pPr>
             <a:r>
-              <a:rPr lang="en-AU" dirty="0" smtClean="0"/>
-              <a:t>Feature limitations</a:t>
+              <a:rPr lang="en-AU" dirty="0"/>
+              <a:t>Subset of system views available</a:t>
             </a:r>
           </a:p>
           <a:p>
@@ -23191,18 +23346,13 @@
               <a:buChar char="•"/>
             </a:pPr>
             <a:r>
+              <a:rPr lang="en-AU" dirty="0"/>
+              <a:t>Connections will be automatically </a:t>
+            </a:r>
+            <a:r>
               <a:rPr lang="en-AU" dirty="0" smtClean="0"/>
-              <a:t>No long-running </a:t>
-            </a:r>
-            <a:r>
-              <a:rPr lang="en-AU" dirty="0"/>
-              <a:t>queries </a:t>
-            </a:r>
-            <a:r>
-              <a:rPr lang="en-AU" dirty="0" smtClean="0"/>
-              <a:t>/ transactions</a:t>
-            </a:r>
-            <a:endParaRPr lang="en-AU" dirty="0"/>
+              <a:t>closed</a:t>
+            </a:r>
           </a:p>
           <a:p>
             <a:pPr marL="574675" indent="-571500">
@@ -23211,23 +23361,27 @@
             </a:pPr>
             <a:r>
               <a:rPr lang="en-AU" dirty="0" smtClean="0"/>
-              <a:t>Backups</a:t>
-            </a:r>
-            <a:endParaRPr lang="en-AU" dirty="0" smtClean="0"/>
-          </a:p>
-          <a:p>
-            <a:pPr marL="574675" indent="-571500">
-              <a:buFont typeface="Arial" panose="020B0604020202020204" pitchFamily="34" charset="0"/>
-              <a:buChar char="•"/>
-            </a:pPr>
-            <a:endParaRPr lang="en-AU" dirty="0" smtClean="0"/>
+              <a:t>Logical </a:t>
+            </a:r>
+            <a:r>
+              <a:rPr lang="en-AU" dirty="0" err="1" smtClean="0"/>
+              <a:t>vs</a:t>
+            </a:r>
+            <a:r>
+              <a:rPr lang="en-AU" dirty="0" smtClean="0"/>
+              <a:t> Physical Administration</a:t>
+            </a:r>
+            <a:endParaRPr lang="en-AU" dirty="0"/>
+          </a:p>
+          <a:p>
+            <a:endParaRPr lang="en-AU" dirty="0"/>
           </a:p>
         </p:txBody>
       </p:sp>
     </p:spTree>
     <p:extLst>
       <p:ext uri="{BB962C8B-B14F-4D97-AF65-F5344CB8AC3E}">
-        <p14:creationId xmlns:p14="http://schemas.microsoft.com/office/powerpoint/2010/main" val="2470106224"/>
+        <p14:creationId xmlns:p14="http://schemas.microsoft.com/office/powerpoint/2010/main" val="3159470542"/>
       </p:ext>
     </p:extLst>
   </p:cSld>
@@ -23241,6 +23395,217 @@
 </file>
 
 <file path=ppt/slides/slide14.xml><?xml version="1.0" encoding="utf-8"?>
+<p:sld xmlns:a="http://schemas.openxmlformats.org/drawingml/2006/main" xmlns:r="http://schemas.openxmlformats.org/officeDocument/2006/relationships" xmlns:p="http://schemas.openxmlformats.org/presentationml/2006/main">
+  <p:cSld>
+    <p:spTree>
+      <p:nvGrpSpPr>
+        <p:cNvPr id="1" name=""/>
+        <p:cNvGrpSpPr/>
+        <p:nvPr/>
+      </p:nvGrpSpPr>
+      <p:grpSpPr>
+        <a:xfrm>
+          <a:off x="0" y="0"/>
+          <a:ext cx="0" cy="0"/>
+          <a:chOff x="0" y="0"/>
+          <a:chExt cx="0" cy="0"/>
+        </a:xfrm>
+      </p:grpSpPr>
+      <p:sp>
+        <p:nvSpPr>
+          <p:cNvPr id="2" name="Title 1"/>
+          <p:cNvSpPr>
+            <a:spLocks noGrp="1"/>
+          </p:cNvSpPr>
+          <p:nvPr>
+            <p:ph type="title"/>
+          </p:nvPr>
+        </p:nvSpPr>
+        <p:spPr/>
+        <p:txBody>
+          <a:bodyPr/>
+          <a:lstStyle/>
+          <a:p>
+            <a:r>
+              <a:rPr lang="en-AU" dirty="0" smtClean="0"/>
+              <a:t>Cons</a:t>
+            </a:r>
+            <a:endParaRPr lang="en-AU" dirty="0"/>
+          </a:p>
+        </p:txBody>
+      </p:sp>
+      <p:sp>
+        <p:nvSpPr>
+          <p:cNvPr id="3" name="Text Placeholder 2"/>
+          <p:cNvSpPr>
+            <a:spLocks noGrp="1"/>
+          </p:cNvSpPr>
+          <p:nvPr>
+            <p:ph type="body" sz="quarter" idx="10"/>
+          </p:nvPr>
+        </p:nvSpPr>
+        <p:spPr>
+          <a:xfrm>
+            <a:off x="519112" y="1447799"/>
+            <a:ext cx="11149013" cy="3901068"/>
+          </a:xfrm>
+        </p:spPr>
+        <p:txBody>
+          <a:bodyPr/>
+          <a:lstStyle/>
+          <a:p>
+            <a:pPr marL="574675" indent="-571500">
+              <a:buFont typeface="Arial" panose="020B0604020202020204" pitchFamily="34" charset="0"/>
+              <a:buChar char="•"/>
+            </a:pPr>
+            <a:r>
+              <a:rPr lang="en-AU" dirty="0"/>
+              <a:t>Max 150 GB</a:t>
+            </a:r>
+          </a:p>
+          <a:p>
+            <a:pPr marL="574675" indent="-571500">
+              <a:buFont typeface="Arial" panose="020B0604020202020204" pitchFamily="34" charset="0"/>
+              <a:buChar char="•"/>
+            </a:pPr>
+            <a:r>
+              <a:rPr lang="en-AU" dirty="0" smtClean="0"/>
+              <a:t>No performance guarantees</a:t>
+            </a:r>
+          </a:p>
+          <a:p>
+            <a:pPr marL="574675" indent="-571500">
+              <a:buFont typeface="Arial" panose="020B0604020202020204" pitchFamily="34" charset="0"/>
+              <a:buChar char="•"/>
+            </a:pPr>
+            <a:r>
+              <a:rPr lang="en-AU" dirty="0" smtClean="0"/>
+              <a:t>Feature limitations</a:t>
+            </a:r>
+          </a:p>
+          <a:p>
+            <a:pPr marL="574675" indent="-571500">
+              <a:buFont typeface="Arial" panose="020B0604020202020204" pitchFamily="34" charset="0"/>
+              <a:buChar char="•"/>
+            </a:pPr>
+            <a:r>
+              <a:rPr lang="en-AU" dirty="0" smtClean="0"/>
+              <a:t>No long-running </a:t>
+            </a:r>
+            <a:r>
+              <a:rPr lang="en-AU" dirty="0"/>
+              <a:t>queries </a:t>
+            </a:r>
+            <a:r>
+              <a:rPr lang="en-AU" dirty="0" smtClean="0"/>
+              <a:t>/ transactions</a:t>
+            </a:r>
+            <a:endParaRPr lang="en-AU" dirty="0"/>
+          </a:p>
+          <a:p>
+            <a:pPr marL="574675" indent="-571500">
+              <a:buFont typeface="Arial" panose="020B0604020202020204" pitchFamily="34" charset="0"/>
+              <a:buChar char="•"/>
+            </a:pPr>
+            <a:r>
+              <a:rPr lang="en-AU" dirty="0" smtClean="0"/>
+              <a:t>Backups</a:t>
+            </a:r>
+          </a:p>
+          <a:p>
+            <a:pPr marL="574675" indent="-571500">
+              <a:buFont typeface="Arial" panose="020B0604020202020204" pitchFamily="34" charset="0"/>
+              <a:buChar char="•"/>
+            </a:pPr>
+            <a:endParaRPr lang="en-AU" dirty="0" smtClean="0"/>
+          </a:p>
+        </p:txBody>
+      </p:sp>
+    </p:spTree>
+    <p:extLst>
+      <p:ext uri="{BB962C8B-B14F-4D97-AF65-F5344CB8AC3E}">
+        <p14:creationId xmlns:p14="http://schemas.microsoft.com/office/powerpoint/2010/main" val="809051542"/>
+      </p:ext>
+    </p:extLst>
+  </p:cSld>
+  <p:clrMapOvr>
+    <a:masterClrMapping/>
+  </p:clrMapOvr>
+  <p:transition>
+    <p:fade/>
+  </p:transition>
+</p:sld>
+</file>
+
+<file path=ppt/slides/slide15.xml><?xml version="1.0" encoding="utf-8"?>
+<p:sld xmlns:a="http://schemas.openxmlformats.org/drawingml/2006/main" xmlns:r="http://schemas.openxmlformats.org/officeDocument/2006/relationships" xmlns:p="http://schemas.openxmlformats.org/presentationml/2006/main">
+  <p:cSld>
+    <p:spTree>
+      <p:nvGrpSpPr>
+        <p:cNvPr id="1" name=""/>
+        <p:cNvGrpSpPr/>
+        <p:nvPr/>
+      </p:nvGrpSpPr>
+      <p:grpSpPr>
+        <a:xfrm>
+          <a:off x="0" y="0"/>
+          <a:ext cx="0" cy="0"/>
+          <a:chOff x="0" y="0"/>
+          <a:chExt cx="0" cy="0"/>
+        </a:xfrm>
+      </p:grpSpPr>
+      <p:sp>
+        <p:nvSpPr>
+          <p:cNvPr id="3" name="Text Placeholder 2"/>
+          <p:cNvSpPr>
+            <a:spLocks noGrp="1"/>
+          </p:cNvSpPr>
+          <p:nvPr>
+            <p:ph type="body" sz="quarter" idx="10"/>
+          </p:nvPr>
+        </p:nvSpPr>
+        <p:spPr>
+          <a:xfrm>
+            <a:off x="521208" y="2397746"/>
+            <a:ext cx="10693401" cy="1378644"/>
+          </a:xfrm>
+        </p:spPr>
+        <p:txBody>
+          <a:bodyPr/>
+          <a:lstStyle/>
+          <a:p>
+            <a:r>
+              <a:rPr lang="en-US" dirty="0" smtClean="0"/>
+              <a:t>Things to watch out for</a:t>
+            </a:r>
+            <a:endParaRPr lang="en-US" dirty="0"/>
+          </a:p>
+        </p:txBody>
+      </p:sp>
+    </p:spTree>
+    <p:extLst>
+      <p:ext uri="{BB962C8B-B14F-4D97-AF65-F5344CB8AC3E}">
+        <p14:creationId xmlns:p14="http://schemas.microsoft.com/office/powerpoint/2010/main" val="1604097720"/>
+      </p:ext>
+    </p:extLst>
+  </p:cSld>
+  <p:clrMapOvr>
+    <a:masterClrMapping/>
+  </p:clrMapOvr>
+  <p:transition>
+    <p:fade/>
+  </p:transition>
+  <p:timing>
+    <p:tnLst>
+      <p:par>
+        <p:cTn id="1" dur="indefinite" restart="never" nodeType="tmRoot"/>
+      </p:par>
+    </p:tnLst>
+  </p:timing>
+</p:sld>
+</file>
+
+<file path=ppt/slides/slide16.xml><?xml version="1.0" encoding="utf-8"?>
 <p:sld xmlns:a="http://schemas.openxmlformats.org/drawingml/2006/main" xmlns:r="http://schemas.openxmlformats.org/officeDocument/2006/relationships" xmlns:p="http://schemas.openxmlformats.org/presentationml/2006/main">
   <p:cSld>
     <p:spTree>
@@ -24142,7 +24507,7 @@
     </p:spTree>
     <p:extLst>
       <p:ext uri="{BB962C8B-B14F-4D97-AF65-F5344CB8AC3E}">
-        <p14:creationId xmlns:p14="http://schemas.microsoft.com/office/powerpoint/2010/main" val="3550516486"/>
+        <p14:creationId xmlns:p14="http://schemas.microsoft.com/office/powerpoint/2010/main" val="1713548499"/>
       </p:ext>
     </p:extLst>
   </p:cSld>
@@ -24280,7 +24645,7 @@
 </p:sld>
 </file>
 
-<file path=ppt/slides/slide15.xml><?xml version="1.0" encoding="utf-8"?>
+<file path=ppt/slides/slide17.xml><?xml version="1.0" encoding="utf-8"?>
 <p:sld xmlns:a="http://schemas.openxmlformats.org/drawingml/2006/main" xmlns:r="http://schemas.openxmlformats.org/officeDocument/2006/relationships" xmlns:p="http://schemas.openxmlformats.org/presentationml/2006/main">
   <p:cSld>
     <p:spTree>
@@ -25095,7 +25460,7 @@
     </p:spTree>
     <p:extLst>
       <p:ext uri="{BB962C8B-B14F-4D97-AF65-F5344CB8AC3E}">
-        <p14:creationId xmlns:p14="http://schemas.microsoft.com/office/powerpoint/2010/main" val="3484700856"/>
+        <p14:creationId xmlns:p14="http://schemas.microsoft.com/office/powerpoint/2010/main" val="3395640834"/>
       </p:ext>
     </p:extLst>
   </p:cSld>
@@ -25108,7 +25473,7 @@
 </p:sld>
 </file>
 
-<file path=ppt/slides/slide16.xml><?xml version="1.0" encoding="utf-8"?>
+<file path=ppt/slides/slide18.xml><?xml version="1.0" encoding="utf-8"?>
 <p:sld xmlns:a="http://schemas.openxmlformats.org/drawingml/2006/main" xmlns:r="http://schemas.openxmlformats.org/officeDocument/2006/relationships" xmlns:p="http://schemas.openxmlformats.org/presentationml/2006/main">
   <p:cSld>
     <p:spTree>
@@ -25147,74 +25512,6 @@
           <a:p>
             <a:r>
               <a:rPr lang="en-US" dirty="0" smtClean="0"/>
-              <a:t>Things to watch out for</a:t>
-            </a:r>
-            <a:endParaRPr lang="en-US" dirty="0"/>
-          </a:p>
-        </p:txBody>
-      </p:sp>
-    </p:spTree>
-    <p:extLst>
-      <p:ext uri="{BB962C8B-B14F-4D97-AF65-F5344CB8AC3E}">
-        <p14:creationId xmlns:p14="http://schemas.microsoft.com/office/powerpoint/2010/main" val="1604097720"/>
-      </p:ext>
-    </p:extLst>
-  </p:cSld>
-  <p:clrMapOvr>
-    <a:masterClrMapping/>
-  </p:clrMapOvr>
-  <p:transition>
-    <p:fade/>
-  </p:transition>
-  <p:timing>
-    <p:tnLst>
-      <p:par>
-        <p:cTn id="1" dur="indefinite" restart="never" nodeType="tmRoot"/>
-      </p:par>
-    </p:tnLst>
-  </p:timing>
-</p:sld>
-</file>
-
-<file path=ppt/slides/slide17.xml><?xml version="1.0" encoding="utf-8"?>
-<p:sld xmlns:a="http://schemas.openxmlformats.org/drawingml/2006/main" xmlns:r="http://schemas.openxmlformats.org/officeDocument/2006/relationships" xmlns:p="http://schemas.openxmlformats.org/presentationml/2006/main">
-  <p:cSld>
-    <p:spTree>
-      <p:nvGrpSpPr>
-        <p:cNvPr id="1" name=""/>
-        <p:cNvGrpSpPr/>
-        <p:nvPr/>
-      </p:nvGrpSpPr>
-      <p:grpSpPr>
-        <a:xfrm>
-          <a:off x="0" y="0"/>
-          <a:ext cx="0" cy="0"/>
-          <a:chOff x="0" y="0"/>
-          <a:chExt cx="0" cy="0"/>
-        </a:xfrm>
-      </p:grpSpPr>
-      <p:sp>
-        <p:nvSpPr>
-          <p:cNvPr id="3" name="Text Placeholder 2"/>
-          <p:cNvSpPr>
-            <a:spLocks noGrp="1"/>
-          </p:cNvSpPr>
-          <p:nvPr>
-            <p:ph type="body" sz="quarter" idx="10"/>
-          </p:nvPr>
-        </p:nvSpPr>
-        <p:spPr>
-          <a:xfrm>
-            <a:off x="521208" y="2397746"/>
-            <a:ext cx="10693401" cy="1378644"/>
-          </a:xfrm>
-        </p:spPr>
-        <p:txBody>
-          <a:bodyPr/>
-          <a:lstStyle/>
-          <a:p>
-            <a:r>
-              <a:rPr lang="en-US" dirty="0" smtClean="0"/>
               <a:t>Performance and Scalability</a:t>
             </a:r>
             <a:endParaRPr lang="en-US" dirty="0"/>
@@ -25244,118 +25541,6 @@
 </p:sld>
 </file>
 
-<file path=ppt/slides/slide18.xml><?xml version="1.0" encoding="utf-8"?>
-<p:sld xmlns:a="http://schemas.openxmlformats.org/drawingml/2006/main" xmlns:r="http://schemas.openxmlformats.org/officeDocument/2006/relationships" xmlns:p="http://schemas.openxmlformats.org/presentationml/2006/main">
-  <p:cSld>
-    <p:spTree>
-      <p:nvGrpSpPr>
-        <p:cNvPr id="1" name=""/>
-        <p:cNvGrpSpPr/>
-        <p:nvPr/>
-      </p:nvGrpSpPr>
-      <p:grpSpPr>
-        <a:xfrm>
-          <a:off x="0" y="0"/>
-          <a:ext cx="0" cy="0"/>
-          <a:chOff x="0" y="0"/>
-          <a:chExt cx="0" cy="0"/>
-        </a:xfrm>
-      </p:grpSpPr>
-      <p:sp>
-        <p:nvSpPr>
-          <p:cNvPr id="2" name="Title 1"/>
-          <p:cNvSpPr>
-            <a:spLocks noGrp="1"/>
-          </p:cNvSpPr>
-          <p:nvPr>
-            <p:ph type="title"/>
-          </p:nvPr>
-        </p:nvSpPr>
-        <p:spPr/>
-        <p:txBody>
-          <a:bodyPr/>
-          <a:lstStyle/>
-          <a:p>
-            <a:r>
-              <a:rPr lang="en-AU" dirty="0" smtClean="0"/>
-              <a:t>HA</a:t>
-            </a:r>
-            <a:endParaRPr lang="en-AU" dirty="0"/>
-          </a:p>
-        </p:txBody>
-      </p:sp>
-      <p:sp>
-        <p:nvSpPr>
-          <p:cNvPr id="3" name="Text Placeholder 2"/>
-          <p:cNvSpPr>
-            <a:spLocks noGrp="1"/>
-          </p:cNvSpPr>
-          <p:nvPr>
-            <p:ph type="body" sz="quarter" idx="10"/>
-          </p:nvPr>
-        </p:nvSpPr>
-        <p:spPr>
-          <a:xfrm>
-            <a:off x="519112" y="1447799"/>
-            <a:ext cx="11149013" cy="3231654"/>
-          </a:xfrm>
-        </p:spPr>
-        <p:txBody>
-          <a:bodyPr/>
-          <a:lstStyle/>
-          <a:p>
-            <a:r>
-              <a:rPr lang="en-AU" dirty="0" smtClean="0"/>
-              <a:t>Has Availability Guarantees</a:t>
-            </a:r>
-          </a:p>
-          <a:p>
-            <a:r>
-              <a:rPr lang="en-AU" dirty="0"/>
-              <a:t>3 </a:t>
-            </a:r>
-            <a:r>
-              <a:rPr lang="en-AU" dirty="0" smtClean="0"/>
-              <a:t>copies of database </a:t>
-            </a:r>
-            <a:r>
-              <a:rPr lang="en-AU" dirty="0"/>
-              <a:t>– 1 primary, 2 secondary</a:t>
-            </a:r>
-          </a:p>
-          <a:p>
-            <a:r>
-              <a:rPr lang="en-AU" dirty="0" smtClean="0"/>
-              <a:t>Automatic Failure Detection</a:t>
-            </a:r>
-          </a:p>
-          <a:p>
-            <a:r>
-              <a:rPr lang="en-AU" dirty="0" smtClean="0"/>
-              <a:t>Automatic Failover and Reconfiguration</a:t>
-            </a:r>
-          </a:p>
-          <a:p>
-            <a:endParaRPr lang="en-AU" dirty="0" smtClean="0"/>
-          </a:p>
-        </p:txBody>
-      </p:sp>
-    </p:spTree>
-    <p:extLst>
-      <p:ext uri="{BB962C8B-B14F-4D97-AF65-F5344CB8AC3E}">
-        <p14:creationId xmlns:p14="http://schemas.microsoft.com/office/powerpoint/2010/main" val="2409194687"/>
-      </p:ext>
-    </p:extLst>
-  </p:cSld>
-  <p:clrMapOvr>
-    <a:masterClrMapping/>
-  </p:clrMapOvr>
-  <p:transition>
-    <p:fade/>
-  </p:transition>
-</p:sld>
-</file>
-
 <file path=ppt/slides/slide19.xml><?xml version="1.0" encoding="utf-8"?>
 <p:sld xmlns:a="http://schemas.openxmlformats.org/drawingml/2006/main" xmlns:r="http://schemas.openxmlformats.org/officeDocument/2006/relationships" xmlns:p="http://schemas.openxmlformats.org/presentationml/2006/main">
   <p:cSld>
@@ -25373,6 +25558,47 @@
           <a:chExt cx="0" cy="0"/>
         </a:xfrm>
       </p:grpSpPr>
+      <p:pic>
+        <p:nvPicPr>
+          <p:cNvPr id="1026" name="Picture 2" descr=" "/>
+          <p:cNvPicPr>
+            <a:picLocks noChangeAspect="1" noChangeArrowheads="1"/>
+          </p:cNvPicPr>
+          <p:nvPr/>
+        </p:nvPicPr>
+        <p:blipFill>
+          <a:blip r:embed="rId3">
+            <a:extLst>
+              <a:ext uri="{28A0092B-C50C-407E-A947-70E740481C1C}">
+                <a14:useLocalDpi xmlns:a14="http://schemas.microsoft.com/office/drawing/2010/main" val="0"/>
+              </a:ext>
+            </a:extLst>
+          </a:blip>
+          <a:srcRect/>
+          <a:stretch>
+            <a:fillRect/>
+          </a:stretch>
+        </p:blipFill>
+        <p:spPr bwMode="auto">
+          <a:xfrm>
+            <a:off x="5220334" y="1676400"/>
+            <a:ext cx="6647195" cy="4979354"/>
+          </a:xfrm>
+          <a:prstGeom prst="rect">
+            <a:avLst/>
+          </a:prstGeom>
+          <a:noFill/>
+          <a:extLst>
+            <a:ext uri="{909E8E84-426E-40DD-AFC4-6F175D3DCCD1}">
+              <a14:hiddenFill xmlns:a14="http://schemas.microsoft.com/office/drawing/2010/main">
+                <a:solidFill>
+                  <a:srgbClr val="FFFFFF"/>
+                </a:solidFill>
+              </a14:hiddenFill>
+            </a:ext>
+          </a:extLst>
+        </p:spPr>
+      </p:pic>
       <p:sp>
         <p:nvSpPr>
           <p:cNvPr id="2" name="Title 1"/>
@@ -25390,7 +25616,7 @@
           <a:p>
             <a:r>
               <a:rPr lang="en-AU" dirty="0" smtClean="0"/>
-              <a:t>Performance</a:t>
+              <a:t>High Availability</a:t>
             </a:r>
             <a:endParaRPr lang="en-AU" dirty="0"/>
           </a:p>
@@ -25409,60 +25635,111 @@
         <p:spPr>
           <a:xfrm>
             <a:off x="519112" y="1447799"/>
-            <a:ext cx="11149013" cy="3231654"/>
+            <a:ext cx="11149013" cy="4593565"/>
           </a:xfrm>
         </p:spPr>
         <p:txBody>
           <a:bodyPr/>
           <a:lstStyle/>
           <a:p>
+            <a:pPr marL="574675" indent="-571500">
+              <a:buFont typeface="Arial" panose="020B0604020202020204" pitchFamily="34" charset="0"/>
+              <a:buChar char="•"/>
+            </a:pPr>
+            <a:r>
+              <a:rPr lang="en-AU" dirty="0" smtClean="0"/>
+              <a:t>Has Availability Guarantees</a:t>
+            </a:r>
+          </a:p>
+          <a:p>
+            <a:pPr marL="574675" indent="-571500">
+              <a:buFont typeface="Arial" panose="020B0604020202020204" pitchFamily="34" charset="0"/>
+              <a:buChar char="•"/>
+            </a:pPr>
             <a:r>
               <a:rPr lang="en-AU" dirty="0"/>
-              <a:t>No Performance </a:t>
+              <a:t>3 </a:t>
             </a:r>
             <a:r>
               <a:rPr lang="en-AU" dirty="0" smtClean="0"/>
-              <a:t>Guarantees</a:t>
-            </a:r>
-          </a:p>
-          <a:p>
+              <a:t>copies of database </a:t>
+            </a:r>
+          </a:p>
+          <a:p>
+            <a:pPr marL="1830388" lvl="2" indent="-571500">
+              <a:buFont typeface="Arial" panose="020B0604020202020204" pitchFamily="34" charset="0"/>
+              <a:buChar char="•"/>
+            </a:pPr>
             <a:r>
               <a:rPr lang="en-AU" dirty="0" smtClean="0"/>
-              <a:t>Shared H/W, Multi-tenant</a:t>
-            </a:r>
-          </a:p>
-          <a:p>
+              <a:t>1 primary</a:t>
+            </a:r>
+            <a:endParaRPr lang="en-AU" dirty="0"/>
+          </a:p>
+          <a:p>
+            <a:pPr marL="1830388" lvl="2" indent="-571500">
+              <a:buFont typeface="Arial" panose="020B0604020202020204" pitchFamily="34" charset="0"/>
+              <a:buChar char="•"/>
+            </a:pPr>
+            <a:r>
+              <a:rPr lang="en-AU" dirty="0" smtClean="0"/>
+              <a:t>2 </a:t>
+            </a:r>
             <a:r>
               <a:rPr lang="en-AU" dirty="0"/>
-              <a:t>Load Balancer</a:t>
-            </a:r>
-          </a:p>
-          <a:p>
+              <a:t>secondary</a:t>
+            </a:r>
+          </a:p>
+          <a:p>
+            <a:pPr marL="574675" indent="-571500">
+              <a:buFont typeface="Arial" panose="020B0604020202020204" pitchFamily="34" charset="0"/>
+              <a:buChar char="•"/>
+            </a:pPr>
             <a:r>
               <a:rPr lang="en-AU" dirty="0" smtClean="0"/>
-              <a:t>Quorum </a:t>
-            </a:r>
-            <a:r>
-              <a:rPr lang="en-AU" dirty="0"/>
-              <a:t>Commit – at least 2 replicas must </a:t>
-            </a:r>
+              <a:t>Automatic </a:t>
+            </a:r>
+          </a:p>
+          <a:p>
+            <a:pPr marL="1830388" lvl="2" indent="-571500">
+              <a:buFont typeface="Arial" panose="020B0604020202020204" pitchFamily="34" charset="0"/>
+              <a:buChar char="•"/>
+            </a:pPr>
             <a:r>
               <a:rPr lang="en-AU" dirty="0" smtClean="0"/>
-              <a:t>commit</a:t>
-            </a:r>
-          </a:p>
-          <a:p>
+              <a:t>Failure Detection</a:t>
+            </a:r>
+          </a:p>
+          <a:p>
+            <a:pPr marL="1830388" lvl="2" indent="-571500">
+              <a:buFont typeface="Arial" panose="020B0604020202020204" pitchFamily="34" charset="0"/>
+              <a:buChar char="•"/>
+            </a:pPr>
             <a:r>
               <a:rPr lang="en-AU" dirty="0" smtClean="0"/>
-              <a:t>Latency</a:t>
-            </a:r>
+              <a:t>Failover </a:t>
+            </a:r>
+            <a:endParaRPr lang="en-AU" dirty="0"/>
+          </a:p>
+          <a:p>
+            <a:pPr marL="1830388" lvl="2" indent="-571500">
+              <a:buFont typeface="Arial" panose="020B0604020202020204" pitchFamily="34" charset="0"/>
+              <a:buChar char="•"/>
+            </a:pPr>
+            <a:r>
+              <a:rPr lang="en-AU" dirty="0" smtClean="0"/>
+              <a:t>Reconfiguration</a:t>
+            </a:r>
+          </a:p>
+          <a:p>
+            <a:endParaRPr lang="en-AU" dirty="0" smtClean="0"/>
           </a:p>
         </p:txBody>
       </p:sp>
     </p:spTree>
     <p:extLst>
       <p:ext uri="{BB962C8B-B14F-4D97-AF65-F5344CB8AC3E}">
-        <p14:creationId xmlns:p14="http://schemas.microsoft.com/office/powerpoint/2010/main" val="2393524645"/>
+        <p14:creationId xmlns:p14="http://schemas.microsoft.com/office/powerpoint/2010/main" val="935887405"/>
       </p:ext>
     </p:extLst>
   </p:cSld>
@@ -25472,6 +25749,13 @@
   <p:transition>
     <p:fade/>
   </p:transition>
+  <p:timing>
+    <p:tnLst>
+      <p:par>
+        <p:cTn id="1" dur="indefinite" restart="never" nodeType="tmRoot"/>
+      </p:par>
+    </p:tnLst>
+  </p:timing>
 </p:sld>
 </file>
 
@@ -25554,7 +25838,6 @@
               <a:rPr lang="en-US" sz="4000" dirty="0" smtClean="0"/>
               <a:t>Things to watch out for</a:t>
             </a:r>
-            <a:endParaRPr lang="en-US" sz="4000" dirty="0" smtClean="0"/>
           </a:p>
           <a:p>
             <a:pPr marL="0" indent="3175"/>
@@ -25787,6 +26070,173 @@
           <a:p>
             <a:r>
               <a:rPr lang="en-AU" dirty="0" smtClean="0"/>
+              <a:t>Performance</a:t>
+            </a:r>
+            <a:endParaRPr lang="en-AU" dirty="0"/>
+          </a:p>
+        </p:txBody>
+      </p:sp>
+      <p:sp>
+        <p:nvSpPr>
+          <p:cNvPr id="3" name="Text Placeholder 2"/>
+          <p:cNvSpPr>
+            <a:spLocks noGrp="1"/>
+          </p:cNvSpPr>
+          <p:nvPr>
+            <p:ph type="body" sz="quarter" idx="10"/>
+          </p:nvPr>
+        </p:nvSpPr>
+        <p:spPr>
+          <a:xfrm>
+            <a:off x="519112" y="1447799"/>
+            <a:ext cx="11149013" cy="3231654"/>
+          </a:xfrm>
+        </p:spPr>
+        <p:txBody>
+          <a:bodyPr/>
+          <a:lstStyle/>
+          <a:p>
+            <a:r>
+              <a:rPr lang="en-AU" dirty="0"/>
+              <a:t>No Performance </a:t>
+            </a:r>
+            <a:r>
+              <a:rPr lang="en-AU" dirty="0" smtClean="0"/>
+              <a:t>Guarantees</a:t>
+            </a:r>
+          </a:p>
+          <a:p>
+            <a:r>
+              <a:rPr lang="en-AU" dirty="0" smtClean="0"/>
+              <a:t>Shared Commodity H/W, Multi-tenant</a:t>
+            </a:r>
+          </a:p>
+          <a:p>
+            <a:r>
+              <a:rPr lang="en-AU" dirty="0"/>
+              <a:t>Load Balancer</a:t>
+            </a:r>
+          </a:p>
+          <a:p>
+            <a:r>
+              <a:rPr lang="en-AU" dirty="0" smtClean="0"/>
+              <a:t>Quorum </a:t>
+            </a:r>
+            <a:r>
+              <a:rPr lang="en-AU" dirty="0"/>
+              <a:t>Commit – at least 2 replicas must </a:t>
+            </a:r>
+            <a:r>
+              <a:rPr lang="en-AU" dirty="0" smtClean="0"/>
+              <a:t>commit</a:t>
+            </a:r>
+          </a:p>
+          <a:p>
+            <a:r>
+              <a:rPr lang="en-AU" dirty="0" smtClean="0"/>
+              <a:t>Latency</a:t>
+            </a:r>
+          </a:p>
+        </p:txBody>
+      </p:sp>
+    </p:spTree>
+    <p:extLst>
+      <p:ext uri="{BB962C8B-B14F-4D97-AF65-F5344CB8AC3E}">
+        <p14:creationId xmlns:p14="http://schemas.microsoft.com/office/powerpoint/2010/main" val="2419231875"/>
+      </p:ext>
+    </p:extLst>
+  </p:cSld>
+  <p:clrMapOvr>
+    <a:masterClrMapping/>
+  </p:clrMapOvr>
+  <p:transition>
+    <p:fade/>
+  </p:transition>
+  <p:timing>
+    <p:tnLst>
+      <p:par>
+        <p:cTn id="1" dur="indefinite" restart="never" nodeType="tmRoot"/>
+      </p:par>
+    </p:tnLst>
+  </p:timing>
+</p:sld>
+</file>
+
+<file path=ppt/slides/slide21.xml><?xml version="1.0" encoding="utf-8"?>
+<p:sld xmlns:a="http://schemas.openxmlformats.org/drawingml/2006/main" xmlns:r="http://schemas.openxmlformats.org/officeDocument/2006/relationships" xmlns:p="http://schemas.openxmlformats.org/presentationml/2006/main">
+  <p:cSld>
+    <p:spTree>
+      <p:nvGrpSpPr>
+        <p:cNvPr id="1" name=""/>
+        <p:cNvGrpSpPr/>
+        <p:nvPr/>
+      </p:nvGrpSpPr>
+      <p:grpSpPr>
+        <a:xfrm>
+          <a:off x="0" y="0"/>
+          <a:ext cx="0" cy="0"/>
+          <a:chOff x="0" y="0"/>
+          <a:chExt cx="0" cy="0"/>
+        </a:xfrm>
+      </p:grpSpPr>
+      <p:pic>
+        <p:nvPicPr>
+          <p:cNvPr id="2050" name="Picture 2" descr=" "/>
+          <p:cNvPicPr>
+            <a:picLocks noChangeAspect="1" noChangeArrowheads="1"/>
+          </p:cNvPicPr>
+          <p:nvPr/>
+        </p:nvPicPr>
+        <p:blipFill>
+          <a:blip r:embed="rId3">
+            <a:extLst>
+              <a:ext uri="{28A0092B-C50C-407E-A947-70E740481C1C}">
+                <a14:useLocalDpi xmlns:a14="http://schemas.microsoft.com/office/drawing/2010/main" val="0"/>
+              </a:ext>
+            </a:extLst>
+          </a:blip>
+          <a:srcRect/>
+          <a:stretch>
+            <a:fillRect/>
+          </a:stretch>
+        </p:blipFill>
+        <p:spPr bwMode="auto">
+          <a:xfrm>
+            <a:off x="2746374" y="3576321"/>
+            <a:ext cx="9237779" cy="2620170"/>
+          </a:xfrm>
+          <a:prstGeom prst="rect">
+            <a:avLst/>
+          </a:prstGeom>
+          <a:noFill/>
+          <a:extLst>
+            <a:ext uri="{909E8E84-426E-40DD-AFC4-6F175D3DCCD1}">
+              <a14:hiddenFill xmlns:a14="http://schemas.microsoft.com/office/drawing/2010/main">
+                <a:solidFill>
+                  <a:srgbClr val="FFFFFF"/>
+                </a:solidFill>
+              </a14:hiddenFill>
+            </a:ext>
+          </a:extLst>
+        </p:spPr>
+      </p:pic>
+      <p:sp>
+        <p:nvSpPr>
+          <p:cNvPr id="2" name="Title 1"/>
+          <p:cNvSpPr>
+            <a:spLocks noGrp="1"/>
+          </p:cNvSpPr>
+          <p:nvPr>
+            <p:ph type="title"/>
+          </p:nvPr>
+        </p:nvSpPr>
+        <p:spPr/>
+        <p:txBody>
+          <a:bodyPr/>
+          <a:lstStyle/>
+          <a:p>
+            <a:r>
+              <a:rPr lang="en-AU" dirty="0" smtClean="0"/>
               <a:t>Scalability</a:t>
             </a:r>
             <a:endParaRPr lang="en-AU" dirty="0"/>
@@ -25853,7 +26303,7 @@
     </p:spTree>
     <p:extLst>
       <p:ext uri="{BB962C8B-B14F-4D97-AF65-F5344CB8AC3E}">
-        <p14:creationId xmlns:p14="http://schemas.microsoft.com/office/powerpoint/2010/main" val="2611423250"/>
+        <p14:creationId xmlns:p14="http://schemas.microsoft.com/office/powerpoint/2010/main" val="3672468520"/>
       </p:ext>
     </p:extLst>
   </p:cSld>
@@ -25863,10 +26313,17 @@
   <p:transition>
     <p:fade/>
   </p:transition>
+  <p:timing>
+    <p:tnLst>
+      <p:par>
+        <p:cTn id="1" dur="indefinite" restart="never" nodeType="tmRoot"/>
+      </p:par>
+    </p:tnLst>
+  </p:timing>
 </p:sld>
 </file>
 
-<file path=ppt/slides/slide21.xml><?xml version="1.0" encoding="utf-8"?>
+<file path=ppt/slides/slide22.xml><?xml version="1.0" encoding="utf-8"?>
 <p:sld xmlns:a="http://schemas.openxmlformats.org/drawingml/2006/main" xmlns:r="http://schemas.openxmlformats.org/officeDocument/2006/relationships" xmlns:p="http://schemas.openxmlformats.org/presentationml/2006/main">
   <p:cSld>
     <p:spTree>
@@ -25934,7 +26391,7 @@
 </p:sld>
 </file>
 
-<file path=ppt/slides/slide22.xml><?xml version="1.0" encoding="utf-8"?>
+<file path=ppt/slides/slide23.xml><?xml version="1.0" encoding="utf-8"?>
 <p:sld xmlns:a="http://schemas.openxmlformats.org/drawingml/2006/main" xmlns:r="http://schemas.openxmlformats.org/officeDocument/2006/relationships" xmlns:p="http://schemas.openxmlformats.org/presentationml/2006/main">
   <p:cSld>
     <p:spTree>
@@ -31138,7 +31595,7 @@
 </p:sld>
 </file>
 
-<file path=ppt/slides/slide23.xml><?xml version="1.0" encoding="utf-8"?>
+<file path=ppt/slides/slide24.xml><?xml version="1.0" encoding="utf-8"?>
 <p:sld xmlns:a="http://schemas.openxmlformats.org/drawingml/2006/main" xmlns:r="http://schemas.openxmlformats.org/officeDocument/2006/relationships" xmlns:p="http://schemas.openxmlformats.org/presentationml/2006/main">
   <p:cSld>
     <p:spTree>
@@ -31301,7 +31758,7 @@
 </p:sld>
 </file>
 
-<file path=ppt/slides/slide24.xml><?xml version="1.0" encoding="utf-8"?>
+<file path=ppt/slides/slide25.xml><?xml version="1.0" encoding="utf-8"?>
 <p:sld xmlns:a="http://schemas.openxmlformats.org/drawingml/2006/main" xmlns:r="http://schemas.openxmlformats.org/officeDocument/2006/relationships" xmlns:p="http://schemas.openxmlformats.org/presentationml/2006/main">
   <p:cSld>
     <p:spTree>
@@ -31478,7 +31935,7 @@
 </p:sld>
 </file>
 
-<file path=ppt/slides/slide25.xml><?xml version="1.0" encoding="utf-8"?>
+<file path=ppt/slides/slide26.xml><?xml version="1.0" encoding="utf-8"?>
 <p:sld xmlns:a="http://schemas.openxmlformats.org/drawingml/2006/main" xmlns:r="http://schemas.openxmlformats.org/officeDocument/2006/relationships" xmlns:p="http://schemas.openxmlformats.org/presentationml/2006/main">
   <p:cSld>
     <p:spTree>
@@ -31619,78 +32076,6 @@
     <p:extLst>
       <p:ext uri="{BB962C8B-B14F-4D97-AF65-F5344CB8AC3E}">
         <p14:creationId xmlns:p14="http://schemas.microsoft.com/office/powerpoint/2010/main" val="981396761"/>
-      </p:ext>
-    </p:extLst>
-  </p:cSld>
-  <p:clrMapOvr>
-    <a:masterClrMapping/>
-  </p:clrMapOvr>
-  <p:transition>
-    <p:fade/>
-  </p:transition>
-  <p:timing>
-    <p:tnLst>
-      <p:par>
-        <p:cTn id="1" dur="indefinite" restart="never" nodeType="tmRoot"/>
-      </p:par>
-    </p:tnLst>
-  </p:timing>
-</p:sld>
-</file>
-
-<file path=ppt/slides/slide26.xml><?xml version="1.0" encoding="utf-8"?>
-<p:sld xmlns:a="http://schemas.openxmlformats.org/drawingml/2006/main" xmlns:r="http://schemas.openxmlformats.org/officeDocument/2006/relationships" xmlns:p="http://schemas.openxmlformats.org/presentationml/2006/main">
-  <p:cSld>
-    <p:spTree>
-      <p:nvGrpSpPr>
-        <p:cNvPr id="1" name=""/>
-        <p:cNvGrpSpPr/>
-        <p:nvPr/>
-      </p:nvGrpSpPr>
-      <p:grpSpPr>
-        <a:xfrm>
-          <a:off x="0" y="0"/>
-          <a:ext cx="0" cy="0"/>
-          <a:chOff x="0" y="0"/>
-          <a:chExt cx="0" cy="0"/>
-        </a:xfrm>
-      </p:grpSpPr>
-      <p:sp>
-        <p:nvSpPr>
-          <p:cNvPr id="3" name="Text Placeholder 2"/>
-          <p:cNvSpPr>
-            <a:spLocks noGrp="1"/>
-          </p:cNvSpPr>
-          <p:nvPr>
-            <p:ph type="body" sz="quarter" idx="10"/>
-          </p:nvPr>
-        </p:nvSpPr>
-        <p:spPr>
-          <a:xfrm>
-            <a:off x="521208" y="2397746"/>
-            <a:ext cx="10693401" cy="1378644"/>
-          </a:xfrm>
-        </p:spPr>
-        <p:txBody>
-          <a:bodyPr/>
-          <a:lstStyle/>
-          <a:p>
-            <a:r>
-              <a:rPr lang="en-US" dirty="0" smtClean="0"/>
-              <a:t>Transient </a:t>
-            </a:r>
-            <a:r>
-              <a:rPr lang="en-US" dirty="0" smtClean="0"/>
-              <a:t>Faults</a:t>
-            </a:r>
-            <a:endParaRPr lang="en-US" dirty="0"/>
-          </a:p>
-        </p:txBody>
-      </p:sp>
-    </p:spTree>
-    <p:extLst>
-      <p:ext uri="{BB962C8B-B14F-4D97-AF65-F5344CB8AC3E}">
-        <p14:creationId xmlns:p14="http://schemas.microsoft.com/office/powerpoint/2010/main" val="3715508783"/>
       </p:ext>
     </p:extLst>
   </p:cSld>
@@ -31729,29 +32114,6 @@
       </p:grpSpPr>
       <p:sp>
         <p:nvSpPr>
-          <p:cNvPr id="2" name="Title 1"/>
-          <p:cNvSpPr>
-            <a:spLocks noGrp="1"/>
-          </p:cNvSpPr>
-          <p:nvPr>
-            <p:ph type="title"/>
-          </p:nvPr>
-        </p:nvSpPr>
-        <p:spPr/>
-        <p:txBody>
-          <a:bodyPr/>
-          <a:lstStyle/>
-          <a:p>
-            <a:r>
-              <a:rPr lang="en-AU" dirty="0" smtClean="0"/>
-              <a:t>What are transient faults?</a:t>
-            </a:r>
-            <a:endParaRPr lang="en-AU" dirty="0"/>
-          </a:p>
-        </p:txBody>
-      </p:sp>
-      <p:sp>
-        <p:nvSpPr>
           <p:cNvPr id="3" name="Text Placeholder 2"/>
           <p:cNvSpPr>
             <a:spLocks noGrp="1"/>
@@ -31762,8 +32124,8 @@
         </p:nvSpPr>
         <p:spPr>
           <a:xfrm>
-            <a:off x="519112" y="1447799"/>
-            <a:ext cx="11149013" cy="4570482"/>
+            <a:off x="521208" y="2397746"/>
+            <a:ext cx="10693401" cy="1378644"/>
           </a:xfrm>
         </p:spPr>
         <p:txBody>
@@ -31771,87 +32133,17 @@
           <a:lstStyle/>
           <a:p>
             <a:r>
-              <a:rPr lang="en-AU" dirty="0" smtClean="0"/>
-              <a:t>Faults that occur “sometimes”</a:t>
-            </a:r>
-          </a:p>
-          <a:p>
-            <a:r>
-              <a:rPr lang="en-AU" dirty="0" smtClean="0">
-                <a:solidFill>
-                  <a:schemeClr val="accent4">
-                    <a:lumMod val="50000"/>
-                  </a:schemeClr>
-                </a:solidFill>
-              </a:rPr>
-              <a:t>If you retry the failed operation it will usually succeed</a:t>
-            </a:r>
-          </a:p>
-          <a:p>
-            <a:endParaRPr lang="en-AU" dirty="0"/>
-          </a:p>
-          <a:p>
-            <a:r>
-              <a:rPr lang="en-AU" dirty="0" smtClean="0"/>
-              <a:t>Examples:</a:t>
-            </a:r>
-          </a:p>
-          <a:p>
-            <a:r>
-              <a:rPr lang="en-AU" dirty="0"/>
-              <a:t>	</a:t>
-            </a:r>
-            <a:r>
-              <a:rPr lang="en-AU" dirty="0" smtClean="0">
-                <a:solidFill>
-                  <a:srgbClr val="C00000"/>
-                </a:solidFill>
-              </a:rPr>
-              <a:t>Closing idle connections</a:t>
-            </a:r>
-          </a:p>
-          <a:p>
-            <a:r>
-              <a:rPr lang="en-AU" dirty="0">
-                <a:solidFill>
-                  <a:srgbClr val="C00000"/>
-                </a:solidFill>
-              </a:rPr>
-              <a:t>	</a:t>
-            </a:r>
-            <a:r>
-              <a:rPr lang="en-AU" dirty="0" smtClean="0">
-                <a:solidFill>
-                  <a:srgbClr val="C00000"/>
-                </a:solidFill>
-              </a:rPr>
-              <a:t>Throttling excessive connections</a:t>
-            </a:r>
-          </a:p>
-          <a:p>
-            <a:r>
-              <a:rPr lang="en-AU" dirty="0">
-                <a:solidFill>
-                  <a:srgbClr val="C00000"/>
-                </a:solidFill>
-              </a:rPr>
-              <a:t>	</a:t>
-            </a:r>
-            <a:r>
-              <a:rPr lang="en-AU" dirty="0" smtClean="0">
-                <a:solidFill>
-                  <a:srgbClr val="C00000"/>
-                </a:solidFill>
-              </a:rPr>
-              <a:t>Timeouts when the resource isn’t able to respond</a:t>
-            </a:r>
+              <a:rPr lang="en-US" dirty="0" smtClean="0"/>
+              <a:t>Transient Faults</a:t>
+            </a:r>
+            <a:endParaRPr lang="en-US" dirty="0"/>
           </a:p>
         </p:txBody>
       </p:sp>
     </p:spTree>
     <p:extLst>
       <p:ext uri="{BB962C8B-B14F-4D97-AF65-F5344CB8AC3E}">
-        <p14:creationId xmlns:p14="http://schemas.microsoft.com/office/powerpoint/2010/main" val="650531519"/>
+        <p14:creationId xmlns:p14="http://schemas.microsoft.com/office/powerpoint/2010/main" val="3715508783"/>
       </p:ext>
     </p:extLst>
   </p:cSld>
@@ -31861,6 +32153,13 @@
   <p:transition>
     <p:fade/>
   </p:transition>
+  <p:timing>
+    <p:tnLst>
+      <p:par>
+        <p:cTn id="1" dur="indefinite" restart="never" nodeType="tmRoot"/>
+      </p:par>
+    </p:tnLst>
+  </p:timing>
 </p:sld>
 </file>
 
@@ -31891,19 +32190,14 @@
             <p:ph type="title"/>
           </p:nvPr>
         </p:nvSpPr>
-        <p:spPr>
-          <a:xfrm>
-            <a:off x="519112" y="228600"/>
-            <a:ext cx="11149013" cy="747897"/>
-          </a:xfrm>
-        </p:spPr>
+        <p:spPr/>
         <p:txBody>
           <a:bodyPr/>
           <a:lstStyle/>
           <a:p>
             <a:r>
               <a:rPr lang="en-AU" dirty="0" smtClean="0"/>
-              <a:t>Why do transient faults occur?</a:t>
+              <a:t>What are transient faults?</a:t>
             </a:r>
             <a:endParaRPr lang="en-AU" dirty="0"/>
           </a:p>
@@ -31931,26 +32225,7 @@
           <a:p>
             <a:r>
               <a:rPr lang="en-AU" dirty="0" smtClean="0"/>
-              <a:t>Cloud computing == shared resources</a:t>
-            </a:r>
-          </a:p>
-          <a:p>
-            <a:r>
-              <a:rPr lang="en-AU" dirty="0" smtClean="0"/>
-              <a:t>SLAs dictate expectations</a:t>
-            </a:r>
-          </a:p>
-          <a:p>
-            <a:endParaRPr lang="en-AU" dirty="0" smtClean="0"/>
-          </a:p>
-          <a:p>
-            <a:r>
-              <a:rPr lang="en-AU" dirty="0" smtClean="0">
-                <a:solidFill>
-                  <a:srgbClr val="C00000"/>
-                </a:solidFill>
-              </a:rPr>
-              <a:t>No guarantees outside of SLAs</a:t>
+              <a:t>Faults that occur “sometimes”</a:t>
             </a:r>
           </a:p>
           <a:p>
@@ -31962,47 +32237,74 @@
                   </a:schemeClr>
                 </a:solidFill>
               </a:rPr>
-              <a:t>Optimisations improve overall performance</a:t>
-            </a:r>
-          </a:p>
-          <a:p>
-            <a:endParaRPr lang="en-AU" dirty="0">
-              <a:solidFill>
-                <a:schemeClr val="accent4">
-                  <a:lumMod val="50000"/>
-                </a:schemeClr>
-              </a:solidFill>
-            </a:endParaRPr>
-          </a:p>
-          <a:p>
-            <a:r>
-              <a:rPr lang="en-AU" b="1" dirty="0" smtClean="0">
+              <a:t>If you retry the failed operation it will usually succeed</a:t>
+            </a:r>
+          </a:p>
+          <a:p>
+            <a:endParaRPr lang="en-AU" dirty="0"/>
+          </a:p>
+          <a:p>
+            <a:r>
+              <a:rPr lang="en-AU" dirty="0" smtClean="0"/>
+              <a:t>Examples:</a:t>
+            </a:r>
+          </a:p>
+          <a:p>
+            <a:r>
+              <a:rPr lang="en-AU" dirty="0"/>
+              <a:t>	</a:t>
+            </a:r>
+            <a:r>
+              <a:rPr lang="en-AU" dirty="0" smtClean="0">
                 <a:solidFill>
-                  <a:schemeClr val="tx1"/>
+                  <a:srgbClr val="C00000"/>
                 </a:solidFill>
               </a:rPr>
-              <a:t>Remember:</a:t>
+              <a:t>Closing idle connections</a:t>
+            </a:r>
+          </a:p>
+          <a:p>
+            <a:r>
+              <a:rPr lang="en-AU" dirty="0">
+                <a:solidFill>
+                  <a:srgbClr val="C00000"/>
+                </a:solidFill>
+              </a:rPr>
+              <a:t>	</a:t>
             </a:r>
             <a:r>
               <a:rPr lang="en-AU" dirty="0" smtClean="0">
                 <a:solidFill>
-                  <a:schemeClr val="tx1"/>
+                  <a:srgbClr val="C00000"/>
                 </a:solidFill>
               </a:rPr>
-              <a:t> Azure SQL != SQL Server</a:t>
-            </a:r>
-            <a:endParaRPr lang="en-AU" dirty="0">
-              <a:solidFill>
-                <a:schemeClr val="tx1"/>
-              </a:solidFill>
-            </a:endParaRPr>
+              <a:t>Throttling excessive connections</a:t>
+            </a:r>
+          </a:p>
+          <a:p>
+            <a:r>
+              <a:rPr lang="en-AU" dirty="0">
+                <a:solidFill>
+                  <a:srgbClr val="C00000"/>
+                </a:solidFill>
+              </a:rPr>
+              <a:t>	</a:t>
+            </a:r>
+            <a:r>
+              <a:rPr lang="en-AU" dirty="0" smtClean="0">
+                <a:solidFill>
+                  <a:srgbClr val="C00000"/>
+                </a:solidFill>
+              </a:rPr>
+              <a:t>Timeouts when the resource isn’t able to respond</a:t>
+            </a:r>
           </a:p>
         </p:txBody>
       </p:sp>
     </p:spTree>
     <p:extLst>
       <p:ext uri="{BB962C8B-B14F-4D97-AF65-F5344CB8AC3E}">
-        <p14:creationId xmlns:p14="http://schemas.microsoft.com/office/powerpoint/2010/main" val="437241435"/>
+        <p14:creationId xmlns:p14="http://schemas.microsoft.com/office/powerpoint/2010/main" val="650531519"/>
       </p:ext>
     </p:extLst>
   </p:cSld>
@@ -32042,47 +32344,135 @@
             <p:ph type="title"/>
           </p:nvPr>
         </p:nvSpPr>
-        <p:spPr/>
+        <p:spPr>
+          <a:xfrm>
+            <a:off x="519112" y="228600"/>
+            <a:ext cx="11149013" cy="747897"/>
+          </a:xfrm>
+        </p:spPr>
         <p:txBody>
           <a:bodyPr/>
           <a:lstStyle/>
           <a:p>
             <a:r>
               <a:rPr lang="en-AU" dirty="0" smtClean="0"/>
-              <a:t>Limits</a:t>
+              <a:t>Why do transient faults occur?</a:t>
             </a:r>
             <a:endParaRPr lang="en-AU" dirty="0"/>
           </a:p>
         </p:txBody>
       </p:sp>
-      <p:pic>
-        <p:nvPicPr>
-          <p:cNvPr id="4" name="Picture 3"/>
-          <p:cNvPicPr>
-            <a:picLocks noChangeAspect="1"/>
-          </p:cNvPicPr>
-          <p:nvPr/>
-        </p:nvPicPr>
-        <p:blipFill>
-          <a:blip r:embed="rId2"/>
-          <a:stretch>
-            <a:fillRect/>
-          </a:stretch>
-        </p:blipFill>
+      <p:sp>
+        <p:nvSpPr>
+          <p:cNvPr id="3" name="Text Placeholder 2"/>
+          <p:cNvSpPr>
+            <a:spLocks noGrp="1"/>
+          </p:cNvSpPr>
+          <p:nvPr>
+            <p:ph type="body" sz="quarter" idx="10"/>
+          </p:nvPr>
+        </p:nvSpPr>
         <p:spPr>
           <a:xfrm>
-            <a:off x="3051174" y="723900"/>
-            <a:ext cx="6086475" cy="5410200"/>
+            <a:off x="519112" y="1447799"/>
+            <a:ext cx="11149013" cy="4570482"/>
           </a:xfrm>
-          <a:prstGeom prst="rect">
-            <a:avLst/>
-          </a:prstGeom>
         </p:spPr>
-      </p:pic>
+        <p:txBody>
+          <a:bodyPr/>
+          <a:lstStyle/>
+          <a:p>
+            <a:r>
+              <a:rPr lang="en-AU" dirty="0" smtClean="0"/>
+              <a:t>Cloud computing == shared resources</a:t>
+            </a:r>
+          </a:p>
+          <a:p>
+            <a:r>
+              <a:rPr lang="en-AU" dirty="0" smtClean="0"/>
+              <a:t>SLAs dictate expectations</a:t>
+            </a:r>
+          </a:p>
+          <a:p>
+            <a:endParaRPr lang="en-AU" dirty="0" smtClean="0"/>
+          </a:p>
+          <a:p>
+            <a:r>
+              <a:rPr lang="en-AU" dirty="0" smtClean="0">
+                <a:solidFill>
+                  <a:srgbClr val="C00000"/>
+                </a:solidFill>
+              </a:rPr>
+              <a:t>No guarantees outside of SLAs</a:t>
+            </a:r>
+          </a:p>
+          <a:p>
+            <a:r>
+              <a:rPr lang="en-AU" dirty="0" smtClean="0">
+                <a:solidFill>
+                  <a:schemeClr val="accent4">
+                    <a:lumMod val="50000"/>
+                  </a:schemeClr>
+                </a:solidFill>
+              </a:rPr>
+              <a:t>Optimisations improve </a:t>
+            </a:r>
+            <a:r>
+              <a:rPr lang="en-AU" smtClean="0">
+                <a:solidFill>
+                  <a:schemeClr val="accent4">
+                    <a:lumMod val="50000"/>
+                  </a:schemeClr>
+                </a:solidFill>
+              </a:rPr>
+              <a:t>overall performance / availability</a:t>
+            </a:r>
+            <a:endParaRPr lang="en-AU" dirty="0" smtClean="0">
+              <a:solidFill>
+                <a:schemeClr val="accent4">
+                  <a:lumMod val="50000"/>
+                </a:schemeClr>
+              </a:solidFill>
+            </a:endParaRPr>
+          </a:p>
+          <a:p>
+            <a:endParaRPr lang="en-AU" dirty="0">
+              <a:solidFill>
+                <a:schemeClr val="accent4">
+                  <a:lumMod val="50000"/>
+                </a:schemeClr>
+              </a:solidFill>
+            </a:endParaRPr>
+          </a:p>
+          <a:p>
+            <a:r>
+              <a:rPr lang="en-AU" b="1" dirty="0" smtClean="0">
+                <a:solidFill>
+                  <a:schemeClr val="tx1"/>
+                </a:solidFill>
+              </a:rPr>
+              <a:t>Remember:</a:t>
+            </a:r>
+            <a:r>
+              <a:rPr lang="en-AU" dirty="0" smtClean="0">
+                <a:solidFill>
+                  <a:schemeClr val="tx1"/>
+                </a:solidFill>
+              </a:rPr>
+              <a:t> Azure SQL != SQL Server</a:t>
+            </a:r>
+            <a:endParaRPr lang="en-AU" dirty="0">
+              <a:solidFill>
+                <a:schemeClr val="tx1"/>
+              </a:solidFill>
+            </a:endParaRPr>
+          </a:p>
+        </p:txBody>
+      </p:sp>
     </p:spTree>
     <p:extLst>
       <p:ext uri="{BB962C8B-B14F-4D97-AF65-F5344CB8AC3E}">
-        <p14:creationId xmlns:p14="http://schemas.microsoft.com/office/powerpoint/2010/main" val="156611106"/>
+        <p14:creationId xmlns:p14="http://schemas.microsoft.com/office/powerpoint/2010/main" val="437241435"/>
       </p:ext>
     </p:extLst>
   </p:cSld>
@@ -32204,116 +32594,40 @@
           <a:p>
             <a:r>
               <a:rPr lang="en-AU" dirty="0" smtClean="0"/>
-              <a:t>How to deal with transient faults?</a:t>
+              <a:t>Limits</a:t>
             </a:r>
             <a:endParaRPr lang="en-AU" dirty="0"/>
           </a:p>
         </p:txBody>
       </p:sp>
-      <p:sp>
-        <p:nvSpPr>
-          <p:cNvPr id="3" name="Text Placeholder 2"/>
-          <p:cNvSpPr>
-            <a:spLocks noGrp="1"/>
-          </p:cNvSpPr>
-          <p:nvPr>
-            <p:ph type="body" sz="quarter" idx="10"/>
-          </p:nvPr>
-        </p:nvSpPr>
+      <p:pic>
+        <p:nvPicPr>
+          <p:cNvPr id="4" name="Picture 3"/>
+          <p:cNvPicPr>
+            <a:picLocks noChangeAspect="1"/>
+          </p:cNvPicPr>
+          <p:nvPr/>
+        </p:nvPicPr>
+        <p:blipFill>
+          <a:blip r:embed="rId2"/>
+          <a:stretch>
+            <a:fillRect/>
+          </a:stretch>
+        </p:blipFill>
         <p:spPr>
           <a:xfrm>
-            <a:off x="519112" y="1447799"/>
-            <a:ext cx="11149013" cy="4570482"/>
+            <a:off x="3051174" y="723900"/>
+            <a:ext cx="6086475" cy="5410200"/>
           </a:xfrm>
+          <a:prstGeom prst="rect">
+            <a:avLst/>
+          </a:prstGeom>
         </p:spPr>
-        <p:txBody>
-          <a:bodyPr/>
-          <a:lstStyle/>
-          <a:p>
-            <a:r>
-              <a:rPr lang="en-AU" dirty="0" smtClean="0"/>
-              <a:t>Detect transient </a:t>
-            </a:r>
-            <a:r>
-              <a:rPr lang="en-AU" dirty="0"/>
-              <a:t>error codes (</a:t>
-            </a:r>
-            <a:r>
-              <a:rPr lang="en-AU" sz="2300" dirty="0">
-                <a:hlinkClick r:id="rId2"/>
-              </a:rPr>
-              <a:t>http://go.microsoft.com/fwlink/?</a:t>
-            </a:r>
-            <a:r>
-              <a:rPr lang="en-AU" sz="2300" dirty="0" smtClean="0">
-                <a:hlinkClick r:id="rId2"/>
-              </a:rPr>
-              <a:t>LinkId=267637</a:t>
-            </a:r>
-            <a:r>
-              <a:rPr lang="en-AU" dirty="0" smtClean="0"/>
-              <a:t>)</a:t>
-            </a:r>
-          </a:p>
-          <a:p>
-            <a:r>
-              <a:rPr lang="en-AU" dirty="0" smtClean="0"/>
-              <a:t>Connection and command retries (and transactions)</a:t>
-            </a:r>
-          </a:p>
-          <a:p>
-            <a:r>
-              <a:rPr lang="en-AU" dirty="0" smtClean="0"/>
-              <a:t>Consider timeouts</a:t>
-            </a:r>
-          </a:p>
-          <a:p>
-            <a:r>
-              <a:rPr lang="en-AU" dirty="0" smtClean="0"/>
-              <a:t>Implement a retry strategy</a:t>
-            </a:r>
-          </a:p>
-          <a:p>
-            <a:r>
-              <a:rPr lang="en-AU" dirty="0"/>
-              <a:t>	</a:t>
-            </a:r>
-            <a:r>
-              <a:rPr lang="en-AU" dirty="0" smtClean="0"/>
-              <a:t>Exponential-</a:t>
-            </a:r>
-            <a:r>
-              <a:rPr lang="en-AU" dirty="0" err="1" smtClean="0"/>
-              <a:t>backoff</a:t>
-            </a:r>
-            <a:endParaRPr lang="en-AU" dirty="0" smtClean="0"/>
-          </a:p>
-          <a:p>
-            <a:r>
-              <a:rPr lang="en-AU" dirty="0"/>
-              <a:t>	</a:t>
-            </a:r>
-            <a:r>
-              <a:rPr lang="en-AU" dirty="0" smtClean="0"/>
-              <a:t>Fixed interval</a:t>
-            </a:r>
-          </a:p>
-          <a:p>
-            <a:r>
-              <a:rPr lang="en-AU" dirty="0"/>
-              <a:t>	</a:t>
-            </a:r>
-            <a:r>
-              <a:rPr lang="en-AU" dirty="0" smtClean="0"/>
-              <a:t>Incrementing interval</a:t>
-            </a:r>
-          </a:p>
-        </p:txBody>
-      </p:sp>
+      </p:pic>
     </p:spTree>
     <p:extLst>
       <p:ext uri="{BB962C8B-B14F-4D97-AF65-F5344CB8AC3E}">
-        <p14:creationId xmlns:p14="http://schemas.microsoft.com/office/powerpoint/2010/main" val="793311107"/>
+        <p14:creationId xmlns:p14="http://schemas.microsoft.com/office/powerpoint/2010/main" val="156611106"/>
       </p:ext>
     </p:extLst>
   </p:cSld>
@@ -32367,7 +32681,7 @@
           <a:p>
             <a:r>
               <a:rPr lang="en-AU" dirty="0" smtClean="0"/>
-              <a:t>Transient Fault Handling library</a:t>
+              <a:t>How to deal with transient faults?</a:t>
             </a:r>
             <a:endParaRPr lang="en-AU" dirty="0"/>
           </a:p>
@@ -32386,7 +32700,7 @@
         <p:spPr>
           <a:xfrm>
             <a:off x="519112" y="1447799"/>
-            <a:ext cx="11149013" cy="4455066"/>
+            <a:ext cx="11149013" cy="4570482"/>
           </a:xfrm>
         </p:spPr>
         <p:txBody>
@@ -32395,80 +32709,80 @@
           <a:p>
             <a:r>
               <a:rPr lang="en-AU" dirty="0" smtClean="0"/>
-              <a:t>Patterns &amp; Practices: Transient Fault Handling Application Block</a:t>
-            </a:r>
-          </a:p>
-          <a:p>
-            <a:endParaRPr lang="en-AU" dirty="0"/>
-          </a:p>
-          <a:p>
-            <a:r>
-              <a:rPr lang="en-AU" dirty="0">
-                <a:solidFill>
-                  <a:schemeClr val="tx1"/>
-                </a:solidFill>
+              <a:t>Detect transient </a:t>
+            </a:r>
+            <a:r>
+              <a:rPr lang="en-AU" dirty="0"/>
+              <a:t>error codes (</a:t>
+            </a:r>
+            <a:r>
+              <a:rPr lang="en-AU" sz="2300" dirty="0">
+                <a:hlinkClick r:id="rId2"/>
               </a:rPr>
-              <a:t>Provides </a:t>
-            </a:r>
-            <a:r>
-              <a:rPr lang="en-AU" dirty="0" err="1">
-                <a:solidFill>
-                  <a:schemeClr val="tx1"/>
-                </a:solidFill>
+              <a:t>http://go.microsoft.com/fwlink/?</a:t>
+            </a:r>
+            <a:r>
+              <a:rPr lang="en-AU" sz="2300" dirty="0" smtClean="0">
+                <a:hlinkClick r:id="rId2"/>
               </a:rPr>
-              <a:t>ReliableConnection</a:t>
-            </a:r>
-            <a:r>
-              <a:rPr lang="en-AU" dirty="0">
-                <a:solidFill>
-                  <a:schemeClr val="tx1"/>
-                </a:solidFill>
-              </a:rPr>
-              <a:t> in place of </a:t>
-            </a:r>
-            <a:r>
-              <a:rPr lang="en-AU" dirty="0" err="1">
-                <a:solidFill>
-                  <a:schemeClr val="tx1"/>
-                </a:solidFill>
-              </a:rPr>
-              <a:t>DbConnection</a:t>
-            </a:r>
-            <a:endParaRPr lang="en-AU" dirty="0">
-              <a:solidFill>
-                <a:schemeClr val="tx1"/>
-              </a:solidFill>
-            </a:endParaRPr>
-          </a:p>
-          <a:p>
-            <a:endParaRPr lang="en-AU" dirty="0"/>
-          </a:p>
-          <a:p>
-            <a:r>
-              <a:rPr lang="en-AU" dirty="0" smtClean="0">
-                <a:solidFill>
-                  <a:srgbClr val="C00000"/>
-                </a:solidFill>
-              </a:rPr>
-              <a:t>Part of Enterprise Library</a:t>
-            </a:r>
-          </a:p>
-          <a:p>
-            <a:r>
-              <a:rPr lang="en-AU" b="1" dirty="0" smtClean="0">
-                <a:solidFill>
-                  <a:srgbClr val="C00000"/>
-                </a:solidFill>
-              </a:rPr>
-              <a:t>Be careful:</a:t>
-            </a:r>
-            <a:r>
-              <a:rPr lang="en-AU" dirty="0" smtClean="0">
-                <a:solidFill>
-                  <a:srgbClr val="C00000"/>
-                </a:solidFill>
-              </a:rPr>
-              <a:t> Lots of bad documentation / code snippets</a:t>
+              <a:t>LinkId=267637</a:t>
+            </a:r>
+            <a:r>
+              <a:rPr lang="en-AU" dirty="0" smtClean="0"/>
+              <a:t>)</a:t>
+            </a:r>
+          </a:p>
+          <a:p>
+            <a:r>
+              <a:rPr lang="en-AU" dirty="0" smtClean="0"/>
+              <a:t>Connection and command retries (and transactions)</a:t>
+            </a:r>
+          </a:p>
+          <a:p>
+            <a:r>
+              <a:rPr lang="en-AU" dirty="0" smtClean="0"/>
+              <a:t>Consider timeouts</a:t>
+            </a:r>
+          </a:p>
+          <a:p>
+            <a:r>
+              <a:rPr lang="en-AU" dirty="0" smtClean="0"/>
+              <a:t>Implement a retry strategy</a:t>
+            </a:r>
+          </a:p>
+          <a:p>
+            <a:r>
+              <a:rPr lang="en-AU" dirty="0"/>
+              <a:t>	</a:t>
+            </a:r>
+            <a:r>
+              <a:rPr lang="en-AU" dirty="0" smtClean="0"/>
+              <a:t>Exponential-</a:t>
+            </a:r>
+            <a:r>
+              <a:rPr lang="en-AU" dirty="0" err="1" smtClean="0"/>
+              <a:t>backoff</a:t>
+            </a:r>
+            <a:endParaRPr lang="en-AU" dirty="0" smtClean="0"/>
+          </a:p>
+          <a:p>
+            <a:r>
+              <a:rPr lang="en-AU" dirty="0"/>
+              <a:t>	</a:t>
+            </a:r>
+            <a:r>
+              <a:rPr lang="en-AU" dirty="0" smtClean="0"/>
+              <a:t>Fixed interval</a:t>
+            </a:r>
+          </a:p>
+          <a:p>
+            <a:r>
+              <a:rPr lang="en-AU" dirty="0"/>
+              <a:t>	</a:t>
+            </a:r>
+            <a:r>
+              <a:rPr lang="en-AU" dirty="0" smtClean="0"/>
+              <a:t>Incrementing interval</a:t>
             </a:r>
           </a:p>
         </p:txBody>
@@ -32476,7 +32790,7 @@
     </p:spTree>
     <p:extLst>
       <p:ext uri="{BB962C8B-B14F-4D97-AF65-F5344CB8AC3E}">
-        <p14:creationId xmlns:p14="http://schemas.microsoft.com/office/powerpoint/2010/main" val="1818265585"/>
+        <p14:creationId xmlns:p14="http://schemas.microsoft.com/office/powerpoint/2010/main" val="793311107"/>
       </p:ext>
     </p:extLst>
   </p:cSld>
@@ -32529,12 +32843,8 @@
           <a:lstStyle/>
           <a:p>
             <a:r>
-              <a:rPr lang="en-AU" dirty="0" err="1" smtClean="0"/>
-              <a:t>NHibernate.SqlAzure</a:t>
-            </a:r>
-            <a:r>
               <a:rPr lang="en-AU" dirty="0" smtClean="0"/>
-              <a:t> library</a:t>
+              <a:t>Transient Fault Handling library</a:t>
             </a:r>
             <a:endParaRPr lang="en-AU" dirty="0"/>
           </a:p>
@@ -32553,7 +32863,7 @@
         <p:spPr>
           <a:xfrm>
             <a:off x="519112" y="1447799"/>
-            <a:ext cx="11149013" cy="3771802"/>
+            <a:ext cx="11149013" cy="4455066"/>
           </a:xfrm>
         </p:spPr>
         <p:txBody>
@@ -32562,125 +32872,88 @@
           <a:p>
             <a:r>
               <a:rPr lang="en-AU" dirty="0" smtClean="0"/>
-              <a:t>If you use </a:t>
-            </a:r>
-            <a:r>
-              <a:rPr lang="en-AU" dirty="0" err="1" smtClean="0"/>
-              <a:t>NHibernate</a:t>
-            </a:r>
-            <a:r>
-              <a:rPr lang="en-AU" dirty="0" smtClean="0"/>
-              <a:t> we’ve done the work for you:</a:t>
+              <a:t>Patterns &amp; Practices: Transient Fault Handling Application Block</a:t>
             </a:r>
           </a:p>
           <a:p>
             <a:endParaRPr lang="en-AU" dirty="0"/>
           </a:p>
           <a:p>
-            <a:pPr marL="746125" indent="-742950">
-              <a:buFont typeface="+mj-lt"/>
-              <a:buAutoNum type="arabicPeriod"/>
-            </a:pPr>
+            <a:r>
+              <a:rPr lang="en-AU" dirty="0">
+                <a:solidFill>
+                  <a:schemeClr val="tx1"/>
+                </a:solidFill>
+              </a:rPr>
+              <a:t>Provides </a:t>
+            </a:r>
+            <a:r>
+              <a:rPr lang="en-AU" dirty="0" err="1">
+                <a:solidFill>
+                  <a:schemeClr val="tx1"/>
+                </a:solidFill>
+              </a:rPr>
+              <a:t>ReliableConnection</a:t>
+            </a:r>
+            <a:r>
+              <a:rPr lang="en-AU" dirty="0">
+                <a:solidFill>
+                  <a:schemeClr val="tx1"/>
+                </a:solidFill>
+              </a:rPr>
+              <a:t> in place of </a:t>
+            </a:r>
+            <a:r>
+              <a:rPr lang="en-AU" dirty="0" err="1" smtClean="0">
+                <a:solidFill>
+                  <a:schemeClr val="tx1"/>
+                </a:solidFill>
+              </a:rPr>
+              <a:t>SqlConnection</a:t>
+            </a:r>
+            <a:endParaRPr lang="en-AU" dirty="0">
+              <a:solidFill>
+                <a:schemeClr val="tx1"/>
+              </a:solidFill>
+            </a:endParaRPr>
+          </a:p>
+          <a:p>
+            <a:endParaRPr lang="en-AU" dirty="0"/>
+          </a:p>
+          <a:p>
             <a:r>
               <a:rPr lang="en-AU" dirty="0" smtClean="0">
                 <a:solidFill>
-                  <a:schemeClr val="accent4">
-                    <a:lumMod val="50000"/>
-                  </a:schemeClr>
+                  <a:srgbClr val="C00000"/>
                 </a:solidFill>
               </a:rPr>
-              <a:t>Install-Package </a:t>
-            </a:r>
-            <a:r>
-              <a:rPr lang="en-AU" dirty="0" err="1" smtClean="0">
+              <a:t>Part of Enterprise Library</a:t>
+            </a:r>
+          </a:p>
+          <a:p>
+            <a:r>
+              <a:rPr lang="en-AU" b="1" dirty="0" smtClean="0">
                 <a:solidFill>
-                  <a:schemeClr val="accent4">
-                    <a:lumMod val="50000"/>
-                  </a:schemeClr>
+                  <a:srgbClr val="C00000"/>
                 </a:solidFill>
               </a:rPr>
-              <a:t>NHibernate.SqlAzure</a:t>
-            </a:r>
-            <a:endParaRPr lang="en-AU" dirty="0" smtClean="0">
-              <a:solidFill>
-                <a:schemeClr val="accent4">
-                  <a:lumMod val="50000"/>
-                </a:schemeClr>
-              </a:solidFill>
-            </a:endParaRPr>
-          </a:p>
-          <a:p>
-            <a:pPr marL="746125" indent="-742950">
-              <a:buFont typeface="+mj-lt"/>
-              <a:buAutoNum type="arabicPeriod"/>
-            </a:pPr>
+              <a:t>Be careful:</a:t>
+            </a:r>
             <a:r>
               <a:rPr lang="en-AU" dirty="0" smtClean="0">
                 <a:solidFill>
-                  <a:schemeClr val="accent4">
-                    <a:lumMod val="50000"/>
-                  </a:schemeClr>
+                  <a:srgbClr val="C00000"/>
                 </a:solidFill>
               </a:rPr>
-              <a:t>Change driver to the </a:t>
-            </a:r>
-            <a:r>
-              <a:rPr lang="en-AU" b="1" dirty="0" err="1" smtClean="0">
-                <a:solidFill>
-                  <a:schemeClr val="accent4">
-                    <a:lumMod val="50000"/>
-                  </a:schemeClr>
-                </a:solidFill>
-              </a:rPr>
-              <a:t>SqlAzureClientDriver</a:t>
-            </a:r>
-            <a:endParaRPr lang="en-AU" b="1" dirty="0" smtClean="0">
-              <a:solidFill>
-                <a:schemeClr val="accent4">
-                  <a:lumMod val="50000"/>
-                </a:schemeClr>
-              </a:solidFill>
-            </a:endParaRPr>
-          </a:p>
-          <a:p>
-            <a:pPr marL="746125" indent="-742950">
-              <a:buFont typeface="+mj-lt"/>
-              <a:buAutoNum type="arabicPeriod"/>
-            </a:pPr>
-            <a:r>
-              <a:rPr lang="en-AU" sz="3900" dirty="0" smtClean="0">
-                <a:hlinkClick r:id="rId3"/>
-              </a:rPr>
-              <a:t>https</a:t>
-            </a:r>
-            <a:r>
-              <a:rPr lang="en-AU" sz="3900" dirty="0">
-                <a:hlinkClick r:id="rId3"/>
-              </a:rPr>
-              <a:t>://</a:t>
-            </a:r>
-            <a:r>
-              <a:rPr lang="en-AU" sz="3900" dirty="0" smtClean="0">
-                <a:hlinkClick r:id="rId3"/>
-              </a:rPr>
-              <a:t>github.com/robdmoore/NHibernate.SqlAzure</a:t>
-            </a:r>
-            <a:r>
-              <a:rPr lang="en-AU" sz="3900" dirty="0" smtClean="0"/>
-              <a:t> </a:t>
-            </a:r>
-            <a:r>
-              <a:rPr lang="en-AU" dirty="0" smtClean="0"/>
-              <a:t>for more info / advanced usage</a:t>
-            </a:r>
-            <a:endParaRPr lang="en-AU" dirty="0"/>
+              <a:t> Lots of bad documentation / code snippets</a:t>
+            </a:r>
           </a:p>
         </p:txBody>
       </p:sp>
     </p:spTree>
     <p:extLst>
       <p:ext uri="{BB962C8B-B14F-4D97-AF65-F5344CB8AC3E}">
-        <p14:creationId xmlns:p14="http://schemas.microsoft.com/office/powerpoint/2010/main" val="2969714386"/>
+        <p14:creationId xmlns:p14="http://schemas.microsoft.com/office/powerpoint/2010/main" val="1818265585"/>
       </p:ext>
     </p:extLst>
   </p:cSld>
@@ -32690,6 +32963,13 @@
   <p:transition>
     <p:fade/>
   </p:transition>
+  <p:timing>
+    <p:tnLst>
+      <p:par>
+        <p:cTn id="1" dur="indefinite" restart="never" nodeType="tmRoot"/>
+      </p:par>
+    </p:tnLst>
+  </p:timing>
 </p:sld>
 </file>
 
@@ -32717,37 +32997,29 @@
             <a:spLocks noGrp="1"/>
           </p:cNvSpPr>
           <p:nvPr>
-            <p:ph type="ctrTitle"/>
+            <p:ph type="title"/>
           </p:nvPr>
         </p:nvSpPr>
-        <p:spPr>
-          <a:xfrm>
-            <a:off x="1889124" y="1447800"/>
-            <a:ext cx="6692168" cy="1523494"/>
-          </a:xfrm>
-        </p:spPr>
+        <p:spPr/>
         <p:txBody>
           <a:bodyPr/>
           <a:lstStyle/>
           <a:p>
             <a:r>
-              <a:rPr lang="en-US" sz="4800" dirty="0" smtClean="0"/>
-              <a:t>Transient Fault</a:t>
-            </a:r>
-            <a:br>
-              <a:rPr lang="en-US" sz="4800" dirty="0" smtClean="0"/>
-            </a:br>
-            <a:r>
-              <a:rPr lang="en-US" sz="4800" dirty="0" smtClean="0"/>
-              <a:t>Handling</a:t>
-            </a:r>
-            <a:endParaRPr lang="en-US" sz="4800" dirty="0"/>
+              <a:rPr lang="en-AU" dirty="0" err="1" smtClean="0"/>
+              <a:t>NHibernate.SqlAzure</a:t>
+            </a:r>
+            <a:r>
+              <a:rPr lang="en-AU" dirty="0" smtClean="0"/>
+              <a:t> library</a:t>
+            </a:r>
+            <a:endParaRPr lang="en-AU" dirty="0"/>
           </a:p>
         </p:txBody>
       </p:sp>
       <p:sp>
         <p:nvSpPr>
-          <p:cNvPr id="4" name="Text Placeholder 3"/>
+          <p:cNvPr id="3" name="Text Placeholder 2"/>
           <p:cNvSpPr>
             <a:spLocks noGrp="1"/>
           </p:cNvSpPr>
@@ -32755,45 +33027,137 @@
             <p:ph type="body" sz="quarter" idx="10"/>
           </p:nvPr>
         </p:nvSpPr>
-        <p:spPr/>
+        <p:spPr>
+          <a:xfrm>
+            <a:off x="519112" y="1447799"/>
+            <a:ext cx="11149013" cy="3771802"/>
+          </a:xfrm>
+        </p:spPr>
         <p:txBody>
           <a:bodyPr/>
           <a:lstStyle/>
           <a:p>
             <a:r>
-              <a:rPr lang="en-US" dirty="0">
+              <a:rPr lang="en-AU" dirty="0" smtClean="0"/>
+              <a:t>If you use </a:t>
+            </a:r>
+            <a:r>
+              <a:rPr lang="en-AU" dirty="0" err="1" smtClean="0"/>
+              <a:t>NHibernate</a:t>
+            </a:r>
+            <a:r>
+              <a:rPr lang="en-AU" dirty="0" smtClean="0"/>
+              <a:t> we’ve done the work for you:</a:t>
+            </a:r>
+          </a:p>
+          <a:p>
+            <a:endParaRPr lang="en-AU" dirty="0"/>
+          </a:p>
+          <a:p>
+            <a:pPr marL="746125" indent="-742950">
+              <a:buFont typeface="+mj-lt"/>
+              <a:buAutoNum type="arabicPeriod"/>
+            </a:pPr>
+            <a:r>
+              <a:rPr lang="en-AU" dirty="0" smtClean="0">
                 <a:solidFill>
-                  <a:schemeClr val="bg1">
-                    <a:alpha val="99000"/>
+                  <a:schemeClr val="accent4">
+                    <a:lumMod val="50000"/>
                   </a:schemeClr>
                 </a:solidFill>
               </a:rPr>
-              <a:t>D</a:t>
-            </a:r>
-            <a:r>
-              <a:rPr lang="en-US" dirty="0" smtClean="0">
+              <a:t>Install-Package </a:t>
+            </a:r>
+            <a:r>
+              <a:rPr lang="en-AU" dirty="0" err="1" smtClean="0">
                 <a:solidFill>
-                  <a:schemeClr val="bg1">
-                    <a:alpha val="99000"/>
+                  <a:schemeClr val="accent4">
+                    <a:lumMod val="50000"/>
                   </a:schemeClr>
                 </a:solidFill>
               </a:rPr>
-              <a:t>emo</a:t>
-            </a:r>
-            <a:endParaRPr lang="en-US" dirty="0">
+              <a:t>NHibernate.SqlAzure</a:t>
+            </a:r>
+            <a:endParaRPr lang="en-AU" dirty="0" smtClean="0">
               <a:solidFill>
-                <a:schemeClr val="bg1">
-                  <a:alpha val="99000"/>
+                <a:schemeClr val="accent4">
+                  <a:lumMod val="50000"/>
                 </a:schemeClr>
               </a:solidFill>
             </a:endParaRPr>
+          </a:p>
+          <a:p>
+            <a:pPr marL="746125" indent="-742950">
+              <a:buFont typeface="+mj-lt"/>
+              <a:buAutoNum type="arabicPeriod"/>
+            </a:pPr>
+            <a:r>
+              <a:rPr lang="en-AU" dirty="0" smtClean="0">
+                <a:solidFill>
+                  <a:schemeClr val="accent4">
+                    <a:lumMod val="50000"/>
+                  </a:schemeClr>
+                </a:solidFill>
+              </a:rPr>
+              <a:t>Change driver to the </a:t>
+            </a:r>
+            <a:r>
+              <a:rPr lang="en-AU" b="1" dirty="0" err="1" smtClean="0">
+                <a:solidFill>
+                  <a:schemeClr val="accent4">
+                    <a:lumMod val="50000"/>
+                  </a:schemeClr>
+                </a:solidFill>
+              </a:rPr>
+              <a:t>SqlAzureClientDriver</a:t>
+            </a:r>
+            <a:endParaRPr lang="en-AU" b="1" dirty="0" smtClean="0">
+              <a:solidFill>
+                <a:schemeClr val="accent4">
+                  <a:lumMod val="50000"/>
+                </a:schemeClr>
+              </a:solidFill>
+            </a:endParaRPr>
+          </a:p>
+          <a:p>
+            <a:pPr marL="746125" indent="-742950">
+              <a:buFont typeface="+mj-lt"/>
+              <a:buAutoNum type="arabicPeriod"/>
+            </a:pPr>
+            <a:r>
+              <a:rPr lang="en-AU" sz="3900" dirty="0" smtClean="0">
+                <a:hlinkClick r:id="rId3"/>
+              </a:rPr>
+              <a:t>https</a:t>
+            </a:r>
+            <a:r>
+              <a:rPr lang="en-AU" sz="3900" dirty="0">
+                <a:hlinkClick r:id="rId3"/>
+              </a:rPr>
+              <a:t>://</a:t>
+            </a:r>
+            <a:r>
+              <a:rPr lang="en-AU" sz="3900" dirty="0" smtClean="0">
+                <a:hlinkClick r:id="rId3"/>
+              </a:rPr>
+              <a:t>github.com/robdmoore/NHibernate.SqlAzure</a:t>
+            </a:r>
+            <a:r>
+              <a:rPr lang="en-AU" sz="3900" dirty="0" smtClean="0"/>
+              <a:t> </a:t>
+            </a:r>
+            <a:r>
+              <a:rPr lang="en-AU" dirty="0" smtClean="0"/>
+              <a:t>for more info / advanced usage</a:t>
+            </a:r>
+            <a:endParaRPr lang="en-AU" dirty="0"/>
           </a:p>
         </p:txBody>
       </p:sp>
     </p:spTree>
     <p:extLst>
       <p:ext uri="{BB962C8B-B14F-4D97-AF65-F5344CB8AC3E}">
-        <p14:creationId xmlns:p14="http://schemas.microsoft.com/office/powerpoint/2010/main" val="767953662"/>
+        <p14:creationId xmlns:p14="http://schemas.microsoft.com/office/powerpoint/2010/main" val="2969714386"/>
       </p:ext>
     </p:extLst>
   </p:cSld>
@@ -32832,6 +33196,126 @@
       </p:grpSpPr>
       <p:sp>
         <p:nvSpPr>
+          <p:cNvPr id="2" name="Title 1"/>
+          <p:cNvSpPr>
+            <a:spLocks noGrp="1"/>
+          </p:cNvSpPr>
+          <p:nvPr>
+            <p:ph type="ctrTitle"/>
+          </p:nvPr>
+        </p:nvSpPr>
+        <p:spPr>
+          <a:xfrm>
+            <a:off x="1889124" y="1447800"/>
+            <a:ext cx="6692168" cy="1523494"/>
+          </a:xfrm>
+        </p:spPr>
+        <p:txBody>
+          <a:bodyPr/>
+          <a:lstStyle/>
+          <a:p>
+            <a:r>
+              <a:rPr lang="en-US" sz="4800" dirty="0" smtClean="0"/>
+              <a:t>Transient Fault</a:t>
+            </a:r>
+            <a:br>
+              <a:rPr lang="en-US" sz="4800" dirty="0" smtClean="0"/>
+            </a:br>
+            <a:r>
+              <a:rPr lang="en-US" sz="4800" dirty="0" smtClean="0"/>
+              <a:t>Handling</a:t>
+            </a:r>
+            <a:endParaRPr lang="en-US" sz="4800" dirty="0"/>
+          </a:p>
+        </p:txBody>
+      </p:sp>
+      <p:sp>
+        <p:nvSpPr>
+          <p:cNvPr id="4" name="Text Placeholder 3"/>
+          <p:cNvSpPr>
+            <a:spLocks noGrp="1"/>
+          </p:cNvSpPr>
+          <p:nvPr>
+            <p:ph type="body" sz="quarter" idx="10"/>
+          </p:nvPr>
+        </p:nvSpPr>
+        <p:spPr/>
+        <p:txBody>
+          <a:bodyPr/>
+          <a:lstStyle/>
+          <a:p>
+            <a:r>
+              <a:rPr lang="en-US" dirty="0">
+                <a:solidFill>
+                  <a:schemeClr val="bg1">
+                    <a:alpha val="99000"/>
+                  </a:schemeClr>
+                </a:solidFill>
+              </a:rPr>
+              <a:t>D</a:t>
+            </a:r>
+            <a:r>
+              <a:rPr lang="en-US" dirty="0" smtClean="0">
+                <a:solidFill>
+                  <a:schemeClr val="bg1">
+                    <a:alpha val="99000"/>
+                  </a:schemeClr>
+                </a:solidFill>
+              </a:rPr>
+              <a:t>emo</a:t>
+            </a:r>
+            <a:endParaRPr lang="en-US" dirty="0">
+              <a:solidFill>
+                <a:schemeClr val="bg1">
+                  <a:alpha val="99000"/>
+                </a:schemeClr>
+              </a:solidFill>
+            </a:endParaRPr>
+          </a:p>
+        </p:txBody>
+      </p:sp>
+    </p:spTree>
+    <p:extLst>
+      <p:ext uri="{BB962C8B-B14F-4D97-AF65-F5344CB8AC3E}">
+        <p14:creationId xmlns:p14="http://schemas.microsoft.com/office/powerpoint/2010/main" val="767953662"/>
+      </p:ext>
+    </p:extLst>
+  </p:cSld>
+  <p:clrMapOvr>
+    <a:masterClrMapping/>
+  </p:clrMapOvr>
+  <p:transition>
+    <p:fade/>
+  </p:transition>
+  <p:timing>
+    <p:tnLst>
+      <p:par>
+        <p:cTn id="1" dur="indefinite" restart="never" nodeType="tmRoot"/>
+      </p:par>
+    </p:tnLst>
+  </p:timing>
+</p:sld>
+</file>
+
+<file path=ppt/slides/slide35.xml><?xml version="1.0" encoding="utf-8"?>
+<p:sld xmlns:a="http://schemas.openxmlformats.org/drawingml/2006/main" xmlns:r="http://schemas.openxmlformats.org/officeDocument/2006/relationships" xmlns:p="http://schemas.openxmlformats.org/presentationml/2006/main">
+  <p:cSld>
+    <p:spTree>
+      <p:nvGrpSpPr>
+        <p:cNvPr id="1" name=""/>
+        <p:cNvGrpSpPr/>
+        <p:nvPr/>
+      </p:nvGrpSpPr>
+      <p:grpSpPr>
+        <a:xfrm>
+          <a:off x="0" y="0"/>
+          <a:ext cx="0" cy="0"/>
+          <a:chOff x="0" y="0"/>
+          <a:chExt cx="0" cy="0"/>
+        </a:xfrm>
+      </p:grpSpPr>
+      <p:sp>
+        <p:nvSpPr>
           <p:cNvPr id="3" name="Text Placeholder 2"/>
           <p:cNvSpPr>
             <a:spLocks noGrp="1"/>
@@ -32881,7 +33365,7 @@
 </p:sld>
 </file>
 
-<file path=ppt/slides/slide35.xml><?xml version="1.0" encoding="utf-8"?>
+<file path=ppt/slides/slide36.xml><?xml version="1.0" encoding="utf-8"?>
 <p:sld xmlns:a="http://schemas.openxmlformats.org/drawingml/2006/main" xmlns:r="http://schemas.openxmlformats.org/officeDocument/2006/relationships" xmlns:p="http://schemas.openxmlformats.org/presentationml/2006/main">
   <p:cSld>
     <p:spTree>
@@ -33924,7 +34408,7 @@
 </p:sld>
 </file>
 
-<file path=ppt/slides/slide36.xml><?xml version="1.0" encoding="utf-8"?>
+<file path=ppt/slides/slide37.xml><?xml version="1.0" encoding="utf-8"?>
 <p:sld xmlns:a="http://schemas.openxmlformats.org/drawingml/2006/main" xmlns:r="http://schemas.openxmlformats.org/officeDocument/2006/relationships" xmlns:p="http://schemas.openxmlformats.org/presentationml/2006/main">
   <p:cSld>
     <p:spTree>
@@ -34110,7 +34594,7 @@
 </p:sld>
 </file>
 
-<file path=ppt/slides/slide37.xml><?xml version="1.0" encoding="utf-8"?>
+<file path=ppt/slides/slide38.xml><?xml version="1.0" encoding="utf-8"?>
 <p:sld xmlns:a="http://schemas.openxmlformats.org/drawingml/2006/main" xmlns:r="http://schemas.openxmlformats.org/officeDocument/2006/relationships" xmlns:p="http://schemas.openxmlformats.org/presentationml/2006/main">
   <p:cSld>
     <p:spTree>
@@ -34281,7 +34765,7 @@
 </p:sld>
 </file>
 
-<file path=ppt/slides/slide38.xml><?xml version="1.0" encoding="utf-8"?>
+<file path=ppt/slides/slide39.xml><?xml version="1.0" encoding="utf-8"?>
 <p:sld xmlns:a="http://schemas.openxmlformats.org/drawingml/2006/main" xmlns:r="http://schemas.openxmlformats.org/officeDocument/2006/relationships" xmlns:p="http://schemas.openxmlformats.org/presentationml/2006/main">
   <p:cSld>
     <p:spTree>
@@ -34356,243 +34840,6 @@
       </p:par>
     </p:tnLst>
   </p:timing>
-</p:sld>
-</file>
-
-<file path=ppt/slides/slide39.xml><?xml version="1.0" encoding="utf-8"?>
-<p:sld xmlns:a="http://schemas.openxmlformats.org/drawingml/2006/main" xmlns:r="http://schemas.openxmlformats.org/officeDocument/2006/relationships" xmlns:p="http://schemas.openxmlformats.org/presentationml/2006/main">
-  <p:cSld>
-    <p:spTree>
-      <p:nvGrpSpPr>
-        <p:cNvPr id="1" name=""/>
-        <p:cNvGrpSpPr/>
-        <p:nvPr/>
-      </p:nvGrpSpPr>
-      <p:grpSpPr>
-        <a:xfrm>
-          <a:off x="0" y="0"/>
-          <a:ext cx="0" cy="0"/>
-          <a:chOff x="0" y="0"/>
-          <a:chExt cx="0" cy="0"/>
-        </a:xfrm>
-      </p:grpSpPr>
-      <p:sp>
-        <p:nvSpPr>
-          <p:cNvPr id="2" name="Title 1"/>
-          <p:cNvSpPr>
-            <a:spLocks noGrp="1"/>
-          </p:cNvSpPr>
-          <p:nvPr>
-            <p:ph type="title"/>
-          </p:nvPr>
-        </p:nvSpPr>
-        <p:spPr/>
-        <p:txBody>
-          <a:bodyPr/>
-          <a:lstStyle/>
-          <a:p>
-            <a:r>
-              <a:rPr lang="en-AU" dirty="0" smtClean="0"/>
-              <a:t>Further Reading</a:t>
-            </a:r>
-            <a:endParaRPr lang="en-AU" dirty="0"/>
-          </a:p>
-        </p:txBody>
-      </p:sp>
-      <p:sp>
-        <p:nvSpPr>
-          <p:cNvPr id="3" name="Text Placeholder 2"/>
-          <p:cNvSpPr>
-            <a:spLocks noGrp="1"/>
-          </p:cNvSpPr>
-          <p:nvPr>
-            <p:ph type="body" sz="quarter" idx="10"/>
-          </p:nvPr>
-        </p:nvSpPr>
-        <p:spPr>
-          <a:xfrm>
-            <a:off x="519112" y="1447799"/>
-            <a:ext cx="11149013" cy="3854901"/>
-          </a:xfrm>
-        </p:spPr>
-        <p:txBody>
-          <a:bodyPr/>
-          <a:lstStyle/>
-          <a:p>
-            <a:pPr marL="574675" indent="-571500">
-              <a:buFont typeface="Arial" panose="020B0604020202020204" pitchFamily="34" charset="0"/>
-              <a:buChar char="•"/>
-            </a:pPr>
-            <a:r>
-              <a:rPr lang="en-AU" sz="2000" dirty="0">
-                <a:hlinkClick r:id="rId2"/>
-              </a:rPr>
-              <a:t>http://social.technet.microsoft.com/wiki/contents/articles/2267.windows-azure-sql-database-technet-wiki-articles-index.aspx</a:t>
-            </a:r>
-            <a:endParaRPr lang="en-AU" sz="2000" u="sng" dirty="0" smtClean="0">
-              <a:hlinkClick r:id="rId3"/>
-            </a:endParaRPr>
-          </a:p>
-          <a:p>
-            <a:pPr marL="574675" indent="-571500">
-              <a:buFont typeface="Arial" panose="020B0604020202020204" pitchFamily="34" charset="0"/>
-              <a:buChar char="•"/>
-            </a:pPr>
-            <a:r>
-              <a:rPr lang="en-AU" sz="2000" u="sng" dirty="0" smtClean="0">
-                <a:hlinkClick r:id="rId3"/>
-              </a:rPr>
-              <a:t>http</a:t>
-            </a:r>
-            <a:r>
-              <a:rPr lang="en-AU" sz="2000" u="sng" dirty="0">
-                <a:hlinkClick r:id="rId3"/>
-              </a:rPr>
-              <a:t>://</a:t>
-            </a:r>
-            <a:r>
-              <a:rPr lang="en-AU" sz="2000" u="sng" dirty="0" smtClean="0">
-                <a:hlinkClick r:id="rId3"/>
-              </a:rPr>
-              <a:t>social.technet.microsoft.com/wiki/contents/articles/995.windows-azure-sql-database-faq.aspx</a:t>
-            </a:r>
-            <a:endParaRPr lang="en-AU" sz="2000" u="sng" dirty="0" smtClean="0"/>
-          </a:p>
-          <a:p>
-            <a:pPr marL="574675" indent="-571500">
-              <a:buFont typeface="Arial" panose="020B0604020202020204" pitchFamily="34" charset="0"/>
-              <a:buChar char="•"/>
-            </a:pPr>
-            <a:r>
-              <a:rPr lang="en-AU" sz="2000" dirty="0">
-                <a:hlinkClick r:id="rId4"/>
-              </a:rPr>
-              <a:t>http://</a:t>
-            </a:r>
-            <a:r>
-              <a:rPr lang="en-AU" sz="2000" dirty="0" smtClean="0">
-                <a:hlinkClick r:id="rId4"/>
-              </a:rPr>
-              <a:t>social.technet.microsoft.com/wiki/contents/articles/3507.windows-azure-sql-database-performance-and-elasticity-guide.aspx</a:t>
-            </a:r>
-            <a:endParaRPr lang="en-AU" sz="2000" dirty="0" smtClean="0"/>
-          </a:p>
-          <a:p>
-            <a:pPr marL="574675" indent="-571500">
-              <a:buFont typeface="Arial" panose="020B0604020202020204" pitchFamily="34" charset="0"/>
-              <a:buChar char="•"/>
-            </a:pPr>
-            <a:r>
-              <a:rPr lang="en-AU" sz="2000" dirty="0">
-                <a:hlinkClick r:id="rId5"/>
-              </a:rPr>
-              <a:t>http://</a:t>
-            </a:r>
-            <a:r>
-              <a:rPr lang="en-AU" sz="2000" dirty="0" smtClean="0">
-                <a:hlinkClick r:id="rId5"/>
-              </a:rPr>
-              <a:t>msdn.microsoft.com/en-us/library/windowsazure/ee730906.aspx</a:t>
-            </a:r>
-            <a:endParaRPr lang="en-AU" sz="2000" dirty="0" smtClean="0"/>
-          </a:p>
-          <a:p>
-            <a:pPr marL="574675" indent="-571500">
-              <a:buFont typeface="Arial" panose="020B0604020202020204" pitchFamily="34" charset="0"/>
-              <a:buChar char="•"/>
-            </a:pPr>
-            <a:r>
-              <a:rPr lang="en-AU" sz="2000" dirty="0">
-                <a:hlinkClick r:id="rId6"/>
-              </a:rPr>
-              <a:t>http://www.windowsazure.com/en-us/develop/net/fundamentals/cloud-storage-scenarios</a:t>
-            </a:r>
-            <a:r>
-              <a:rPr lang="en-AU" sz="2000" dirty="0" smtClean="0">
-                <a:hlinkClick r:id="rId6"/>
-              </a:rPr>
-              <a:t>/</a:t>
-            </a:r>
-            <a:endParaRPr lang="en-AU" sz="2000" dirty="0" smtClean="0"/>
-          </a:p>
-          <a:p>
-            <a:pPr marL="574675" indent="-571500">
-              <a:buFont typeface="Arial" panose="020B0604020202020204" pitchFamily="34" charset="0"/>
-              <a:buChar char="•"/>
-            </a:pPr>
-            <a:r>
-              <a:rPr lang="en-AU" sz="2000" dirty="0">
-                <a:hlinkClick r:id="rId7"/>
-              </a:rPr>
-              <a:t>http://www.windowsazure.com/en-us/develop/net/architecture</a:t>
-            </a:r>
-            <a:r>
-              <a:rPr lang="en-AU" sz="2000" dirty="0" smtClean="0">
-                <a:hlinkClick r:id="rId7"/>
-              </a:rPr>
-              <a:t>/</a:t>
-            </a:r>
-            <a:endParaRPr lang="en-AU" sz="2000" dirty="0" smtClean="0"/>
-          </a:p>
-          <a:p>
-            <a:pPr marL="574675" indent="-571500">
-              <a:buFont typeface="Arial" panose="020B0604020202020204" pitchFamily="34" charset="0"/>
-              <a:buChar char="•"/>
-            </a:pPr>
-            <a:r>
-              <a:rPr lang="en-AU" sz="2000" dirty="0">
-                <a:hlinkClick r:id="rId8"/>
-              </a:rPr>
-              <a:t>http://</a:t>
-            </a:r>
-            <a:r>
-              <a:rPr lang="en-AU" sz="2000" dirty="0" smtClean="0">
-                <a:hlinkClick r:id="rId8"/>
-              </a:rPr>
-              <a:t>social.technet.microsoft.com/wiki/contents/articles/1541.windows-azure-sql-database-connection-management.aspx</a:t>
-            </a:r>
-            <a:endParaRPr lang="en-AU" sz="2000" dirty="0" smtClean="0"/>
-          </a:p>
-          <a:p>
-            <a:pPr marL="574675" indent="-571500">
-              <a:buFont typeface="Arial" panose="020B0604020202020204" pitchFamily="34" charset="0"/>
-              <a:buChar char="•"/>
-            </a:pPr>
-            <a:r>
-              <a:rPr lang="en-AU" sz="2000" dirty="0">
-                <a:hlinkClick r:id="rId9"/>
-              </a:rPr>
-              <a:t>http</a:t>
-            </a:r>
-            <a:r>
-              <a:rPr lang="en-AU" sz="2000">
-                <a:hlinkClick r:id="rId9"/>
-              </a:rPr>
-              <a:t>://</a:t>
-            </a:r>
-            <a:r>
-              <a:rPr lang="en-AU" sz="2000" smtClean="0">
-                <a:hlinkClick r:id="rId9"/>
-              </a:rPr>
-              <a:t>social.technet.microsoft.com/wiki/contents/articles/1695.inside-windows-azure-sql-database.aspx</a:t>
-            </a:r>
-            <a:endParaRPr lang="en-AU" sz="2000" dirty="0" smtClean="0"/>
-          </a:p>
-        </p:txBody>
-      </p:sp>
-    </p:spTree>
-    <p:extLst>
-      <p:ext uri="{BB962C8B-B14F-4D97-AF65-F5344CB8AC3E}">
-        <p14:creationId xmlns:p14="http://schemas.microsoft.com/office/powerpoint/2010/main" val="2606010623"/>
-      </p:ext>
-    </p:extLst>
-  </p:cSld>
-  <p:clrMapOvr>
-    <a:masterClrMapping/>
-  </p:clrMapOvr>
-  <p:transition>
-    <p:fade/>
-  </p:transition>
 </p:sld>
 </file>
 
@@ -35542,6 +35789,243 @@
       <p:bldP spid="6" grpId="0" build="p"/>
     </p:bldLst>
   </p:timing>
+</p:sld>
+</file>
+
+<file path=ppt/slides/slide40.xml><?xml version="1.0" encoding="utf-8"?>
+<p:sld xmlns:a="http://schemas.openxmlformats.org/drawingml/2006/main" xmlns:r="http://schemas.openxmlformats.org/officeDocument/2006/relationships" xmlns:p="http://schemas.openxmlformats.org/presentationml/2006/main">
+  <p:cSld>
+    <p:spTree>
+      <p:nvGrpSpPr>
+        <p:cNvPr id="1" name=""/>
+        <p:cNvGrpSpPr/>
+        <p:nvPr/>
+      </p:nvGrpSpPr>
+      <p:grpSpPr>
+        <a:xfrm>
+          <a:off x="0" y="0"/>
+          <a:ext cx="0" cy="0"/>
+          <a:chOff x="0" y="0"/>
+          <a:chExt cx="0" cy="0"/>
+        </a:xfrm>
+      </p:grpSpPr>
+      <p:sp>
+        <p:nvSpPr>
+          <p:cNvPr id="2" name="Title 1"/>
+          <p:cNvSpPr>
+            <a:spLocks noGrp="1"/>
+          </p:cNvSpPr>
+          <p:nvPr>
+            <p:ph type="title"/>
+          </p:nvPr>
+        </p:nvSpPr>
+        <p:spPr/>
+        <p:txBody>
+          <a:bodyPr/>
+          <a:lstStyle/>
+          <a:p>
+            <a:r>
+              <a:rPr lang="en-AU" dirty="0" smtClean="0"/>
+              <a:t>Further Reading</a:t>
+            </a:r>
+            <a:endParaRPr lang="en-AU" dirty="0"/>
+          </a:p>
+        </p:txBody>
+      </p:sp>
+      <p:sp>
+        <p:nvSpPr>
+          <p:cNvPr id="3" name="Text Placeholder 2"/>
+          <p:cNvSpPr>
+            <a:spLocks noGrp="1"/>
+          </p:cNvSpPr>
+          <p:nvPr>
+            <p:ph type="body" sz="quarter" idx="10"/>
+          </p:nvPr>
+        </p:nvSpPr>
+        <p:spPr>
+          <a:xfrm>
+            <a:off x="519112" y="1447799"/>
+            <a:ext cx="11149013" cy="3854901"/>
+          </a:xfrm>
+        </p:spPr>
+        <p:txBody>
+          <a:bodyPr/>
+          <a:lstStyle/>
+          <a:p>
+            <a:pPr marL="574675" indent="-571500">
+              <a:buFont typeface="Arial" panose="020B0604020202020204" pitchFamily="34" charset="0"/>
+              <a:buChar char="•"/>
+            </a:pPr>
+            <a:r>
+              <a:rPr lang="en-AU" sz="2000" dirty="0">
+                <a:hlinkClick r:id="rId2"/>
+              </a:rPr>
+              <a:t>http://social.technet.microsoft.com/wiki/contents/articles/2267.windows-azure-sql-database-technet-wiki-articles-index.aspx</a:t>
+            </a:r>
+            <a:endParaRPr lang="en-AU" sz="2000" u="sng" dirty="0" smtClean="0">
+              <a:hlinkClick r:id="rId3"/>
+            </a:endParaRPr>
+          </a:p>
+          <a:p>
+            <a:pPr marL="574675" indent="-571500">
+              <a:buFont typeface="Arial" panose="020B0604020202020204" pitchFamily="34" charset="0"/>
+              <a:buChar char="•"/>
+            </a:pPr>
+            <a:r>
+              <a:rPr lang="en-AU" sz="2000" u="sng" dirty="0" smtClean="0">
+                <a:hlinkClick r:id="rId3"/>
+              </a:rPr>
+              <a:t>http</a:t>
+            </a:r>
+            <a:r>
+              <a:rPr lang="en-AU" sz="2000" u="sng" dirty="0">
+                <a:hlinkClick r:id="rId3"/>
+              </a:rPr>
+              <a:t>://</a:t>
+            </a:r>
+            <a:r>
+              <a:rPr lang="en-AU" sz="2000" u="sng" dirty="0" smtClean="0">
+                <a:hlinkClick r:id="rId3"/>
+              </a:rPr>
+              <a:t>social.technet.microsoft.com/wiki/contents/articles/995.windows-azure-sql-database-faq.aspx</a:t>
+            </a:r>
+            <a:endParaRPr lang="en-AU" sz="2000" u="sng" dirty="0" smtClean="0"/>
+          </a:p>
+          <a:p>
+            <a:pPr marL="574675" indent="-571500">
+              <a:buFont typeface="Arial" panose="020B0604020202020204" pitchFamily="34" charset="0"/>
+              <a:buChar char="•"/>
+            </a:pPr>
+            <a:r>
+              <a:rPr lang="en-AU" sz="2000" dirty="0">
+                <a:hlinkClick r:id="rId4"/>
+              </a:rPr>
+              <a:t>http://</a:t>
+            </a:r>
+            <a:r>
+              <a:rPr lang="en-AU" sz="2000" dirty="0" smtClean="0">
+                <a:hlinkClick r:id="rId4"/>
+              </a:rPr>
+              <a:t>social.technet.microsoft.com/wiki/contents/articles/3507.windows-azure-sql-database-performance-and-elasticity-guide.aspx</a:t>
+            </a:r>
+            <a:endParaRPr lang="en-AU" sz="2000" dirty="0" smtClean="0"/>
+          </a:p>
+          <a:p>
+            <a:pPr marL="574675" indent="-571500">
+              <a:buFont typeface="Arial" panose="020B0604020202020204" pitchFamily="34" charset="0"/>
+              <a:buChar char="•"/>
+            </a:pPr>
+            <a:r>
+              <a:rPr lang="en-AU" sz="2000" dirty="0">
+                <a:hlinkClick r:id="rId5"/>
+              </a:rPr>
+              <a:t>http://</a:t>
+            </a:r>
+            <a:r>
+              <a:rPr lang="en-AU" sz="2000" dirty="0" smtClean="0">
+                <a:hlinkClick r:id="rId5"/>
+              </a:rPr>
+              <a:t>msdn.microsoft.com/en-us/library/windowsazure/ee730906.aspx</a:t>
+            </a:r>
+            <a:endParaRPr lang="en-AU" sz="2000" dirty="0" smtClean="0"/>
+          </a:p>
+          <a:p>
+            <a:pPr marL="574675" indent="-571500">
+              <a:buFont typeface="Arial" panose="020B0604020202020204" pitchFamily="34" charset="0"/>
+              <a:buChar char="•"/>
+            </a:pPr>
+            <a:r>
+              <a:rPr lang="en-AU" sz="2000" dirty="0">
+                <a:hlinkClick r:id="rId6"/>
+              </a:rPr>
+              <a:t>http://www.windowsazure.com/en-us/develop/net/fundamentals/cloud-storage-scenarios</a:t>
+            </a:r>
+            <a:r>
+              <a:rPr lang="en-AU" sz="2000" dirty="0" smtClean="0">
+                <a:hlinkClick r:id="rId6"/>
+              </a:rPr>
+              <a:t>/</a:t>
+            </a:r>
+            <a:endParaRPr lang="en-AU" sz="2000" dirty="0" smtClean="0"/>
+          </a:p>
+          <a:p>
+            <a:pPr marL="574675" indent="-571500">
+              <a:buFont typeface="Arial" panose="020B0604020202020204" pitchFamily="34" charset="0"/>
+              <a:buChar char="•"/>
+            </a:pPr>
+            <a:r>
+              <a:rPr lang="en-AU" sz="2000" dirty="0">
+                <a:hlinkClick r:id="rId7"/>
+              </a:rPr>
+              <a:t>http://www.windowsazure.com/en-us/develop/net/architecture</a:t>
+            </a:r>
+            <a:r>
+              <a:rPr lang="en-AU" sz="2000" dirty="0" smtClean="0">
+                <a:hlinkClick r:id="rId7"/>
+              </a:rPr>
+              <a:t>/</a:t>
+            </a:r>
+            <a:endParaRPr lang="en-AU" sz="2000" dirty="0" smtClean="0"/>
+          </a:p>
+          <a:p>
+            <a:pPr marL="574675" indent="-571500">
+              <a:buFont typeface="Arial" panose="020B0604020202020204" pitchFamily="34" charset="0"/>
+              <a:buChar char="•"/>
+            </a:pPr>
+            <a:r>
+              <a:rPr lang="en-AU" sz="2000" dirty="0">
+                <a:hlinkClick r:id="rId8"/>
+              </a:rPr>
+              <a:t>http://</a:t>
+            </a:r>
+            <a:r>
+              <a:rPr lang="en-AU" sz="2000" dirty="0" smtClean="0">
+                <a:hlinkClick r:id="rId8"/>
+              </a:rPr>
+              <a:t>social.technet.microsoft.com/wiki/contents/articles/1541.windows-azure-sql-database-connection-management.aspx</a:t>
+            </a:r>
+            <a:endParaRPr lang="en-AU" sz="2000" dirty="0" smtClean="0"/>
+          </a:p>
+          <a:p>
+            <a:pPr marL="574675" indent="-571500">
+              <a:buFont typeface="Arial" panose="020B0604020202020204" pitchFamily="34" charset="0"/>
+              <a:buChar char="•"/>
+            </a:pPr>
+            <a:r>
+              <a:rPr lang="en-AU" sz="2000" dirty="0">
+                <a:hlinkClick r:id="rId9"/>
+              </a:rPr>
+              <a:t>http</a:t>
+            </a:r>
+            <a:r>
+              <a:rPr lang="en-AU" sz="2000">
+                <a:hlinkClick r:id="rId9"/>
+              </a:rPr>
+              <a:t>://</a:t>
+            </a:r>
+            <a:r>
+              <a:rPr lang="en-AU" sz="2000" smtClean="0">
+                <a:hlinkClick r:id="rId9"/>
+              </a:rPr>
+              <a:t>social.technet.microsoft.com/wiki/contents/articles/1695.inside-windows-azure-sql-database.aspx</a:t>
+            </a:r>
+            <a:endParaRPr lang="en-AU" sz="2000" dirty="0" smtClean="0"/>
+          </a:p>
+        </p:txBody>
+      </p:sp>
+    </p:spTree>
+    <p:extLst>
+      <p:ext uri="{BB962C8B-B14F-4D97-AF65-F5344CB8AC3E}">
+        <p14:creationId xmlns:p14="http://schemas.microsoft.com/office/powerpoint/2010/main" val="2606010623"/>
+      </p:ext>
+    </p:extLst>
+  </p:cSld>
+  <p:clrMapOvr>
+    <a:masterClrMapping/>
+  </p:clrMapOvr>
+  <p:transition>
+    <p:fade/>
+  </p:transition>
 </p:sld>
 </file>
 
@@ -40713,6 +41197,1618 @@
       </p:grpSpPr>
       <p:sp>
         <p:nvSpPr>
+          <p:cNvPr id="45" name="Down Arrow 44"/>
+          <p:cNvSpPr/>
+          <p:nvPr/>
+        </p:nvSpPr>
+        <p:spPr>
+          <a:xfrm flipV="1">
+            <a:off x="1331912" y="6172200"/>
+            <a:ext cx="381000" cy="533400"/>
+          </a:xfrm>
+          <a:prstGeom prst="downArrow">
+            <a:avLst/>
+          </a:prstGeom>
+        </p:spPr>
+        <p:style>
+          <a:lnRef idx="1">
+            <a:schemeClr val="accent6"/>
+          </a:lnRef>
+          <a:fillRef idx="2">
+            <a:schemeClr val="accent6"/>
+          </a:fillRef>
+          <a:effectRef idx="1">
+            <a:schemeClr val="accent6"/>
+          </a:effectRef>
+          <a:fontRef idx="minor">
+            <a:schemeClr val="dk1"/>
+          </a:fontRef>
+        </p:style>
+        <p:txBody>
+          <a:bodyPr rtlCol="0" anchor="ctr"/>
+          <a:lstStyle/>
+          <a:p>
+            <a:pPr algn="ctr"/>
+            <a:endParaRPr lang="en-US" dirty="0"/>
+          </a:p>
+        </p:txBody>
+      </p:sp>
+      <p:sp>
+        <p:nvSpPr>
+          <p:cNvPr id="2" name="Title 1"/>
+          <p:cNvSpPr>
+            <a:spLocks noGrp="1"/>
+          </p:cNvSpPr>
+          <p:nvPr>
+            <p:ph type="title"/>
+          </p:nvPr>
+        </p:nvSpPr>
+        <p:spPr/>
+        <p:txBody>
+          <a:bodyPr/>
+          <a:lstStyle/>
+          <a:p>
+            <a:r>
+              <a:rPr lang="en-US" dirty="0" smtClean="0"/>
+              <a:t>SQL Azure Network Topology</a:t>
+            </a:r>
+            <a:endParaRPr lang="en-US" dirty="0"/>
+          </a:p>
+        </p:txBody>
+      </p:sp>
+      <p:sp>
+        <p:nvSpPr>
+          <p:cNvPr id="3" name="Rounded Rectangle 2"/>
+          <p:cNvSpPr/>
+          <p:nvPr/>
+        </p:nvSpPr>
+        <p:spPr>
+          <a:xfrm>
+            <a:off x="5332412" y="1109949"/>
+            <a:ext cx="1371600" cy="381000"/>
+          </a:xfrm>
+          <a:prstGeom prst="roundRect">
+            <a:avLst/>
+          </a:prstGeom>
+        </p:spPr>
+        <p:style>
+          <a:lnRef idx="2">
+            <a:schemeClr val="accent4">
+              <a:shade val="50000"/>
+            </a:schemeClr>
+          </a:lnRef>
+          <a:fillRef idx="1">
+            <a:schemeClr val="accent4"/>
+          </a:fillRef>
+          <a:effectRef idx="0">
+            <a:schemeClr val="accent4"/>
+          </a:effectRef>
+          <a:fontRef idx="minor">
+            <a:schemeClr val="lt1"/>
+          </a:fontRef>
+        </p:style>
+        <p:txBody>
+          <a:bodyPr rtlCol="0" anchor="ctr"/>
+          <a:lstStyle/>
+          <a:p>
+            <a:pPr algn="ctr"/>
+            <a:r>
+              <a:rPr lang="en-US" dirty="0"/>
+              <a:t>Application</a:t>
+            </a:r>
+          </a:p>
+        </p:txBody>
+      </p:sp>
+      <p:cxnSp>
+        <p:nvCxnSpPr>
+          <p:cNvPr id="8" name="Straight Arrow Connector 7"/>
+          <p:cNvCxnSpPr>
+            <a:stCxn id="3" idx="2"/>
+            <a:endCxn id="14" idx="0"/>
+          </p:cNvCxnSpPr>
+          <p:nvPr/>
+        </p:nvCxnSpPr>
+        <p:spPr>
+          <a:xfrm rot="16200000" flipH="1">
+            <a:off x="5280312" y="2228850"/>
+            <a:ext cx="1480851" cy="5049"/>
+          </a:xfrm>
+          <a:prstGeom prst="straightConnector1">
+            <a:avLst/>
+          </a:prstGeom>
+          <a:ln w="28575">
+            <a:solidFill>
+              <a:schemeClr val="tx1"/>
+            </a:solidFill>
+            <a:tailEnd type="arrow"/>
+          </a:ln>
+        </p:spPr>
+        <p:style>
+          <a:lnRef idx="1">
+            <a:schemeClr val="accent1"/>
+          </a:lnRef>
+          <a:fillRef idx="0">
+            <a:schemeClr val="accent1"/>
+          </a:fillRef>
+          <a:effectRef idx="0">
+            <a:schemeClr val="accent1"/>
+          </a:effectRef>
+          <a:fontRef idx="minor">
+            <a:schemeClr val="tx1"/>
+          </a:fontRef>
+        </p:style>
+      </p:cxnSp>
+      <p:sp>
+        <p:nvSpPr>
+          <p:cNvPr id="6" name="Cloud 5"/>
+          <p:cNvSpPr/>
+          <p:nvPr/>
+        </p:nvSpPr>
+        <p:spPr>
+          <a:xfrm>
+            <a:off x="5332412" y="1752600"/>
+            <a:ext cx="1371600" cy="762000"/>
+          </a:xfrm>
+          <a:prstGeom prst="cloud">
+            <a:avLst/>
+          </a:prstGeom>
+        </p:spPr>
+        <p:style>
+          <a:lnRef idx="1">
+            <a:schemeClr val="dk1"/>
+          </a:lnRef>
+          <a:fillRef idx="2">
+            <a:schemeClr val="dk1"/>
+          </a:fillRef>
+          <a:effectRef idx="1">
+            <a:schemeClr val="dk1"/>
+          </a:effectRef>
+          <a:fontRef idx="minor">
+            <a:schemeClr val="dk1"/>
+          </a:fontRef>
+        </p:style>
+        <p:txBody>
+          <a:bodyPr rtlCol="0" anchor="ctr"/>
+          <a:lstStyle/>
+          <a:p>
+            <a:pPr algn="ctr"/>
+            <a:r>
+              <a:rPr lang="en-US" sz="1100" b="1"/>
+              <a:t>Internet</a:t>
+            </a:r>
+          </a:p>
+          <a:p>
+            <a:pPr algn="ctr"/>
+            <a:r>
+              <a:rPr lang="en-US" sz="1100" b="1"/>
+              <a:t>Azure Cloud</a:t>
+            </a:r>
+          </a:p>
+        </p:txBody>
+      </p:sp>
+      <p:sp>
+        <p:nvSpPr>
+          <p:cNvPr id="14" name="Rectangle 13"/>
+          <p:cNvSpPr/>
+          <p:nvPr/>
+        </p:nvSpPr>
+        <p:spPr>
+          <a:xfrm>
+            <a:off x="5680361" y="2971800"/>
+            <a:ext cx="685800" cy="457200"/>
+          </a:xfrm>
+          <a:prstGeom prst="rect">
+            <a:avLst/>
+          </a:prstGeom>
+        </p:spPr>
+        <p:style>
+          <a:lnRef idx="3">
+            <a:schemeClr val="lt1"/>
+          </a:lnRef>
+          <a:fillRef idx="1">
+            <a:schemeClr val="accent5"/>
+          </a:fillRef>
+          <a:effectRef idx="1">
+            <a:schemeClr val="accent5"/>
+          </a:effectRef>
+          <a:fontRef idx="minor">
+            <a:schemeClr val="lt1"/>
+          </a:fontRef>
+        </p:style>
+        <p:txBody>
+          <a:bodyPr rtlCol="0" anchor="ctr"/>
+          <a:lstStyle/>
+          <a:p>
+            <a:pPr algn="ctr"/>
+            <a:r>
+              <a:rPr lang="en-US" dirty="0"/>
+              <a:t>LB</a:t>
+            </a:r>
+          </a:p>
+        </p:txBody>
+      </p:sp>
+      <p:cxnSp>
+        <p:nvCxnSpPr>
+          <p:cNvPr id="16" name="Straight Arrow Connector 15"/>
+          <p:cNvCxnSpPr>
+            <a:stCxn id="14" idx="2"/>
+          </p:cNvCxnSpPr>
+          <p:nvPr/>
+        </p:nvCxnSpPr>
+        <p:spPr>
+          <a:xfrm rot="5400000">
+            <a:off x="4039536" y="2359678"/>
+            <a:ext cx="914402" cy="3053049"/>
+          </a:xfrm>
+          <a:prstGeom prst="straightConnector1">
+            <a:avLst/>
+          </a:prstGeom>
+          <a:ln w="28575">
+            <a:solidFill>
+              <a:schemeClr val="tx1"/>
+            </a:solidFill>
+            <a:tailEnd type="arrow"/>
+          </a:ln>
+        </p:spPr>
+        <p:style>
+          <a:lnRef idx="1">
+            <a:schemeClr val="accent1"/>
+          </a:lnRef>
+          <a:fillRef idx="0">
+            <a:schemeClr val="accent1"/>
+          </a:fillRef>
+          <a:effectRef idx="0">
+            <a:schemeClr val="accent1"/>
+          </a:effectRef>
+          <a:fontRef idx="minor">
+            <a:schemeClr val="tx1"/>
+          </a:fontRef>
+        </p:style>
+      </p:cxnSp>
+      <p:cxnSp>
+        <p:nvCxnSpPr>
+          <p:cNvPr id="19" name="Straight Connector 18"/>
+          <p:cNvCxnSpPr>
+            <a:stCxn id="49" idx="3"/>
+          </p:cNvCxnSpPr>
+          <p:nvPr/>
+        </p:nvCxnSpPr>
+        <p:spPr>
+          <a:xfrm>
+            <a:off x="2379764" y="4144049"/>
+            <a:ext cx="7829449" cy="15488"/>
+          </a:xfrm>
+          <a:prstGeom prst="line">
+            <a:avLst/>
+          </a:prstGeom>
+          <a:ln w="28575">
+            <a:solidFill>
+              <a:srgbClr val="FF0000"/>
+            </a:solidFill>
+            <a:prstDash val="dash"/>
+          </a:ln>
+        </p:spPr>
+        <p:style>
+          <a:lnRef idx="1">
+            <a:schemeClr val="accent1"/>
+          </a:lnRef>
+          <a:fillRef idx="0">
+            <a:schemeClr val="accent1"/>
+          </a:fillRef>
+          <a:effectRef idx="0">
+            <a:schemeClr val="accent1"/>
+          </a:effectRef>
+          <a:fontRef idx="minor">
+            <a:schemeClr val="tx1"/>
+          </a:fontRef>
+        </p:style>
+      </p:cxnSp>
+      <p:cxnSp>
+        <p:nvCxnSpPr>
+          <p:cNvPr id="36" name="Straight Arrow Connector 35"/>
+          <p:cNvCxnSpPr>
+            <a:stCxn id="14" idx="2"/>
+          </p:cNvCxnSpPr>
+          <p:nvPr/>
+        </p:nvCxnSpPr>
+        <p:spPr>
+          <a:xfrm rot="5400000">
+            <a:off x="5563536" y="3883678"/>
+            <a:ext cx="914402" cy="5049"/>
+          </a:xfrm>
+          <a:prstGeom prst="straightConnector1">
+            <a:avLst/>
+          </a:prstGeom>
+          <a:ln w="28575">
+            <a:solidFill>
+              <a:schemeClr val="tx1"/>
+            </a:solidFill>
+            <a:tailEnd type="arrow"/>
+          </a:ln>
+        </p:spPr>
+        <p:style>
+          <a:lnRef idx="1">
+            <a:schemeClr val="accent1"/>
+          </a:lnRef>
+          <a:fillRef idx="0">
+            <a:schemeClr val="accent1"/>
+          </a:fillRef>
+          <a:effectRef idx="0">
+            <a:schemeClr val="accent1"/>
+          </a:effectRef>
+          <a:fontRef idx="minor">
+            <a:schemeClr val="tx1"/>
+          </a:fontRef>
+        </p:style>
+      </p:cxnSp>
+      <p:cxnSp>
+        <p:nvCxnSpPr>
+          <p:cNvPr id="39" name="Straight Arrow Connector 38"/>
+          <p:cNvCxnSpPr>
+            <a:stCxn id="14" idx="2"/>
+          </p:cNvCxnSpPr>
+          <p:nvPr/>
+        </p:nvCxnSpPr>
+        <p:spPr>
+          <a:xfrm rot="16200000" flipH="1">
+            <a:off x="7239938" y="2212324"/>
+            <a:ext cx="914401" cy="3347752"/>
+          </a:xfrm>
+          <a:prstGeom prst="straightConnector1">
+            <a:avLst/>
+          </a:prstGeom>
+          <a:ln w="28575">
+            <a:solidFill>
+              <a:schemeClr val="tx1"/>
+            </a:solidFill>
+            <a:tailEnd type="arrow"/>
+          </a:ln>
+        </p:spPr>
+        <p:style>
+          <a:lnRef idx="1">
+            <a:schemeClr val="accent1"/>
+          </a:lnRef>
+          <a:fillRef idx="0">
+            <a:schemeClr val="accent1"/>
+          </a:fillRef>
+          <a:effectRef idx="0">
+            <a:schemeClr val="accent1"/>
+          </a:effectRef>
+          <a:fontRef idx="minor">
+            <a:schemeClr val="tx1"/>
+          </a:fontRef>
+        </p:style>
+      </p:cxnSp>
+      <p:sp>
+        <p:nvSpPr>
+          <p:cNvPr id="48" name="TextBox 47"/>
+          <p:cNvSpPr txBox="1"/>
+          <p:nvPr/>
+        </p:nvSpPr>
+        <p:spPr>
+          <a:xfrm>
+            <a:off x="4799013" y="2557750"/>
+            <a:ext cx="857351" cy="276999"/>
+          </a:xfrm>
+          <a:prstGeom prst="rect">
+            <a:avLst/>
+          </a:prstGeom>
+          <a:noFill/>
+        </p:spPr>
+        <p:txBody>
+          <a:bodyPr wrap="none" rtlCol="0">
+            <a:spAutoFit/>
+          </a:bodyPr>
+          <a:lstStyle/>
+          <a:p>
+            <a:r>
+              <a:rPr lang="en-US" sz="1200" b="1" dirty="0"/>
+              <a:t>TDS </a:t>
+            </a:r>
+            <a:r>
+              <a:rPr lang="en-US" sz="1200" b="1"/>
+              <a:t>(tcp)</a:t>
+            </a:r>
+            <a:endParaRPr lang="en-US" sz="1200" b="1" dirty="0"/>
+          </a:p>
+        </p:txBody>
+      </p:sp>
+      <p:sp>
+        <p:nvSpPr>
+          <p:cNvPr id="49" name="TextBox 48"/>
+          <p:cNvSpPr txBox="1"/>
+          <p:nvPr/>
+        </p:nvSpPr>
+        <p:spPr>
+          <a:xfrm>
+            <a:off x="1522413" y="4005550"/>
+            <a:ext cx="857351" cy="276999"/>
+          </a:xfrm>
+          <a:prstGeom prst="rect">
+            <a:avLst/>
+          </a:prstGeom>
+          <a:noFill/>
+        </p:spPr>
+        <p:txBody>
+          <a:bodyPr wrap="none" rtlCol="0">
+            <a:spAutoFit/>
+          </a:bodyPr>
+          <a:lstStyle/>
+          <a:p>
+            <a:r>
+              <a:rPr lang="en-US" sz="1200" b="1"/>
+              <a:t>TDS (tcp)</a:t>
+            </a:r>
+            <a:endParaRPr lang="en-US" sz="1200" b="1" dirty="0"/>
+          </a:p>
+        </p:txBody>
+      </p:sp>
+      <p:grpSp>
+        <p:nvGrpSpPr>
+          <p:cNvPr id="7" name="Group 69"/>
+          <p:cNvGrpSpPr/>
+          <p:nvPr/>
+        </p:nvGrpSpPr>
+        <p:grpSpPr>
+          <a:xfrm>
+            <a:off x="1522412" y="5314121"/>
+            <a:ext cx="8686800" cy="276999"/>
+            <a:chOff x="0" y="5486400"/>
+            <a:chExt cx="8686800" cy="276999"/>
+          </a:xfrm>
+        </p:grpSpPr>
+        <p:cxnSp>
+          <p:nvCxnSpPr>
+            <p:cNvPr id="21" name="Straight Connector 20"/>
+            <p:cNvCxnSpPr>
+              <a:stCxn id="52" idx="3"/>
+            </p:cNvCxnSpPr>
+            <p:nvPr/>
+          </p:nvCxnSpPr>
+          <p:spPr>
+            <a:xfrm>
+              <a:off x="857351" y="5624900"/>
+              <a:ext cx="7829449" cy="15488"/>
+            </a:xfrm>
+            <a:prstGeom prst="line">
+              <a:avLst/>
+            </a:prstGeom>
+            <a:ln w="28575">
+              <a:solidFill>
+                <a:schemeClr val="tx1">
+                  <a:lumMod val="95000"/>
+                  <a:lumOff val="5000"/>
+                </a:schemeClr>
+              </a:solidFill>
+              <a:prstDash val="dash"/>
+            </a:ln>
+          </p:spPr>
+          <p:style>
+            <a:lnRef idx="1">
+              <a:schemeClr val="accent1"/>
+            </a:lnRef>
+            <a:fillRef idx="0">
+              <a:schemeClr val="accent1"/>
+            </a:fillRef>
+            <a:effectRef idx="0">
+              <a:schemeClr val="accent1"/>
+            </a:effectRef>
+            <a:fontRef idx="minor">
+              <a:schemeClr val="tx1"/>
+            </a:fontRef>
+          </p:style>
+        </p:cxnSp>
+        <p:sp>
+          <p:nvSpPr>
+            <p:cNvPr id="52" name="TextBox 51"/>
+            <p:cNvSpPr txBox="1"/>
+            <p:nvPr/>
+          </p:nvSpPr>
+          <p:spPr>
+            <a:xfrm>
+              <a:off x="0" y="5486400"/>
+              <a:ext cx="857351" cy="276999"/>
+            </a:xfrm>
+            <a:prstGeom prst="rect">
+              <a:avLst/>
+            </a:prstGeom>
+            <a:noFill/>
+          </p:spPr>
+          <p:txBody>
+            <a:bodyPr wrap="none" rtlCol="0">
+              <a:spAutoFit/>
+            </a:bodyPr>
+            <a:lstStyle/>
+            <a:p>
+              <a:r>
+                <a:rPr lang="en-US" sz="1200" b="1"/>
+                <a:t>TDS (tcp)</a:t>
+              </a:r>
+              <a:endParaRPr lang="en-US" sz="1200" b="1" dirty="0"/>
+            </a:p>
+          </p:txBody>
+        </p:sp>
+      </p:grpSp>
+      <p:sp>
+        <p:nvSpPr>
+          <p:cNvPr id="55" name="Left Brace 54"/>
+          <p:cNvSpPr/>
+          <p:nvPr/>
+        </p:nvSpPr>
+        <p:spPr>
+          <a:xfrm>
+            <a:off x="6769195" y="888552"/>
+            <a:ext cx="381000" cy="940248"/>
+          </a:xfrm>
+          <a:prstGeom prst="leftBrace">
+            <a:avLst/>
+          </a:prstGeom>
+          <a:ln w="12700">
+            <a:solidFill>
+              <a:schemeClr val="tx1"/>
+            </a:solidFill>
+          </a:ln>
+        </p:spPr>
+        <p:style>
+          <a:lnRef idx="1">
+            <a:schemeClr val="accent1"/>
+          </a:lnRef>
+          <a:fillRef idx="0">
+            <a:schemeClr val="accent1"/>
+          </a:fillRef>
+          <a:effectRef idx="0">
+            <a:schemeClr val="accent1"/>
+          </a:effectRef>
+          <a:fontRef idx="minor">
+            <a:schemeClr val="tx1"/>
+          </a:fontRef>
+        </p:style>
+        <p:txBody>
+          <a:bodyPr rtlCol="0" anchor="ctr"/>
+          <a:lstStyle/>
+          <a:p>
+            <a:pPr algn="ctr"/>
+            <a:endParaRPr lang="en-US"/>
+          </a:p>
+        </p:txBody>
+      </p:sp>
+      <p:sp>
+        <p:nvSpPr>
+          <p:cNvPr id="56" name="TextBox 55"/>
+          <p:cNvSpPr txBox="1"/>
+          <p:nvPr/>
+        </p:nvSpPr>
+        <p:spPr>
+          <a:xfrm>
+            <a:off x="7161212" y="888553"/>
+            <a:ext cx="2971800" cy="830997"/>
+          </a:xfrm>
+          <a:prstGeom prst="rect">
+            <a:avLst/>
+          </a:prstGeom>
+          <a:noFill/>
+        </p:spPr>
+        <p:txBody>
+          <a:bodyPr wrap="square" rtlCol="0">
+            <a:spAutoFit/>
+          </a:bodyPr>
+          <a:lstStyle/>
+          <a:p>
+            <a:r>
+              <a:rPr lang="en-US" sz="1600" dirty="0"/>
+              <a:t>Applications use standard SQL client libraries: ODBC, </a:t>
+            </a:r>
+            <a:r>
+              <a:rPr lang="en-US" sz="1600" dirty="0" err="1"/>
+              <a:t>ADO.Net</a:t>
+            </a:r>
+            <a:r>
+              <a:rPr lang="en-US" sz="1600" dirty="0"/>
+              <a:t>, PHP, …</a:t>
+            </a:r>
+          </a:p>
+        </p:txBody>
+      </p:sp>
+      <p:sp>
+        <p:nvSpPr>
+          <p:cNvPr id="57" name="Left Brace 56"/>
+          <p:cNvSpPr/>
+          <p:nvPr/>
+        </p:nvSpPr>
+        <p:spPr>
+          <a:xfrm>
+            <a:off x="6780212" y="2786349"/>
+            <a:ext cx="381000" cy="762000"/>
+          </a:xfrm>
+          <a:prstGeom prst="leftBrace">
+            <a:avLst/>
+          </a:prstGeom>
+          <a:ln w="12700">
+            <a:solidFill>
+              <a:schemeClr val="tx1"/>
+            </a:solidFill>
+          </a:ln>
+        </p:spPr>
+        <p:style>
+          <a:lnRef idx="1">
+            <a:schemeClr val="accent1"/>
+          </a:lnRef>
+          <a:fillRef idx="0">
+            <a:schemeClr val="accent1"/>
+          </a:fillRef>
+          <a:effectRef idx="0">
+            <a:schemeClr val="accent1"/>
+          </a:effectRef>
+          <a:fontRef idx="minor">
+            <a:schemeClr val="tx1"/>
+          </a:fontRef>
+        </p:style>
+        <p:txBody>
+          <a:bodyPr rtlCol="0" anchor="ctr"/>
+          <a:lstStyle/>
+          <a:p>
+            <a:pPr algn="ctr"/>
+            <a:endParaRPr lang="en-US"/>
+          </a:p>
+        </p:txBody>
+      </p:sp>
+      <p:sp>
+        <p:nvSpPr>
+          <p:cNvPr id="58" name="TextBox 57"/>
+          <p:cNvSpPr txBox="1"/>
+          <p:nvPr/>
+        </p:nvSpPr>
+        <p:spPr>
+          <a:xfrm>
+            <a:off x="7073995" y="2887375"/>
+            <a:ext cx="2971800" cy="584775"/>
+          </a:xfrm>
+          <a:prstGeom prst="rect">
+            <a:avLst/>
+          </a:prstGeom>
+          <a:noFill/>
+        </p:spPr>
+        <p:txBody>
+          <a:bodyPr wrap="square" rtlCol="0">
+            <a:spAutoFit/>
+          </a:bodyPr>
+          <a:lstStyle/>
+          <a:p>
+            <a:r>
+              <a:rPr lang="en-US" sz="1600" dirty="0"/>
+              <a:t>Load balancer forwards ‘sticky’ sessions to TDS protocol tier</a:t>
+            </a:r>
+          </a:p>
+        </p:txBody>
+      </p:sp>
+      <p:cxnSp>
+        <p:nvCxnSpPr>
+          <p:cNvPr id="60" name="Straight Arrow Connector 59"/>
+          <p:cNvCxnSpPr>
+            <a:stCxn id="61" idx="2"/>
+          </p:cNvCxnSpPr>
+          <p:nvPr/>
+        </p:nvCxnSpPr>
+        <p:spPr>
+          <a:xfrm flipH="1">
+            <a:off x="2894013" y="3155681"/>
+            <a:ext cx="28076" cy="926068"/>
+          </a:xfrm>
+          <a:prstGeom prst="straightConnector1">
+            <a:avLst/>
+          </a:prstGeom>
+          <a:ln w="28575">
+            <a:solidFill>
+              <a:schemeClr val="tx1"/>
+            </a:solidFill>
+            <a:tailEnd type="arrow"/>
+          </a:ln>
+        </p:spPr>
+        <p:style>
+          <a:lnRef idx="1">
+            <a:schemeClr val="accent1"/>
+          </a:lnRef>
+          <a:fillRef idx="0">
+            <a:schemeClr val="accent1"/>
+          </a:fillRef>
+          <a:effectRef idx="0">
+            <a:schemeClr val="accent1"/>
+          </a:effectRef>
+          <a:fontRef idx="minor">
+            <a:schemeClr val="tx1"/>
+          </a:fontRef>
+        </p:style>
+      </p:cxnSp>
+      <p:sp>
+        <p:nvSpPr>
+          <p:cNvPr id="61" name="TextBox 60"/>
+          <p:cNvSpPr txBox="1"/>
+          <p:nvPr/>
+        </p:nvSpPr>
+        <p:spPr>
+          <a:xfrm>
+            <a:off x="1903413" y="2786349"/>
+            <a:ext cx="2037353" cy="369332"/>
+          </a:xfrm>
+          <a:prstGeom prst="rect">
+            <a:avLst/>
+          </a:prstGeom>
+          <a:noFill/>
+        </p:spPr>
+        <p:txBody>
+          <a:bodyPr wrap="none" rtlCol="0">
+            <a:spAutoFit/>
+          </a:bodyPr>
+          <a:lstStyle/>
+          <a:p>
+            <a:r>
+              <a:rPr lang="en-US" dirty="0"/>
+              <a:t>Security Boundary</a:t>
+            </a:r>
+          </a:p>
+        </p:txBody>
+      </p:sp>
+      <p:grpSp>
+        <p:nvGrpSpPr>
+          <p:cNvPr id="9" name="Group 75"/>
+          <p:cNvGrpSpPr/>
+          <p:nvPr/>
+        </p:nvGrpSpPr>
+        <p:grpSpPr>
+          <a:xfrm>
+            <a:off x="542830" y="5681950"/>
+            <a:ext cx="11190383" cy="467673"/>
+            <a:chOff x="-979583" y="5681949"/>
+            <a:chExt cx="11190383" cy="467673"/>
+          </a:xfrm>
+        </p:grpSpPr>
+        <p:sp>
+          <p:nvSpPr>
+            <p:cNvPr id="4" name="Rectangle 3"/>
+            <p:cNvSpPr/>
+            <p:nvPr/>
+          </p:nvSpPr>
+          <p:spPr>
+            <a:xfrm>
+              <a:off x="914400" y="5681949"/>
+              <a:ext cx="1676400" cy="457200"/>
+            </a:xfrm>
+            <a:prstGeom prst="rect">
+              <a:avLst/>
+            </a:prstGeom>
+          </p:spPr>
+          <p:style>
+            <a:lnRef idx="2">
+              <a:schemeClr val="accent6">
+                <a:shade val="50000"/>
+              </a:schemeClr>
+            </a:lnRef>
+            <a:fillRef idx="1">
+              <a:schemeClr val="accent6"/>
+            </a:fillRef>
+            <a:effectRef idx="0">
+              <a:schemeClr val="accent6"/>
+            </a:effectRef>
+            <a:fontRef idx="minor">
+              <a:schemeClr val="lt1"/>
+            </a:fontRef>
+          </p:style>
+          <p:txBody>
+            <a:bodyPr rtlCol="0" anchor="ctr"/>
+            <a:lstStyle/>
+            <a:p>
+              <a:pPr algn="ctr"/>
+              <a:r>
+                <a:rPr lang="en-US"/>
+                <a:t>SQL</a:t>
+              </a:r>
+              <a:endParaRPr lang="en-US" dirty="0"/>
+            </a:p>
+          </p:txBody>
+        </p:sp>
+        <p:sp>
+          <p:nvSpPr>
+            <p:cNvPr id="24" name="Rectangle 23"/>
+            <p:cNvSpPr/>
+            <p:nvPr/>
+          </p:nvSpPr>
+          <p:spPr>
+            <a:xfrm>
+              <a:off x="2830417" y="5681949"/>
+              <a:ext cx="1676400" cy="457200"/>
+            </a:xfrm>
+            <a:prstGeom prst="rect">
+              <a:avLst/>
+            </a:prstGeom>
+          </p:spPr>
+          <p:style>
+            <a:lnRef idx="2">
+              <a:schemeClr val="accent6">
+                <a:shade val="50000"/>
+              </a:schemeClr>
+            </a:lnRef>
+            <a:fillRef idx="1">
+              <a:schemeClr val="accent6"/>
+            </a:fillRef>
+            <a:effectRef idx="0">
+              <a:schemeClr val="accent6"/>
+            </a:effectRef>
+            <a:fontRef idx="minor">
+              <a:schemeClr val="lt1"/>
+            </a:fontRef>
+          </p:style>
+          <p:txBody>
+            <a:bodyPr rtlCol="0" anchor="ctr"/>
+            <a:lstStyle/>
+            <a:p>
+              <a:pPr algn="ctr"/>
+              <a:r>
+                <a:rPr lang="en-US"/>
+                <a:t>SQL</a:t>
+              </a:r>
+              <a:endParaRPr lang="en-US" dirty="0"/>
+            </a:p>
+          </p:txBody>
+        </p:sp>
+        <p:sp>
+          <p:nvSpPr>
+            <p:cNvPr id="31" name="Rectangle 30"/>
+            <p:cNvSpPr/>
+            <p:nvPr/>
+          </p:nvSpPr>
+          <p:spPr>
+            <a:xfrm>
+              <a:off x="4735417" y="5681949"/>
+              <a:ext cx="1676400" cy="457200"/>
+            </a:xfrm>
+            <a:prstGeom prst="rect">
+              <a:avLst/>
+            </a:prstGeom>
+          </p:spPr>
+          <p:style>
+            <a:lnRef idx="2">
+              <a:schemeClr val="accent6">
+                <a:shade val="50000"/>
+              </a:schemeClr>
+            </a:lnRef>
+            <a:fillRef idx="1">
+              <a:schemeClr val="accent6"/>
+            </a:fillRef>
+            <a:effectRef idx="0">
+              <a:schemeClr val="accent6"/>
+            </a:effectRef>
+            <a:fontRef idx="minor">
+              <a:schemeClr val="lt1"/>
+            </a:fontRef>
+          </p:style>
+          <p:txBody>
+            <a:bodyPr rtlCol="0" anchor="ctr"/>
+            <a:lstStyle/>
+            <a:p>
+              <a:pPr algn="ctr"/>
+              <a:r>
+                <a:rPr lang="en-US"/>
+                <a:t>SQL</a:t>
+              </a:r>
+              <a:endParaRPr lang="en-US" dirty="0"/>
+            </a:p>
+          </p:txBody>
+        </p:sp>
+        <p:sp>
+          <p:nvSpPr>
+            <p:cNvPr id="32" name="Rectangle 31"/>
+            <p:cNvSpPr/>
+            <p:nvPr/>
+          </p:nvSpPr>
+          <p:spPr>
+            <a:xfrm>
+              <a:off x="6640417" y="5681949"/>
+              <a:ext cx="1676400" cy="457200"/>
+            </a:xfrm>
+            <a:prstGeom prst="rect">
+              <a:avLst/>
+            </a:prstGeom>
+          </p:spPr>
+          <p:style>
+            <a:lnRef idx="2">
+              <a:schemeClr val="accent6">
+                <a:shade val="50000"/>
+              </a:schemeClr>
+            </a:lnRef>
+            <a:fillRef idx="1">
+              <a:schemeClr val="accent6"/>
+            </a:fillRef>
+            <a:effectRef idx="0">
+              <a:schemeClr val="accent6"/>
+            </a:effectRef>
+            <a:fontRef idx="minor">
+              <a:schemeClr val="lt1"/>
+            </a:fontRef>
+          </p:style>
+          <p:txBody>
+            <a:bodyPr rtlCol="0" anchor="ctr"/>
+            <a:lstStyle/>
+            <a:p>
+              <a:pPr algn="ctr"/>
+              <a:r>
+                <a:rPr lang="en-US"/>
+                <a:t>SQL</a:t>
+              </a:r>
+              <a:endParaRPr lang="en-US" dirty="0"/>
+            </a:p>
+          </p:txBody>
+        </p:sp>
+        <p:sp>
+          <p:nvSpPr>
+            <p:cNvPr id="33" name="Rectangle 32"/>
+            <p:cNvSpPr/>
+            <p:nvPr/>
+          </p:nvSpPr>
+          <p:spPr>
+            <a:xfrm>
+              <a:off x="8534400" y="5692422"/>
+              <a:ext cx="1676400" cy="457200"/>
+            </a:xfrm>
+            <a:prstGeom prst="rect">
+              <a:avLst/>
+            </a:prstGeom>
+          </p:spPr>
+          <p:style>
+            <a:lnRef idx="2">
+              <a:schemeClr val="accent6">
+                <a:shade val="50000"/>
+              </a:schemeClr>
+            </a:lnRef>
+            <a:fillRef idx="1">
+              <a:schemeClr val="accent6"/>
+            </a:fillRef>
+            <a:effectRef idx="0">
+              <a:schemeClr val="accent6"/>
+            </a:effectRef>
+            <a:fontRef idx="minor">
+              <a:schemeClr val="lt1"/>
+            </a:fontRef>
+          </p:style>
+          <p:txBody>
+            <a:bodyPr rtlCol="0" anchor="ctr"/>
+            <a:lstStyle/>
+            <a:p>
+              <a:pPr algn="ctr"/>
+              <a:r>
+                <a:rPr lang="en-US"/>
+                <a:t>SQL</a:t>
+              </a:r>
+              <a:endParaRPr lang="en-US" dirty="0"/>
+            </a:p>
+          </p:txBody>
+        </p:sp>
+        <p:sp>
+          <p:nvSpPr>
+            <p:cNvPr id="34" name="Rectangle 33"/>
+            <p:cNvSpPr/>
+            <p:nvPr/>
+          </p:nvSpPr>
+          <p:spPr>
+            <a:xfrm>
+              <a:off x="-979583" y="5692422"/>
+              <a:ext cx="1676400" cy="457200"/>
+            </a:xfrm>
+            <a:prstGeom prst="rect">
+              <a:avLst/>
+            </a:prstGeom>
+          </p:spPr>
+          <p:style>
+            <a:lnRef idx="2">
+              <a:schemeClr val="accent6">
+                <a:shade val="50000"/>
+              </a:schemeClr>
+            </a:lnRef>
+            <a:fillRef idx="1">
+              <a:schemeClr val="accent6"/>
+            </a:fillRef>
+            <a:effectRef idx="0">
+              <a:schemeClr val="accent6"/>
+            </a:effectRef>
+            <a:fontRef idx="minor">
+              <a:schemeClr val="lt1"/>
+            </a:fontRef>
+          </p:style>
+          <p:txBody>
+            <a:bodyPr rtlCol="0" anchor="ctr"/>
+            <a:lstStyle/>
+            <a:p>
+              <a:pPr algn="ctr"/>
+              <a:r>
+                <a:rPr lang="en-US" dirty="0"/>
+                <a:t>SQL</a:t>
+              </a:r>
+            </a:p>
+          </p:txBody>
+        </p:sp>
+      </p:grpSp>
+      <p:grpSp>
+        <p:nvGrpSpPr>
+          <p:cNvPr id="10" name="Group 77"/>
+          <p:cNvGrpSpPr/>
+          <p:nvPr/>
+        </p:nvGrpSpPr>
+        <p:grpSpPr>
+          <a:xfrm>
+            <a:off x="2186178" y="4538949"/>
+            <a:ext cx="8023034" cy="948154"/>
+            <a:chOff x="663766" y="4538949"/>
+            <a:chExt cx="8023034" cy="948154"/>
+          </a:xfrm>
+        </p:grpSpPr>
+        <p:grpSp>
+          <p:nvGrpSpPr>
+            <p:cNvPr id="11" name="Group 76"/>
+            <p:cNvGrpSpPr/>
+            <p:nvPr/>
+          </p:nvGrpSpPr>
+          <p:grpSpPr>
+            <a:xfrm>
+              <a:off x="663766" y="4538949"/>
+              <a:ext cx="7870634" cy="457200"/>
+              <a:chOff x="663766" y="4538949"/>
+              <a:chExt cx="7870634" cy="457200"/>
+            </a:xfrm>
+          </p:grpSpPr>
+          <p:sp>
+            <p:nvSpPr>
+              <p:cNvPr id="5" name="Rectangle 4"/>
+              <p:cNvSpPr/>
+              <p:nvPr/>
+            </p:nvSpPr>
+            <p:spPr>
+              <a:xfrm>
+                <a:off x="663766" y="4538949"/>
+                <a:ext cx="1154017" cy="457200"/>
+              </a:xfrm>
+              <a:prstGeom prst="rect">
+                <a:avLst/>
+              </a:prstGeom>
+            </p:spPr>
+            <p:style>
+              <a:lnRef idx="3">
+                <a:schemeClr val="lt1"/>
+              </a:lnRef>
+              <a:fillRef idx="1">
+                <a:schemeClr val="accent5"/>
+              </a:fillRef>
+              <a:effectRef idx="1">
+                <a:schemeClr val="accent5"/>
+              </a:effectRef>
+              <a:fontRef idx="minor">
+                <a:schemeClr val="lt1"/>
+              </a:fontRef>
+            </p:style>
+            <p:txBody>
+              <a:bodyPr rtlCol="0" anchor="ctr"/>
+              <a:lstStyle/>
+              <a:p>
+                <a:pPr algn="ctr"/>
+                <a:r>
+                  <a:rPr lang="en-US" dirty="0"/>
+                  <a:t>Gateway</a:t>
+                </a:r>
+              </a:p>
+            </p:txBody>
+          </p:sp>
+          <p:sp>
+            <p:nvSpPr>
+              <p:cNvPr id="26" name="Rectangle 25"/>
+              <p:cNvSpPr/>
+              <p:nvPr/>
+            </p:nvSpPr>
+            <p:spPr>
+              <a:xfrm>
+                <a:off x="1970183" y="4538949"/>
+                <a:ext cx="1154017" cy="457200"/>
+              </a:xfrm>
+              <a:prstGeom prst="rect">
+                <a:avLst/>
+              </a:prstGeom>
+            </p:spPr>
+            <p:style>
+              <a:lnRef idx="3">
+                <a:schemeClr val="lt1"/>
+              </a:lnRef>
+              <a:fillRef idx="1">
+                <a:schemeClr val="accent5"/>
+              </a:fillRef>
+              <a:effectRef idx="1">
+                <a:schemeClr val="accent5"/>
+              </a:effectRef>
+              <a:fontRef idx="minor">
+                <a:schemeClr val="lt1"/>
+              </a:fontRef>
+            </p:style>
+            <p:txBody>
+              <a:bodyPr rtlCol="0" anchor="ctr"/>
+              <a:lstStyle/>
+              <a:p>
+                <a:pPr algn="ctr"/>
+                <a:r>
+                  <a:rPr lang="en-US" dirty="0"/>
+                  <a:t>Gateway</a:t>
+                </a:r>
+              </a:p>
+            </p:txBody>
+          </p:sp>
+          <p:sp>
+            <p:nvSpPr>
+              <p:cNvPr id="27" name="Rectangle 26"/>
+              <p:cNvSpPr/>
+              <p:nvPr/>
+            </p:nvSpPr>
+            <p:spPr>
+              <a:xfrm>
+                <a:off x="3341783" y="4538949"/>
+                <a:ext cx="1154017" cy="457200"/>
+              </a:xfrm>
+              <a:prstGeom prst="rect">
+                <a:avLst/>
+              </a:prstGeom>
+            </p:spPr>
+            <p:style>
+              <a:lnRef idx="3">
+                <a:schemeClr val="lt1"/>
+              </a:lnRef>
+              <a:fillRef idx="1">
+                <a:schemeClr val="accent5"/>
+              </a:fillRef>
+              <a:effectRef idx="1">
+                <a:schemeClr val="accent5"/>
+              </a:effectRef>
+              <a:fontRef idx="minor">
+                <a:schemeClr val="lt1"/>
+              </a:fontRef>
+            </p:style>
+            <p:txBody>
+              <a:bodyPr rtlCol="0" anchor="ctr"/>
+              <a:lstStyle/>
+              <a:p>
+                <a:pPr algn="ctr"/>
+                <a:r>
+                  <a:rPr lang="en-US" dirty="0"/>
+                  <a:t>Gateway</a:t>
+                </a:r>
+              </a:p>
+            </p:txBody>
+          </p:sp>
+          <p:sp>
+            <p:nvSpPr>
+              <p:cNvPr id="28" name="Rectangle 27"/>
+              <p:cNvSpPr/>
+              <p:nvPr/>
+            </p:nvSpPr>
+            <p:spPr>
+              <a:xfrm>
+                <a:off x="4702366" y="4538949"/>
+                <a:ext cx="1154017" cy="457200"/>
+              </a:xfrm>
+              <a:prstGeom prst="rect">
+                <a:avLst/>
+              </a:prstGeom>
+            </p:spPr>
+            <p:style>
+              <a:lnRef idx="3">
+                <a:schemeClr val="lt1"/>
+              </a:lnRef>
+              <a:fillRef idx="1">
+                <a:schemeClr val="accent5"/>
+              </a:fillRef>
+              <a:effectRef idx="1">
+                <a:schemeClr val="accent5"/>
+              </a:effectRef>
+              <a:fontRef idx="minor">
+                <a:schemeClr val="lt1"/>
+              </a:fontRef>
+            </p:style>
+            <p:txBody>
+              <a:bodyPr rtlCol="0" anchor="ctr"/>
+              <a:lstStyle/>
+              <a:p>
+                <a:pPr algn="ctr"/>
+                <a:r>
+                  <a:rPr lang="en-US" dirty="0"/>
+                  <a:t>Gateway</a:t>
+                </a:r>
+              </a:p>
+            </p:txBody>
+          </p:sp>
+          <p:sp>
+            <p:nvSpPr>
+              <p:cNvPr id="29" name="Rectangle 28"/>
+              <p:cNvSpPr/>
+              <p:nvPr/>
+            </p:nvSpPr>
+            <p:spPr>
+              <a:xfrm>
+                <a:off x="6008783" y="4538949"/>
+                <a:ext cx="1154017" cy="457200"/>
+              </a:xfrm>
+              <a:prstGeom prst="rect">
+                <a:avLst/>
+              </a:prstGeom>
+            </p:spPr>
+            <p:style>
+              <a:lnRef idx="3">
+                <a:schemeClr val="lt1"/>
+              </a:lnRef>
+              <a:fillRef idx="1">
+                <a:schemeClr val="accent5"/>
+              </a:fillRef>
+              <a:effectRef idx="1">
+                <a:schemeClr val="accent5"/>
+              </a:effectRef>
+              <a:fontRef idx="minor">
+                <a:schemeClr val="lt1"/>
+              </a:fontRef>
+            </p:style>
+            <p:txBody>
+              <a:bodyPr rtlCol="0" anchor="ctr"/>
+              <a:lstStyle/>
+              <a:p>
+                <a:pPr algn="ctr"/>
+                <a:r>
+                  <a:rPr lang="en-US" dirty="0"/>
+                  <a:t>Gateway</a:t>
+                </a:r>
+              </a:p>
+            </p:txBody>
+          </p:sp>
+          <p:sp>
+            <p:nvSpPr>
+              <p:cNvPr id="30" name="Rectangle 29"/>
+              <p:cNvSpPr/>
+              <p:nvPr/>
+            </p:nvSpPr>
+            <p:spPr>
+              <a:xfrm>
+                <a:off x="7380383" y="4538949"/>
+                <a:ext cx="1154017" cy="457200"/>
+              </a:xfrm>
+              <a:prstGeom prst="rect">
+                <a:avLst/>
+              </a:prstGeom>
+            </p:spPr>
+            <p:style>
+              <a:lnRef idx="3">
+                <a:schemeClr val="lt1"/>
+              </a:lnRef>
+              <a:fillRef idx="1">
+                <a:schemeClr val="accent5"/>
+              </a:fillRef>
+              <a:effectRef idx="1">
+                <a:schemeClr val="accent5"/>
+              </a:effectRef>
+              <a:fontRef idx="minor">
+                <a:schemeClr val="lt1"/>
+              </a:fontRef>
+            </p:style>
+            <p:txBody>
+              <a:bodyPr rtlCol="0" anchor="ctr"/>
+              <a:lstStyle/>
+              <a:p>
+                <a:pPr algn="ctr"/>
+                <a:r>
+                  <a:rPr lang="en-US" dirty="0"/>
+                  <a:t>Gateway</a:t>
+                </a:r>
+              </a:p>
+            </p:txBody>
+          </p:sp>
+        </p:grpSp>
+        <p:sp>
+          <p:nvSpPr>
+            <p:cNvPr id="72" name="TextBox 71"/>
+            <p:cNvSpPr txBox="1"/>
+            <p:nvPr/>
+          </p:nvSpPr>
+          <p:spPr>
+            <a:xfrm>
+              <a:off x="663766" y="5148549"/>
+              <a:ext cx="8023034" cy="338554"/>
+            </a:xfrm>
+            <a:prstGeom prst="rect">
+              <a:avLst/>
+            </a:prstGeom>
+            <a:noFill/>
+          </p:spPr>
+          <p:txBody>
+            <a:bodyPr wrap="square" rtlCol="0">
+              <a:spAutoFit/>
+            </a:bodyPr>
+            <a:lstStyle/>
+            <a:p>
+              <a:r>
+                <a:rPr lang="en-US" sz="1600" dirty="0"/>
+                <a:t>Gateway: TDS protocol gateway, enforces AUTHN/AUTHZ policy; proxy to </a:t>
+              </a:r>
+              <a:r>
+                <a:rPr lang="en-US" sz="1600" dirty="0" err="1"/>
+                <a:t>CloudDB</a:t>
+              </a:r>
+              <a:endParaRPr lang="en-US" sz="1600" dirty="0"/>
+            </a:p>
+          </p:txBody>
+        </p:sp>
+      </p:grpSp>
+      <p:sp>
+        <p:nvSpPr>
+          <p:cNvPr id="46" name="Down Arrow 45"/>
+          <p:cNvSpPr/>
+          <p:nvPr/>
+        </p:nvSpPr>
+        <p:spPr>
+          <a:xfrm flipV="1">
+            <a:off x="3046412" y="6172200"/>
+            <a:ext cx="381000" cy="533400"/>
+          </a:xfrm>
+          <a:prstGeom prst="downArrow">
+            <a:avLst/>
+          </a:prstGeom>
+        </p:spPr>
+        <p:style>
+          <a:lnRef idx="1">
+            <a:schemeClr val="accent6"/>
+          </a:lnRef>
+          <a:fillRef idx="2">
+            <a:schemeClr val="accent6"/>
+          </a:fillRef>
+          <a:effectRef idx="1">
+            <a:schemeClr val="accent6"/>
+          </a:effectRef>
+          <a:fontRef idx="minor">
+            <a:schemeClr val="dk1"/>
+          </a:fontRef>
+        </p:style>
+        <p:txBody>
+          <a:bodyPr rtlCol="0" anchor="ctr"/>
+          <a:lstStyle/>
+          <a:p>
+            <a:pPr algn="ctr"/>
+            <a:endParaRPr lang="en-US" dirty="0"/>
+          </a:p>
+        </p:txBody>
+      </p:sp>
+      <p:sp>
+        <p:nvSpPr>
+          <p:cNvPr id="47" name="Down Arrow 46"/>
+          <p:cNvSpPr/>
+          <p:nvPr/>
+        </p:nvSpPr>
+        <p:spPr>
+          <a:xfrm flipV="1">
+            <a:off x="4951412" y="6172200"/>
+            <a:ext cx="381000" cy="533400"/>
+          </a:xfrm>
+          <a:prstGeom prst="downArrow">
+            <a:avLst/>
+          </a:prstGeom>
+        </p:spPr>
+        <p:style>
+          <a:lnRef idx="1">
+            <a:schemeClr val="accent6"/>
+          </a:lnRef>
+          <a:fillRef idx="2">
+            <a:schemeClr val="accent6"/>
+          </a:fillRef>
+          <a:effectRef idx="1">
+            <a:schemeClr val="accent6"/>
+          </a:effectRef>
+          <a:fontRef idx="minor">
+            <a:schemeClr val="dk1"/>
+          </a:fontRef>
+        </p:style>
+        <p:txBody>
+          <a:bodyPr rtlCol="0" anchor="ctr"/>
+          <a:lstStyle/>
+          <a:p>
+            <a:pPr algn="ctr"/>
+            <a:endParaRPr lang="en-US" dirty="0"/>
+          </a:p>
+        </p:txBody>
+      </p:sp>
+      <p:sp>
+        <p:nvSpPr>
+          <p:cNvPr id="50" name="Down Arrow 49"/>
+          <p:cNvSpPr/>
+          <p:nvPr/>
+        </p:nvSpPr>
+        <p:spPr>
+          <a:xfrm flipV="1">
+            <a:off x="6932612" y="6172200"/>
+            <a:ext cx="381000" cy="533400"/>
+          </a:xfrm>
+          <a:prstGeom prst="downArrow">
+            <a:avLst/>
+          </a:prstGeom>
+        </p:spPr>
+        <p:style>
+          <a:lnRef idx="1">
+            <a:schemeClr val="accent6"/>
+          </a:lnRef>
+          <a:fillRef idx="2">
+            <a:schemeClr val="accent6"/>
+          </a:fillRef>
+          <a:effectRef idx="1">
+            <a:schemeClr val="accent6"/>
+          </a:effectRef>
+          <a:fontRef idx="minor">
+            <a:schemeClr val="dk1"/>
+          </a:fontRef>
+        </p:style>
+        <p:txBody>
+          <a:bodyPr rtlCol="0" anchor="ctr"/>
+          <a:lstStyle/>
+          <a:p>
+            <a:pPr algn="ctr"/>
+            <a:endParaRPr lang="en-US" dirty="0"/>
+          </a:p>
+        </p:txBody>
+      </p:sp>
+      <p:sp>
+        <p:nvSpPr>
+          <p:cNvPr id="51" name="Down Arrow 50"/>
+          <p:cNvSpPr/>
+          <p:nvPr/>
+        </p:nvSpPr>
+        <p:spPr>
+          <a:xfrm flipV="1">
+            <a:off x="8837612" y="6172200"/>
+            <a:ext cx="381000" cy="533400"/>
+          </a:xfrm>
+          <a:prstGeom prst="downArrow">
+            <a:avLst/>
+          </a:prstGeom>
+        </p:spPr>
+        <p:style>
+          <a:lnRef idx="1">
+            <a:schemeClr val="accent6"/>
+          </a:lnRef>
+          <a:fillRef idx="2">
+            <a:schemeClr val="accent6"/>
+          </a:fillRef>
+          <a:effectRef idx="1">
+            <a:schemeClr val="accent6"/>
+          </a:effectRef>
+          <a:fontRef idx="minor">
+            <a:schemeClr val="dk1"/>
+          </a:fontRef>
+        </p:style>
+        <p:txBody>
+          <a:bodyPr rtlCol="0" anchor="ctr"/>
+          <a:lstStyle/>
+          <a:p>
+            <a:pPr algn="ctr"/>
+            <a:endParaRPr lang="en-US" dirty="0"/>
+          </a:p>
+        </p:txBody>
+      </p:sp>
+      <p:sp>
+        <p:nvSpPr>
+          <p:cNvPr id="53" name="Down Arrow 52"/>
+          <p:cNvSpPr/>
+          <p:nvPr/>
+        </p:nvSpPr>
+        <p:spPr>
+          <a:xfrm flipV="1">
+            <a:off x="10590212" y="6172200"/>
+            <a:ext cx="381000" cy="533400"/>
+          </a:xfrm>
+          <a:prstGeom prst="downArrow">
+            <a:avLst/>
+          </a:prstGeom>
+        </p:spPr>
+        <p:style>
+          <a:lnRef idx="1">
+            <a:schemeClr val="accent6"/>
+          </a:lnRef>
+          <a:fillRef idx="2">
+            <a:schemeClr val="accent6"/>
+          </a:fillRef>
+          <a:effectRef idx="1">
+            <a:schemeClr val="accent6"/>
+          </a:effectRef>
+          <a:fontRef idx="minor">
+            <a:schemeClr val="dk1"/>
+          </a:fontRef>
+        </p:style>
+        <p:txBody>
+          <a:bodyPr rtlCol="0" anchor="ctr"/>
+          <a:lstStyle/>
+          <a:p>
+            <a:pPr algn="ctr"/>
+            <a:endParaRPr lang="en-US" dirty="0"/>
+          </a:p>
+        </p:txBody>
+      </p:sp>
+      <p:sp>
+        <p:nvSpPr>
+          <p:cNvPr id="44" name="Rectangle 43"/>
+          <p:cNvSpPr/>
+          <p:nvPr/>
+        </p:nvSpPr>
+        <p:spPr>
+          <a:xfrm>
+            <a:off x="1370012" y="6553200"/>
+            <a:ext cx="9525000" cy="304800"/>
+          </a:xfrm>
+          <a:prstGeom prst="rect">
+            <a:avLst/>
+          </a:prstGeom>
+        </p:spPr>
+        <p:style>
+          <a:lnRef idx="1">
+            <a:schemeClr val="accent6"/>
+          </a:lnRef>
+          <a:fillRef idx="2">
+            <a:schemeClr val="accent6"/>
+          </a:fillRef>
+          <a:effectRef idx="1">
+            <a:schemeClr val="accent6"/>
+          </a:effectRef>
+          <a:fontRef idx="minor">
+            <a:schemeClr val="dk1"/>
+          </a:fontRef>
+        </p:style>
+        <p:txBody>
+          <a:bodyPr rtlCol="0" anchor="ctr"/>
+          <a:lstStyle/>
+          <a:p>
+            <a:pPr algn="ctr"/>
+            <a:r>
+              <a:rPr lang="en-US" dirty="0"/>
+              <a:t>Scalability and Availability: Fabric, Failover, Replication, and  Load balancing</a:t>
+            </a:r>
+          </a:p>
+        </p:txBody>
+      </p:sp>
+    </p:spTree>
+    <p:extLst>
+      <p:ext uri="{BB962C8B-B14F-4D97-AF65-F5344CB8AC3E}">
+        <p14:creationId xmlns:p14="http://schemas.microsoft.com/office/powerpoint/2010/main" val="652067148"/>
+      </p:ext>
+    </p:extLst>
+  </p:cSld>
+  <p:clrMapOvr>
+    <a:masterClrMapping/>
+  </p:clrMapOvr>
+  <p:transition>
+    <p:fade/>
+  </p:transition>
+  <p:timing>
+    <p:tnLst>
+      <p:par>
+        <p:cTn id="1" dur="indefinite" restart="never" nodeType="tmRoot"/>
+      </p:par>
+    </p:tnLst>
+  </p:timing>
+</p:sld>
+</file>
+
+<file path=ppt/slides/slide8.xml><?xml version="1.0" encoding="utf-8"?>
+<p:sld xmlns:a="http://schemas.openxmlformats.org/drawingml/2006/main" xmlns:r="http://schemas.openxmlformats.org/officeDocument/2006/relationships" xmlns:p="http://schemas.openxmlformats.org/presentationml/2006/main">
+  <p:cSld>
+    <p:spTree>
+      <p:nvGrpSpPr>
+        <p:cNvPr id="1" name=""/>
+        <p:cNvGrpSpPr/>
+        <p:nvPr/>
+      </p:nvGrpSpPr>
+      <p:grpSpPr>
+        <a:xfrm>
+          <a:off x="0" y="0"/>
+          <a:ext cx="0" cy="0"/>
+          <a:chOff x="0" y="0"/>
+          <a:chExt cx="0" cy="0"/>
+        </a:xfrm>
+      </p:grpSpPr>
+      <p:sp>
+        <p:nvSpPr>
           <p:cNvPr id="5" name="Title 4"/>
           <p:cNvSpPr>
             <a:spLocks noGrp="1"/>
@@ -41855,7 +43951,7 @@
 </p:sld>
 </file>
 
-<file path=ppt/slides/slide8.xml><?xml version="1.0" encoding="utf-8"?>
+<file path=ppt/slides/slide9.xml><?xml version="1.0" encoding="utf-8"?>
 <p:sld xmlns:a="http://schemas.openxmlformats.org/drawingml/2006/main" xmlns:r="http://schemas.openxmlformats.org/officeDocument/2006/relationships" xmlns:p="http://schemas.openxmlformats.org/presentationml/2006/main">
   <p:cSld>
     <p:spTree>
@@ -41904,317 +44000,6 @@
     <p:extLst>
       <p:ext uri="{BB962C8B-B14F-4D97-AF65-F5344CB8AC3E}">
         <p14:creationId xmlns:p14="http://schemas.microsoft.com/office/powerpoint/2010/main" val="2331921382"/>
-      </p:ext>
-    </p:extLst>
-  </p:cSld>
-  <p:clrMapOvr>
-    <a:masterClrMapping/>
-  </p:clrMapOvr>
-  <p:transition>
-    <p:fade/>
-  </p:transition>
-  <p:timing>
-    <p:tnLst>
-      <p:par>
-        <p:cTn id="1" dur="indefinite" restart="never" nodeType="tmRoot"/>
-      </p:par>
-    </p:tnLst>
-  </p:timing>
-</p:sld>
-</file>
-
-<file path=ppt/slides/slide9.xml><?xml version="1.0" encoding="utf-8"?>
-<p:sld xmlns:a="http://schemas.openxmlformats.org/drawingml/2006/main" xmlns:r="http://schemas.openxmlformats.org/officeDocument/2006/relationships" xmlns:p="http://schemas.openxmlformats.org/presentationml/2006/main">
-  <p:cSld>
-    <p:spTree>
-      <p:nvGrpSpPr>
-        <p:cNvPr id="1" name=""/>
-        <p:cNvGrpSpPr/>
-        <p:nvPr/>
-      </p:nvGrpSpPr>
-      <p:grpSpPr>
-        <a:xfrm>
-          <a:off x="0" y="0"/>
-          <a:ext cx="0" cy="0"/>
-          <a:chOff x="0" y="0"/>
-          <a:chExt cx="0" cy="0"/>
-        </a:xfrm>
-      </p:grpSpPr>
-      <p:pic>
-        <p:nvPicPr>
-          <p:cNvPr id="8" name="Picture 7"/>
-          <p:cNvPicPr>
-            <a:picLocks noChangeAspect="1"/>
-          </p:cNvPicPr>
-          <p:nvPr/>
-        </p:nvPicPr>
-        <p:blipFill>
-          <a:blip r:embed="rId2">
-            <a:lum bright="70000" contrast="-70000"/>
-            <a:extLst>
-              <a:ext uri="{28A0092B-C50C-407E-A947-70E740481C1C}">
-                <a14:useLocalDpi xmlns:a14="http://schemas.microsoft.com/office/drawing/2010/main" val="0"/>
-              </a:ext>
-            </a:extLst>
-          </a:blip>
-          <a:stretch>
-            <a:fillRect/>
-          </a:stretch>
-        </p:blipFill>
-        <p:spPr>
-          <a:xfrm>
-            <a:off x="3405352" y="1330959"/>
-            <a:ext cx="4843150" cy="4772959"/>
-          </a:xfrm>
-          <a:prstGeom prst="rect">
-            <a:avLst/>
-          </a:prstGeom>
-        </p:spPr>
-      </p:pic>
-      <p:sp>
-        <p:nvSpPr>
-          <p:cNvPr id="2" name="Title 1"/>
-          <p:cNvSpPr>
-            <a:spLocks noGrp="1"/>
-          </p:cNvSpPr>
-          <p:nvPr>
-            <p:ph type="title"/>
-          </p:nvPr>
-        </p:nvSpPr>
-        <p:spPr/>
-        <p:txBody>
-          <a:bodyPr/>
-          <a:lstStyle/>
-          <a:p>
-            <a:r>
-              <a:rPr lang="en-AU" dirty="0" smtClean="0"/>
-              <a:t>Feature Limitations</a:t>
-            </a:r>
-            <a:endParaRPr lang="en-AU" dirty="0"/>
-          </a:p>
-        </p:txBody>
-      </p:sp>
-      <p:sp>
-        <p:nvSpPr>
-          <p:cNvPr id="3" name="Text Placeholder 2"/>
-          <p:cNvSpPr>
-            <a:spLocks noGrp="1"/>
-          </p:cNvSpPr>
-          <p:nvPr>
-            <p:ph sz="half" idx="1"/>
-          </p:nvPr>
-        </p:nvSpPr>
-        <p:spPr>
-          <a:xfrm>
-            <a:off x="519113" y="1447800"/>
-            <a:ext cx="5486400" cy="5860066"/>
-          </a:xfrm>
-        </p:spPr>
-        <p:txBody>
-          <a:bodyPr/>
-          <a:lstStyle/>
-          <a:p>
-            <a:pPr marL="574675" indent="-571500">
-              <a:buFont typeface="Arial" panose="020B0604020202020204" pitchFamily="34" charset="0"/>
-              <a:buChar char="•"/>
-            </a:pPr>
-            <a:r>
-              <a:rPr lang="en-AU" sz="3200" dirty="0" smtClean="0"/>
-              <a:t>SSAS</a:t>
-            </a:r>
-          </a:p>
-          <a:p>
-            <a:pPr marL="574675" indent="-571500">
-              <a:buFont typeface="Arial" panose="020B0604020202020204" pitchFamily="34" charset="0"/>
-              <a:buChar char="•"/>
-            </a:pPr>
-            <a:r>
-              <a:rPr lang="en-AU" sz="3200" dirty="0" smtClean="0"/>
-              <a:t>SSIS</a:t>
-            </a:r>
-          </a:p>
-          <a:p>
-            <a:pPr marL="574675" indent="-571500">
-              <a:buFont typeface="Arial" panose="020B0604020202020204" pitchFamily="34" charset="0"/>
-              <a:buChar char="•"/>
-            </a:pPr>
-            <a:r>
-              <a:rPr lang="en-AU" sz="3200" dirty="0" smtClean="0"/>
-              <a:t>MDS</a:t>
-            </a:r>
-          </a:p>
-          <a:p>
-            <a:pPr marL="574675" indent="-571500">
-              <a:buFont typeface="Arial" panose="020B0604020202020204" pitchFamily="34" charset="0"/>
-              <a:buChar char="•"/>
-            </a:pPr>
-            <a:r>
-              <a:rPr lang="en-AU" sz="3200" dirty="0" smtClean="0"/>
-              <a:t>SQL Agent</a:t>
-            </a:r>
-          </a:p>
-          <a:p>
-            <a:pPr marL="574675" indent="-571500">
-              <a:buFont typeface="Arial" panose="020B0604020202020204" pitchFamily="34" charset="0"/>
-              <a:buChar char="•"/>
-            </a:pPr>
-            <a:r>
-              <a:rPr lang="en-AU" sz="3200" dirty="0" smtClean="0"/>
-              <a:t>SQL Replication</a:t>
-            </a:r>
-          </a:p>
-          <a:p>
-            <a:pPr marL="574675" indent="-571500">
-              <a:buFont typeface="Arial" panose="020B0604020202020204" pitchFamily="34" charset="0"/>
-              <a:buChar char="•"/>
-            </a:pPr>
-            <a:r>
-              <a:rPr lang="en-AU" dirty="0" smtClean="0"/>
-              <a:t>Full Text Search</a:t>
-            </a:r>
-          </a:p>
-          <a:p>
-            <a:pPr marL="574675" indent="-571500">
-              <a:buFont typeface="Arial" panose="020B0604020202020204" pitchFamily="34" charset="0"/>
-              <a:buChar char="•"/>
-            </a:pPr>
-            <a:r>
-              <a:rPr lang="en-AU" sz="3200" dirty="0" smtClean="0"/>
-              <a:t>CDC</a:t>
-            </a:r>
-          </a:p>
-          <a:p>
-            <a:pPr marL="574675" indent="-571500">
-              <a:buFont typeface="Arial" panose="020B0604020202020204" pitchFamily="34" charset="0"/>
-              <a:buChar char="•"/>
-            </a:pPr>
-            <a:r>
-              <a:rPr lang="en-AU" dirty="0" smtClean="0"/>
-              <a:t>Windows Authentication</a:t>
-            </a:r>
-          </a:p>
-          <a:p>
-            <a:pPr marL="574675" indent="-571500">
-              <a:buFont typeface="Arial" panose="020B0604020202020204" pitchFamily="34" charset="0"/>
-              <a:buChar char="•"/>
-            </a:pPr>
-            <a:r>
-              <a:rPr lang="en-AU" sz="3200" dirty="0" smtClean="0"/>
-              <a:t>TDE</a:t>
-            </a:r>
-          </a:p>
-          <a:p>
-            <a:pPr marL="3175" indent="0">
-              <a:buNone/>
-            </a:pPr>
-            <a:endParaRPr lang="en-AU" sz="3200" dirty="0" smtClean="0"/>
-          </a:p>
-          <a:p>
-            <a:endParaRPr lang="en-AU" sz="3200" dirty="0"/>
-          </a:p>
-        </p:txBody>
-      </p:sp>
-      <p:sp>
-        <p:nvSpPr>
-          <p:cNvPr id="4" name="Content Placeholder 3"/>
-          <p:cNvSpPr>
-            <a:spLocks noGrp="1"/>
-          </p:cNvSpPr>
-          <p:nvPr>
-            <p:ph sz="half" idx="2"/>
-          </p:nvPr>
-        </p:nvSpPr>
-        <p:spPr>
-          <a:xfrm>
-            <a:off x="6181725" y="1447800"/>
-            <a:ext cx="5486400" cy="5318379"/>
-          </a:xfrm>
-        </p:spPr>
-        <p:txBody>
-          <a:bodyPr/>
-          <a:lstStyle/>
-          <a:p>
-            <a:pPr marL="574675" indent="-571500"/>
-            <a:r>
-              <a:rPr lang="en-AU" dirty="0" smtClean="0"/>
-              <a:t>Cross Database Queries</a:t>
-            </a:r>
-          </a:p>
-          <a:p>
-            <a:pPr marL="574675" indent="-571500"/>
-            <a:r>
-              <a:rPr lang="en-AU" dirty="0" smtClean="0"/>
-              <a:t>Distributed Transactions</a:t>
-            </a:r>
-          </a:p>
-          <a:p>
-            <a:pPr marL="574675" indent="-571500"/>
-            <a:r>
-              <a:rPr lang="en-AU" dirty="0" smtClean="0"/>
-              <a:t>CLR</a:t>
-            </a:r>
-          </a:p>
-          <a:p>
-            <a:pPr marL="574675" indent="-571500"/>
-            <a:r>
-              <a:rPr lang="en-AU" dirty="0" smtClean="0"/>
-              <a:t>Service Broker</a:t>
-            </a:r>
-          </a:p>
-          <a:p>
-            <a:pPr marL="574675" indent="-571500"/>
-            <a:r>
-              <a:rPr lang="en-AU" dirty="0" err="1" smtClean="0"/>
-              <a:t>Filestream</a:t>
-            </a:r>
-            <a:endParaRPr lang="en-AU" dirty="0"/>
-          </a:p>
-          <a:p>
-            <a:pPr marL="574675" indent="-571500"/>
-            <a:r>
-              <a:rPr lang="en-AU" dirty="0"/>
-              <a:t>Database Mirroring</a:t>
-            </a:r>
-          </a:p>
-          <a:p>
-            <a:pPr marL="574675" indent="-571500"/>
-            <a:r>
-              <a:rPr lang="en-AU" dirty="0"/>
-              <a:t>Backup and Restore</a:t>
-            </a:r>
-          </a:p>
-          <a:p>
-            <a:pPr marL="574675" indent="-571500"/>
-            <a:r>
-              <a:rPr lang="en-AU" dirty="0" smtClean="0"/>
-              <a:t>Extended Events</a:t>
-            </a:r>
-          </a:p>
-          <a:p>
-            <a:pPr marL="574675" indent="-571500"/>
-            <a:r>
-              <a:rPr lang="en-AU" dirty="0" smtClean="0"/>
-              <a:t>Extended </a:t>
-            </a:r>
-            <a:r>
-              <a:rPr lang="en-AU" dirty="0"/>
-              <a:t>Stored </a:t>
-            </a:r>
-            <a:r>
-              <a:rPr lang="en-AU" dirty="0" err="1"/>
-              <a:t>Procs</a:t>
-            </a:r>
-            <a:endParaRPr lang="en-AU" dirty="0"/>
-          </a:p>
-          <a:p>
-            <a:endParaRPr lang="en-AU" dirty="0"/>
-          </a:p>
-        </p:txBody>
-      </p:sp>
-    </p:spTree>
-    <p:extLst>
-      <p:ext uri="{BB962C8B-B14F-4D97-AF65-F5344CB8AC3E}">
-        <p14:creationId xmlns:p14="http://schemas.microsoft.com/office/powerpoint/2010/main" val="3114255083"/>
       </p:ext>
     </p:extLst>
   </p:cSld>

--- a/Presentation.pptx
+++ b/Presentation.pptx
@@ -35845,7 +35845,7 @@
         <p:spPr>
           <a:xfrm>
             <a:off x="519112" y="1447799"/>
-            <a:ext cx="11149013" cy="3854901"/>
+            <a:ext cx="11149013" cy="4385816"/>
           </a:xfrm>
         </p:spPr>
         <p:txBody>
@@ -35857,12 +35857,12 @@
               <a:buChar char="•"/>
             </a:pPr>
             <a:r>
-              <a:rPr lang="en-AU" sz="2000" dirty="0">
+              <a:rPr lang="en-AU" sz="3000" b="1" dirty="0">
                 <a:hlinkClick r:id="rId2"/>
               </a:rPr>
-              <a:t>http://social.technet.microsoft.com/wiki/contents/articles/2267.windows-azure-sql-database-technet-wiki-articles-index.aspx</a:t>
-            </a:r>
-            <a:endParaRPr lang="en-AU" sz="2000" u="sng" dirty="0" smtClean="0">
+              <a:t>https://github.com/robdmoore/SQLAzureDemo</a:t>
+            </a:r>
+            <a:endParaRPr lang="en-AU" sz="3000" b="1" dirty="0" smtClean="0">
               <a:hlinkClick r:id="rId3"/>
             </a:endParaRPr>
           </a:p>
@@ -35872,24 +35872,20 @@
               <a:buChar char="•"/>
             </a:pPr>
             <a:r>
-              <a:rPr lang="en-AU" sz="2000" u="sng" dirty="0" smtClean="0">
+              <a:rPr lang="en-AU" sz="2000" dirty="0" smtClean="0">
                 <a:hlinkClick r:id="rId3"/>
               </a:rPr>
               <a:t>http</a:t>
             </a:r>
             <a:r>
-              <a:rPr lang="en-AU" sz="2000" u="sng" dirty="0">
+              <a:rPr lang="en-AU" sz="2000" dirty="0">
                 <a:hlinkClick r:id="rId3"/>
               </a:rPr>
-              <a:t>://</a:t>
-            </a:r>
-            <a:r>
-              <a:rPr lang="en-AU" sz="2000" u="sng" dirty="0" smtClean="0">
-                <a:hlinkClick r:id="rId3"/>
-              </a:rPr>
-              <a:t>social.technet.microsoft.com/wiki/contents/articles/995.windows-azure-sql-database-faq.aspx</a:t>
-            </a:r>
-            <a:endParaRPr lang="en-AU" sz="2000" u="sng" dirty="0" smtClean="0"/>
+              <a:t>://social.technet.microsoft.com/wiki/contents/articles/2267.windows-azure-sql-database-technet-wiki-articles-index.aspx</a:t>
+            </a:r>
+            <a:endParaRPr lang="en-AU" sz="2000" u="sng" dirty="0" smtClean="0">
+              <a:hlinkClick r:id="rId4"/>
+            </a:endParaRPr>
           </a:p>
           <a:p>
             <a:pPr marL="574675" indent="-571500">
@@ -35897,18 +35893,24 @@
               <a:buChar char="•"/>
             </a:pPr>
             <a:r>
-              <a:rPr lang="en-AU" sz="2000" dirty="0">
+              <a:rPr lang="en-AU" sz="2000" u="sng" dirty="0" smtClean="0">
                 <a:hlinkClick r:id="rId4"/>
               </a:rPr>
-              <a:t>http://</a:t>
-            </a:r>
-            <a:r>
-              <a:rPr lang="en-AU" sz="2000" dirty="0" smtClean="0">
+              <a:t>http</a:t>
+            </a:r>
+            <a:r>
+              <a:rPr lang="en-AU" sz="2000" u="sng" dirty="0">
                 <a:hlinkClick r:id="rId4"/>
               </a:rPr>
-              <a:t>social.technet.microsoft.com/wiki/contents/articles/3507.windows-azure-sql-database-performance-and-elasticity-guide.aspx</a:t>
-            </a:r>
-            <a:endParaRPr lang="en-AU" sz="2000" dirty="0" smtClean="0"/>
+              <a:t>://</a:t>
+            </a:r>
+            <a:r>
+              <a:rPr lang="en-AU" sz="2000" u="sng" dirty="0" smtClean="0">
+                <a:hlinkClick r:id="rId4"/>
+              </a:rPr>
+              <a:t>social.technet.microsoft.com/wiki/contents/articles/995.windows-azure-sql-database-faq.aspx</a:t>
+            </a:r>
+            <a:endParaRPr lang="en-AU" sz="2000" u="sng" dirty="0" smtClean="0"/>
           </a:p>
           <a:p>
             <a:pPr marL="574675" indent="-571500">
@@ -35925,7 +35927,7 @@
               <a:rPr lang="en-AU" sz="2000" dirty="0" smtClean="0">
                 <a:hlinkClick r:id="rId5"/>
               </a:rPr>
-              <a:t>msdn.microsoft.com/en-us/library/windowsazure/ee730906.aspx</a:t>
+              <a:t>social.technet.microsoft.com/wiki/contents/articles/3507.windows-azure-sql-database-performance-and-elasticity-guide.aspx</a:t>
             </a:r>
             <a:endParaRPr lang="en-AU" sz="2000" dirty="0" smtClean="0"/>
           </a:p>
@@ -35938,13 +35940,13 @@
               <a:rPr lang="en-AU" sz="2000" dirty="0">
                 <a:hlinkClick r:id="rId6"/>
               </a:rPr>
-              <a:t>http://www.windowsazure.com/en-us/develop/net/fundamentals/cloud-storage-scenarios</a:t>
+              <a:t>http://</a:t>
             </a:r>
             <a:r>
               <a:rPr lang="en-AU" sz="2000" dirty="0" smtClean="0">
                 <a:hlinkClick r:id="rId6"/>
               </a:rPr>
-              <a:t>/</a:t>
+              <a:t>msdn.microsoft.com/en-us/library/windowsazure/ee730906.aspx</a:t>
             </a:r>
             <a:endParaRPr lang="en-AU" sz="2000" dirty="0" smtClean="0"/>
           </a:p>
@@ -35957,7 +35959,7 @@
               <a:rPr lang="en-AU" sz="2000" dirty="0">
                 <a:hlinkClick r:id="rId7"/>
               </a:rPr>
-              <a:t>http://www.windowsazure.com/en-us/develop/net/architecture</a:t>
+              <a:t>http://www.windowsazure.com/en-us/develop/net/fundamentals/cloud-storage-scenarios</a:t>
             </a:r>
             <a:r>
               <a:rPr lang="en-AU" sz="2000" dirty="0" smtClean="0">
@@ -35976,13 +35978,13 @@
               <a:rPr lang="en-AU" sz="2000" dirty="0">
                 <a:hlinkClick r:id="rId8"/>
               </a:rPr>
-              <a:t>http://</a:t>
+              <a:t>http://www.windowsazure.com/en-us/develop/net/architecture</a:t>
             </a:r>
             <a:r>
               <a:rPr lang="en-AU" sz="2000" dirty="0" smtClean="0">
                 <a:hlinkClick r:id="rId8"/>
               </a:rPr>
-              <a:t>social.technet.microsoft.com/wiki/contents/articles/1541.windows-azure-sql-database-connection-management.aspx</a:t>
+              <a:t>/</a:t>
             </a:r>
             <a:endParaRPr lang="en-AU" sz="2000" dirty="0" smtClean="0"/>
           </a:p>
@@ -35995,17 +35997,30 @@
               <a:rPr lang="en-AU" sz="2000" dirty="0">
                 <a:hlinkClick r:id="rId9"/>
               </a:rPr>
-              <a:t>http</a:t>
-            </a:r>
-            <a:r>
-              <a:rPr lang="en-AU" sz="2000">
+              <a:t>http://</a:t>
+            </a:r>
+            <a:r>
+              <a:rPr lang="en-AU" sz="2000" dirty="0" smtClean="0">
                 <a:hlinkClick r:id="rId9"/>
               </a:rPr>
-              <a:t>://</a:t>
-            </a:r>
-            <a:r>
-              <a:rPr lang="en-AU" sz="2000" smtClean="0">
-                <a:hlinkClick r:id="rId9"/>
+              <a:t>social.technet.microsoft.com/wiki/contents/articles/1541.windows-azure-sql-database-connection-management.aspx</a:t>
+            </a:r>
+            <a:endParaRPr lang="en-AU" sz="2000" dirty="0" smtClean="0"/>
+          </a:p>
+          <a:p>
+            <a:pPr marL="574675" indent="-571500">
+              <a:buFont typeface="Arial" panose="020B0604020202020204" pitchFamily="34" charset="0"/>
+              <a:buChar char="•"/>
+            </a:pPr>
+            <a:r>
+              <a:rPr lang="en-AU" sz="2000" dirty="0">
+                <a:hlinkClick r:id="rId10"/>
+              </a:rPr>
+              <a:t>http://</a:t>
+            </a:r>
+            <a:r>
+              <a:rPr lang="en-AU" sz="2000" dirty="0" smtClean="0">
+                <a:hlinkClick r:id="rId10"/>
               </a:rPr>
               <a:t>social.technet.microsoft.com/wiki/contents/articles/1695.inside-windows-azure-sql-database.aspx</a:t>
             </a:r>
